--- a/lectures/2023_GNET749_Lecture3.pptx
+++ b/lectures/2023_GNET749_Lecture3.pptx
@@ -5,13 +5,22 @@
     <p:sldMasterId id="2147483648" r:id="rId1"/>
   </p:sldMasterIdLst>
   <p:notesMasterIdLst>
-    <p:notesMasterId r:id="rId6"/>
+    <p:notesMasterId r:id="rId15"/>
   </p:notesMasterIdLst>
   <p:sldIdLst>
     <p:sldId id="256" r:id="rId2"/>
-    <p:sldId id="300" r:id="rId3"/>
-    <p:sldId id="301" r:id="rId4"/>
-    <p:sldId id="283" r:id="rId5"/>
+    <p:sldId id="302" r:id="rId3"/>
+    <p:sldId id="303" r:id="rId4"/>
+    <p:sldId id="305" r:id="rId5"/>
+    <p:sldId id="306" r:id="rId6"/>
+    <p:sldId id="300" r:id="rId7"/>
+    <p:sldId id="304" r:id="rId8"/>
+    <p:sldId id="301" r:id="rId9"/>
+    <p:sldId id="307" r:id="rId10"/>
+    <p:sldId id="283" r:id="rId11"/>
+    <p:sldId id="308" r:id="rId12"/>
+    <p:sldId id="309" r:id="rId13"/>
+    <p:sldId id="310" r:id="rId14"/>
   </p:sldIdLst>
   <p:sldSz cx="12192000" cy="6858000"/>
   <p:notesSz cx="6858000" cy="9144000"/>
@@ -110,6 +119,11 @@
       </a:defRPr>
     </a:lvl9pPr>
   </p:defaultTextStyle>
+  <p:extLst>
+    <p:ext uri="{EFAFB233-063F-42B5-8137-9DF3F51BA10A}">
+      <p15:sldGuideLst xmlns:p15="http://schemas.microsoft.com/office/powerpoint/2012/main"/>
+    </p:ext>
+  </p:extLst>
 </p:presentation>
 </file>
 
@@ -195,7 +209,7 @@
           <a:p>
             <a:fld id="{CED3B269-BCFD-3E4D-9867-060E5123D2F8}" type="datetimeFigureOut">
               <a:rPr lang="en-US" smtClean="0"/>
-              <a:t>4/14/23</a:t>
+              <a:t>4/17/23</a:t>
             </a:fld>
             <a:endParaRPr lang="en-US"/>
           </a:p>
@@ -690,7 +704,7 @@
           <a:p>
             <a:fld id="{C17BA9DE-A22B-9A47-BD58-93CE3EC6954C}" type="datetimeFigureOut">
               <a:rPr lang="en-US" smtClean="0"/>
-              <a:t>4/14/23</a:t>
+              <a:t>4/17/23</a:t>
             </a:fld>
             <a:endParaRPr lang="en-US"/>
           </a:p>
@@ -888,7 +902,7 @@
           <a:p>
             <a:fld id="{C17BA9DE-A22B-9A47-BD58-93CE3EC6954C}" type="datetimeFigureOut">
               <a:rPr lang="en-US" smtClean="0"/>
-              <a:t>4/14/23</a:t>
+              <a:t>4/17/23</a:t>
             </a:fld>
             <a:endParaRPr lang="en-US"/>
           </a:p>
@@ -1096,7 +1110,7 @@
           <a:p>
             <a:fld id="{C17BA9DE-A22B-9A47-BD58-93CE3EC6954C}" type="datetimeFigureOut">
               <a:rPr lang="en-US" smtClean="0"/>
-              <a:t>4/14/23</a:t>
+              <a:t>4/17/23</a:t>
             </a:fld>
             <a:endParaRPr lang="en-US"/>
           </a:p>
@@ -1294,7 +1308,7 @@
           <a:p>
             <a:fld id="{C17BA9DE-A22B-9A47-BD58-93CE3EC6954C}" type="datetimeFigureOut">
               <a:rPr lang="en-US" smtClean="0"/>
-              <a:t>4/14/23</a:t>
+              <a:t>4/17/23</a:t>
             </a:fld>
             <a:endParaRPr lang="en-US"/>
           </a:p>
@@ -1569,7 +1583,7 @@
           <a:p>
             <a:fld id="{C17BA9DE-A22B-9A47-BD58-93CE3EC6954C}" type="datetimeFigureOut">
               <a:rPr lang="en-US" smtClean="0"/>
-              <a:t>4/14/23</a:t>
+              <a:t>4/17/23</a:t>
             </a:fld>
             <a:endParaRPr lang="en-US"/>
           </a:p>
@@ -1834,7 +1848,7 @@
           <a:p>
             <a:fld id="{C17BA9DE-A22B-9A47-BD58-93CE3EC6954C}" type="datetimeFigureOut">
               <a:rPr lang="en-US" smtClean="0"/>
-              <a:t>4/14/23</a:t>
+              <a:t>4/17/23</a:t>
             </a:fld>
             <a:endParaRPr lang="en-US"/>
           </a:p>
@@ -2246,7 +2260,7 @@
           <a:p>
             <a:fld id="{C17BA9DE-A22B-9A47-BD58-93CE3EC6954C}" type="datetimeFigureOut">
               <a:rPr lang="en-US" smtClean="0"/>
-              <a:t>4/14/23</a:t>
+              <a:t>4/17/23</a:t>
             </a:fld>
             <a:endParaRPr lang="en-US"/>
           </a:p>
@@ -2387,7 +2401,7 @@
           <a:p>
             <a:fld id="{C17BA9DE-A22B-9A47-BD58-93CE3EC6954C}" type="datetimeFigureOut">
               <a:rPr lang="en-US" smtClean="0"/>
-              <a:t>4/14/23</a:t>
+              <a:t>4/17/23</a:t>
             </a:fld>
             <a:endParaRPr lang="en-US"/>
           </a:p>
@@ -2500,7 +2514,7 @@
           <a:p>
             <a:fld id="{C17BA9DE-A22B-9A47-BD58-93CE3EC6954C}" type="datetimeFigureOut">
               <a:rPr lang="en-US" smtClean="0"/>
-              <a:t>4/14/23</a:t>
+              <a:t>4/17/23</a:t>
             </a:fld>
             <a:endParaRPr lang="en-US"/>
           </a:p>
@@ -2811,7 +2825,7 @@
           <a:p>
             <a:fld id="{C17BA9DE-A22B-9A47-BD58-93CE3EC6954C}" type="datetimeFigureOut">
               <a:rPr lang="en-US" smtClean="0"/>
-              <a:t>4/14/23</a:t>
+              <a:t>4/17/23</a:t>
             </a:fld>
             <a:endParaRPr lang="en-US"/>
           </a:p>
@@ -3099,7 +3113,7 @@
           <a:p>
             <a:fld id="{C17BA9DE-A22B-9A47-BD58-93CE3EC6954C}" type="datetimeFigureOut">
               <a:rPr lang="en-US" smtClean="0"/>
-              <a:t>4/14/23</a:t>
+              <a:t>4/17/23</a:t>
             </a:fld>
             <a:endParaRPr lang="en-US"/>
           </a:p>
@@ -3340,7 +3354,7 @@
           <a:p>
             <a:fld id="{C17BA9DE-A22B-9A47-BD58-93CE3EC6954C}" type="datetimeFigureOut">
               <a:rPr lang="en-US" smtClean="0"/>
-              <a:t>4/14/23</a:t>
+              <a:t>4/17/23</a:t>
             </a:fld>
             <a:endParaRPr lang="en-US"/>
           </a:p>
@@ -3771,8 +3785,8 @@
         </p:nvSpPr>
         <p:spPr>
           <a:xfrm>
-            <a:off x="2514599" y="238540"/>
-            <a:ext cx="7523921" cy="369332"/>
+            <a:off x="1979505" y="258859"/>
+            <a:ext cx="9142308" cy="369332"/>
           </a:xfrm>
           <a:prstGeom prst="rect">
             <a:avLst/>
@@ -3787,7 +3801,7 @@
           <a:p>
             <a:r>
               <a:rPr lang="en-US" dirty="0"/>
-              <a:t>Class 3 – Creating your own functions and new data structures </a:t>
+              <a:t>Class 3 – Creating your own functions and new data structures and best practices </a:t>
             </a:r>
           </a:p>
         </p:txBody>
@@ -3805,420 +3819,7 @@
 </p:sld>
 </file>
 
-<file path=ppt/slides/slide2.xml><?xml version="1.0" encoding="utf-8"?>
-<p:sld xmlns:a="http://schemas.openxmlformats.org/drawingml/2006/main" xmlns:r="http://schemas.openxmlformats.org/officeDocument/2006/relationships" xmlns:p="http://schemas.openxmlformats.org/presentationml/2006/main">
-  <p:cSld>
-    <p:spTree>
-      <p:nvGrpSpPr>
-        <p:cNvPr id="1" name=""/>
-        <p:cNvGrpSpPr/>
-        <p:nvPr/>
-      </p:nvGrpSpPr>
-      <p:grpSpPr>
-        <a:xfrm>
-          <a:off x="0" y="0"/>
-          <a:ext cx="0" cy="0"/>
-          <a:chOff x="0" y="0"/>
-          <a:chExt cx="0" cy="0"/>
-        </a:xfrm>
-      </p:grpSpPr>
-      <p:sp>
-        <p:nvSpPr>
-          <p:cNvPr id="393" name="Functions"/>
-          <p:cNvSpPr txBox="1"/>
-          <p:nvPr/>
-        </p:nvSpPr>
-        <p:spPr>
-          <a:xfrm>
-            <a:off x="5399151" y="177130"/>
-            <a:ext cx="1402500" cy="420628"/>
-          </a:xfrm>
-          <a:prstGeom prst="rect">
-            <a:avLst/>
-          </a:prstGeom>
-          <a:ln w="12700">
-            <a:miter lim="400000"/>
-          </a:ln>
-          <a:extLst>
-            <a:ext uri="{C572A759-6A51-4108-AA02-DFA0A04FC94B}">
-              <ma14:wrappingTextBoxFlag xmlns="" xmlns:m="http://schemas.openxmlformats.org/officeDocument/2006/math" xmlns:a14="http://schemas.microsoft.com/office/drawing/2010/main" xmlns:ma14="http://schemas.microsoft.com/office/mac/drawingml/2011/main" val="1"/>
-            </a:ext>
-          </a:extLst>
-        </p:spPr>
-        <p:txBody>
-          <a:bodyPr wrap="none" lIns="25400" tIns="25400" rIns="25400" bIns="25400" anchor="ctr">
-            <a:spAutoFit/>
-          </a:bodyPr>
-          <a:lstStyle>
-            <a:lvl1pPr>
-              <a:defRPr sz="4800">
-                <a:latin typeface="Avenir Next Regular"/>
-                <a:ea typeface="Avenir Next Regular"/>
-                <a:cs typeface="Avenir Next Regular"/>
-                <a:sym typeface="Avenir Next Regular"/>
-              </a:defRPr>
-            </a:lvl1pPr>
-          </a:lstStyle>
-          <a:p>
-            <a:r>
-              <a:rPr sz="2400"/>
-              <a:t>Functions</a:t>
-            </a:r>
-          </a:p>
-        </p:txBody>
-      </p:sp>
-      <p:sp>
-        <p:nvSpPr>
-          <p:cNvPr id="394" name="You can give a function an evocative name that makes your code easier to understand.…"/>
-          <p:cNvSpPr txBox="1"/>
-          <p:nvPr/>
-        </p:nvSpPr>
-        <p:spPr>
-          <a:xfrm>
-            <a:off x="1132557" y="4544220"/>
-            <a:ext cx="7902804" cy="682238"/>
-          </a:xfrm>
-          <a:prstGeom prst="rect">
-            <a:avLst/>
-          </a:prstGeom>
-          <a:ln w="12700">
-            <a:miter lim="400000"/>
-          </a:ln>
-          <a:extLst>
-            <a:ext uri="{C572A759-6A51-4108-AA02-DFA0A04FC94B}">
-              <ma14:wrappingTextBoxFlag xmlns="" xmlns:m="http://schemas.openxmlformats.org/officeDocument/2006/math" xmlns:a14="http://schemas.microsoft.com/office/drawing/2010/main" xmlns:ma14="http://schemas.microsoft.com/office/mac/drawingml/2011/main" val="1"/>
-            </a:ext>
-          </a:extLst>
-        </p:spPr>
-        <p:txBody>
-          <a:bodyPr wrap="none" lIns="25400" tIns="25400" rIns="25400" bIns="25400" anchor="ctr">
-            <a:spAutoFit/>
-          </a:bodyPr>
-          <a:lstStyle/>
-          <a:p>
-            <a:pPr marL="228600" indent="-158750" defTabSz="228600">
-              <a:spcBef>
-                <a:spcPts val="300"/>
-              </a:spcBef>
-              <a:buClr>
-                <a:srgbClr val="212529"/>
-              </a:buClr>
-              <a:buSzPct val="100000"/>
-              <a:buFont typeface="TimesNewRomanPSMT"/>
-              <a:buAutoNum type="arabicPeriod"/>
-              <a:defRPr>
-                <a:solidFill>
-                  <a:srgbClr val="212529"/>
-                </a:solidFill>
-                <a:latin typeface="Avenir Next Regular"/>
-                <a:ea typeface="Avenir Next Regular"/>
-                <a:cs typeface="Avenir Next Regular"/>
-                <a:sym typeface="Avenir Next Regular"/>
-              </a:defRPr>
-            </a:pPr>
-            <a:r>
-              <a:rPr sz="900"/>
-              <a:t>You can give a function an evocative name that makes your code easier to understand.</a:t>
-            </a:r>
-          </a:p>
-          <a:p>
-            <a:pPr marL="228600" indent="-158750" defTabSz="228600">
-              <a:spcBef>
-                <a:spcPts val="300"/>
-              </a:spcBef>
-              <a:buClr>
-                <a:srgbClr val="212529"/>
-              </a:buClr>
-              <a:buSzPct val="100000"/>
-              <a:buFont typeface="TimesNewRomanPSMT"/>
-              <a:buAutoNum type="arabicPeriod"/>
-              <a:defRPr>
-                <a:solidFill>
-                  <a:srgbClr val="212529"/>
-                </a:solidFill>
-                <a:latin typeface="Avenir Next Regular"/>
-                <a:ea typeface="Avenir Next Regular"/>
-                <a:cs typeface="Avenir Next Regular"/>
-                <a:sym typeface="Avenir Next Regular"/>
-              </a:defRPr>
-            </a:pPr>
-            <a:r>
-              <a:rPr sz="900"/>
-              <a:t>As requirements change, you only need to update code in one place, instead of many.</a:t>
-            </a:r>
-          </a:p>
-          <a:p>
-            <a:pPr marL="228600" indent="-158750" defTabSz="228600">
-              <a:spcBef>
-                <a:spcPts val="300"/>
-              </a:spcBef>
-              <a:buClr>
-                <a:srgbClr val="212529"/>
-              </a:buClr>
-              <a:buSzPct val="100000"/>
-              <a:buFont typeface="TimesNewRomanPSMT"/>
-              <a:buAutoNum type="arabicPeriod"/>
-              <a:defRPr>
-                <a:solidFill>
-                  <a:srgbClr val="212529"/>
-                </a:solidFill>
-                <a:latin typeface="Avenir Next Regular"/>
-                <a:ea typeface="Avenir Next Regular"/>
-                <a:cs typeface="Avenir Next Regular"/>
-                <a:sym typeface="Avenir Next Regular"/>
-              </a:defRPr>
-            </a:pPr>
-            <a:r>
-              <a:rPr sz="900"/>
-              <a:t>You eliminate the chance of making incidental mistakes when you copy and paste (i.e. updating a variable name in one place, but not in another).</a:t>
-            </a:r>
-            <a:br>
-              <a:rPr sz="900"/>
-            </a:br>
-            <a:endParaRPr sz="900"/>
-          </a:p>
-        </p:txBody>
-      </p:sp>
-      <p:sp>
-        <p:nvSpPr>
-          <p:cNvPr id="395" name="-https://r4ds.had.co.nz/functions.html"/>
-          <p:cNvSpPr txBox="1"/>
-          <p:nvPr/>
-        </p:nvSpPr>
-        <p:spPr>
-          <a:xfrm>
-            <a:off x="9674735" y="6181098"/>
-            <a:ext cx="1888337" cy="189796"/>
-          </a:xfrm>
-          <a:prstGeom prst="rect">
-            <a:avLst/>
-          </a:prstGeom>
-          <a:ln w="12700">
-            <a:miter lim="400000"/>
-          </a:ln>
-          <a:extLst>
-            <a:ext uri="{C572A759-6A51-4108-AA02-DFA0A04FC94B}">
-              <ma14:wrappingTextBoxFlag xmlns="" xmlns:m="http://schemas.openxmlformats.org/officeDocument/2006/math" xmlns:a14="http://schemas.microsoft.com/office/drawing/2010/main" xmlns:ma14="http://schemas.microsoft.com/office/mac/drawingml/2011/main" val="1"/>
-            </a:ext>
-          </a:extLst>
-        </p:spPr>
-        <p:txBody>
-          <a:bodyPr wrap="none" lIns="25400" tIns="25400" rIns="25400" bIns="25400" anchor="ctr">
-            <a:spAutoFit/>
-          </a:bodyPr>
-          <a:lstStyle/>
-          <a:p>
-            <a:r>
-              <a:rPr sz="900" dirty="0"/>
-              <a:t> -https://r4ds.had.co.nz/</a:t>
-            </a:r>
-            <a:r>
-              <a:rPr sz="900" dirty="0" err="1"/>
-              <a:t>functions.html</a:t>
-            </a:r>
-            <a:endParaRPr sz="900" dirty="0"/>
-          </a:p>
-        </p:txBody>
-      </p:sp>
-      <p:sp>
-        <p:nvSpPr>
-          <p:cNvPr id="396" name="Reasons to make a new function"/>
-          <p:cNvSpPr txBox="1"/>
-          <p:nvPr/>
-        </p:nvSpPr>
-        <p:spPr>
-          <a:xfrm>
-            <a:off x="1153739" y="3940531"/>
-            <a:ext cx="3417089" cy="328295"/>
-          </a:xfrm>
-          <a:prstGeom prst="rect">
-            <a:avLst/>
-          </a:prstGeom>
-          <a:ln w="12700">
-            <a:miter lim="400000"/>
-          </a:ln>
-          <a:extLst>
-            <a:ext uri="{C572A759-6A51-4108-AA02-DFA0A04FC94B}">
-              <ma14:wrappingTextBoxFlag xmlns="" xmlns:m="http://schemas.openxmlformats.org/officeDocument/2006/math" xmlns:a14="http://schemas.microsoft.com/office/drawing/2010/main" xmlns:ma14="http://schemas.microsoft.com/office/mac/drawingml/2011/main" val="1"/>
-            </a:ext>
-          </a:extLst>
-        </p:spPr>
-        <p:txBody>
-          <a:bodyPr wrap="none" lIns="25400" tIns="25400" rIns="25400" bIns="25400" anchor="ctr">
-            <a:spAutoFit/>
-          </a:bodyPr>
-          <a:lstStyle>
-            <a:lvl1pPr>
-              <a:defRPr sz="3600">
-                <a:solidFill>
-                  <a:schemeClr val="accent1">
-                    <a:lumOff val="-13575"/>
-                  </a:schemeClr>
-                </a:solidFill>
-                <a:latin typeface="Avenir Next Regular"/>
-                <a:ea typeface="Avenir Next Regular"/>
-                <a:cs typeface="Avenir Next Regular"/>
-                <a:sym typeface="Avenir Next Regular"/>
-              </a:defRPr>
-            </a:lvl1pPr>
-          </a:lstStyle>
-          <a:p>
-            <a:r>
-              <a:rPr sz="1800"/>
-              <a:t>Reasons to make a new function</a:t>
-            </a:r>
-          </a:p>
-        </p:txBody>
-      </p:sp>
-      <p:sp>
-        <p:nvSpPr>
-          <p:cNvPr id="397" name="Any chunk of code you are going to reuse - can be built in or come with a package or user made…"/>
-          <p:cNvSpPr txBox="1"/>
-          <p:nvPr/>
-        </p:nvSpPr>
-        <p:spPr>
-          <a:xfrm>
-            <a:off x="1130476" y="1636162"/>
-            <a:ext cx="4637488" cy="466794"/>
-          </a:xfrm>
-          <a:prstGeom prst="rect">
-            <a:avLst/>
-          </a:prstGeom>
-          <a:ln w="12700">
-            <a:miter lim="400000"/>
-          </a:ln>
-          <a:extLst>
-            <a:ext uri="{C572A759-6A51-4108-AA02-DFA0A04FC94B}">
-              <ma14:wrappingTextBoxFlag xmlns="" xmlns:m="http://schemas.openxmlformats.org/officeDocument/2006/math" xmlns:a14="http://schemas.microsoft.com/office/drawing/2010/main" xmlns:ma14="http://schemas.microsoft.com/office/mac/drawingml/2011/main" val="1"/>
-            </a:ext>
-          </a:extLst>
-        </p:spPr>
-        <p:txBody>
-          <a:bodyPr wrap="none" lIns="25400" tIns="25400" rIns="25400" bIns="25400" anchor="ctr">
-            <a:spAutoFit/>
-          </a:bodyPr>
-          <a:lstStyle/>
-          <a:p>
-            <a:pPr marL="114300" indent="-114300">
-              <a:buSzPct val="100000"/>
-              <a:buChar char="•"/>
-            </a:pPr>
-            <a:r>
-              <a:rPr sz="900" dirty="0"/>
-              <a:t>Any chunk of code you are going to reuse - can be built in or come with a package or user made</a:t>
-            </a:r>
-          </a:p>
-          <a:p>
-            <a:pPr marL="114300" indent="-114300">
-              <a:buSzPct val="100000"/>
-              <a:buChar char="•"/>
-            </a:pPr>
-            <a:r>
-              <a:rPr sz="900" dirty="0"/>
-              <a:t>Can take 0 or more arguments</a:t>
-            </a:r>
-          </a:p>
-          <a:p>
-            <a:pPr marL="114300" indent="-114300">
-              <a:buSzPct val="100000"/>
-              <a:buChar char="•"/>
-            </a:pPr>
-            <a:r>
-              <a:rPr sz="900" dirty="0"/>
-              <a:t>Can return some value(s) or objects</a:t>
-            </a:r>
-          </a:p>
-        </p:txBody>
-      </p:sp>
-      <p:sp>
-        <p:nvSpPr>
-          <p:cNvPr id="398" name="What are functions"/>
-          <p:cNvSpPr txBox="1"/>
-          <p:nvPr/>
-        </p:nvSpPr>
-        <p:spPr>
-          <a:xfrm>
-            <a:off x="1087266" y="1155794"/>
-            <a:ext cx="2018822" cy="328295"/>
-          </a:xfrm>
-          <a:prstGeom prst="rect">
-            <a:avLst/>
-          </a:prstGeom>
-          <a:ln w="12700">
-            <a:miter lim="400000"/>
-          </a:ln>
-          <a:extLst>
-            <a:ext uri="{C572A759-6A51-4108-AA02-DFA0A04FC94B}">
-              <ma14:wrappingTextBoxFlag xmlns="" xmlns:m="http://schemas.openxmlformats.org/officeDocument/2006/math" xmlns:a14="http://schemas.microsoft.com/office/drawing/2010/main" xmlns:ma14="http://schemas.microsoft.com/office/mac/drawingml/2011/main" val="1"/>
-            </a:ext>
-          </a:extLst>
-        </p:spPr>
-        <p:txBody>
-          <a:bodyPr wrap="none" lIns="25400" tIns="25400" rIns="25400" bIns="25400" anchor="ctr">
-            <a:spAutoFit/>
-          </a:bodyPr>
-          <a:lstStyle>
-            <a:lvl1pPr>
-              <a:defRPr sz="3600">
-                <a:solidFill>
-                  <a:schemeClr val="accent1">
-                    <a:lumOff val="-13575"/>
-                  </a:schemeClr>
-                </a:solidFill>
-                <a:latin typeface="Avenir Next Regular"/>
-                <a:ea typeface="Avenir Next Regular"/>
-                <a:cs typeface="Avenir Next Regular"/>
-                <a:sym typeface="Avenir Next Regular"/>
-              </a:defRPr>
-            </a:lvl1pPr>
-          </a:lstStyle>
-          <a:p>
-            <a:r>
-              <a:rPr sz="1800" dirty="0"/>
-              <a:t>What are functions</a:t>
-            </a:r>
-          </a:p>
-        </p:txBody>
-      </p:sp>
-    </p:spTree>
-  </p:cSld>
-  <p:clrMapOvr>
-    <a:masterClrMapping/>
-  </p:clrMapOvr>
-</p:sld>
-</file>
-
-<file path=ppt/slides/slide3.xml><?xml version="1.0" encoding="utf-8"?>
-<p:sld xmlns:a="http://schemas.openxmlformats.org/drawingml/2006/main" xmlns:r="http://schemas.openxmlformats.org/officeDocument/2006/relationships" xmlns:p="http://schemas.openxmlformats.org/presentationml/2006/main">
-  <p:cSld>
-    <p:spTree>
-      <p:nvGrpSpPr>
-        <p:cNvPr id="1" name=""/>
-        <p:cNvGrpSpPr/>
-        <p:nvPr/>
-      </p:nvGrpSpPr>
-      <p:grpSpPr>
-        <a:xfrm>
-          <a:off x="0" y="0"/>
-          <a:ext cx="0" cy="0"/>
-          <a:chOff x="0" y="0"/>
-          <a:chExt cx="0" cy="0"/>
-        </a:xfrm>
-      </p:grpSpPr>
-    </p:spTree>
-    <p:extLst>
-      <p:ext uri="{BB962C8B-B14F-4D97-AF65-F5344CB8AC3E}">
-        <p14:creationId xmlns:p14="http://schemas.microsoft.com/office/powerpoint/2010/main" val="3179177417"/>
-      </p:ext>
-    </p:extLst>
-  </p:cSld>
-  <p:clrMapOvr>
-    <a:masterClrMapping/>
-  </p:clrMapOvr>
-</p:sld>
-</file>
-
-<file path=ppt/slides/slide4.xml><?xml version="1.0" encoding="utf-8"?>
+<file path=ppt/slides/slide10.xml><?xml version="1.0" encoding="utf-8"?>
 <p:sld xmlns:a="http://schemas.openxmlformats.org/drawingml/2006/main" xmlns:r="http://schemas.openxmlformats.org/officeDocument/2006/relationships" xmlns:p="http://schemas.openxmlformats.org/presentationml/2006/main">
   <p:cSld>
     <p:spTree>
@@ -4281,7 +3882,7 @@
           </a:ln>
           <a:extLst>
             <a:ext uri="{C572A759-6A51-4108-AA02-DFA0A04FC94B}">
-              <ma14:wrappingTextBoxFlag xmlns:ma14="http://schemas.microsoft.com/office/mac/drawingml/2011/main" xmlns:a14="http://schemas.microsoft.com/office/drawing/2010/main" xmlns:m="http://schemas.openxmlformats.org/officeDocument/2006/math" xmlns="" val="1"/>
+              <ma14:wrappingTextBoxFlag xmlns="" xmlns:m="http://schemas.openxmlformats.org/officeDocument/2006/math" xmlns:a14="http://schemas.microsoft.com/office/drawing/2010/main" xmlns:ma14="http://schemas.microsoft.com/office/mac/drawingml/2011/main" val="1"/>
             </a:ext>
           </a:extLst>
         </p:spPr>
@@ -4317,7 +3918,7 @@
           </a:ln>
           <a:extLst>
             <a:ext uri="{C572A759-6A51-4108-AA02-DFA0A04FC94B}">
-              <ma14:wrappingTextBoxFlag xmlns:ma14="http://schemas.microsoft.com/office/mac/drawingml/2011/main" xmlns:a14="http://schemas.microsoft.com/office/drawing/2010/main" xmlns:m="http://schemas.openxmlformats.org/officeDocument/2006/math" xmlns="" val="1"/>
+              <ma14:wrappingTextBoxFlag xmlns="" xmlns:m="http://schemas.openxmlformats.org/officeDocument/2006/math" xmlns:a14="http://schemas.microsoft.com/office/drawing/2010/main" xmlns:ma14="http://schemas.microsoft.com/office/mac/drawingml/2011/main" val="1"/>
             </a:ext>
           </a:extLst>
         </p:spPr>
@@ -4391,7 +3992,7 @@
           </a:ln>
           <a:extLst>
             <a:ext uri="{C572A759-6A51-4108-AA02-DFA0A04FC94B}">
-              <ma14:wrappingTextBoxFlag xmlns:ma14="http://schemas.microsoft.com/office/mac/drawingml/2011/main" xmlns:a14="http://schemas.microsoft.com/office/drawing/2010/main" xmlns:m="http://schemas.openxmlformats.org/officeDocument/2006/math" xmlns="" val="1"/>
+              <ma14:wrappingTextBoxFlag xmlns="" xmlns:m="http://schemas.openxmlformats.org/officeDocument/2006/math" xmlns:a14="http://schemas.microsoft.com/office/drawing/2010/main" xmlns:ma14="http://schemas.microsoft.com/office/mac/drawingml/2011/main" val="1"/>
             </a:ext>
           </a:extLst>
         </p:spPr>
@@ -4480,7 +4081,7 @@
           </a:ln>
           <a:extLst>
             <a:ext uri="{C572A759-6A51-4108-AA02-DFA0A04FC94B}">
-              <ma14:wrappingTextBoxFlag xmlns:ma14="http://schemas.microsoft.com/office/mac/drawingml/2011/main" xmlns:a14="http://schemas.microsoft.com/office/drawing/2010/main" xmlns:m="http://schemas.openxmlformats.org/officeDocument/2006/math" xmlns="" val="1"/>
+              <ma14:wrappingTextBoxFlag xmlns="" xmlns:m="http://schemas.openxmlformats.org/officeDocument/2006/math" xmlns:a14="http://schemas.microsoft.com/office/drawing/2010/main" xmlns:ma14="http://schemas.microsoft.com/office/mac/drawingml/2011/main" val="1"/>
             </a:ext>
           </a:extLst>
         </p:spPr>
@@ -4549,7 +4150,7 @@
         </p:nvGrpSpPr>
         <p:grpSpPr>
           <a:xfrm>
-            <a:off x="2891706" y="449328"/>
+            <a:off x="3180723" y="371230"/>
             <a:ext cx="5281639" cy="1131145"/>
             <a:chOff x="-1" y="-10369"/>
             <a:chExt cx="10563275" cy="2262287"/>
@@ -4577,7 +4178,7 @@
             <a:effectLst/>
             <a:extLst>
               <a:ext uri="{C572A759-6A51-4108-AA02-DFA0A04FC94B}">
-                <ma14:wrappingTextBoxFlag xmlns:ma14="http://schemas.microsoft.com/office/mac/drawingml/2011/main" xmlns:a14="http://schemas.microsoft.com/office/drawing/2010/main" xmlns:m="http://schemas.openxmlformats.org/officeDocument/2006/math" xmlns="" val="1"/>
+                <ma14:wrappingTextBoxFlag xmlns="" xmlns:m="http://schemas.openxmlformats.org/officeDocument/2006/math" xmlns:a14="http://schemas.microsoft.com/office/drawing/2010/main" xmlns:ma14="http://schemas.microsoft.com/office/mac/drawingml/2011/main" val="1"/>
               </a:ext>
             </a:extLst>
           </p:spPr>
@@ -4592,7 +4193,7 @@
             </a:lstStyle>
             <a:p>
               <a:r>
-                <a:rPr sz="2400"/>
+                <a:rPr sz="2400" dirty="0"/>
                 <a:t>What is a summarized experiment object</a:t>
               </a:r>
             </a:p>
@@ -4644,6 +4245,1918 @@
         </p:sp>
       </p:grpSp>
     </p:spTree>
+  </p:cSld>
+  <p:clrMapOvr>
+    <a:masterClrMapping/>
+  </p:clrMapOvr>
+</p:sld>
+</file>
+
+<file path=ppt/slides/slide11.xml><?xml version="1.0" encoding="utf-8"?>
+<p:sld xmlns:a="http://schemas.openxmlformats.org/drawingml/2006/main" xmlns:r="http://schemas.openxmlformats.org/officeDocument/2006/relationships" xmlns:p="http://schemas.openxmlformats.org/presentationml/2006/main">
+  <p:cSld>
+    <p:spTree>
+      <p:nvGrpSpPr>
+        <p:cNvPr id="1" name=""/>
+        <p:cNvGrpSpPr/>
+        <p:nvPr/>
+      </p:nvGrpSpPr>
+      <p:grpSpPr>
+        <a:xfrm>
+          <a:off x="0" y="0"/>
+          <a:ext cx="0" cy="0"/>
+          <a:chOff x="0" y="0"/>
+          <a:chExt cx="0" cy="0"/>
+        </a:xfrm>
+      </p:grpSpPr>
+      <p:sp>
+        <p:nvSpPr>
+          <p:cNvPr id="2" name="TextBox 1">
+            <a:extLst>
+              <a:ext uri="{FF2B5EF4-FFF2-40B4-BE49-F238E27FC236}">
+                <a16:creationId xmlns:a16="http://schemas.microsoft.com/office/drawing/2014/main" id="{2B40ECDF-3DEA-1F79-21AD-BE0D9E55328C}"/>
+              </a:ext>
+            </a:extLst>
+          </p:cNvPr>
+          <p:cNvSpPr txBox="1"/>
+          <p:nvPr/>
+        </p:nvSpPr>
+        <p:spPr>
+          <a:xfrm>
+            <a:off x="4822614" y="270933"/>
+            <a:ext cx="7321973" cy="369332"/>
+          </a:xfrm>
+          <a:prstGeom prst="rect">
+            <a:avLst/>
+          </a:prstGeom>
+          <a:noFill/>
+        </p:spPr>
+        <p:txBody>
+          <a:bodyPr wrap="square" rtlCol="0">
+            <a:spAutoFit/>
+          </a:bodyPr>
+          <a:lstStyle/>
+          <a:p>
+            <a:r>
+              <a:rPr lang="en-US" dirty="0"/>
+              <a:t>10 best practices</a:t>
+            </a:r>
+          </a:p>
+        </p:txBody>
+      </p:sp>
+    </p:spTree>
+    <p:extLst>
+      <p:ext uri="{BB962C8B-B14F-4D97-AF65-F5344CB8AC3E}">
+        <p14:creationId xmlns:p14="http://schemas.microsoft.com/office/powerpoint/2010/main" val="2158544033"/>
+      </p:ext>
+    </p:extLst>
+  </p:cSld>
+  <p:clrMapOvr>
+    <a:masterClrMapping/>
+  </p:clrMapOvr>
+</p:sld>
+</file>
+
+<file path=ppt/slides/slide12.xml><?xml version="1.0" encoding="utf-8"?>
+<p:sld xmlns:a="http://schemas.openxmlformats.org/drawingml/2006/main" xmlns:r="http://schemas.openxmlformats.org/officeDocument/2006/relationships" xmlns:p="http://schemas.openxmlformats.org/presentationml/2006/main">
+  <p:cSld>
+    <p:spTree>
+      <p:nvGrpSpPr>
+        <p:cNvPr id="1" name=""/>
+        <p:cNvGrpSpPr/>
+        <p:nvPr/>
+      </p:nvGrpSpPr>
+      <p:grpSpPr>
+        <a:xfrm>
+          <a:off x="0" y="0"/>
+          <a:ext cx="0" cy="0"/>
+          <a:chOff x="0" y="0"/>
+          <a:chExt cx="0" cy="0"/>
+        </a:xfrm>
+      </p:grpSpPr>
+      <p:sp>
+        <p:nvSpPr>
+          <p:cNvPr id="2" name="TextBox 1">
+            <a:extLst>
+              <a:ext uri="{FF2B5EF4-FFF2-40B4-BE49-F238E27FC236}">
+                <a16:creationId xmlns:a16="http://schemas.microsoft.com/office/drawing/2014/main" id="{A1DC9D2A-6F90-050D-48C4-B7DCC5158B28}"/>
+              </a:ext>
+            </a:extLst>
+          </p:cNvPr>
+          <p:cNvSpPr txBox="1"/>
+          <p:nvPr/>
+        </p:nvSpPr>
+        <p:spPr>
+          <a:xfrm>
+            <a:off x="2770293" y="230293"/>
+            <a:ext cx="6156960" cy="369332"/>
+          </a:xfrm>
+          <a:prstGeom prst="rect">
+            <a:avLst/>
+          </a:prstGeom>
+          <a:noFill/>
+        </p:spPr>
+        <p:txBody>
+          <a:bodyPr wrap="square" rtlCol="0">
+            <a:spAutoFit/>
+          </a:bodyPr>
+          <a:lstStyle/>
+          <a:p>
+            <a:r>
+              <a:rPr lang="en-US" dirty="0"/>
+              <a:t>More pivoting/merging - examples</a:t>
+            </a:r>
+          </a:p>
+        </p:txBody>
+      </p:sp>
+    </p:spTree>
+    <p:extLst>
+      <p:ext uri="{BB962C8B-B14F-4D97-AF65-F5344CB8AC3E}">
+        <p14:creationId xmlns:p14="http://schemas.microsoft.com/office/powerpoint/2010/main" val="1440623824"/>
+      </p:ext>
+    </p:extLst>
+  </p:cSld>
+  <p:clrMapOvr>
+    <a:masterClrMapping/>
+  </p:clrMapOvr>
+</p:sld>
+</file>
+
+<file path=ppt/slides/slide13.xml><?xml version="1.0" encoding="utf-8"?>
+<p:sld xmlns:a="http://schemas.openxmlformats.org/drawingml/2006/main" xmlns:r="http://schemas.openxmlformats.org/officeDocument/2006/relationships" xmlns:p="http://schemas.openxmlformats.org/presentationml/2006/main">
+  <p:cSld>
+    <p:spTree>
+      <p:nvGrpSpPr>
+        <p:cNvPr id="1" name=""/>
+        <p:cNvGrpSpPr/>
+        <p:nvPr/>
+      </p:nvGrpSpPr>
+      <p:grpSpPr>
+        <a:xfrm>
+          <a:off x="0" y="0"/>
+          <a:ext cx="0" cy="0"/>
+          <a:chOff x="0" y="0"/>
+          <a:chExt cx="0" cy="0"/>
+        </a:xfrm>
+      </p:grpSpPr>
+      <p:sp>
+        <p:nvSpPr>
+          <p:cNvPr id="2" name="TextBox 1">
+            <a:extLst>
+              <a:ext uri="{FF2B5EF4-FFF2-40B4-BE49-F238E27FC236}">
+                <a16:creationId xmlns:a16="http://schemas.microsoft.com/office/drawing/2014/main" id="{9B58B4FA-F21A-26DC-43DB-D2B51031D171}"/>
+              </a:ext>
+            </a:extLst>
+          </p:cNvPr>
+          <p:cNvSpPr txBox="1"/>
+          <p:nvPr/>
+        </p:nvSpPr>
+        <p:spPr>
+          <a:xfrm>
+            <a:off x="3711787" y="115147"/>
+            <a:ext cx="4775200" cy="369332"/>
+          </a:xfrm>
+          <a:prstGeom prst="rect">
+            <a:avLst/>
+          </a:prstGeom>
+          <a:noFill/>
+        </p:spPr>
+        <p:txBody>
+          <a:bodyPr wrap="square" rtlCol="0">
+            <a:spAutoFit/>
+          </a:bodyPr>
+          <a:lstStyle/>
+          <a:p>
+            <a:r>
+              <a:rPr lang="en-US" dirty="0"/>
+              <a:t>More plotting/faceting examples</a:t>
+            </a:r>
+          </a:p>
+        </p:txBody>
+      </p:sp>
+    </p:spTree>
+    <p:extLst>
+      <p:ext uri="{BB962C8B-B14F-4D97-AF65-F5344CB8AC3E}">
+        <p14:creationId xmlns:p14="http://schemas.microsoft.com/office/powerpoint/2010/main" val="3034421642"/>
+      </p:ext>
+    </p:extLst>
+  </p:cSld>
+  <p:clrMapOvr>
+    <a:masterClrMapping/>
+  </p:clrMapOvr>
+</p:sld>
+</file>
+
+<file path=ppt/slides/slide2.xml><?xml version="1.0" encoding="utf-8"?>
+<p:sld xmlns:a="http://schemas.openxmlformats.org/drawingml/2006/main" xmlns:r="http://schemas.openxmlformats.org/officeDocument/2006/relationships" xmlns:p="http://schemas.openxmlformats.org/presentationml/2006/main">
+  <p:cSld>
+    <p:spTree>
+      <p:nvGrpSpPr>
+        <p:cNvPr id="1" name=""/>
+        <p:cNvGrpSpPr/>
+        <p:nvPr/>
+      </p:nvGrpSpPr>
+      <p:grpSpPr>
+        <a:xfrm>
+          <a:off x="0" y="0"/>
+          <a:ext cx="0" cy="0"/>
+          <a:chOff x="0" y="0"/>
+          <a:chExt cx="0" cy="0"/>
+        </a:xfrm>
+      </p:grpSpPr>
+      <p:sp>
+        <p:nvSpPr>
+          <p:cNvPr id="2" name="Title 1">
+            <a:extLst>
+              <a:ext uri="{FF2B5EF4-FFF2-40B4-BE49-F238E27FC236}">
+                <a16:creationId xmlns:a16="http://schemas.microsoft.com/office/drawing/2014/main" id="{B4EB949B-90AB-DC09-FBC4-4B96BF4EB896}"/>
+              </a:ext>
+            </a:extLst>
+          </p:cNvPr>
+          <p:cNvSpPr>
+            <a:spLocks noGrp="1"/>
+          </p:cNvSpPr>
+          <p:nvPr>
+            <p:ph type="title"/>
+          </p:nvPr>
+        </p:nvSpPr>
+        <p:spPr/>
+        <p:txBody>
+          <a:bodyPr/>
+          <a:lstStyle/>
+          <a:p>
+            <a:r>
+              <a:rPr lang="en-US" dirty="0"/>
+              <a:t>Recap from last time</a:t>
+            </a:r>
+          </a:p>
+        </p:txBody>
+      </p:sp>
+      <p:sp>
+        <p:nvSpPr>
+          <p:cNvPr id="3" name="Content Placeholder 2">
+            <a:extLst>
+              <a:ext uri="{FF2B5EF4-FFF2-40B4-BE49-F238E27FC236}">
+                <a16:creationId xmlns:a16="http://schemas.microsoft.com/office/drawing/2014/main" id="{EA800592-07B8-8124-CD74-D900599B8C4F}"/>
+              </a:ext>
+            </a:extLst>
+          </p:cNvPr>
+          <p:cNvSpPr>
+            <a:spLocks noGrp="1"/>
+          </p:cNvSpPr>
+          <p:nvPr>
+            <p:ph idx="1"/>
+          </p:nvPr>
+        </p:nvSpPr>
+        <p:spPr/>
+        <p:txBody>
+          <a:bodyPr/>
+          <a:lstStyle/>
+          <a:p>
+            <a:pPr marL="342900" indent="-342900">
+              <a:buAutoNum type="arabicPeriod"/>
+            </a:pPr>
+            <a:r>
+              <a:rPr lang="en-US" dirty="0"/>
+              <a:t>Tidy Data (wide vs long format of data)</a:t>
+            </a:r>
+          </a:p>
+          <a:p>
+            <a:pPr marL="342900" indent="-342900">
+              <a:buAutoNum type="arabicPeriod"/>
+            </a:pPr>
+            <a:r>
+              <a:rPr lang="en-US" dirty="0"/>
+              <a:t>Plotting</a:t>
+            </a:r>
+          </a:p>
+          <a:p>
+            <a:pPr marL="342900" indent="-342900">
+              <a:buAutoNum type="arabicPeriod"/>
+            </a:pPr>
+            <a:r>
+              <a:rPr lang="en-US" dirty="0"/>
+              <a:t>Merging and joining (relational data)</a:t>
+            </a:r>
+          </a:p>
+          <a:p>
+            <a:endParaRPr lang="en-US" dirty="0"/>
+          </a:p>
+        </p:txBody>
+      </p:sp>
+    </p:spTree>
+    <p:extLst>
+      <p:ext uri="{BB962C8B-B14F-4D97-AF65-F5344CB8AC3E}">
+        <p14:creationId xmlns:p14="http://schemas.microsoft.com/office/powerpoint/2010/main" val="3446459360"/>
+      </p:ext>
+    </p:extLst>
+  </p:cSld>
+  <p:clrMapOvr>
+    <a:masterClrMapping/>
+  </p:clrMapOvr>
+</p:sld>
+</file>
+
+<file path=ppt/slides/slide3.xml><?xml version="1.0" encoding="utf-8"?>
+<p:sld xmlns:a="http://schemas.openxmlformats.org/drawingml/2006/main" xmlns:r="http://schemas.openxmlformats.org/officeDocument/2006/relationships" xmlns:p="http://schemas.openxmlformats.org/presentationml/2006/main">
+  <p:cSld>
+    <p:spTree>
+      <p:nvGrpSpPr>
+        <p:cNvPr id="1" name=""/>
+        <p:cNvGrpSpPr/>
+        <p:nvPr/>
+      </p:nvGrpSpPr>
+      <p:grpSpPr>
+        <a:xfrm>
+          <a:off x="0" y="0"/>
+          <a:ext cx="0" cy="0"/>
+          <a:chOff x="0" y="0"/>
+          <a:chExt cx="0" cy="0"/>
+        </a:xfrm>
+      </p:grpSpPr>
+      <p:sp>
+        <p:nvSpPr>
+          <p:cNvPr id="2" name="Title 1">
+            <a:extLst>
+              <a:ext uri="{FF2B5EF4-FFF2-40B4-BE49-F238E27FC236}">
+                <a16:creationId xmlns:a16="http://schemas.microsoft.com/office/drawing/2014/main" id="{DB197D4B-3064-0A16-54B7-66AA04467068}"/>
+              </a:ext>
+            </a:extLst>
+          </p:cNvPr>
+          <p:cNvSpPr>
+            <a:spLocks noGrp="1"/>
+          </p:cNvSpPr>
+          <p:nvPr>
+            <p:ph type="title"/>
+          </p:nvPr>
+        </p:nvSpPr>
+        <p:spPr/>
+        <p:txBody>
+          <a:bodyPr/>
+          <a:lstStyle/>
+          <a:p>
+            <a:r>
+              <a:rPr lang="en-US" dirty="0"/>
+              <a:t>Practice</a:t>
+            </a:r>
+          </a:p>
+        </p:txBody>
+      </p:sp>
+      <p:sp>
+        <p:nvSpPr>
+          <p:cNvPr id="3" name="Content Placeholder 2">
+            <a:extLst>
+              <a:ext uri="{FF2B5EF4-FFF2-40B4-BE49-F238E27FC236}">
+                <a16:creationId xmlns:a16="http://schemas.microsoft.com/office/drawing/2014/main" id="{8A3F45AC-047C-9015-01BC-AC31A052B423}"/>
+              </a:ext>
+            </a:extLst>
+          </p:cNvPr>
+          <p:cNvSpPr>
+            <a:spLocks noGrp="1"/>
+          </p:cNvSpPr>
+          <p:nvPr>
+            <p:ph idx="1"/>
+          </p:nvPr>
+        </p:nvSpPr>
+        <p:spPr/>
+        <p:txBody>
+          <a:bodyPr/>
+          <a:lstStyle/>
+          <a:p>
+            <a:endParaRPr lang="en-US" dirty="0"/>
+          </a:p>
+        </p:txBody>
+      </p:sp>
+    </p:spTree>
+    <p:extLst>
+      <p:ext uri="{BB962C8B-B14F-4D97-AF65-F5344CB8AC3E}">
+        <p14:creationId xmlns:p14="http://schemas.microsoft.com/office/powerpoint/2010/main" val="598731948"/>
+      </p:ext>
+    </p:extLst>
+  </p:cSld>
+  <p:clrMapOvr>
+    <a:masterClrMapping/>
+  </p:clrMapOvr>
+</p:sld>
+</file>
+
+<file path=ppt/slides/slide4.xml><?xml version="1.0" encoding="utf-8"?>
+<p:sld xmlns:a="http://schemas.openxmlformats.org/drawingml/2006/main" xmlns:r="http://schemas.openxmlformats.org/officeDocument/2006/relationships" xmlns:p="http://schemas.openxmlformats.org/presentationml/2006/main">
+  <p:cSld>
+    <p:spTree>
+      <p:nvGrpSpPr>
+        <p:cNvPr id="1" name=""/>
+        <p:cNvGrpSpPr/>
+        <p:nvPr/>
+      </p:nvGrpSpPr>
+      <p:grpSpPr>
+        <a:xfrm>
+          <a:off x="0" y="0"/>
+          <a:ext cx="0" cy="0"/>
+          <a:chOff x="0" y="0"/>
+          <a:chExt cx="0" cy="0"/>
+        </a:xfrm>
+      </p:grpSpPr>
+      <p:sp>
+        <p:nvSpPr>
+          <p:cNvPr id="2" name="TextBox 1">
+            <a:extLst>
+              <a:ext uri="{FF2B5EF4-FFF2-40B4-BE49-F238E27FC236}">
+                <a16:creationId xmlns:a16="http://schemas.microsoft.com/office/drawing/2014/main" id="{69686441-1642-EEE4-7FB0-599CD21B8029}"/>
+              </a:ext>
+            </a:extLst>
+          </p:cNvPr>
+          <p:cNvSpPr txBox="1"/>
+          <p:nvPr/>
+        </p:nvSpPr>
+        <p:spPr>
+          <a:xfrm>
+            <a:off x="3434080" y="880533"/>
+            <a:ext cx="6035040" cy="369332"/>
+          </a:xfrm>
+          <a:prstGeom prst="rect">
+            <a:avLst/>
+          </a:prstGeom>
+          <a:noFill/>
+        </p:spPr>
+        <p:txBody>
+          <a:bodyPr wrap="square" rtlCol="0">
+            <a:spAutoFit/>
+          </a:bodyPr>
+          <a:lstStyle/>
+          <a:p>
+            <a:r>
+              <a:rPr lang="en-US" dirty="0"/>
+              <a:t>Today’s Goals</a:t>
+            </a:r>
+          </a:p>
+        </p:txBody>
+      </p:sp>
+      <p:sp>
+        <p:nvSpPr>
+          <p:cNvPr id="3" name="TextBox 2">
+            <a:extLst>
+              <a:ext uri="{FF2B5EF4-FFF2-40B4-BE49-F238E27FC236}">
+                <a16:creationId xmlns:a16="http://schemas.microsoft.com/office/drawing/2014/main" id="{7C1CF691-BC8E-3FA6-A643-D01141636EDE}"/>
+              </a:ext>
+            </a:extLst>
+          </p:cNvPr>
+          <p:cNvSpPr txBox="1"/>
+          <p:nvPr/>
+        </p:nvSpPr>
+        <p:spPr>
+          <a:xfrm>
+            <a:off x="3522133" y="1842347"/>
+            <a:ext cx="5730240" cy="2585323"/>
+          </a:xfrm>
+          <a:prstGeom prst="rect">
+            <a:avLst/>
+          </a:prstGeom>
+          <a:noFill/>
+        </p:spPr>
+        <p:txBody>
+          <a:bodyPr wrap="square" rtlCol="0">
+            <a:spAutoFit/>
+          </a:bodyPr>
+          <a:lstStyle/>
+          <a:p>
+            <a:pPr marL="342900" indent="-342900">
+              <a:buAutoNum type="arabicPeriod"/>
+            </a:pPr>
+            <a:r>
+              <a:rPr lang="en-US" dirty="0"/>
+              <a:t>Factors (and R data types)</a:t>
+            </a:r>
+          </a:p>
+          <a:p>
+            <a:pPr marL="342900" indent="-342900">
+              <a:buAutoNum type="arabicPeriod"/>
+            </a:pPr>
+            <a:r>
+              <a:rPr lang="en-US" dirty="0"/>
+              <a:t>Functions</a:t>
+            </a:r>
+          </a:p>
+          <a:p>
+            <a:pPr marL="342900" indent="-342900">
+              <a:buAutoNum type="arabicPeriod"/>
+            </a:pPr>
+            <a:r>
+              <a:rPr lang="en-US" dirty="0"/>
+              <a:t>Objects</a:t>
+            </a:r>
+          </a:p>
+          <a:p>
+            <a:pPr marL="342900" indent="-342900">
+              <a:buAutoNum type="arabicPeriod"/>
+            </a:pPr>
+            <a:r>
+              <a:rPr lang="en-US" dirty="0"/>
+              <a:t>Best practices</a:t>
+            </a:r>
+          </a:p>
+          <a:p>
+            <a:pPr marL="342900" indent="-342900">
+              <a:buFontTx/>
+              <a:buAutoNum type="arabicPeriod"/>
+            </a:pPr>
+            <a:r>
+              <a:rPr lang="en-US" dirty="0"/>
+              <a:t>More practice with pivoting and merging</a:t>
+            </a:r>
+          </a:p>
+          <a:p>
+            <a:pPr marL="342900" indent="-342900">
+              <a:buFontTx/>
+              <a:buAutoNum type="arabicPeriod"/>
+            </a:pPr>
+            <a:r>
+              <a:rPr lang="en-US" dirty="0"/>
+              <a:t>More advanced plotting (faceting/multiple layers)</a:t>
+            </a:r>
+          </a:p>
+          <a:p>
+            <a:pPr marL="342900" indent="-342900">
+              <a:buFontTx/>
+              <a:buAutoNum type="arabicPeriod"/>
+            </a:pPr>
+            <a:endParaRPr lang="en-US" dirty="0"/>
+          </a:p>
+          <a:p>
+            <a:pPr marL="342900" indent="-342900">
+              <a:buAutoNum type="arabicPeriod"/>
+            </a:pPr>
+            <a:endParaRPr lang="en-US" dirty="0"/>
+          </a:p>
+          <a:p>
+            <a:pPr marL="342900" indent="-342900">
+              <a:buAutoNum type="arabicPeriod"/>
+            </a:pPr>
+            <a:endParaRPr lang="en-US" dirty="0"/>
+          </a:p>
+        </p:txBody>
+      </p:sp>
+    </p:spTree>
+    <p:extLst>
+      <p:ext uri="{BB962C8B-B14F-4D97-AF65-F5344CB8AC3E}">
+        <p14:creationId xmlns:p14="http://schemas.microsoft.com/office/powerpoint/2010/main" val="1735636872"/>
+      </p:ext>
+    </p:extLst>
+  </p:cSld>
+  <p:clrMapOvr>
+    <a:masterClrMapping/>
+  </p:clrMapOvr>
+</p:sld>
+</file>
+
+<file path=ppt/slides/slide5.xml><?xml version="1.0" encoding="utf-8"?>
+<p:sld xmlns:a="http://schemas.openxmlformats.org/drawingml/2006/main" xmlns:r="http://schemas.openxmlformats.org/officeDocument/2006/relationships" xmlns:p="http://schemas.openxmlformats.org/presentationml/2006/main">
+  <p:cSld>
+    <p:spTree>
+      <p:nvGrpSpPr>
+        <p:cNvPr id="1" name=""/>
+        <p:cNvGrpSpPr/>
+        <p:nvPr/>
+      </p:nvGrpSpPr>
+      <p:grpSpPr>
+        <a:xfrm>
+          <a:off x="0" y="0"/>
+          <a:ext cx="0" cy="0"/>
+          <a:chOff x="0" y="0"/>
+          <a:chExt cx="0" cy="0"/>
+        </a:xfrm>
+      </p:grpSpPr>
+      <p:sp>
+        <p:nvSpPr>
+          <p:cNvPr id="2" name="TextBox 1">
+            <a:extLst>
+              <a:ext uri="{FF2B5EF4-FFF2-40B4-BE49-F238E27FC236}">
+                <a16:creationId xmlns:a16="http://schemas.microsoft.com/office/drawing/2014/main" id="{D791C6AE-1BC4-B1E9-A3D8-86782E25B660}"/>
+              </a:ext>
+            </a:extLst>
+          </p:cNvPr>
+          <p:cNvSpPr txBox="1"/>
+          <p:nvPr/>
+        </p:nvSpPr>
+        <p:spPr>
+          <a:xfrm>
+            <a:off x="4768426" y="243841"/>
+            <a:ext cx="6908800" cy="369332"/>
+          </a:xfrm>
+          <a:prstGeom prst="rect">
+            <a:avLst/>
+          </a:prstGeom>
+          <a:noFill/>
+        </p:spPr>
+        <p:txBody>
+          <a:bodyPr wrap="square" rtlCol="0">
+            <a:spAutoFit/>
+          </a:bodyPr>
+          <a:lstStyle/>
+          <a:p>
+            <a:r>
+              <a:rPr lang="en-US" dirty="0"/>
+              <a:t>Data types in R</a:t>
+            </a:r>
+          </a:p>
+        </p:txBody>
+      </p:sp>
+    </p:spTree>
+    <p:extLst>
+      <p:ext uri="{BB962C8B-B14F-4D97-AF65-F5344CB8AC3E}">
+        <p14:creationId xmlns:p14="http://schemas.microsoft.com/office/powerpoint/2010/main" val="2172485284"/>
+      </p:ext>
+    </p:extLst>
+  </p:cSld>
+  <p:clrMapOvr>
+    <a:masterClrMapping/>
+  </p:clrMapOvr>
+</p:sld>
+</file>
+
+<file path=ppt/slides/slide6.xml><?xml version="1.0" encoding="utf-8"?>
+<p:sld xmlns:a="http://schemas.openxmlformats.org/drawingml/2006/main" xmlns:r="http://schemas.openxmlformats.org/officeDocument/2006/relationships" xmlns:p="http://schemas.openxmlformats.org/presentationml/2006/main">
+  <p:cSld>
+    <p:spTree>
+      <p:nvGrpSpPr>
+        <p:cNvPr id="1" name=""/>
+        <p:cNvGrpSpPr/>
+        <p:nvPr/>
+      </p:nvGrpSpPr>
+      <p:grpSpPr>
+        <a:xfrm>
+          <a:off x="0" y="0"/>
+          <a:ext cx="0" cy="0"/>
+          <a:chOff x="0" y="0"/>
+          <a:chExt cx="0" cy="0"/>
+        </a:xfrm>
+      </p:grpSpPr>
+      <p:sp>
+        <p:nvSpPr>
+          <p:cNvPr id="393" name="Functions"/>
+          <p:cNvSpPr txBox="1"/>
+          <p:nvPr/>
+        </p:nvSpPr>
+        <p:spPr>
+          <a:xfrm>
+            <a:off x="5399151" y="177130"/>
+            <a:ext cx="1402500" cy="420628"/>
+          </a:xfrm>
+          <a:prstGeom prst="rect">
+            <a:avLst/>
+          </a:prstGeom>
+          <a:ln w="12700">
+            <a:miter lim="400000"/>
+          </a:ln>
+          <a:extLst>
+            <a:ext uri="{C572A759-6A51-4108-AA02-DFA0A04FC94B}">
+              <ma14:wrappingTextBoxFlag xmlns:ma14="http://schemas.microsoft.com/office/mac/drawingml/2011/main" xmlns:a14="http://schemas.microsoft.com/office/drawing/2010/main" xmlns:m="http://schemas.openxmlformats.org/officeDocument/2006/math" xmlns="" val="1"/>
+            </a:ext>
+          </a:extLst>
+        </p:spPr>
+        <p:txBody>
+          <a:bodyPr wrap="none" lIns="25400" tIns="25400" rIns="25400" bIns="25400" anchor="ctr">
+            <a:spAutoFit/>
+          </a:bodyPr>
+          <a:lstStyle>
+            <a:lvl1pPr>
+              <a:defRPr sz="4800">
+                <a:latin typeface="Avenir Next Regular"/>
+                <a:ea typeface="Avenir Next Regular"/>
+                <a:cs typeface="Avenir Next Regular"/>
+                <a:sym typeface="Avenir Next Regular"/>
+              </a:defRPr>
+            </a:lvl1pPr>
+          </a:lstStyle>
+          <a:p>
+            <a:r>
+              <a:rPr sz="2400"/>
+              <a:t>Functions</a:t>
+            </a:r>
+          </a:p>
+        </p:txBody>
+      </p:sp>
+      <p:sp>
+        <p:nvSpPr>
+          <p:cNvPr id="395" name="-https://r4ds.had.co.nz/functions.html"/>
+          <p:cNvSpPr txBox="1"/>
+          <p:nvPr/>
+        </p:nvSpPr>
+        <p:spPr>
+          <a:xfrm>
+            <a:off x="9674735" y="6181098"/>
+            <a:ext cx="1888337" cy="189796"/>
+          </a:xfrm>
+          <a:prstGeom prst="rect">
+            <a:avLst/>
+          </a:prstGeom>
+          <a:ln w="12700">
+            <a:miter lim="400000"/>
+          </a:ln>
+          <a:extLst>
+            <a:ext uri="{C572A759-6A51-4108-AA02-DFA0A04FC94B}">
+              <ma14:wrappingTextBoxFlag xmlns:ma14="http://schemas.microsoft.com/office/mac/drawingml/2011/main" xmlns:a14="http://schemas.microsoft.com/office/drawing/2010/main" xmlns:m="http://schemas.openxmlformats.org/officeDocument/2006/math" xmlns="" val="1"/>
+            </a:ext>
+          </a:extLst>
+        </p:spPr>
+        <p:txBody>
+          <a:bodyPr wrap="none" lIns="25400" tIns="25400" rIns="25400" bIns="25400" anchor="ctr">
+            <a:spAutoFit/>
+          </a:bodyPr>
+          <a:lstStyle/>
+          <a:p>
+            <a:r>
+              <a:rPr sz="900" dirty="0"/>
+              <a:t> -https://r4ds.had.co.nz/</a:t>
+            </a:r>
+            <a:r>
+              <a:rPr sz="900" dirty="0" err="1"/>
+              <a:t>functions.html</a:t>
+            </a:r>
+            <a:endParaRPr sz="900" dirty="0"/>
+          </a:p>
+        </p:txBody>
+      </p:sp>
+      <p:sp>
+        <p:nvSpPr>
+          <p:cNvPr id="397" name="Any chunk of code you are going to reuse - can be built in or come with a package or user made…"/>
+          <p:cNvSpPr txBox="1"/>
+          <p:nvPr/>
+        </p:nvSpPr>
+        <p:spPr>
+          <a:xfrm>
+            <a:off x="518306" y="1276929"/>
+            <a:ext cx="6631765" cy="1159292"/>
+          </a:xfrm>
+          <a:prstGeom prst="rect">
+            <a:avLst/>
+          </a:prstGeom>
+          <a:ln w="12700">
+            <a:miter lim="400000"/>
+          </a:ln>
+          <a:extLst>
+            <a:ext uri="{C572A759-6A51-4108-AA02-DFA0A04FC94B}">
+              <ma14:wrappingTextBoxFlag xmlns:ma14="http://schemas.microsoft.com/office/mac/drawingml/2011/main" xmlns:a14="http://schemas.microsoft.com/office/drawing/2010/main" xmlns:m="http://schemas.openxmlformats.org/officeDocument/2006/math" xmlns="" val="1"/>
+            </a:ext>
+          </a:extLst>
+        </p:spPr>
+        <p:txBody>
+          <a:bodyPr wrap="square" lIns="25400" tIns="25400" rIns="25400" bIns="25400" anchor="ctr">
+            <a:spAutoFit/>
+          </a:bodyPr>
+          <a:lstStyle/>
+          <a:p>
+            <a:pPr marL="114300" indent="-114300">
+              <a:buSzPct val="100000"/>
+              <a:buChar char="•"/>
+            </a:pPr>
+            <a:r>
+              <a:rPr dirty="0"/>
+              <a:t>Any chunk of code you are going to reuse - can be built in or come with a package or user made</a:t>
+            </a:r>
+          </a:p>
+          <a:p>
+            <a:pPr marL="114300" indent="-114300">
+              <a:buSzPct val="100000"/>
+              <a:buChar char="•"/>
+            </a:pPr>
+            <a:r>
+              <a:rPr dirty="0"/>
+              <a:t>Can take 0 or more arguments</a:t>
+            </a:r>
+          </a:p>
+          <a:p>
+            <a:pPr marL="114300" indent="-114300">
+              <a:buSzPct val="100000"/>
+              <a:buChar char="•"/>
+            </a:pPr>
+            <a:r>
+              <a:rPr dirty="0"/>
+              <a:t>Can return some value(s) or objects</a:t>
+            </a:r>
+          </a:p>
+        </p:txBody>
+      </p:sp>
+      <p:sp>
+        <p:nvSpPr>
+          <p:cNvPr id="398" name="What are functions"/>
+          <p:cNvSpPr txBox="1"/>
+          <p:nvPr/>
+        </p:nvSpPr>
+        <p:spPr>
+          <a:xfrm>
+            <a:off x="518306" y="885933"/>
+            <a:ext cx="2018822" cy="328295"/>
+          </a:xfrm>
+          <a:prstGeom prst="rect">
+            <a:avLst/>
+          </a:prstGeom>
+          <a:ln w="12700">
+            <a:miter lim="400000"/>
+          </a:ln>
+          <a:extLst>
+            <a:ext uri="{C572A759-6A51-4108-AA02-DFA0A04FC94B}">
+              <ma14:wrappingTextBoxFlag xmlns:ma14="http://schemas.microsoft.com/office/mac/drawingml/2011/main" xmlns:a14="http://schemas.microsoft.com/office/drawing/2010/main" xmlns:m="http://schemas.openxmlformats.org/officeDocument/2006/math" xmlns="" val="1"/>
+            </a:ext>
+          </a:extLst>
+        </p:spPr>
+        <p:txBody>
+          <a:bodyPr wrap="none" lIns="25400" tIns="25400" rIns="25400" bIns="25400" anchor="ctr">
+            <a:spAutoFit/>
+          </a:bodyPr>
+          <a:lstStyle>
+            <a:lvl1pPr>
+              <a:defRPr sz="3600">
+                <a:solidFill>
+                  <a:schemeClr val="accent1">
+                    <a:lumOff val="-13575"/>
+                  </a:schemeClr>
+                </a:solidFill>
+                <a:latin typeface="Avenir Next Regular"/>
+                <a:ea typeface="Avenir Next Regular"/>
+                <a:cs typeface="Avenir Next Regular"/>
+                <a:sym typeface="Avenir Next Regular"/>
+              </a:defRPr>
+            </a:lvl1pPr>
+          </a:lstStyle>
+          <a:p>
+            <a:r>
+              <a:rPr sz="1800" dirty="0"/>
+              <a:t>What are functions</a:t>
+            </a:r>
+          </a:p>
+        </p:txBody>
+      </p:sp>
+    </p:spTree>
+  </p:cSld>
+  <p:clrMapOvr>
+    <a:masterClrMapping/>
+  </p:clrMapOvr>
+</p:sld>
+</file>
+
+<file path=ppt/slides/slide7.xml><?xml version="1.0" encoding="utf-8"?>
+<p:sld xmlns:a="http://schemas.openxmlformats.org/drawingml/2006/main" xmlns:r="http://schemas.openxmlformats.org/officeDocument/2006/relationships" xmlns:p="http://schemas.openxmlformats.org/presentationml/2006/main">
+  <p:cSld>
+    <p:spTree>
+      <p:nvGrpSpPr>
+        <p:cNvPr id="1" name=""/>
+        <p:cNvGrpSpPr/>
+        <p:nvPr/>
+      </p:nvGrpSpPr>
+      <p:grpSpPr>
+        <a:xfrm>
+          <a:off x="0" y="0"/>
+          <a:ext cx="0" cy="0"/>
+          <a:chOff x="0" y="0"/>
+          <a:chExt cx="0" cy="0"/>
+        </a:xfrm>
+      </p:grpSpPr>
+      <p:sp>
+        <p:nvSpPr>
+          <p:cNvPr id="393" name="Functions"/>
+          <p:cNvSpPr txBox="1"/>
+          <p:nvPr/>
+        </p:nvSpPr>
+        <p:spPr>
+          <a:xfrm>
+            <a:off x="5399151" y="177130"/>
+            <a:ext cx="1402500" cy="420628"/>
+          </a:xfrm>
+          <a:prstGeom prst="rect">
+            <a:avLst/>
+          </a:prstGeom>
+          <a:ln w="12700">
+            <a:miter lim="400000"/>
+          </a:ln>
+          <a:extLst>
+            <a:ext uri="{C572A759-6A51-4108-AA02-DFA0A04FC94B}">
+              <ma14:wrappingTextBoxFlag xmlns="" xmlns:m="http://schemas.openxmlformats.org/officeDocument/2006/math" xmlns:a14="http://schemas.microsoft.com/office/drawing/2010/main" xmlns:ma14="http://schemas.microsoft.com/office/mac/drawingml/2011/main" val="1"/>
+            </a:ext>
+          </a:extLst>
+        </p:spPr>
+        <p:txBody>
+          <a:bodyPr wrap="none" lIns="25400" tIns="25400" rIns="25400" bIns="25400" anchor="ctr">
+            <a:spAutoFit/>
+          </a:bodyPr>
+          <a:lstStyle>
+            <a:lvl1pPr>
+              <a:defRPr sz="4800">
+                <a:latin typeface="Avenir Next Regular"/>
+                <a:ea typeface="Avenir Next Regular"/>
+                <a:cs typeface="Avenir Next Regular"/>
+                <a:sym typeface="Avenir Next Regular"/>
+              </a:defRPr>
+            </a:lvl1pPr>
+          </a:lstStyle>
+          <a:p>
+            <a:r>
+              <a:rPr sz="2400"/>
+              <a:t>Functions</a:t>
+            </a:r>
+          </a:p>
+        </p:txBody>
+      </p:sp>
+      <p:sp>
+        <p:nvSpPr>
+          <p:cNvPr id="394" name="You can give a function an evocative name that makes your code easier to understand.…"/>
+          <p:cNvSpPr txBox="1"/>
+          <p:nvPr/>
+        </p:nvSpPr>
+        <p:spPr>
+          <a:xfrm>
+            <a:off x="227597" y="4601956"/>
+            <a:ext cx="9447138" cy="1551707"/>
+          </a:xfrm>
+          <a:prstGeom prst="rect">
+            <a:avLst/>
+          </a:prstGeom>
+          <a:ln w="12700">
+            <a:miter lim="400000"/>
+          </a:ln>
+          <a:extLst>
+            <a:ext uri="{C572A759-6A51-4108-AA02-DFA0A04FC94B}">
+              <ma14:wrappingTextBoxFlag xmlns="" xmlns:m="http://schemas.openxmlformats.org/officeDocument/2006/math" xmlns:a14="http://schemas.microsoft.com/office/drawing/2010/main" xmlns:ma14="http://schemas.microsoft.com/office/mac/drawingml/2011/main" val="1"/>
+            </a:ext>
+          </a:extLst>
+        </p:spPr>
+        <p:txBody>
+          <a:bodyPr wrap="none" lIns="25400" tIns="25400" rIns="25400" bIns="25400" anchor="ctr">
+            <a:spAutoFit/>
+          </a:bodyPr>
+          <a:lstStyle/>
+          <a:p>
+            <a:pPr marL="355600" indent="-285750" defTabSz="228600">
+              <a:spcBef>
+                <a:spcPts val="300"/>
+              </a:spcBef>
+              <a:buClr>
+                <a:srgbClr val="212529"/>
+              </a:buClr>
+              <a:buSzPct val="100000"/>
+              <a:buFont typeface="Arial" panose="020B0604020202020204" pitchFamily="34" charset="0"/>
+              <a:buChar char="•"/>
+              <a:defRPr>
+                <a:solidFill>
+                  <a:srgbClr val="212529"/>
+                </a:solidFill>
+                <a:latin typeface="Avenir Next Regular"/>
+                <a:ea typeface="Avenir Next Regular"/>
+                <a:cs typeface="Avenir Next Regular"/>
+                <a:sym typeface="Avenir Next Regular"/>
+              </a:defRPr>
+            </a:pPr>
+            <a:r>
+              <a:rPr dirty="0"/>
+              <a:t>You can give a functi</a:t>
+            </a:r>
+            <a:r>
+              <a:rPr lang="en-US" dirty="0"/>
+              <a:t>o</a:t>
+            </a:r>
+            <a:r>
+              <a:rPr dirty="0"/>
+              <a:t>n an evocative name that makes your code easier to understand.</a:t>
+            </a:r>
+          </a:p>
+          <a:p>
+            <a:pPr marL="355600" indent="-285750" defTabSz="228600">
+              <a:spcBef>
+                <a:spcPts val="300"/>
+              </a:spcBef>
+              <a:buClr>
+                <a:srgbClr val="212529"/>
+              </a:buClr>
+              <a:buSzPct val="100000"/>
+              <a:buFont typeface="Arial" panose="020B0604020202020204" pitchFamily="34" charset="0"/>
+              <a:buChar char="•"/>
+              <a:defRPr>
+                <a:solidFill>
+                  <a:srgbClr val="212529"/>
+                </a:solidFill>
+                <a:latin typeface="Avenir Next Regular"/>
+                <a:ea typeface="Avenir Next Regular"/>
+                <a:cs typeface="Avenir Next Regular"/>
+                <a:sym typeface="Avenir Next Regular"/>
+              </a:defRPr>
+            </a:pPr>
+            <a:r>
+              <a:rPr dirty="0"/>
+              <a:t>As requirements change, you only n</a:t>
+            </a:r>
+            <a:r>
+              <a:rPr lang="en-US" dirty="0"/>
+              <a:t>e</a:t>
+            </a:r>
+            <a:r>
+              <a:rPr dirty="0"/>
+              <a:t>ed to update code in one place, instead of many.</a:t>
+            </a:r>
+          </a:p>
+          <a:p>
+            <a:pPr marL="355600" indent="-285750" defTabSz="228600">
+              <a:spcBef>
+                <a:spcPts val="300"/>
+              </a:spcBef>
+              <a:buClr>
+                <a:srgbClr val="212529"/>
+              </a:buClr>
+              <a:buSzPct val="100000"/>
+              <a:buFont typeface="Arial" panose="020B0604020202020204" pitchFamily="34" charset="0"/>
+              <a:buChar char="•"/>
+              <a:defRPr>
+                <a:solidFill>
+                  <a:srgbClr val="212529"/>
+                </a:solidFill>
+                <a:latin typeface="Avenir Next Regular"/>
+                <a:ea typeface="Avenir Next Regular"/>
+                <a:cs typeface="Avenir Next Regular"/>
+                <a:sym typeface="Avenir Next Regular"/>
+              </a:defRPr>
+            </a:pPr>
+            <a:r>
+              <a:rPr dirty="0"/>
+              <a:t>You eliminate the chance of making incidental mistakes when you copy and paste </a:t>
+            </a:r>
+            <a:endParaRPr lang="en-US" dirty="0"/>
+          </a:p>
+          <a:p>
+            <a:pPr marL="527050" lvl="1" defTabSz="228600">
+              <a:spcBef>
+                <a:spcPts val="300"/>
+              </a:spcBef>
+              <a:buClr>
+                <a:srgbClr val="212529"/>
+              </a:buClr>
+              <a:buSzPct val="100000"/>
+              <a:defRPr>
+                <a:solidFill>
+                  <a:srgbClr val="212529"/>
+                </a:solidFill>
+                <a:latin typeface="Avenir Next Regular"/>
+                <a:ea typeface="Avenir Next Regular"/>
+                <a:cs typeface="Avenir Next Regular"/>
+                <a:sym typeface="Avenir Next Regular"/>
+              </a:defRPr>
+            </a:pPr>
+            <a:r>
+              <a:rPr dirty="0"/>
+              <a:t>(i.e. updating a variable name in one place, but not in another).</a:t>
+            </a:r>
+            <a:br>
+              <a:rPr dirty="0"/>
+            </a:br>
+            <a:endParaRPr dirty="0"/>
+          </a:p>
+        </p:txBody>
+      </p:sp>
+      <p:sp>
+        <p:nvSpPr>
+          <p:cNvPr id="395" name="-https://r4ds.had.co.nz/functions.html"/>
+          <p:cNvSpPr txBox="1"/>
+          <p:nvPr/>
+        </p:nvSpPr>
+        <p:spPr>
+          <a:xfrm>
+            <a:off x="9674735" y="6181098"/>
+            <a:ext cx="1888337" cy="189796"/>
+          </a:xfrm>
+          <a:prstGeom prst="rect">
+            <a:avLst/>
+          </a:prstGeom>
+          <a:ln w="12700">
+            <a:miter lim="400000"/>
+          </a:ln>
+          <a:extLst>
+            <a:ext uri="{C572A759-6A51-4108-AA02-DFA0A04FC94B}">
+              <ma14:wrappingTextBoxFlag xmlns="" xmlns:m="http://schemas.openxmlformats.org/officeDocument/2006/math" xmlns:a14="http://schemas.microsoft.com/office/drawing/2010/main" xmlns:ma14="http://schemas.microsoft.com/office/mac/drawingml/2011/main" val="1"/>
+            </a:ext>
+          </a:extLst>
+        </p:spPr>
+        <p:txBody>
+          <a:bodyPr wrap="none" lIns="25400" tIns="25400" rIns="25400" bIns="25400" anchor="ctr">
+            <a:spAutoFit/>
+          </a:bodyPr>
+          <a:lstStyle/>
+          <a:p>
+            <a:r>
+              <a:rPr sz="900" dirty="0"/>
+              <a:t> -https://r4ds.had.co.nz/</a:t>
+            </a:r>
+            <a:r>
+              <a:rPr sz="900" dirty="0" err="1"/>
+              <a:t>functions.html</a:t>
+            </a:r>
+            <a:endParaRPr sz="900" dirty="0"/>
+          </a:p>
+        </p:txBody>
+      </p:sp>
+      <p:sp>
+        <p:nvSpPr>
+          <p:cNvPr id="396" name="Reasons to make a new function"/>
+          <p:cNvSpPr txBox="1"/>
+          <p:nvPr/>
+        </p:nvSpPr>
+        <p:spPr>
+          <a:xfrm>
+            <a:off x="417099" y="4093485"/>
+            <a:ext cx="3417089" cy="328295"/>
+          </a:xfrm>
+          <a:prstGeom prst="rect">
+            <a:avLst/>
+          </a:prstGeom>
+          <a:ln w="12700">
+            <a:miter lim="400000"/>
+          </a:ln>
+          <a:extLst>
+            <a:ext uri="{C572A759-6A51-4108-AA02-DFA0A04FC94B}">
+              <ma14:wrappingTextBoxFlag xmlns="" xmlns:m="http://schemas.openxmlformats.org/officeDocument/2006/math" xmlns:a14="http://schemas.microsoft.com/office/drawing/2010/main" xmlns:ma14="http://schemas.microsoft.com/office/mac/drawingml/2011/main" val="1"/>
+            </a:ext>
+          </a:extLst>
+        </p:spPr>
+        <p:txBody>
+          <a:bodyPr wrap="none" lIns="25400" tIns="25400" rIns="25400" bIns="25400" anchor="ctr">
+            <a:spAutoFit/>
+          </a:bodyPr>
+          <a:lstStyle>
+            <a:lvl1pPr>
+              <a:defRPr sz="3600">
+                <a:solidFill>
+                  <a:schemeClr val="accent1">
+                    <a:lumOff val="-13575"/>
+                  </a:schemeClr>
+                </a:solidFill>
+                <a:latin typeface="Avenir Next Regular"/>
+                <a:ea typeface="Avenir Next Regular"/>
+                <a:cs typeface="Avenir Next Regular"/>
+                <a:sym typeface="Avenir Next Regular"/>
+              </a:defRPr>
+            </a:lvl1pPr>
+          </a:lstStyle>
+          <a:p>
+            <a:r>
+              <a:rPr sz="1800" dirty="0"/>
+              <a:t>Reasons to make a new function</a:t>
+            </a:r>
+          </a:p>
+        </p:txBody>
+      </p:sp>
+      <p:sp>
+        <p:nvSpPr>
+          <p:cNvPr id="397" name="Any chunk of code you are going to reuse - can be built in or come with a package or user made…"/>
+          <p:cNvSpPr txBox="1"/>
+          <p:nvPr/>
+        </p:nvSpPr>
+        <p:spPr>
+          <a:xfrm>
+            <a:off x="518306" y="1276929"/>
+            <a:ext cx="6631765" cy="1159292"/>
+          </a:xfrm>
+          <a:prstGeom prst="rect">
+            <a:avLst/>
+          </a:prstGeom>
+          <a:ln w="12700">
+            <a:miter lim="400000"/>
+          </a:ln>
+          <a:extLst>
+            <a:ext uri="{C572A759-6A51-4108-AA02-DFA0A04FC94B}">
+              <ma14:wrappingTextBoxFlag xmlns="" xmlns:m="http://schemas.openxmlformats.org/officeDocument/2006/math" xmlns:a14="http://schemas.microsoft.com/office/drawing/2010/main" xmlns:ma14="http://schemas.microsoft.com/office/mac/drawingml/2011/main" val="1"/>
+            </a:ext>
+          </a:extLst>
+        </p:spPr>
+        <p:txBody>
+          <a:bodyPr wrap="square" lIns="25400" tIns="25400" rIns="25400" bIns="25400" anchor="ctr">
+            <a:spAutoFit/>
+          </a:bodyPr>
+          <a:lstStyle/>
+          <a:p>
+            <a:pPr marL="114300" indent="-114300">
+              <a:buSzPct val="100000"/>
+              <a:buChar char="•"/>
+            </a:pPr>
+            <a:r>
+              <a:rPr dirty="0"/>
+              <a:t>Any chunk of code you are going to reuse - can be built in or come with a package or user made</a:t>
+            </a:r>
+          </a:p>
+          <a:p>
+            <a:pPr marL="114300" indent="-114300">
+              <a:buSzPct val="100000"/>
+              <a:buChar char="•"/>
+            </a:pPr>
+            <a:r>
+              <a:rPr dirty="0"/>
+              <a:t>Can take 0 or more arguments</a:t>
+            </a:r>
+          </a:p>
+          <a:p>
+            <a:pPr marL="114300" indent="-114300">
+              <a:buSzPct val="100000"/>
+              <a:buChar char="•"/>
+            </a:pPr>
+            <a:r>
+              <a:rPr dirty="0"/>
+              <a:t>Can return some value(s) or objects</a:t>
+            </a:r>
+          </a:p>
+        </p:txBody>
+      </p:sp>
+      <p:sp>
+        <p:nvSpPr>
+          <p:cNvPr id="398" name="What are functions"/>
+          <p:cNvSpPr txBox="1"/>
+          <p:nvPr/>
+        </p:nvSpPr>
+        <p:spPr>
+          <a:xfrm>
+            <a:off x="518306" y="885933"/>
+            <a:ext cx="2018822" cy="328295"/>
+          </a:xfrm>
+          <a:prstGeom prst="rect">
+            <a:avLst/>
+          </a:prstGeom>
+          <a:ln w="12700">
+            <a:miter lim="400000"/>
+          </a:ln>
+          <a:extLst>
+            <a:ext uri="{C572A759-6A51-4108-AA02-DFA0A04FC94B}">
+              <ma14:wrappingTextBoxFlag xmlns="" xmlns:m="http://schemas.openxmlformats.org/officeDocument/2006/math" xmlns:a14="http://schemas.microsoft.com/office/drawing/2010/main" xmlns:ma14="http://schemas.microsoft.com/office/mac/drawingml/2011/main" val="1"/>
+            </a:ext>
+          </a:extLst>
+        </p:spPr>
+        <p:txBody>
+          <a:bodyPr wrap="none" lIns="25400" tIns="25400" rIns="25400" bIns="25400" anchor="ctr">
+            <a:spAutoFit/>
+          </a:bodyPr>
+          <a:lstStyle>
+            <a:lvl1pPr>
+              <a:defRPr sz="3600">
+                <a:solidFill>
+                  <a:schemeClr val="accent1">
+                    <a:lumOff val="-13575"/>
+                  </a:schemeClr>
+                </a:solidFill>
+                <a:latin typeface="Avenir Next Regular"/>
+                <a:ea typeface="Avenir Next Regular"/>
+                <a:cs typeface="Avenir Next Regular"/>
+                <a:sym typeface="Avenir Next Regular"/>
+              </a:defRPr>
+            </a:lvl1pPr>
+          </a:lstStyle>
+          <a:p>
+            <a:r>
+              <a:rPr sz="1800" dirty="0"/>
+              <a:t>What are functions</a:t>
+            </a:r>
+          </a:p>
+        </p:txBody>
+      </p:sp>
+      <p:pic>
+        <p:nvPicPr>
+          <p:cNvPr id="2" name="Picture 1">
+            <a:extLst>
+              <a:ext uri="{FF2B5EF4-FFF2-40B4-BE49-F238E27FC236}">
+                <a16:creationId xmlns:a16="http://schemas.microsoft.com/office/drawing/2014/main" id="{FB7A7431-E88C-E9CF-C22F-AC7EF771DCDB}"/>
+              </a:ext>
+            </a:extLst>
+          </p:cNvPr>
+          <p:cNvPicPr>
+            <a:picLocks noChangeAspect="1"/>
+          </p:cNvPicPr>
+          <p:nvPr/>
+        </p:nvPicPr>
+        <p:blipFill>
+          <a:blip r:embed="rId2"/>
+          <a:stretch>
+            <a:fillRect/>
+          </a:stretch>
+        </p:blipFill>
+        <p:spPr>
+          <a:xfrm>
+            <a:off x="6801651" y="597758"/>
+            <a:ext cx="4655016" cy="3689762"/>
+          </a:xfrm>
+          <a:prstGeom prst="rect">
+            <a:avLst/>
+          </a:prstGeom>
+        </p:spPr>
+      </p:pic>
+      <p:sp>
+        <p:nvSpPr>
+          <p:cNvPr id="4" name="TextBox 3">
+            <a:extLst>
+              <a:ext uri="{FF2B5EF4-FFF2-40B4-BE49-F238E27FC236}">
+                <a16:creationId xmlns:a16="http://schemas.microsoft.com/office/drawing/2014/main" id="{F451805A-0E44-C150-4134-EB8DE67D9954}"/>
+              </a:ext>
+            </a:extLst>
+          </p:cNvPr>
+          <p:cNvSpPr txBox="1"/>
+          <p:nvPr/>
+        </p:nvSpPr>
+        <p:spPr>
+          <a:xfrm>
+            <a:off x="9428480" y="5811766"/>
+            <a:ext cx="6096000" cy="369332"/>
+          </a:xfrm>
+          <a:prstGeom prst="rect">
+            <a:avLst/>
+          </a:prstGeom>
+          <a:noFill/>
+        </p:spPr>
+        <p:txBody>
+          <a:bodyPr wrap="square">
+            <a:spAutoFit/>
+          </a:bodyPr>
+          <a:lstStyle/>
+          <a:p>
+            <a:r>
+              <a:rPr lang="en-US" dirty="0"/>
+              <a:t>https://</a:t>
+            </a:r>
+            <a:r>
+              <a:rPr lang="en-US" dirty="0" err="1"/>
+              <a:t>xkcd.com</a:t>
+            </a:r>
+            <a:r>
+              <a:rPr lang="en-US" dirty="0"/>
+              <a:t>/1205/</a:t>
+            </a:r>
+          </a:p>
+        </p:txBody>
+      </p:sp>
+    </p:spTree>
+    <p:extLst>
+      <p:ext uri="{BB962C8B-B14F-4D97-AF65-F5344CB8AC3E}">
+        <p14:creationId xmlns:p14="http://schemas.microsoft.com/office/powerpoint/2010/main" val="1996646748"/>
+      </p:ext>
+    </p:extLst>
+  </p:cSld>
+  <p:clrMapOvr>
+    <a:masterClrMapping/>
+  </p:clrMapOvr>
+</p:sld>
+</file>
+
+<file path=ppt/slides/slide8.xml><?xml version="1.0" encoding="utf-8"?>
+<p:sld xmlns:a="http://schemas.openxmlformats.org/drawingml/2006/main" xmlns:r="http://schemas.openxmlformats.org/officeDocument/2006/relationships" xmlns:p="http://schemas.openxmlformats.org/presentationml/2006/main">
+  <p:cSld>
+    <p:spTree>
+      <p:nvGrpSpPr>
+        <p:cNvPr id="1" name=""/>
+        <p:cNvGrpSpPr/>
+        <p:nvPr/>
+      </p:nvGrpSpPr>
+      <p:grpSpPr>
+        <a:xfrm>
+          <a:off x="0" y="0"/>
+          <a:ext cx="0" cy="0"/>
+          <a:chOff x="0" y="0"/>
+          <a:chExt cx="0" cy="0"/>
+        </a:xfrm>
+      </p:grpSpPr>
+      <p:sp>
+        <p:nvSpPr>
+          <p:cNvPr id="5" name="TextBox 4">
+            <a:extLst>
+              <a:ext uri="{FF2B5EF4-FFF2-40B4-BE49-F238E27FC236}">
+                <a16:creationId xmlns:a16="http://schemas.microsoft.com/office/drawing/2014/main" id="{329A493F-FCD9-7CA9-DCC5-2EC6A8A29730}"/>
+              </a:ext>
+            </a:extLst>
+          </p:cNvPr>
+          <p:cNvSpPr txBox="1"/>
+          <p:nvPr/>
+        </p:nvSpPr>
+        <p:spPr>
+          <a:xfrm>
+            <a:off x="4991463" y="137433"/>
+            <a:ext cx="1534394" cy="369332"/>
+          </a:xfrm>
+          <a:prstGeom prst="rect">
+            <a:avLst/>
+          </a:prstGeom>
+          <a:noFill/>
+        </p:spPr>
+        <p:txBody>
+          <a:bodyPr wrap="none" rtlCol="0">
+            <a:spAutoFit/>
+          </a:bodyPr>
+          <a:lstStyle/>
+          <a:p>
+            <a:r>
+              <a:rPr lang="en-US" dirty="0"/>
+              <a:t>Basic Function</a:t>
+            </a:r>
+          </a:p>
+        </p:txBody>
+      </p:sp>
+      <p:pic>
+        <p:nvPicPr>
+          <p:cNvPr id="6" name="Picture 5">
+            <a:extLst>
+              <a:ext uri="{FF2B5EF4-FFF2-40B4-BE49-F238E27FC236}">
+                <a16:creationId xmlns:a16="http://schemas.microsoft.com/office/drawing/2014/main" id="{72066490-4A50-1E52-4903-99915B0533A6}"/>
+              </a:ext>
+            </a:extLst>
+          </p:cNvPr>
+          <p:cNvPicPr>
+            <a:picLocks noChangeAspect="1"/>
+          </p:cNvPicPr>
+          <p:nvPr/>
+        </p:nvPicPr>
+        <p:blipFill>
+          <a:blip r:embed="rId2"/>
+          <a:stretch>
+            <a:fillRect/>
+          </a:stretch>
+        </p:blipFill>
+        <p:spPr>
+          <a:xfrm>
+            <a:off x="6449540" y="3094264"/>
+            <a:ext cx="2400300" cy="520700"/>
+          </a:xfrm>
+          <a:prstGeom prst="rect">
+            <a:avLst/>
+          </a:prstGeom>
+        </p:spPr>
+      </p:pic>
+      <p:pic>
+        <p:nvPicPr>
+          <p:cNvPr id="7" name="Picture 6">
+            <a:extLst>
+              <a:ext uri="{FF2B5EF4-FFF2-40B4-BE49-F238E27FC236}">
+                <a16:creationId xmlns:a16="http://schemas.microsoft.com/office/drawing/2014/main" id="{77D80E2F-BE9F-BAFB-09A6-37EFF5A5775C}"/>
+              </a:ext>
+            </a:extLst>
+          </p:cNvPr>
+          <p:cNvPicPr>
+            <a:picLocks noChangeAspect="1"/>
+          </p:cNvPicPr>
+          <p:nvPr/>
+        </p:nvPicPr>
+        <p:blipFill>
+          <a:blip r:embed="rId3"/>
+          <a:stretch>
+            <a:fillRect/>
+          </a:stretch>
+        </p:blipFill>
+        <p:spPr>
+          <a:xfrm>
+            <a:off x="6454983" y="1670112"/>
+            <a:ext cx="4216400" cy="1054100"/>
+          </a:xfrm>
+          <a:prstGeom prst="rect">
+            <a:avLst/>
+          </a:prstGeom>
+        </p:spPr>
+      </p:pic>
+      <p:sp>
+        <p:nvSpPr>
+          <p:cNvPr id="8" name="TextBox 7">
+            <a:extLst>
+              <a:ext uri="{FF2B5EF4-FFF2-40B4-BE49-F238E27FC236}">
+                <a16:creationId xmlns:a16="http://schemas.microsoft.com/office/drawing/2014/main" id="{1ECB1FD7-0E59-94FC-00CA-3CD30F0175C1}"/>
+              </a:ext>
+            </a:extLst>
+          </p:cNvPr>
+          <p:cNvSpPr txBox="1"/>
+          <p:nvPr/>
+        </p:nvSpPr>
+        <p:spPr>
+          <a:xfrm>
+            <a:off x="5622646" y="1123043"/>
+            <a:ext cx="1590500" cy="369332"/>
+          </a:xfrm>
+          <a:prstGeom prst="rect">
+            <a:avLst/>
+          </a:prstGeom>
+          <a:noFill/>
+        </p:spPr>
+        <p:txBody>
+          <a:bodyPr wrap="none" rtlCol="0">
+            <a:spAutoFit/>
+          </a:bodyPr>
+          <a:lstStyle/>
+          <a:p>
+            <a:r>
+              <a:rPr lang="en-US" dirty="0"/>
+              <a:t>Function name</a:t>
+            </a:r>
+          </a:p>
+        </p:txBody>
+      </p:sp>
+      <p:cxnSp>
+        <p:nvCxnSpPr>
+          <p:cNvPr id="10" name="Straight Arrow Connector 9">
+            <a:extLst>
+              <a:ext uri="{FF2B5EF4-FFF2-40B4-BE49-F238E27FC236}">
+                <a16:creationId xmlns:a16="http://schemas.microsoft.com/office/drawing/2014/main" id="{E77025EA-9293-FFED-DFFF-DB02D893C57E}"/>
+              </a:ext>
+            </a:extLst>
+          </p:cNvPr>
+          <p:cNvCxnSpPr/>
+          <p:nvPr/>
+        </p:nvCxnSpPr>
+        <p:spPr>
+          <a:xfrm>
+            <a:off x="7135586" y="1335377"/>
+            <a:ext cx="155121" cy="334735"/>
+          </a:xfrm>
+          <a:prstGeom prst="straightConnector1">
+            <a:avLst/>
+          </a:prstGeom>
+          <a:ln>
+            <a:tailEnd type="triangle"/>
+          </a:ln>
+        </p:spPr>
+        <p:style>
+          <a:lnRef idx="1">
+            <a:schemeClr val="accent1"/>
+          </a:lnRef>
+          <a:fillRef idx="0">
+            <a:schemeClr val="accent1"/>
+          </a:fillRef>
+          <a:effectRef idx="0">
+            <a:schemeClr val="accent1"/>
+          </a:effectRef>
+          <a:fontRef idx="minor">
+            <a:schemeClr val="tx1"/>
+          </a:fontRef>
+        </p:style>
+      </p:cxnSp>
+      <p:sp>
+        <p:nvSpPr>
+          <p:cNvPr id="12" name="TextBox 11">
+            <a:extLst>
+              <a:ext uri="{FF2B5EF4-FFF2-40B4-BE49-F238E27FC236}">
+                <a16:creationId xmlns:a16="http://schemas.microsoft.com/office/drawing/2014/main" id="{01F89C21-4F61-5000-93C2-1B637C820693}"/>
+              </a:ext>
+            </a:extLst>
+          </p:cNvPr>
+          <p:cNvSpPr txBox="1"/>
+          <p:nvPr/>
+        </p:nvSpPr>
+        <p:spPr>
+          <a:xfrm>
+            <a:off x="4856479" y="1785487"/>
+            <a:ext cx="1964267" cy="646331"/>
+          </a:xfrm>
+          <a:prstGeom prst="rect">
+            <a:avLst/>
+          </a:prstGeom>
+          <a:noFill/>
+        </p:spPr>
+        <p:txBody>
+          <a:bodyPr wrap="square" rtlCol="0">
+            <a:spAutoFit/>
+          </a:bodyPr>
+          <a:lstStyle/>
+          <a:p>
+            <a:r>
+              <a:rPr lang="en-US" dirty="0"/>
+              <a:t>Function</a:t>
+            </a:r>
+          </a:p>
+          <a:p>
+            <a:r>
+              <a:rPr lang="en-US" dirty="0"/>
+              <a:t>body</a:t>
+            </a:r>
+          </a:p>
+        </p:txBody>
+      </p:sp>
+      <p:cxnSp>
+        <p:nvCxnSpPr>
+          <p:cNvPr id="14" name="Straight Arrow Connector 13">
+            <a:extLst>
+              <a:ext uri="{FF2B5EF4-FFF2-40B4-BE49-F238E27FC236}">
+                <a16:creationId xmlns:a16="http://schemas.microsoft.com/office/drawing/2014/main" id="{F74A8A2B-E66D-8ACA-A6B1-D0B88A91536C}"/>
+              </a:ext>
+            </a:extLst>
+          </p:cNvPr>
+          <p:cNvCxnSpPr>
+            <a:endCxn id="12" idx="3"/>
+          </p:cNvCxnSpPr>
+          <p:nvPr/>
+        </p:nvCxnSpPr>
+        <p:spPr>
+          <a:xfrm>
+            <a:off x="5960533" y="2108653"/>
+            <a:ext cx="860213" cy="0"/>
+          </a:xfrm>
+          <a:prstGeom prst="straightConnector1">
+            <a:avLst/>
+          </a:prstGeom>
+          <a:ln>
+            <a:tailEnd type="triangle"/>
+          </a:ln>
+        </p:spPr>
+        <p:style>
+          <a:lnRef idx="1">
+            <a:schemeClr val="accent1"/>
+          </a:lnRef>
+          <a:fillRef idx="0">
+            <a:schemeClr val="accent1"/>
+          </a:fillRef>
+          <a:effectRef idx="0">
+            <a:schemeClr val="accent1"/>
+          </a:effectRef>
+          <a:fontRef idx="minor">
+            <a:schemeClr val="tx1"/>
+          </a:fontRef>
+        </p:style>
+      </p:cxnSp>
+      <p:sp>
+        <p:nvSpPr>
+          <p:cNvPr id="15" name="TextBox 14">
+            <a:extLst>
+              <a:ext uri="{FF2B5EF4-FFF2-40B4-BE49-F238E27FC236}">
+                <a16:creationId xmlns:a16="http://schemas.microsoft.com/office/drawing/2014/main" id="{ECD6190A-089B-853B-4654-D77B6212B547}"/>
+              </a:ext>
+            </a:extLst>
+          </p:cNvPr>
+          <p:cNvSpPr txBox="1"/>
+          <p:nvPr/>
+        </p:nvSpPr>
+        <p:spPr>
+          <a:xfrm>
+            <a:off x="4585477" y="2909598"/>
+            <a:ext cx="1375056" cy="369332"/>
+          </a:xfrm>
+          <a:prstGeom prst="rect">
+            <a:avLst/>
+          </a:prstGeom>
+          <a:noFill/>
+        </p:spPr>
+        <p:txBody>
+          <a:bodyPr wrap="none" rtlCol="0">
+            <a:spAutoFit/>
+          </a:bodyPr>
+          <a:lstStyle/>
+          <a:p>
+            <a:r>
+              <a:rPr lang="en-US" dirty="0"/>
+              <a:t>Return value</a:t>
+            </a:r>
+          </a:p>
+        </p:txBody>
+      </p:sp>
+      <p:cxnSp>
+        <p:nvCxnSpPr>
+          <p:cNvPr id="17" name="Straight Arrow Connector 16">
+            <a:extLst>
+              <a:ext uri="{FF2B5EF4-FFF2-40B4-BE49-F238E27FC236}">
+                <a16:creationId xmlns:a16="http://schemas.microsoft.com/office/drawing/2014/main" id="{6C47EBB0-D2A2-36D7-89CF-8F98575913CE}"/>
+              </a:ext>
+            </a:extLst>
+          </p:cNvPr>
+          <p:cNvCxnSpPr/>
+          <p:nvPr/>
+        </p:nvCxnSpPr>
+        <p:spPr>
+          <a:xfrm flipV="1">
+            <a:off x="6190827" y="2431818"/>
+            <a:ext cx="799253" cy="575542"/>
+          </a:xfrm>
+          <a:prstGeom prst="straightConnector1">
+            <a:avLst/>
+          </a:prstGeom>
+          <a:ln>
+            <a:tailEnd type="triangle"/>
+          </a:ln>
+        </p:spPr>
+        <p:style>
+          <a:lnRef idx="1">
+            <a:schemeClr val="accent1"/>
+          </a:lnRef>
+          <a:fillRef idx="0">
+            <a:schemeClr val="accent1"/>
+          </a:fillRef>
+          <a:effectRef idx="0">
+            <a:schemeClr val="accent1"/>
+          </a:effectRef>
+          <a:fontRef idx="minor">
+            <a:schemeClr val="tx1"/>
+          </a:fontRef>
+        </p:style>
+      </p:cxnSp>
+      <p:sp>
+        <p:nvSpPr>
+          <p:cNvPr id="18" name="TextBox 17">
+            <a:extLst>
+              <a:ext uri="{FF2B5EF4-FFF2-40B4-BE49-F238E27FC236}">
+                <a16:creationId xmlns:a16="http://schemas.microsoft.com/office/drawing/2014/main" id="{8CB50C4E-F271-6DE9-7873-AAA41844FCFC}"/>
+              </a:ext>
+            </a:extLst>
+          </p:cNvPr>
+          <p:cNvSpPr txBox="1"/>
+          <p:nvPr/>
+        </p:nvSpPr>
+        <p:spPr>
+          <a:xfrm>
+            <a:off x="9482083" y="642136"/>
+            <a:ext cx="1189300" cy="369332"/>
+          </a:xfrm>
+          <a:prstGeom prst="rect">
+            <a:avLst/>
+          </a:prstGeom>
+          <a:noFill/>
+        </p:spPr>
+        <p:txBody>
+          <a:bodyPr wrap="none" rtlCol="0">
+            <a:spAutoFit/>
+          </a:bodyPr>
+          <a:lstStyle/>
+          <a:p>
+            <a:r>
+              <a:rPr lang="en-US" dirty="0"/>
+              <a:t>arguments</a:t>
+            </a:r>
+          </a:p>
+        </p:txBody>
+      </p:sp>
+      <p:cxnSp>
+        <p:nvCxnSpPr>
+          <p:cNvPr id="20" name="Straight Arrow Connector 19">
+            <a:extLst>
+              <a:ext uri="{FF2B5EF4-FFF2-40B4-BE49-F238E27FC236}">
+                <a16:creationId xmlns:a16="http://schemas.microsoft.com/office/drawing/2014/main" id="{41F52DD0-7175-D640-E972-5CA407C0D27B}"/>
+              </a:ext>
+            </a:extLst>
+          </p:cNvPr>
+          <p:cNvCxnSpPr/>
+          <p:nvPr/>
+        </p:nvCxnSpPr>
+        <p:spPr>
+          <a:xfrm flipH="1">
+            <a:off x="9821333" y="1123043"/>
+            <a:ext cx="115147" cy="495784"/>
+          </a:xfrm>
+          <a:prstGeom prst="straightConnector1">
+            <a:avLst/>
+          </a:prstGeom>
+          <a:ln>
+            <a:tailEnd type="triangle"/>
+          </a:ln>
+        </p:spPr>
+        <p:style>
+          <a:lnRef idx="1">
+            <a:schemeClr val="accent1"/>
+          </a:lnRef>
+          <a:fillRef idx="0">
+            <a:schemeClr val="accent1"/>
+          </a:fillRef>
+          <a:effectRef idx="0">
+            <a:schemeClr val="accent1"/>
+          </a:effectRef>
+          <a:fontRef idx="minor">
+            <a:schemeClr val="tx1"/>
+          </a:fontRef>
+        </p:style>
+      </p:cxnSp>
+      <p:pic>
+        <p:nvPicPr>
+          <p:cNvPr id="22" name="Picture 21">
+            <a:extLst>
+              <a:ext uri="{FF2B5EF4-FFF2-40B4-BE49-F238E27FC236}">
+                <a16:creationId xmlns:a16="http://schemas.microsoft.com/office/drawing/2014/main" id="{E72C0EBA-2156-DC5A-1B3C-788BA2C2091C}"/>
+              </a:ext>
+            </a:extLst>
+          </p:cNvPr>
+          <p:cNvPicPr>
+            <a:picLocks noChangeAspect="1"/>
+          </p:cNvPicPr>
+          <p:nvPr/>
+        </p:nvPicPr>
+        <p:blipFill>
+          <a:blip r:embed="rId4"/>
+          <a:stretch>
+            <a:fillRect/>
+          </a:stretch>
+        </p:blipFill>
+        <p:spPr>
+          <a:xfrm>
+            <a:off x="287189" y="1171756"/>
+            <a:ext cx="3909561" cy="3845016"/>
+          </a:xfrm>
+          <a:prstGeom prst="rect">
+            <a:avLst/>
+          </a:prstGeom>
+        </p:spPr>
+      </p:pic>
+      <p:sp>
+        <p:nvSpPr>
+          <p:cNvPr id="24" name="TextBox 23">
+            <a:extLst>
+              <a:ext uri="{FF2B5EF4-FFF2-40B4-BE49-F238E27FC236}">
+                <a16:creationId xmlns:a16="http://schemas.microsoft.com/office/drawing/2014/main" id="{B02EAA19-E40B-4019-5A5C-8D693759B186}"/>
+              </a:ext>
+            </a:extLst>
+          </p:cNvPr>
+          <p:cNvSpPr txBox="1"/>
+          <p:nvPr/>
+        </p:nvSpPr>
+        <p:spPr>
+          <a:xfrm>
+            <a:off x="389147" y="4973680"/>
+            <a:ext cx="6096000" cy="369332"/>
+          </a:xfrm>
+          <a:prstGeom prst="rect">
+            <a:avLst/>
+          </a:prstGeom>
+          <a:noFill/>
+        </p:spPr>
+        <p:txBody>
+          <a:bodyPr wrap="square">
+            <a:spAutoFit/>
+          </a:bodyPr>
+          <a:lstStyle/>
+          <a:p>
+            <a:r>
+              <a:rPr lang="en-US" dirty="0"/>
+              <a:t>https://</a:t>
+            </a:r>
+            <a:r>
+              <a:rPr lang="en-US" dirty="0" err="1"/>
+              <a:t>xkcd.com</a:t>
+            </a:r>
+            <a:r>
+              <a:rPr lang="en-US" dirty="0"/>
+              <a:t>/1319/</a:t>
+            </a:r>
+          </a:p>
+        </p:txBody>
+      </p:sp>
+    </p:spTree>
+    <p:extLst>
+      <p:ext uri="{BB962C8B-B14F-4D97-AF65-F5344CB8AC3E}">
+        <p14:creationId xmlns:p14="http://schemas.microsoft.com/office/powerpoint/2010/main" val="3179177417"/>
+      </p:ext>
+    </p:extLst>
+  </p:cSld>
+  <p:clrMapOvr>
+    <a:masterClrMapping/>
+  </p:clrMapOvr>
+</p:sld>
+</file>
+
+<file path=ppt/slides/slide9.xml><?xml version="1.0" encoding="utf-8"?>
+<p:sld xmlns:a="http://schemas.openxmlformats.org/drawingml/2006/main" xmlns:r="http://schemas.openxmlformats.org/officeDocument/2006/relationships" xmlns:p="http://schemas.openxmlformats.org/presentationml/2006/main">
+  <p:cSld>
+    <p:spTree>
+      <p:nvGrpSpPr>
+        <p:cNvPr id="1" name=""/>
+        <p:cNvGrpSpPr/>
+        <p:nvPr/>
+      </p:nvGrpSpPr>
+      <p:grpSpPr>
+        <a:xfrm>
+          <a:off x="0" y="0"/>
+          <a:ext cx="0" cy="0"/>
+          <a:chOff x="0" y="0"/>
+          <a:chExt cx="0" cy="0"/>
+        </a:xfrm>
+      </p:grpSpPr>
+      <p:sp>
+        <p:nvSpPr>
+          <p:cNvPr id="2" name="TextBox 1">
+            <a:extLst>
+              <a:ext uri="{FF2B5EF4-FFF2-40B4-BE49-F238E27FC236}">
+                <a16:creationId xmlns:a16="http://schemas.microsoft.com/office/drawing/2014/main" id="{CE454A53-1DBA-7623-D956-664AF2C23D64}"/>
+              </a:ext>
+            </a:extLst>
+          </p:cNvPr>
+          <p:cNvSpPr txBox="1"/>
+          <p:nvPr/>
+        </p:nvSpPr>
+        <p:spPr>
+          <a:xfrm>
+            <a:off x="3684693" y="331893"/>
+            <a:ext cx="4890347" cy="369332"/>
+          </a:xfrm>
+          <a:prstGeom prst="rect">
+            <a:avLst/>
+          </a:prstGeom>
+          <a:noFill/>
+        </p:spPr>
+        <p:txBody>
+          <a:bodyPr wrap="square" rtlCol="0">
+            <a:spAutoFit/>
+          </a:bodyPr>
+          <a:lstStyle/>
+          <a:p>
+            <a:r>
+              <a:rPr lang="en-US" dirty="0"/>
+              <a:t>Objects</a:t>
+            </a:r>
+          </a:p>
+        </p:txBody>
+      </p:sp>
+    </p:spTree>
+    <p:extLst>
+      <p:ext uri="{BB962C8B-B14F-4D97-AF65-F5344CB8AC3E}">
+        <p14:creationId xmlns:p14="http://schemas.microsoft.com/office/powerpoint/2010/main" val="3219447445"/>
+      </p:ext>
+    </p:extLst>
   </p:cSld>
   <p:clrMapOvr>
     <a:masterClrMapping/>

--- a/lectures/2023_GNET749_Lecture3.pptx
+++ b/lectures/2023_GNET749_Lecture3.pptx
@@ -5,22 +5,32 @@
     <p:sldMasterId id="2147483648" r:id="rId1"/>
   </p:sldMasterIdLst>
   <p:notesMasterIdLst>
-    <p:notesMasterId r:id="rId15"/>
+    <p:notesMasterId r:id="rId25"/>
   </p:notesMasterIdLst>
   <p:sldIdLst>
     <p:sldId id="256" r:id="rId2"/>
     <p:sldId id="302" r:id="rId3"/>
-    <p:sldId id="303" r:id="rId4"/>
-    <p:sldId id="305" r:id="rId5"/>
+    <p:sldId id="305" r:id="rId4"/>
+    <p:sldId id="312" r:id="rId5"/>
     <p:sldId id="306" r:id="rId6"/>
-    <p:sldId id="300" r:id="rId7"/>
-    <p:sldId id="304" r:id="rId8"/>
-    <p:sldId id="301" r:id="rId9"/>
-    <p:sldId id="307" r:id="rId10"/>
-    <p:sldId id="283" r:id="rId11"/>
-    <p:sldId id="308" r:id="rId12"/>
-    <p:sldId id="309" r:id="rId13"/>
-    <p:sldId id="310" r:id="rId14"/>
+    <p:sldId id="316" r:id="rId7"/>
+    <p:sldId id="317" r:id="rId8"/>
+    <p:sldId id="318" r:id="rId9"/>
+    <p:sldId id="319" r:id="rId10"/>
+    <p:sldId id="300" r:id="rId11"/>
+    <p:sldId id="304" r:id="rId12"/>
+    <p:sldId id="301" r:id="rId13"/>
+    <p:sldId id="311" r:id="rId14"/>
+    <p:sldId id="313" r:id="rId15"/>
+    <p:sldId id="314" r:id="rId16"/>
+    <p:sldId id="315" r:id="rId17"/>
+    <p:sldId id="283" r:id="rId18"/>
+    <p:sldId id="320" r:id="rId19"/>
+    <p:sldId id="308" r:id="rId20"/>
+    <p:sldId id="321" r:id="rId21"/>
+    <p:sldId id="303" r:id="rId22"/>
+    <p:sldId id="309" r:id="rId23"/>
+    <p:sldId id="310" r:id="rId24"/>
   </p:sldIdLst>
   <p:sldSz cx="12192000" cy="6858000"/>
   <p:notesSz cx="6858000" cy="9144000"/>
@@ -209,7 +219,7 @@
           <a:p>
             <a:fld id="{CED3B269-BCFD-3E4D-9867-060E5123D2F8}" type="datetimeFigureOut">
               <a:rPr lang="en-US" smtClean="0"/>
-              <a:t>4/17/23</a:t>
+              <a:t>4/18/23</a:t>
             </a:fld>
             <a:endParaRPr lang="en-US"/>
           </a:p>
@@ -704,7 +714,7 @@
           <a:p>
             <a:fld id="{C17BA9DE-A22B-9A47-BD58-93CE3EC6954C}" type="datetimeFigureOut">
               <a:rPr lang="en-US" smtClean="0"/>
-              <a:t>4/17/23</a:t>
+              <a:t>4/18/23</a:t>
             </a:fld>
             <a:endParaRPr lang="en-US"/>
           </a:p>
@@ -902,7 +912,7 @@
           <a:p>
             <a:fld id="{C17BA9DE-A22B-9A47-BD58-93CE3EC6954C}" type="datetimeFigureOut">
               <a:rPr lang="en-US" smtClean="0"/>
-              <a:t>4/17/23</a:t>
+              <a:t>4/18/23</a:t>
             </a:fld>
             <a:endParaRPr lang="en-US"/>
           </a:p>
@@ -1110,7 +1120,7 @@
           <a:p>
             <a:fld id="{C17BA9DE-A22B-9A47-BD58-93CE3EC6954C}" type="datetimeFigureOut">
               <a:rPr lang="en-US" smtClean="0"/>
-              <a:t>4/17/23</a:t>
+              <a:t>4/18/23</a:t>
             </a:fld>
             <a:endParaRPr lang="en-US"/>
           </a:p>
@@ -1308,7 +1318,7 @@
           <a:p>
             <a:fld id="{C17BA9DE-A22B-9A47-BD58-93CE3EC6954C}" type="datetimeFigureOut">
               <a:rPr lang="en-US" smtClean="0"/>
-              <a:t>4/17/23</a:t>
+              <a:t>4/18/23</a:t>
             </a:fld>
             <a:endParaRPr lang="en-US"/>
           </a:p>
@@ -1583,7 +1593,7 @@
           <a:p>
             <a:fld id="{C17BA9DE-A22B-9A47-BD58-93CE3EC6954C}" type="datetimeFigureOut">
               <a:rPr lang="en-US" smtClean="0"/>
-              <a:t>4/17/23</a:t>
+              <a:t>4/18/23</a:t>
             </a:fld>
             <a:endParaRPr lang="en-US"/>
           </a:p>
@@ -1848,7 +1858,7 @@
           <a:p>
             <a:fld id="{C17BA9DE-A22B-9A47-BD58-93CE3EC6954C}" type="datetimeFigureOut">
               <a:rPr lang="en-US" smtClean="0"/>
-              <a:t>4/17/23</a:t>
+              <a:t>4/18/23</a:t>
             </a:fld>
             <a:endParaRPr lang="en-US"/>
           </a:p>
@@ -2260,7 +2270,7 @@
           <a:p>
             <a:fld id="{C17BA9DE-A22B-9A47-BD58-93CE3EC6954C}" type="datetimeFigureOut">
               <a:rPr lang="en-US" smtClean="0"/>
-              <a:t>4/17/23</a:t>
+              <a:t>4/18/23</a:t>
             </a:fld>
             <a:endParaRPr lang="en-US"/>
           </a:p>
@@ -2401,7 +2411,7 @@
           <a:p>
             <a:fld id="{C17BA9DE-A22B-9A47-BD58-93CE3EC6954C}" type="datetimeFigureOut">
               <a:rPr lang="en-US" smtClean="0"/>
-              <a:t>4/17/23</a:t>
+              <a:t>4/18/23</a:t>
             </a:fld>
             <a:endParaRPr lang="en-US"/>
           </a:p>
@@ -2514,7 +2524,7 @@
           <a:p>
             <a:fld id="{C17BA9DE-A22B-9A47-BD58-93CE3EC6954C}" type="datetimeFigureOut">
               <a:rPr lang="en-US" smtClean="0"/>
-              <a:t>4/17/23</a:t>
+              <a:t>4/18/23</a:t>
             </a:fld>
             <a:endParaRPr lang="en-US"/>
           </a:p>
@@ -2825,7 +2835,7 @@
           <a:p>
             <a:fld id="{C17BA9DE-A22B-9A47-BD58-93CE3EC6954C}" type="datetimeFigureOut">
               <a:rPr lang="en-US" smtClean="0"/>
-              <a:t>4/17/23</a:t>
+              <a:t>4/18/23</a:t>
             </a:fld>
             <a:endParaRPr lang="en-US"/>
           </a:p>
@@ -3113,7 +3123,7 @@
           <a:p>
             <a:fld id="{C17BA9DE-A22B-9A47-BD58-93CE3EC6954C}" type="datetimeFigureOut">
               <a:rPr lang="en-US" smtClean="0"/>
-              <a:t>4/17/23</a:t>
+              <a:t>4/18/23</a:t>
             </a:fld>
             <a:endParaRPr lang="en-US"/>
           </a:p>
@@ -3354,7 +3364,7 @@
           <a:p>
             <a:fld id="{C17BA9DE-A22B-9A47-BD58-93CE3EC6954C}" type="datetimeFigureOut">
               <a:rPr lang="en-US" smtClean="0"/>
-              <a:t>4/17/23</a:t>
+              <a:t>4/18/23</a:t>
             </a:fld>
             <a:endParaRPr lang="en-US"/>
           </a:p>
@@ -3836,43 +3846,16 @@
           <a:chExt cx="0" cy="0"/>
         </a:xfrm>
       </p:grpSpPr>
-      <p:pic>
-        <p:nvPicPr>
-          <p:cNvPr id="321" name="Image" descr="Image"/>
-          <p:cNvPicPr>
-            <a:picLocks noChangeAspect="1"/>
-          </p:cNvPicPr>
-          <p:nvPr/>
-        </p:nvPicPr>
-        <p:blipFill>
-          <a:blip r:embed="rId3"/>
-          <a:stretch>
-            <a:fillRect/>
-          </a:stretch>
-        </p:blipFill>
-        <p:spPr>
-          <a:xfrm>
-            <a:off x="5960284" y="1074942"/>
-            <a:ext cx="5790107" cy="4708117"/>
-          </a:xfrm>
-          <a:prstGeom prst="rect">
-            <a:avLst/>
-          </a:prstGeom>
-          <a:ln w="12700">
-            <a:miter lim="400000"/>
-          </a:ln>
-        </p:spPr>
-      </p:pic>
-      <p:sp>
-        <p:nvSpPr>
-          <p:cNvPr id="322" name="https://bioconductor.org/packages/release/bioc/vignettes/SummarizedExperiment/inst/doc/SummarizedExperiment.html"/>
+      <p:sp>
+        <p:nvSpPr>
+          <p:cNvPr id="393" name="Functions"/>
           <p:cNvSpPr txBox="1"/>
           <p:nvPr/>
         </p:nvSpPr>
         <p:spPr>
           <a:xfrm>
-            <a:off x="266464" y="6347602"/>
-            <a:ext cx="5828519" cy="189796"/>
+            <a:off x="5399151" y="177130"/>
+            <a:ext cx="1402500" cy="420628"/>
           </a:xfrm>
           <a:prstGeom prst="rect">
             <a:avLst/>
@@ -3890,25 +3873,34 @@
           <a:bodyPr wrap="none" lIns="25400" tIns="25400" rIns="25400" bIns="25400" anchor="ctr">
             <a:spAutoFit/>
           </a:bodyPr>
-          <a:lstStyle/>
-          <a:p>
-            <a:r>
-              <a:rPr sz="900"/>
-              <a:t>https://bioconductor.org/packages/release/bioc/vignettes/SummarizedExperiment/inst/doc/SummarizedExperiment.html</a:t>
-            </a:r>
-          </a:p>
-        </p:txBody>
-      </p:sp>
-      <p:sp>
-        <p:nvSpPr>
-          <p:cNvPr id="323" name="RangedSummarizedExperiment - these represent genomic ranges"/>
+          <a:lstStyle>
+            <a:lvl1pPr>
+              <a:defRPr sz="4800">
+                <a:latin typeface="Avenir Next Regular"/>
+                <a:ea typeface="Avenir Next Regular"/>
+                <a:cs typeface="Avenir Next Regular"/>
+                <a:sym typeface="Avenir Next Regular"/>
+              </a:defRPr>
+            </a:lvl1pPr>
+          </a:lstStyle>
+          <a:p>
+            <a:r>
+              <a:rPr sz="2400"/>
+              <a:t>Functions</a:t>
+            </a:r>
+          </a:p>
+        </p:txBody>
+      </p:sp>
+      <p:sp>
+        <p:nvSpPr>
+          <p:cNvPr id="395" name="-https://r4ds.had.co.nz/functions.html"/>
           <p:cNvSpPr txBox="1"/>
           <p:nvPr/>
         </p:nvSpPr>
         <p:spPr>
           <a:xfrm>
-            <a:off x="1636070" y="2935314"/>
-            <a:ext cx="3161122" cy="189796"/>
+            <a:off x="9674735" y="6181098"/>
+            <a:ext cx="1888337" cy="189796"/>
           </a:xfrm>
           <a:prstGeom prst="rect">
             <a:avLst/>
@@ -3929,60 +3921,27 @@
           <a:lstStyle/>
           <a:p>
             <a:r>
-              <a:rPr sz="900"/>
-              <a:t>R</a:t>
-            </a:r>
-            <a:r>
-              <a:rPr sz="900" b="1"/>
-              <a:t>angedSummarizedExperiment</a:t>
-            </a:r>
-            <a:r>
-              <a:rPr sz="900"/>
-              <a:t> - these represent genomic ranges</a:t>
-            </a:r>
-          </a:p>
-        </p:txBody>
-      </p:sp>
-      <p:sp>
-        <p:nvSpPr>
-          <p:cNvPr id="324" name="Line"/>
-          <p:cNvSpPr/>
-          <p:nvPr/>
-        </p:nvSpPr>
-        <p:spPr>
-          <a:xfrm>
-            <a:off x="6076533" y="3228361"/>
-            <a:ext cx="405769" cy="405769"/>
-          </a:xfrm>
-          <a:prstGeom prst="line">
-            <a:avLst/>
-          </a:prstGeom>
-          <a:ln w="25400">
-            <a:solidFill>
-              <a:srgbClr val="000000"/>
-            </a:solidFill>
-            <a:miter lim="400000"/>
-            <a:tailEnd type="triangle"/>
-          </a:ln>
-        </p:spPr>
-        <p:txBody>
-          <a:bodyPr lIns="25400" tIns="25400" rIns="25400" bIns="25400" anchor="ctr"/>
-          <a:lstStyle/>
-          <a:p>
-            <a:endParaRPr sz="900"/>
-          </a:p>
-        </p:txBody>
-      </p:sp>
-      <p:sp>
-        <p:nvSpPr>
-          <p:cNvPr id="325" name="DESeqDataSet…"/>
+              <a:rPr sz="900" dirty="0"/>
+              <a:t> -https://r4ds.had.co.nz/</a:t>
+            </a:r>
+            <a:r>
+              <a:rPr sz="900" dirty="0" err="1"/>
+              <a:t>functions.html</a:t>
+            </a:r>
+            <a:endParaRPr sz="900" dirty="0"/>
+          </a:p>
+        </p:txBody>
+      </p:sp>
+      <p:sp>
+        <p:nvSpPr>
+          <p:cNvPr id="397" name="Any chunk of code you are going to reuse - can be built in or come with a package or user made…"/>
           <p:cNvSpPr txBox="1"/>
           <p:nvPr/>
         </p:nvSpPr>
         <p:spPr>
           <a:xfrm>
-            <a:off x="1189731" y="4159340"/>
-            <a:ext cx="2587247" cy="466794"/>
+            <a:off x="518306" y="1276929"/>
+            <a:ext cx="6631765" cy="1159292"/>
           </a:xfrm>
           <a:prstGeom prst="rect">
             <a:avLst/>
@@ -3997,51 +3956,2372 @@
           </a:extLst>
         </p:spPr>
         <p:txBody>
+          <a:bodyPr wrap="square" lIns="25400" tIns="25400" rIns="25400" bIns="25400" anchor="ctr">
+            <a:spAutoFit/>
+          </a:bodyPr>
+          <a:lstStyle/>
+          <a:p>
+            <a:pPr marL="114300" indent="-114300">
+              <a:buSzPct val="100000"/>
+              <a:buChar char="•"/>
+            </a:pPr>
+            <a:r>
+              <a:rPr dirty="0"/>
+              <a:t>Any chunk of code you are going to reuse - can be built in or come with a package or user made</a:t>
+            </a:r>
+          </a:p>
+          <a:p>
+            <a:pPr marL="114300" indent="-114300">
+              <a:buSzPct val="100000"/>
+              <a:buChar char="•"/>
+            </a:pPr>
+            <a:r>
+              <a:rPr dirty="0"/>
+              <a:t>Can take 0 or more arguments</a:t>
+            </a:r>
+          </a:p>
+          <a:p>
+            <a:pPr marL="114300" indent="-114300">
+              <a:buSzPct val="100000"/>
+              <a:buChar char="•"/>
+            </a:pPr>
+            <a:r>
+              <a:rPr dirty="0"/>
+              <a:t>Can return some value(s) or objects</a:t>
+            </a:r>
+          </a:p>
+        </p:txBody>
+      </p:sp>
+      <p:sp>
+        <p:nvSpPr>
+          <p:cNvPr id="398" name="What are functions"/>
+          <p:cNvSpPr txBox="1"/>
+          <p:nvPr/>
+        </p:nvSpPr>
+        <p:spPr>
+          <a:xfrm>
+            <a:off x="518306" y="885933"/>
+            <a:ext cx="2018822" cy="328295"/>
+          </a:xfrm>
+          <a:prstGeom prst="rect">
+            <a:avLst/>
+          </a:prstGeom>
+          <a:ln w="12700">
+            <a:miter lim="400000"/>
+          </a:ln>
+          <a:extLst>
+            <a:ext uri="{C572A759-6A51-4108-AA02-DFA0A04FC94B}">
+              <ma14:wrappingTextBoxFlag xmlns="" xmlns:m="http://schemas.openxmlformats.org/officeDocument/2006/math" xmlns:a14="http://schemas.microsoft.com/office/drawing/2010/main" xmlns:ma14="http://schemas.microsoft.com/office/mac/drawingml/2011/main" val="1"/>
+            </a:ext>
+          </a:extLst>
+        </p:spPr>
+        <p:txBody>
           <a:bodyPr wrap="none" lIns="25400" tIns="25400" rIns="25400" bIns="25400" anchor="ctr">
             <a:spAutoFit/>
           </a:bodyPr>
-          <a:lstStyle/>
-          <a:p>
-            <a:pPr algn="l">
-              <a:defRPr b="1"/>
+          <a:lstStyle>
+            <a:lvl1pPr>
+              <a:defRPr sz="3600">
+                <a:solidFill>
+                  <a:schemeClr val="accent1">
+                    <a:lumOff val="-13575"/>
+                  </a:schemeClr>
+                </a:solidFill>
+                <a:latin typeface="Avenir Next Regular"/>
+                <a:ea typeface="Avenir Next Regular"/>
+                <a:cs typeface="Avenir Next Regular"/>
+                <a:sym typeface="Avenir Next Regular"/>
+              </a:defRPr>
+            </a:lvl1pPr>
+          </a:lstStyle>
+          <a:p>
+            <a:r>
+              <a:rPr sz="1800" dirty="0"/>
+              <a:t>What are functions</a:t>
+            </a:r>
+          </a:p>
+        </p:txBody>
+      </p:sp>
+    </p:spTree>
+  </p:cSld>
+  <p:clrMapOvr>
+    <a:masterClrMapping/>
+  </p:clrMapOvr>
+</p:sld>
+</file>
+
+<file path=ppt/slides/slide11.xml><?xml version="1.0" encoding="utf-8"?>
+<p:sld xmlns:a="http://schemas.openxmlformats.org/drawingml/2006/main" xmlns:r="http://schemas.openxmlformats.org/officeDocument/2006/relationships" xmlns:p="http://schemas.openxmlformats.org/presentationml/2006/main">
+  <p:cSld>
+    <p:spTree>
+      <p:nvGrpSpPr>
+        <p:cNvPr id="1" name=""/>
+        <p:cNvGrpSpPr/>
+        <p:nvPr/>
+      </p:nvGrpSpPr>
+      <p:grpSpPr>
+        <a:xfrm>
+          <a:off x="0" y="0"/>
+          <a:ext cx="0" cy="0"/>
+          <a:chOff x="0" y="0"/>
+          <a:chExt cx="0" cy="0"/>
+        </a:xfrm>
+      </p:grpSpPr>
+      <p:sp>
+        <p:nvSpPr>
+          <p:cNvPr id="393" name="Functions"/>
+          <p:cNvSpPr txBox="1"/>
+          <p:nvPr/>
+        </p:nvSpPr>
+        <p:spPr>
+          <a:xfrm>
+            <a:off x="5399151" y="177130"/>
+            <a:ext cx="1402500" cy="420628"/>
+          </a:xfrm>
+          <a:prstGeom prst="rect">
+            <a:avLst/>
+          </a:prstGeom>
+          <a:ln w="12700">
+            <a:miter lim="400000"/>
+          </a:ln>
+          <a:extLst>
+            <a:ext uri="{C572A759-6A51-4108-AA02-DFA0A04FC94B}">
+              <ma14:wrappingTextBoxFlag xmlns:ma14="http://schemas.microsoft.com/office/mac/drawingml/2011/main" xmlns:a14="http://schemas.microsoft.com/office/drawing/2010/main" xmlns:m="http://schemas.openxmlformats.org/officeDocument/2006/math" xmlns="" val="1"/>
+            </a:ext>
+          </a:extLst>
+        </p:spPr>
+        <p:txBody>
+          <a:bodyPr wrap="none" lIns="25400" tIns="25400" rIns="25400" bIns="25400" anchor="ctr">
+            <a:spAutoFit/>
+          </a:bodyPr>
+          <a:lstStyle>
+            <a:lvl1pPr>
+              <a:defRPr sz="4800">
+                <a:latin typeface="Avenir Next Regular"/>
+                <a:ea typeface="Avenir Next Regular"/>
+                <a:cs typeface="Avenir Next Regular"/>
+                <a:sym typeface="Avenir Next Regular"/>
+              </a:defRPr>
+            </a:lvl1pPr>
+          </a:lstStyle>
+          <a:p>
+            <a:r>
+              <a:rPr sz="2400"/>
+              <a:t>Functions</a:t>
+            </a:r>
+          </a:p>
+        </p:txBody>
+      </p:sp>
+      <p:sp>
+        <p:nvSpPr>
+          <p:cNvPr id="394" name="You can give a function an evocative name that makes your code easier to understand.…"/>
+          <p:cNvSpPr txBox="1"/>
+          <p:nvPr/>
+        </p:nvSpPr>
+        <p:spPr>
+          <a:xfrm>
+            <a:off x="227597" y="4444221"/>
+            <a:ext cx="9495292" cy="1867178"/>
+          </a:xfrm>
+          <a:prstGeom prst="rect">
+            <a:avLst/>
+          </a:prstGeom>
+          <a:ln w="12700">
+            <a:miter lim="400000"/>
+          </a:ln>
+          <a:extLst>
+            <a:ext uri="{C572A759-6A51-4108-AA02-DFA0A04FC94B}">
+              <ma14:wrappingTextBoxFlag xmlns:ma14="http://schemas.microsoft.com/office/mac/drawingml/2011/main" xmlns:a14="http://schemas.microsoft.com/office/drawing/2010/main" xmlns:m="http://schemas.openxmlformats.org/officeDocument/2006/math" xmlns="" val="1"/>
+            </a:ext>
+          </a:extLst>
+        </p:spPr>
+        <p:txBody>
+          <a:bodyPr wrap="none" lIns="25400" tIns="25400" rIns="25400" bIns="25400" anchor="ctr">
+            <a:spAutoFit/>
+          </a:bodyPr>
+          <a:lstStyle/>
+          <a:p>
+            <a:pPr marL="355600" indent="-285750" defTabSz="228600">
+              <a:spcBef>
+                <a:spcPts val="300"/>
+              </a:spcBef>
+              <a:buClr>
+                <a:srgbClr val="212529"/>
+              </a:buClr>
+              <a:buSzPct val="100000"/>
+              <a:buFont typeface="Arial" panose="020B0604020202020204" pitchFamily="34" charset="0"/>
+              <a:buChar char="•"/>
+              <a:defRPr>
+                <a:solidFill>
+                  <a:srgbClr val="212529"/>
+                </a:solidFill>
+                <a:latin typeface="Avenir Next Regular"/>
+                <a:ea typeface="Avenir Next Regular"/>
+                <a:cs typeface="Avenir Next Regular"/>
+                <a:sym typeface="Avenir Next Regular"/>
+              </a:defRPr>
             </a:pPr>
             <a:r>
+              <a:rPr lang="en-US" dirty="0"/>
+              <a:t>Time savings</a:t>
+            </a:r>
+          </a:p>
+          <a:p>
+            <a:pPr marL="355600" indent="-285750" defTabSz="228600">
+              <a:spcBef>
+                <a:spcPts val="300"/>
+              </a:spcBef>
+              <a:buClr>
+                <a:srgbClr val="212529"/>
+              </a:buClr>
+              <a:buSzPct val="100000"/>
+              <a:buFont typeface="Arial" panose="020B0604020202020204" pitchFamily="34" charset="0"/>
+              <a:buChar char="•"/>
+              <a:defRPr>
+                <a:solidFill>
+                  <a:srgbClr val="212529"/>
+                </a:solidFill>
+                <a:latin typeface="Avenir Next Regular"/>
+                <a:ea typeface="Avenir Next Regular"/>
+                <a:cs typeface="Avenir Next Regular"/>
+                <a:sym typeface="Avenir Next Regular"/>
+              </a:defRPr>
+            </a:pPr>
+            <a:r>
+              <a:rPr dirty="0"/>
+              <a:t>You can give a functi</a:t>
+            </a:r>
+            <a:r>
+              <a:rPr lang="en-US" dirty="0"/>
+              <a:t>o</a:t>
+            </a:r>
+            <a:r>
+              <a:rPr dirty="0"/>
+              <a:t>n a </a:t>
+            </a:r>
+            <a:r>
+              <a:rPr lang="en-US" dirty="0"/>
+              <a:t>descriptive</a:t>
+            </a:r>
+            <a:r>
+              <a:rPr dirty="0"/>
+              <a:t> name that makes your code easier to understand.</a:t>
+            </a:r>
+          </a:p>
+          <a:p>
+            <a:pPr marL="355600" indent="-285750" defTabSz="228600">
+              <a:spcBef>
+                <a:spcPts val="300"/>
+              </a:spcBef>
+              <a:buClr>
+                <a:srgbClr val="212529"/>
+              </a:buClr>
+              <a:buSzPct val="100000"/>
+              <a:buFont typeface="Arial" panose="020B0604020202020204" pitchFamily="34" charset="0"/>
+              <a:buChar char="•"/>
+              <a:defRPr>
+                <a:solidFill>
+                  <a:srgbClr val="212529"/>
+                </a:solidFill>
+                <a:latin typeface="Avenir Next Regular"/>
+                <a:ea typeface="Avenir Next Regular"/>
+                <a:cs typeface="Avenir Next Regular"/>
+                <a:sym typeface="Avenir Next Regular"/>
+              </a:defRPr>
+            </a:pPr>
+            <a:r>
+              <a:rPr dirty="0"/>
+              <a:t>As requirements change, you only n</a:t>
+            </a:r>
+            <a:r>
+              <a:rPr lang="en-US" dirty="0"/>
+              <a:t>e</a:t>
+            </a:r>
+            <a:r>
+              <a:rPr dirty="0"/>
+              <a:t>ed to update code in one place, instead of many.</a:t>
+            </a:r>
+          </a:p>
+          <a:p>
+            <a:pPr marL="355600" indent="-285750" defTabSz="228600">
+              <a:spcBef>
+                <a:spcPts val="300"/>
+              </a:spcBef>
+              <a:buClr>
+                <a:srgbClr val="212529"/>
+              </a:buClr>
+              <a:buSzPct val="100000"/>
+              <a:buFont typeface="Arial" panose="020B0604020202020204" pitchFamily="34" charset="0"/>
+              <a:buChar char="•"/>
+              <a:defRPr>
+                <a:solidFill>
+                  <a:srgbClr val="212529"/>
+                </a:solidFill>
+                <a:latin typeface="Avenir Next Regular"/>
+                <a:ea typeface="Avenir Next Regular"/>
+                <a:cs typeface="Avenir Next Regular"/>
+                <a:sym typeface="Avenir Next Regular"/>
+              </a:defRPr>
+            </a:pPr>
+            <a:r>
+              <a:rPr dirty="0"/>
+              <a:t>You eliminate the chance of making incidental mistakes when you copy and paste </a:t>
+            </a:r>
+            <a:endParaRPr lang="en-US" dirty="0"/>
+          </a:p>
+          <a:p>
+            <a:pPr marL="527050" lvl="1" defTabSz="228600">
+              <a:spcBef>
+                <a:spcPts val="300"/>
+              </a:spcBef>
+              <a:buClr>
+                <a:srgbClr val="212529"/>
+              </a:buClr>
+              <a:buSzPct val="100000"/>
+              <a:defRPr>
+                <a:solidFill>
+                  <a:srgbClr val="212529"/>
+                </a:solidFill>
+                <a:latin typeface="Avenir Next Regular"/>
+                <a:ea typeface="Avenir Next Regular"/>
+                <a:cs typeface="Avenir Next Regular"/>
+                <a:sym typeface="Avenir Next Regular"/>
+              </a:defRPr>
+            </a:pPr>
+            <a:r>
+              <a:rPr dirty="0"/>
+              <a:t>(i.e. updating a variable name in one place, but not in another).</a:t>
+            </a:r>
+            <a:br>
+              <a:rPr dirty="0"/>
+            </a:br>
+            <a:endParaRPr dirty="0"/>
+          </a:p>
+        </p:txBody>
+      </p:sp>
+      <p:sp>
+        <p:nvSpPr>
+          <p:cNvPr id="395" name="-https://r4ds.had.co.nz/functions.html"/>
+          <p:cNvSpPr txBox="1"/>
+          <p:nvPr/>
+        </p:nvSpPr>
+        <p:spPr>
+          <a:xfrm>
+            <a:off x="9674735" y="6181098"/>
+            <a:ext cx="1888337" cy="189796"/>
+          </a:xfrm>
+          <a:prstGeom prst="rect">
+            <a:avLst/>
+          </a:prstGeom>
+          <a:ln w="12700">
+            <a:miter lim="400000"/>
+          </a:ln>
+          <a:extLst>
+            <a:ext uri="{C572A759-6A51-4108-AA02-DFA0A04FC94B}">
+              <ma14:wrappingTextBoxFlag xmlns:ma14="http://schemas.microsoft.com/office/mac/drawingml/2011/main" xmlns:a14="http://schemas.microsoft.com/office/drawing/2010/main" xmlns:m="http://schemas.openxmlformats.org/officeDocument/2006/math" xmlns="" val="1"/>
+            </a:ext>
+          </a:extLst>
+        </p:spPr>
+        <p:txBody>
+          <a:bodyPr wrap="none" lIns="25400" tIns="25400" rIns="25400" bIns="25400" anchor="ctr">
+            <a:spAutoFit/>
+          </a:bodyPr>
+          <a:lstStyle/>
+          <a:p>
+            <a:r>
+              <a:rPr sz="900" dirty="0"/>
+              <a:t> -https://r4ds.had.co.nz/</a:t>
+            </a:r>
+            <a:r>
+              <a:rPr sz="900" dirty="0" err="1"/>
+              <a:t>functions.html</a:t>
+            </a:r>
+            <a:endParaRPr sz="900" dirty="0"/>
+          </a:p>
+        </p:txBody>
+      </p:sp>
+      <p:sp>
+        <p:nvSpPr>
+          <p:cNvPr id="396" name="Reasons to make a new function"/>
+          <p:cNvSpPr txBox="1"/>
+          <p:nvPr/>
+        </p:nvSpPr>
+        <p:spPr>
+          <a:xfrm>
+            <a:off x="417099" y="4093485"/>
+            <a:ext cx="3417089" cy="328295"/>
+          </a:xfrm>
+          <a:prstGeom prst="rect">
+            <a:avLst/>
+          </a:prstGeom>
+          <a:ln w="12700">
+            <a:miter lim="400000"/>
+          </a:ln>
+          <a:extLst>
+            <a:ext uri="{C572A759-6A51-4108-AA02-DFA0A04FC94B}">
+              <ma14:wrappingTextBoxFlag xmlns:ma14="http://schemas.microsoft.com/office/mac/drawingml/2011/main" xmlns:a14="http://schemas.microsoft.com/office/drawing/2010/main" xmlns:m="http://schemas.openxmlformats.org/officeDocument/2006/math" xmlns="" val="1"/>
+            </a:ext>
+          </a:extLst>
+        </p:spPr>
+        <p:txBody>
+          <a:bodyPr wrap="none" lIns="25400" tIns="25400" rIns="25400" bIns="25400" anchor="ctr">
+            <a:spAutoFit/>
+          </a:bodyPr>
+          <a:lstStyle>
+            <a:lvl1pPr>
+              <a:defRPr sz="3600">
+                <a:solidFill>
+                  <a:schemeClr val="accent1">
+                    <a:lumOff val="-13575"/>
+                  </a:schemeClr>
+                </a:solidFill>
+                <a:latin typeface="Avenir Next Regular"/>
+                <a:ea typeface="Avenir Next Regular"/>
+                <a:cs typeface="Avenir Next Regular"/>
+                <a:sym typeface="Avenir Next Regular"/>
+              </a:defRPr>
+            </a:lvl1pPr>
+          </a:lstStyle>
+          <a:p>
+            <a:r>
+              <a:rPr sz="1800" dirty="0"/>
+              <a:t>Reasons to make a new function</a:t>
+            </a:r>
+          </a:p>
+        </p:txBody>
+      </p:sp>
+      <p:sp>
+        <p:nvSpPr>
+          <p:cNvPr id="397" name="Any chunk of code you are going to reuse - can be built in or come with a package or user made…"/>
+          <p:cNvSpPr txBox="1"/>
+          <p:nvPr/>
+        </p:nvSpPr>
+        <p:spPr>
+          <a:xfrm>
+            <a:off x="518306" y="1276929"/>
+            <a:ext cx="6631765" cy="1159292"/>
+          </a:xfrm>
+          <a:prstGeom prst="rect">
+            <a:avLst/>
+          </a:prstGeom>
+          <a:ln w="12700">
+            <a:miter lim="400000"/>
+          </a:ln>
+          <a:extLst>
+            <a:ext uri="{C572A759-6A51-4108-AA02-DFA0A04FC94B}">
+              <ma14:wrappingTextBoxFlag xmlns:ma14="http://schemas.microsoft.com/office/mac/drawingml/2011/main" xmlns:a14="http://schemas.microsoft.com/office/drawing/2010/main" xmlns:m="http://schemas.openxmlformats.org/officeDocument/2006/math" xmlns="" val="1"/>
+            </a:ext>
+          </a:extLst>
+        </p:spPr>
+        <p:txBody>
+          <a:bodyPr wrap="square" lIns="25400" tIns="25400" rIns="25400" bIns="25400" anchor="ctr">
+            <a:spAutoFit/>
+          </a:bodyPr>
+          <a:lstStyle/>
+          <a:p>
+            <a:pPr marL="114300" indent="-114300">
+              <a:buSzPct val="100000"/>
+              <a:buChar char="•"/>
+            </a:pPr>
+            <a:r>
+              <a:rPr dirty="0"/>
+              <a:t>Any chunk of code you are going to reuse - can be built in or come with a package or user made</a:t>
+            </a:r>
+          </a:p>
+          <a:p>
+            <a:pPr marL="114300" indent="-114300">
+              <a:buSzPct val="100000"/>
+              <a:buChar char="•"/>
+            </a:pPr>
+            <a:r>
+              <a:rPr dirty="0"/>
+              <a:t>Can take 0 or more arguments</a:t>
+            </a:r>
+          </a:p>
+          <a:p>
+            <a:pPr marL="114300" indent="-114300">
+              <a:buSzPct val="100000"/>
+              <a:buChar char="•"/>
+            </a:pPr>
+            <a:r>
+              <a:rPr dirty="0"/>
+              <a:t>Can return some value(s) or objects</a:t>
+            </a:r>
+          </a:p>
+        </p:txBody>
+      </p:sp>
+      <p:sp>
+        <p:nvSpPr>
+          <p:cNvPr id="398" name="What are functions"/>
+          <p:cNvSpPr txBox="1"/>
+          <p:nvPr/>
+        </p:nvSpPr>
+        <p:spPr>
+          <a:xfrm>
+            <a:off x="518306" y="885933"/>
+            <a:ext cx="2018822" cy="328295"/>
+          </a:xfrm>
+          <a:prstGeom prst="rect">
+            <a:avLst/>
+          </a:prstGeom>
+          <a:ln w="12700">
+            <a:miter lim="400000"/>
+          </a:ln>
+          <a:extLst>
+            <a:ext uri="{C572A759-6A51-4108-AA02-DFA0A04FC94B}">
+              <ma14:wrappingTextBoxFlag xmlns:ma14="http://schemas.microsoft.com/office/mac/drawingml/2011/main" xmlns:a14="http://schemas.microsoft.com/office/drawing/2010/main" xmlns:m="http://schemas.openxmlformats.org/officeDocument/2006/math" xmlns="" val="1"/>
+            </a:ext>
+          </a:extLst>
+        </p:spPr>
+        <p:txBody>
+          <a:bodyPr wrap="none" lIns="25400" tIns="25400" rIns="25400" bIns="25400" anchor="ctr">
+            <a:spAutoFit/>
+          </a:bodyPr>
+          <a:lstStyle>
+            <a:lvl1pPr>
+              <a:defRPr sz="3600">
+                <a:solidFill>
+                  <a:schemeClr val="accent1">
+                    <a:lumOff val="-13575"/>
+                  </a:schemeClr>
+                </a:solidFill>
+                <a:latin typeface="Avenir Next Regular"/>
+                <a:ea typeface="Avenir Next Regular"/>
+                <a:cs typeface="Avenir Next Regular"/>
+                <a:sym typeface="Avenir Next Regular"/>
+              </a:defRPr>
+            </a:lvl1pPr>
+          </a:lstStyle>
+          <a:p>
+            <a:r>
+              <a:rPr sz="1800" dirty="0"/>
+              <a:t>What are functions</a:t>
+            </a:r>
+          </a:p>
+        </p:txBody>
+      </p:sp>
+      <p:pic>
+        <p:nvPicPr>
+          <p:cNvPr id="2" name="Picture 1">
+            <a:extLst>
+              <a:ext uri="{FF2B5EF4-FFF2-40B4-BE49-F238E27FC236}">
+                <a16:creationId xmlns:a16="http://schemas.microsoft.com/office/drawing/2014/main" id="{FB7A7431-E88C-E9CF-C22F-AC7EF771DCDB}"/>
+              </a:ext>
+            </a:extLst>
+          </p:cNvPr>
+          <p:cNvPicPr>
+            <a:picLocks noChangeAspect="1"/>
+          </p:cNvPicPr>
+          <p:nvPr/>
+        </p:nvPicPr>
+        <p:blipFill>
+          <a:blip r:embed="rId2"/>
+          <a:stretch>
+            <a:fillRect/>
+          </a:stretch>
+        </p:blipFill>
+        <p:spPr>
+          <a:xfrm>
+            <a:off x="6801651" y="597758"/>
+            <a:ext cx="4655016" cy="3689762"/>
+          </a:xfrm>
+          <a:prstGeom prst="rect">
+            <a:avLst/>
+          </a:prstGeom>
+        </p:spPr>
+      </p:pic>
+      <p:sp>
+        <p:nvSpPr>
+          <p:cNvPr id="4" name="TextBox 3">
+            <a:extLst>
+              <a:ext uri="{FF2B5EF4-FFF2-40B4-BE49-F238E27FC236}">
+                <a16:creationId xmlns:a16="http://schemas.microsoft.com/office/drawing/2014/main" id="{F451805A-0E44-C150-4134-EB8DE67D9954}"/>
+              </a:ext>
+            </a:extLst>
+          </p:cNvPr>
+          <p:cNvSpPr txBox="1"/>
+          <p:nvPr/>
+        </p:nvSpPr>
+        <p:spPr>
+          <a:xfrm>
+            <a:off x="9428480" y="5811766"/>
+            <a:ext cx="6096000" cy="369332"/>
+          </a:xfrm>
+          <a:prstGeom prst="rect">
+            <a:avLst/>
+          </a:prstGeom>
+          <a:noFill/>
+        </p:spPr>
+        <p:txBody>
+          <a:bodyPr wrap="square">
+            <a:spAutoFit/>
+          </a:bodyPr>
+          <a:lstStyle/>
+          <a:p>
+            <a:r>
+              <a:rPr lang="en-US" dirty="0"/>
+              <a:t>https://</a:t>
+            </a:r>
+            <a:r>
+              <a:rPr lang="en-US" dirty="0" err="1"/>
+              <a:t>xkcd.com</a:t>
+            </a:r>
+            <a:r>
+              <a:rPr lang="en-US" dirty="0"/>
+              <a:t>/1205/</a:t>
+            </a:r>
+          </a:p>
+        </p:txBody>
+      </p:sp>
+    </p:spTree>
+    <p:extLst>
+      <p:ext uri="{BB962C8B-B14F-4D97-AF65-F5344CB8AC3E}">
+        <p14:creationId xmlns:p14="http://schemas.microsoft.com/office/powerpoint/2010/main" val="1996646748"/>
+      </p:ext>
+    </p:extLst>
+  </p:cSld>
+  <p:clrMapOvr>
+    <a:masterClrMapping/>
+  </p:clrMapOvr>
+</p:sld>
+</file>
+
+<file path=ppt/slides/slide12.xml><?xml version="1.0" encoding="utf-8"?>
+<p:sld xmlns:a="http://schemas.openxmlformats.org/drawingml/2006/main" xmlns:r="http://schemas.openxmlformats.org/officeDocument/2006/relationships" xmlns:p="http://schemas.openxmlformats.org/presentationml/2006/main">
+  <p:cSld>
+    <p:spTree>
+      <p:nvGrpSpPr>
+        <p:cNvPr id="1" name=""/>
+        <p:cNvGrpSpPr/>
+        <p:nvPr/>
+      </p:nvGrpSpPr>
+      <p:grpSpPr>
+        <a:xfrm>
+          <a:off x="0" y="0"/>
+          <a:ext cx="0" cy="0"/>
+          <a:chOff x="0" y="0"/>
+          <a:chExt cx="0" cy="0"/>
+        </a:xfrm>
+      </p:grpSpPr>
+      <p:sp>
+        <p:nvSpPr>
+          <p:cNvPr id="5" name="TextBox 4">
+            <a:extLst>
+              <a:ext uri="{FF2B5EF4-FFF2-40B4-BE49-F238E27FC236}">
+                <a16:creationId xmlns:a16="http://schemas.microsoft.com/office/drawing/2014/main" id="{329A493F-FCD9-7CA9-DCC5-2EC6A8A29730}"/>
+              </a:ext>
+            </a:extLst>
+          </p:cNvPr>
+          <p:cNvSpPr txBox="1"/>
+          <p:nvPr/>
+        </p:nvSpPr>
+        <p:spPr>
+          <a:xfrm>
+            <a:off x="4991463" y="137433"/>
+            <a:ext cx="1534394" cy="369332"/>
+          </a:xfrm>
+          <a:prstGeom prst="rect">
+            <a:avLst/>
+          </a:prstGeom>
+          <a:noFill/>
+        </p:spPr>
+        <p:txBody>
+          <a:bodyPr wrap="none" rtlCol="0">
+            <a:spAutoFit/>
+          </a:bodyPr>
+          <a:lstStyle/>
+          <a:p>
+            <a:r>
+              <a:rPr lang="en-US" dirty="0"/>
+              <a:t>Basic Function</a:t>
+            </a:r>
+          </a:p>
+        </p:txBody>
+      </p:sp>
+      <p:pic>
+        <p:nvPicPr>
+          <p:cNvPr id="6" name="Picture 5">
+            <a:extLst>
+              <a:ext uri="{FF2B5EF4-FFF2-40B4-BE49-F238E27FC236}">
+                <a16:creationId xmlns:a16="http://schemas.microsoft.com/office/drawing/2014/main" id="{72066490-4A50-1E52-4903-99915B0533A6}"/>
+              </a:ext>
+            </a:extLst>
+          </p:cNvPr>
+          <p:cNvPicPr>
+            <a:picLocks noChangeAspect="1"/>
+          </p:cNvPicPr>
+          <p:nvPr/>
+        </p:nvPicPr>
+        <p:blipFill>
+          <a:blip r:embed="rId2"/>
+          <a:stretch>
+            <a:fillRect/>
+          </a:stretch>
+        </p:blipFill>
+        <p:spPr>
+          <a:xfrm>
+            <a:off x="6449540" y="3094264"/>
+            <a:ext cx="2400300" cy="520700"/>
+          </a:xfrm>
+          <a:prstGeom prst="rect">
+            <a:avLst/>
+          </a:prstGeom>
+        </p:spPr>
+      </p:pic>
+      <p:pic>
+        <p:nvPicPr>
+          <p:cNvPr id="7" name="Picture 6">
+            <a:extLst>
+              <a:ext uri="{FF2B5EF4-FFF2-40B4-BE49-F238E27FC236}">
+                <a16:creationId xmlns:a16="http://schemas.microsoft.com/office/drawing/2014/main" id="{77D80E2F-BE9F-BAFB-09A6-37EFF5A5775C}"/>
+              </a:ext>
+            </a:extLst>
+          </p:cNvPr>
+          <p:cNvPicPr>
+            <a:picLocks noChangeAspect="1"/>
+          </p:cNvPicPr>
+          <p:nvPr/>
+        </p:nvPicPr>
+        <p:blipFill>
+          <a:blip r:embed="rId3"/>
+          <a:stretch>
+            <a:fillRect/>
+          </a:stretch>
+        </p:blipFill>
+        <p:spPr>
+          <a:xfrm>
+            <a:off x="6454983" y="1670112"/>
+            <a:ext cx="4216400" cy="1054100"/>
+          </a:xfrm>
+          <a:prstGeom prst="rect">
+            <a:avLst/>
+          </a:prstGeom>
+        </p:spPr>
+      </p:pic>
+      <p:sp>
+        <p:nvSpPr>
+          <p:cNvPr id="8" name="TextBox 7">
+            <a:extLst>
+              <a:ext uri="{FF2B5EF4-FFF2-40B4-BE49-F238E27FC236}">
+                <a16:creationId xmlns:a16="http://schemas.microsoft.com/office/drawing/2014/main" id="{1ECB1FD7-0E59-94FC-00CA-3CD30F0175C1}"/>
+              </a:ext>
+            </a:extLst>
+          </p:cNvPr>
+          <p:cNvSpPr txBox="1"/>
+          <p:nvPr/>
+        </p:nvSpPr>
+        <p:spPr>
+          <a:xfrm>
+            <a:off x="5622646" y="1123043"/>
+            <a:ext cx="1590500" cy="369332"/>
+          </a:xfrm>
+          <a:prstGeom prst="rect">
+            <a:avLst/>
+          </a:prstGeom>
+          <a:noFill/>
+        </p:spPr>
+        <p:txBody>
+          <a:bodyPr wrap="none" rtlCol="0">
+            <a:spAutoFit/>
+          </a:bodyPr>
+          <a:lstStyle/>
+          <a:p>
+            <a:r>
+              <a:rPr lang="en-US" dirty="0"/>
+              <a:t>Function name</a:t>
+            </a:r>
+          </a:p>
+        </p:txBody>
+      </p:sp>
+      <p:cxnSp>
+        <p:nvCxnSpPr>
+          <p:cNvPr id="10" name="Straight Arrow Connector 9">
+            <a:extLst>
+              <a:ext uri="{FF2B5EF4-FFF2-40B4-BE49-F238E27FC236}">
+                <a16:creationId xmlns:a16="http://schemas.microsoft.com/office/drawing/2014/main" id="{E77025EA-9293-FFED-DFFF-DB02D893C57E}"/>
+              </a:ext>
+            </a:extLst>
+          </p:cNvPr>
+          <p:cNvCxnSpPr/>
+          <p:nvPr/>
+        </p:nvCxnSpPr>
+        <p:spPr>
+          <a:xfrm>
+            <a:off x="7135586" y="1335377"/>
+            <a:ext cx="155121" cy="334735"/>
+          </a:xfrm>
+          <a:prstGeom prst="straightConnector1">
+            <a:avLst/>
+          </a:prstGeom>
+          <a:ln>
+            <a:tailEnd type="triangle"/>
+          </a:ln>
+        </p:spPr>
+        <p:style>
+          <a:lnRef idx="1">
+            <a:schemeClr val="accent1"/>
+          </a:lnRef>
+          <a:fillRef idx="0">
+            <a:schemeClr val="accent1"/>
+          </a:fillRef>
+          <a:effectRef idx="0">
+            <a:schemeClr val="accent1"/>
+          </a:effectRef>
+          <a:fontRef idx="minor">
+            <a:schemeClr val="tx1"/>
+          </a:fontRef>
+        </p:style>
+      </p:cxnSp>
+      <p:sp>
+        <p:nvSpPr>
+          <p:cNvPr id="12" name="TextBox 11">
+            <a:extLst>
+              <a:ext uri="{FF2B5EF4-FFF2-40B4-BE49-F238E27FC236}">
+                <a16:creationId xmlns:a16="http://schemas.microsoft.com/office/drawing/2014/main" id="{01F89C21-4F61-5000-93C2-1B637C820693}"/>
+              </a:ext>
+            </a:extLst>
+          </p:cNvPr>
+          <p:cNvSpPr txBox="1"/>
+          <p:nvPr/>
+        </p:nvSpPr>
+        <p:spPr>
+          <a:xfrm>
+            <a:off x="4856479" y="1785487"/>
+            <a:ext cx="1964267" cy="646331"/>
+          </a:xfrm>
+          <a:prstGeom prst="rect">
+            <a:avLst/>
+          </a:prstGeom>
+          <a:noFill/>
+        </p:spPr>
+        <p:txBody>
+          <a:bodyPr wrap="square" rtlCol="0">
+            <a:spAutoFit/>
+          </a:bodyPr>
+          <a:lstStyle/>
+          <a:p>
+            <a:r>
+              <a:rPr lang="en-US" dirty="0"/>
+              <a:t>Function</a:t>
+            </a:r>
+          </a:p>
+          <a:p>
+            <a:r>
+              <a:rPr lang="en-US" dirty="0"/>
+              <a:t>body</a:t>
+            </a:r>
+          </a:p>
+        </p:txBody>
+      </p:sp>
+      <p:cxnSp>
+        <p:nvCxnSpPr>
+          <p:cNvPr id="14" name="Straight Arrow Connector 13">
+            <a:extLst>
+              <a:ext uri="{FF2B5EF4-FFF2-40B4-BE49-F238E27FC236}">
+                <a16:creationId xmlns:a16="http://schemas.microsoft.com/office/drawing/2014/main" id="{F74A8A2B-E66D-8ACA-A6B1-D0B88A91536C}"/>
+              </a:ext>
+            </a:extLst>
+          </p:cNvPr>
+          <p:cNvCxnSpPr>
+            <a:endCxn id="12" idx="3"/>
+          </p:cNvCxnSpPr>
+          <p:nvPr/>
+        </p:nvCxnSpPr>
+        <p:spPr>
+          <a:xfrm>
+            <a:off x="5960533" y="2108653"/>
+            <a:ext cx="860213" cy="0"/>
+          </a:xfrm>
+          <a:prstGeom prst="straightConnector1">
+            <a:avLst/>
+          </a:prstGeom>
+          <a:ln>
+            <a:tailEnd type="triangle"/>
+          </a:ln>
+        </p:spPr>
+        <p:style>
+          <a:lnRef idx="1">
+            <a:schemeClr val="accent1"/>
+          </a:lnRef>
+          <a:fillRef idx="0">
+            <a:schemeClr val="accent1"/>
+          </a:fillRef>
+          <a:effectRef idx="0">
+            <a:schemeClr val="accent1"/>
+          </a:effectRef>
+          <a:fontRef idx="minor">
+            <a:schemeClr val="tx1"/>
+          </a:fontRef>
+        </p:style>
+      </p:cxnSp>
+      <p:sp>
+        <p:nvSpPr>
+          <p:cNvPr id="15" name="TextBox 14">
+            <a:extLst>
+              <a:ext uri="{FF2B5EF4-FFF2-40B4-BE49-F238E27FC236}">
+                <a16:creationId xmlns:a16="http://schemas.microsoft.com/office/drawing/2014/main" id="{ECD6190A-089B-853B-4654-D77B6212B547}"/>
+              </a:ext>
+            </a:extLst>
+          </p:cNvPr>
+          <p:cNvSpPr txBox="1"/>
+          <p:nvPr/>
+        </p:nvSpPr>
+        <p:spPr>
+          <a:xfrm>
+            <a:off x="4585477" y="2909598"/>
+            <a:ext cx="1375056" cy="369332"/>
+          </a:xfrm>
+          <a:prstGeom prst="rect">
+            <a:avLst/>
+          </a:prstGeom>
+          <a:noFill/>
+        </p:spPr>
+        <p:txBody>
+          <a:bodyPr wrap="none" rtlCol="0">
+            <a:spAutoFit/>
+          </a:bodyPr>
+          <a:lstStyle/>
+          <a:p>
+            <a:r>
+              <a:rPr lang="en-US" dirty="0"/>
+              <a:t>Return value</a:t>
+            </a:r>
+          </a:p>
+        </p:txBody>
+      </p:sp>
+      <p:cxnSp>
+        <p:nvCxnSpPr>
+          <p:cNvPr id="17" name="Straight Arrow Connector 16">
+            <a:extLst>
+              <a:ext uri="{FF2B5EF4-FFF2-40B4-BE49-F238E27FC236}">
+                <a16:creationId xmlns:a16="http://schemas.microsoft.com/office/drawing/2014/main" id="{6C47EBB0-D2A2-36D7-89CF-8F98575913CE}"/>
+              </a:ext>
+            </a:extLst>
+          </p:cNvPr>
+          <p:cNvCxnSpPr/>
+          <p:nvPr/>
+        </p:nvCxnSpPr>
+        <p:spPr>
+          <a:xfrm flipV="1">
+            <a:off x="6190827" y="2431818"/>
+            <a:ext cx="799253" cy="575542"/>
+          </a:xfrm>
+          <a:prstGeom prst="straightConnector1">
+            <a:avLst/>
+          </a:prstGeom>
+          <a:ln>
+            <a:tailEnd type="triangle"/>
+          </a:ln>
+        </p:spPr>
+        <p:style>
+          <a:lnRef idx="1">
+            <a:schemeClr val="accent1"/>
+          </a:lnRef>
+          <a:fillRef idx="0">
+            <a:schemeClr val="accent1"/>
+          </a:fillRef>
+          <a:effectRef idx="0">
+            <a:schemeClr val="accent1"/>
+          </a:effectRef>
+          <a:fontRef idx="minor">
+            <a:schemeClr val="tx1"/>
+          </a:fontRef>
+        </p:style>
+      </p:cxnSp>
+      <p:sp>
+        <p:nvSpPr>
+          <p:cNvPr id="18" name="TextBox 17">
+            <a:extLst>
+              <a:ext uri="{FF2B5EF4-FFF2-40B4-BE49-F238E27FC236}">
+                <a16:creationId xmlns:a16="http://schemas.microsoft.com/office/drawing/2014/main" id="{8CB50C4E-F271-6DE9-7873-AAA41844FCFC}"/>
+              </a:ext>
+            </a:extLst>
+          </p:cNvPr>
+          <p:cNvSpPr txBox="1"/>
+          <p:nvPr/>
+        </p:nvSpPr>
+        <p:spPr>
+          <a:xfrm>
+            <a:off x="9482083" y="642136"/>
+            <a:ext cx="1189300" cy="369332"/>
+          </a:xfrm>
+          <a:prstGeom prst="rect">
+            <a:avLst/>
+          </a:prstGeom>
+          <a:noFill/>
+        </p:spPr>
+        <p:txBody>
+          <a:bodyPr wrap="none" rtlCol="0">
+            <a:spAutoFit/>
+          </a:bodyPr>
+          <a:lstStyle/>
+          <a:p>
+            <a:r>
+              <a:rPr lang="en-US" dirty="0"/>
+              <a:t>arguments</a:t>
+            </a:r>
+          </a:p>
+        </p:txBody>
+      </p:sp>
+      <p:cxnSp>
+        <p:nvCxnSpPr>
+          <p:cNvPr id="20" name="Straight Arrow Connector 19">
+            <a:extLst>
+              <a:ext uri="{FF2B5EF4-FFF2-40B4-BE49-F238E27FC236}">
+                <a16:creationId xmlns:a16="http://schemas.microsoft.com/office/drawing/2014/main" id="{41F52DD0-7175-D640-E972-5CA407C0D27B}"/>
+              </a:ext>
+            </a:extLst>
+          </p:cNvPr>
+          <p:cNvCxnSpPr/>
+          <p:nvPr/>
+        </p:nvCxnSpPr>
+        <p:spPr>
+          <a:xfrm flipH="1">
+            <a:off x="9821333" y="1123043"/>
+            <a:ext cx="115147" cy="495784"/>
+          </a:xfrm>
+          <a:prstGeom prst="straightConnector1">
+            <a:avLst/>
+          </a:prstGeom>
+          <a:ln>
+            <a:tailEnd type="triangle"/>
+          </a:ln>
+        </p:spPr>
+        <p:style>
+          <a:lnRef idx="1">
+            <a:schemeClr val="accent1"/>
+          </a:lnRef>
+          <a:fillRef idx="0">
+            <a:schemeClr val="accent1"/>
+          </a:fillRef>
+          <a:effectRef idx="0">
+            <a:schemeClr val="accent1"/>
+          </a:effectRef>
+          <a:fontRef idx="minor">
+            <a:schemeClr val="tx1"/>
+          </a:fontRef>
+        </p:style>
+      </p:cxnSp>
+      <p:pic>
+        <p:nvPicPr>
+          <p:cNvPr id="22" name="Picture 21">
+            <a:extLst>
+              <a:ext uri="{FF2B5EF4-FFF2-40B4-BE49-F238E27FC236}">
+                <a16:creationId xmlns:a16="http://schemas.microsoft.com/office/drawing/2014/main" id="{E72C0EBA-2156-DC5A-1B3C-788BA2C2091C}"/>
+              </a:ext>
+            </a:extLst>
+          </p:cNvPr>
+          <p:cNvPicPr>
+            <a:picLocks noChangeAspect="1"/>
+          </p:cNvPicPr>
+          <p:nvPr/>
+        </p:nvPicPr>
+        <p:blipFill>
+          <a:blip r:embed="rId4"/>
+          <a:stretch>
+            <a:fillRect/>
+          </a:stretch>
+        </p:blipFill>
+        <p:spPr>
+          <a:xfrm>
+            <a:off x="287189" y="1171756"/>
+            <a:ext cx="3909561" cy="3845016"/>
+          </a:xfrm>
+          <a:prstGeom prst="rect">
+            <a:avLst/>
+          </a:prstGeom>
+        </p:spPr>
+      </p:pic>
+      <p:sp>
+        <p:nvSpPr>
+          <p:cNvPr id="24" name="TextBox 23">
+            <a:extLst>
+              <a:ext uri="{FF2B5EF4-FFF2-40B4-BE49-F238E27FC236}">
+                <a16:creationId xmlns:a16="http://schemas.microsoft.com/office/drawing/2014/main" id="{B02EAA19-E40B-4019-5A5C-8D693759B186}"/>
+              </a:ext>
+            </a:extLst>
+          </p:cNvPr>
+          <p:cNvSpPr txBox="1"/>
+          <p:nvPr/>
+        </p:nvSpPr>
+        <p:spPr>
+          <a:xfrm>
+            <a:off x="389147" y="4973680"/>
+            <a:ext cx="6096000" cy="369332"/>
+          </a:xfrm>
+          <a:prstGeom prst="rect">
+            <a:avLst/>
+          </a:prstGeom>
+          <a:noFill/>
+        </p:spPr>
+        <p:txBody>
+          <a:bodyPr wrap="square">
+            <a:spAutoFit/>
+          </a:bodyPr>
+          <a:lstStyle/>
+          <a:p>
+            <a:r>
+              <a:rPr lang="en-US" dirty="0"/>
+              <a:t>https://</a:t>
+            </a:r>
+            <a:r>
+              <a:rPr lang="en-US" dirty="0" err="1"/>
+              <a:t>xkcd.com</a:t>
+            </a:r>
+            <a:r>
+              <a:rPr lang="en-US" dirty="0"/>
+              <a:t>/1319/</a:t>
+            </a:r>
+          </a:p>
+        </p:txBody>
+      </p:sp>
+    </p:spTree>
+    <p:extLst>
+      <p:ext uri="{BB962C8B-B14F-4D97-AF65-F5344CB8AC3E}">
+        <p14:creationId xmlns:p14="http://schemas.microsoft.com/office/powerpoint/2010/main" val="3179177417"/>
+      </p:ext>
+    </p:extLst>
+  </p:cSld>
+  <p:clrMapOvr>
+    <a:masterClrMapping/>
+  </p:clrMapOvr>
+</p:sld>
+</file>
+
+<file path=ppt/slides/slide13.xml><?xml version="1.0" encoding="utf-8"?>
+<p:sld xmlns:a="http://schemas.openxmlformats.org/drawingml/2006/main" xmlns:r="http://schemas.openxmlformats.org/officeDocument/2006/relationships" xmlns:p="http://schemas.openxmlformats.org/presentationml/2006/main">
+  <p:cSld>
+    <p:spTree>
+      <p:nvGrpSpPr>
+        <p:cNvPr id="1" name=""/>
+        <p:cNvGrpSpPr/>
+        <p:nvPr/>
+      </p:nvGrpSpPr>
+      <p:grpSpPr>
+        <a:xfrm>
+          <a:off x="0" y="0"/>
+          <a:ext cx="0" cy="0"/>
+          <a:chOff x="0" y="0"/>
+          <a:chExt cx="0" cy="0"/>
+        </a:xfrm>
+      </p:grpSpPr>
+      <p:sp>
+        <p:nvSpPr>
+          <p:cNvPr id="2" name="TextBox 1">
+            <a:extLst>
+              <a:ext uri="{FF2B5EF4-FFF2-40B4-BE49-F238E27FC236}">
+                <a16:creationId xmlns:a16="http://schemas.microsoft.com/office/drawing/2014/main" id="{9D9A0DC5-96D6-AC76-09C9-5C35E3822F89}"/>
+              </a:ext>
+            </a:extLst>
+          </p:cNvPr>
+          <p:cNvSpPr txBox="1"/>
+          <p:nvPr/>
+        </p:nvSpPr>
+        <p:spPr>
+          <a:xfrm>
+            <a:off x="2703729" y="374970"/>
+            <a:ext cx="7354671" cy="369332"/>
+          </a:xfrm>
+          <a:prstGeom prst="rect">
+            <a:avLst/>
+          </a:prstGeom>
+          <a:noFill/>
+        </p:spPr>
+        <p:txBody>
+          <a:bodyPr wrap="square" rtlCol="0">
+            <a:spAutoFit/>
+          </a:bodyPr>
+          <a:lstStyle/>
+          <a:p>
+            <a:r>
+              <a:rPr lang="en-US" dirty="0"/>
+              <a:t>Loops (or performing the same operation on many things)</a:t>
+            </a:r>
+          </a:p>
+        </p:txBody>
+      </p:sp>
+      <p:pic>
+        <p:nvPicPr>
+          <p:cNvPr id="3" name="Picture 2">
+            <a:extLst>
+              <a:ext uri="{FF2B5EF4-FFF2-40B4-BE49-F238E27FC236}">
+                <a16:creationId xmlns:a16="http://schemas.microsoft.com/office/drawing/2014/main" id="{3D89E326-CBC1-B343-AC5F-DB5EF52F9679}"/>
+              </a:ext>
+            </a:extLst>
+          </p:cNvPr>
+          <p:cNvPicPr>
+            <a:picLocks noChangeAspect="1"/>
+          </p:cNvPicPr>
+          <p:nvPr/>
+        </p:nvPicPr>
+        <p:blipFill>
+          <a:blip r:embed="rId2"/>
+          <a:stretch>
+            <a:fillRect/>
+          </a:stretch>
+        </p:blipFill>
+        <p:spPr>
+          <a:xfrm>
+            <a:off x="1156347" y="1200714"/>
+            <a:ext cx="3329684" cy="657715"/>
+          </a:xfrm>
+          <a:prstGeom prst="rect">
+            <a:avLst/>
+          </a:prstGeom>
+        </p:spPr>
+      </p:pic>
+      <p:pic>
+        <p:nvPicPr>
+          <p:cNvPr id="4" name="Picture 3">
+            <a:extLst>
+              <a:ext uri="{FF2B5EF4-FFF2-40B4-BE49-F238E27FC236}">
+                <a16:creationId xmlns:a16="http://schemas.microsoft.com/office/drawing/2014/main" id="{A06AB6A5-131B-1B94-1BE1-975CE2DF3AA1}"/>
+              </a:ext>
+            </a:extLst>
+          </p:cNvPr>
+          <p:cNvPicPr>
+            <a:picLocks noChangeAspect="1"/>
+          </p:cNvPicPr>
+          <p:nvPr/>
+        </p:nvPicPr>
+        <p:blipFill>
+          <a:blip r:embed="rId3"/>
+          <a:stretch>
+            <a:fillRect/>
+          </a:stretch>
+        </p:blipFill>
+        <p:spPr>
+          <a:xfrm>
+            <a:off x="1156347" y="2054491"/>
+            <a:ext cx="3594100" cy="520700"/>
+          </a:xfrm>
+          <a:prstGeom prst="rect">
+            <a:avLst/>
+          </a:prstGeom>
+        </p:spPr>
+      </p:pic>
+      <p:pic>
+        <p:nvPicPr>
+          <p:cNvPr id="5" name="Picture 4">
+            <a:extLst>
+              <a:ext uri="{FF2B5EF4-FFF2-40B4-BE49-F238E27FC236}">
+                <a16:creationId xmlns:a16="http://schemas.microsoft.com/office/drawing/2014/main" id="{4E4B3A31-4713-10F1-264E-753EE869728F}"/>
+              </a:ext>
+            </a:extLst>
+          </p:cNvPr>
+          <p:cNvPicPr>
+            <a:picLocks noChangeAspect="1"/>
+          </p:cNvPicPr>
+          <p:nvPr/>
+        </p:nvPicPr>
+        <p:blipFill>
+          <a:blip r:embed="rId4"/>
+          <a:stretch>
+            <a:fillRect/>
+          </a:stretch>
+        </p:blipFill>
+        <p:spPr>
+          <a:xfrm>
+            <a:off x="5405327" y="1529571"/>
+            <a:ext cx="5630326" cy="1207767"/>
+          </a:xfrm>
+          <a:prstGeom prst="rect">
+            <a:avLst/>
+          </a:prstGeom>
+        </p:spPr>
+      </p:pic>
+      <p:pic>
+        <p:nvPicPr>
+          <p:cNvPr id="6" name="Picture 5">
+            <a:extLst>
+              <a:ext uri="{FF2B5EF4-FFF2-40B4-BE49-F238E27FC236}">
+                <a16:creationId xmlns:a16="http://schemas.microsoft.com/office/drawing/2014/main" id="{13B6F9A7-E702-6C17-D8C5-F7823C8D690E}"/>
+              </a:ext>
+            </a:extLst>
+          </p:cNvPr>
+          <p:cNvPicPr>
+            <a:picLocks noChangeAspect="1"/>
+          </p:cNvPicPr>
+          <p:nvPr/>
+        </p:nvPicPr>
+        <p:blipFill>
+          <a:blip r:embed="rId5"/>
+          <a:stretch>
+            <a:fillRect/>
+          </a:stretch>
+        </p:blipFill>
+        <p:spPr>
+          <a:xfrm>
+            <a:off x="5405327" y="3003550"/>
+            <a:ext cx="2722684" cy="2794334"/>
+          </a:xfrm>
+          <a:prstGeom prst="rect">
+            <a:avLst/>
+          </a:prstGeom>
+        </p:spPr>
+      </p:pic>
+    </p:spTree>
+    <p:extLst>
+      <p:ext uri="{BB962C8B-B14F-4D97-AF65-F5344CB8AC3E}">
+        <p14:creationId xmlns:p14="http://schemas.microsoft.com/office/powerpoint/2010/main" val="2694943225"/>
+      </p:ext>
+    </p:extLst>
+  </p:cSld>
+  <p:clrMapOvr>
+    <a:masterClrMapping/>
+  </p:clrMapOvr>
+</p:sld>
+</file>
+
+<file path=ppt/slides/slide14.xml><?xml version="1.0" encoding="utf-8"?>
+<p:sld xmlns:a="http://schemas.openxmlformats.org/drawingml/2006/main" xmlns:r="http://schemas.openxmlformats.org/officeDocument/2006/relationships" xmlns:p="http://schemas.openxmlformats.org/presentationml/2006/main">
+  <p:cSld>
+    <p:spTree>
+      <p:nvGrpSpPr>
+        <p:cNvPr id="1" name=""/>
+        <p:cNvGrpSpPr/>
+        <p:nvPr/>
+      </p:nvGrpSpPr>
+      <p:grpSpPr>
+        <a:xfrm>
+          <a:off x="0" y="0"/>
+          <a:ext cx="0" cy="0"/>
+          <a:chOff x="0" y="0"/>
+          <a:chExt cx="0" cy="0"/>
+        </a:xfrm>
+      </p:grpSpPr>
+      <p:sp>
+        <p:nvSpPr>
+          <p:cNvPr id="2" name="TextBox 1">
+            <a:extLst>
+              <a:ext uri="{FF2B5EF4-FFF2-40B4-BE49-F238E27FC236}">
+                <a16:creationId xmlns:a16="http://schemas.microsoft.com/office/drawing/2014/main" id="{9D9A0DC5-96D6-AC76-09C9-5C35E3822F89}"/>
+              </a:ext>
+            </a:extLst>
+          </p:cNvPr>
+          <p:cNvSpPr txBox="1"/>
+          <p:nvPr/>
+        </p:nvSpPr>
+        <p:spPr>
+          <a:xfrm>
+            <a:off x="2703729" y="374970"/>
+            <a:ext cx="7354671" cy="369332"/>
+          </a:xfrm>
+          <a:prstGeom prst="rect">
+            <a:avLst/>
+          </a:prstGeom>
+          <a:noFill/>
+        </p:spPr>
+        <p:txBody>
+          <a:bodyPr wrap="square" rtlCol="0">
+            <a:spAutoFit/>
+          </a:bodyPr>
+          <a:lstStyle/>
+          <a:p>
+            <a:r>
+              <a:rPr lang="en-US" dirty="0"/>
+              <a:t>Loops (or performing the same operation on many things)</a:t>
+            </a:r>
+          </a:p>
+        </p:txBody>
+      </p:sp>
+      <p:pic>
+        <p:nvPicPr>
+          <p:cNvPr id="3" name="Picture 2">
+            <a:extLst>
+              <a:ext uri="{FF2B5EF4-FFF2-40B4-BE49-F238E27FC236}">
+                <a16:creationId xmlns:a16="http://schemas.microsoft.com/office/drawing/2014/main" id="{3D89E326-CBC1-B343-AC5F-DB5EF52F9679}"/>
+              </a:ext>
+            </a:extLst>
+          </p:cNvPr>
+          <p:cNvPicPr>
+            <a:picLocks noChangeAspect="1"/>
+          </p:cNvPicPr>
+          <p:nvPr/>
+        </p:nvPicPr>
+        <p:blipFill>
+          <a:blip r:embed="rId2"/>
+          <a:stretch>
+            <a:fillRect/>
+          </a:stretch>
+        </p:blipFill>
+        <p:spPr>
+          <a:xfrm>
+            <a:off x="1156347" y="1200714"/>
+            <a:ext cx="3329684" cy="657715"/>
+          </a:xfrm>
+          <a:prstGeom prst="rect">
+            <a:avLst/>
+          </a:prstGeom>
+        </p:spPr>
+      </p:pic>
+      <p:pic>
+        <p:nvPicPr>
+          <p:cNvPr id="7" name="Picture 6">
+            <a:extLst>
+              <a:ext uri="{FF2B5EF4-FFF2-40B4-BE49-F238E27FC236}">
+                <a16:creationId xmlns:a16="http://schemas.microsoft.com/office/drawing/2014/main" id="{3D2D61EF-8C35-B3B2-CDA4-DF4E46313892}"/>
+              </a:ext>
+            </a:extLst>
+          </p:cNvPr>
+          <p:cNvPicPr>
+            <a:picLocks noChangeAspect="1"/>
+          </p:cNvPicPr>
+          <p:nvPr/>
+        </p:nvPicPr>
+        <p:blipFill>
+          <a:blip r:embed="rId3"/>
+          <a:stretch>
+            <a:fillRect/>
+          </a:stretch>
+        </p:blipFill>
+        <p:spPr>
+          <a:xfrm>
+            <a:off x="1156347" y="2314841"/>
+            <a:ext cx="4584700" cy="1016000"/>
+          </a:xfrm>
+          <a:prstGeom prst="rect">
+            <a:avLst/>
+          </a:prstGeom>
+        </p:spPr>
+      </p:pic>
+      <p:sp>
+        <p:nvSpPr>
+          <p:cNvPr id="8" name="TextBox 7">
+            <a:extLst>
+              <a:ext uri="{FF2B5EF4-FFF2-40B4-BE49-F238E27FC236}">
+                <a16:creationId xmlns:a16="http://schemas.microsoft.com/office/drawing/2014/main" id="{7FC5C157-B92B-1D93-7E74-7ECBDB0F38AF}"/>
+              </a:ext>
+            </a:extLst>
+          </p:cNvPr>
+          <p:cNvSpPr txBox="1"/>
+          <p:nvPr/>
+        </p:nvSpPr>
+        <p:spPr>
+          <a:xfrm>
+            <a:off x="6291385" y="2407138"/>
+            <a:ext cx="4501489" cy="646331"/>
+          </a:xfrm>
+          <a:prstGeom prst="rect">
+            <a:avLst/>
+          </a:prstGeom>
+          <a:noFill/>
+        </p:spPr>
+        <p:txBody>
+          <a:bodyPr wrap="none" rtlCol="0">
+            <a:spAutoFit/>
+          </a:bodyPr>
+          <a:lstStyle/>
+          <a:p>
+            <a:r>
+              <a:rPr lang="en-US" dirty="0"/>
+              <a:t>Function that takes a number and prints it out</a:t>
+            </a:r>
+          </a:p>
+          <a:p>
+            <a:r>
+              <a:rPr lang="en-US" dirty="0"/>
+              <a:t>Just like the loop on the last slide</a:t>
+            </a:r>
+          </a:p>
+        </p:txBody>
+      </p:sp>
+      <p:pic>
+        <p:nvPicPr>
+          <p:cNvPr id="9" name="Picture 8">
+            <a:extLst>
+              <a:ext uri="{FF2B5EF4-FFF2-40B4-BE49-F238E27FC236}">
+                <a16:creationId xmlns:a16="http://schemas.microsoft.com/office/drawing/2014/main" id="{2921F36A-7BDA-359D-95B7-2D2256B4DA1D}"/>
+              </a:ext>
+            </a:extLst>
+          </p:cNvPr>
+          <p:cNvPicPr>
+            <a:picLocks noChangeAspect="1"/>
+          </p:cNvPicPr>
+          <p:nvPr/>
+        </p:nvPicPr>
+        <p:blipFill>
+          <a:blip r:embed="rId4"/>
+          <a:stretch>
+            <a:fillRect/>
+          </a:stretch>
+        </p:blipFill>
+        <p:spPr>
+          <a:xfrm>
+            <a:off x="1156347" y="3804532"/>
+            <a:ext cx="5932395" cy="646331"/>
+          </a:xfrm>
+          <a:prstGeom prst="rect">
+            <a:avLst/>
+          </a:prstGeom>
+        </p:spPr>
+      </p:pic>
+      <p:sp>
+        <p:nvSpPr>
+          <p:cNvPr id="10" name="TextBox 9">
+            <a:extLst>
+              <a:ext uri="{FF2B5EF4-FFF2-40B4-BE49-F238E27FC236}">
+                <a16:creationId xmlns:a16="http://schemas.microsoft.com/office/drawing/2014/main" id="{9EE0BFA8-DE07-6A7B-16C2-23979434500E}"/>
+              </a:ext>
+            </a:extLst>
+          </p:cNvPr>
+          <p:cNvSpPr txBox="1"/>
+          <p:nvPr/>
+        </p:nvSpPr>
+        <p:spPr>
+          <a:xfrm>
+            <a:off x="7088742" y="3216842"/>
+            <a:ext cx="4501488" cy="923330"/>
+          </a:xfrm>
+          <a:prstGeom prst="rect">
+            <a:avLst/>
+          </a:prstGeom>
+          <a:noFill/>
+        </p:spPr>
+        <p:txBody>
+          <a:bodyPr wrap="square" rtlCol="0">
+            <a:spAutoFit/>
+          </a:bodyPr>
+          <a:lstStyle/>
+          <a:p>
+            <a:r>
+              <a:rPr lang="en-US" dirty="0" err="1"/>
+              <a:t>lapply</a:t>
+            </a:r>
+            <a:r>
+              <a:rPr lang="en-US" dirty="0"/>
+              <a:t> is a function that takes a list </a:t>
+            </a:r>
+          </a:p>
+          <a:p>
+            <a:r>
+              <a:rPr lang="en-US" dirty="0"/>
+              <a:t>and applies a function to each element </a:t>
+            </a:r>
+          </a:p>
+          <a:p>
+            <a:r>
+              <a:rPr lang="en-US" dirty="0"/>
+              <a:t>of the list</a:t>
+            </a:r>
+          </a:p>
+        </p:txBody>
+      </p:sp>
+      <p:sp>
+        <p:nvSpPr>
+          <p:cNvPr id="11" name="TextBox 10">
+            <a:extLst>
+              <a:ext uri="{FF2B5EF4-FFF2-40B4-BE49-F238E27FC236}">
+                <a16:creationId xmlns:a16="http://schemas.microsoft.com/office/drawing/2014/main" id="{86C96972-673F-8D53-E968-9747091D5A36}"/>
+              </a:ext>
+            </a:extLst>
+          </p:cNvPr>
+          <p:cNvSpPr txBox="1"/>
+          <p:nvPr/>
+        </p:nvSpPr>
+        <p:spPr>
+          <a:xfrm>
+            <a:off x="3071446" y="5201926"/>
+            <a:ext cx="454612" cy="369332"/>
+          </a:xfrm>
+          <a:prstGeom prst="rect">
+            <a:avLst/>
+          </a:prstGeom>
+          <a:noFill/>
+        </p:spPr>
+        <p:txBody>
+          <a:bodyPr wrap="none" rtlCol="0">
+            <a:spAutoFit/>
+          </a:bodyPr>
+          <a:lstStyle/>
+          <a:p>
+            <a:r>
+              <a:rPr lang="en-US" dirty="0"/>
+              <a:t>list</a:t>
+            </a:r>
+          </a:p>
+        </p:txBody>
+      </p:sp>
+      <p:sp>
+        <p:nvSpPr>
+          <p:cNvPr id="12" name="TextBox 11">
+            <a:extLst>
+              <a:ext uri="{FF2B5EF4-FFF2-40B4-BE49-F238E27FC236}">
+                <a16:creationId xmlns:a16="http://schemas.microsoft.com/office/drawing/2014/main" id="{DD178951-A62F-62D4-2C21-1423AA34FABB}"/>
+              </a:ext>
+            </a:extLst>
+          </p:cNvPr>
+          <p:cNvSpPr txBox="1"/>
+          <p:nvPr/>
+        </p:nvSpPr>
+        <p:spPr>
+          <a:xfrm>
+            <a:off x="5410927" y="5201926"/>
+            <a:ext cx="970137" cy="369332"/>
+          </a:xfrm>
+          <a:prstGeom prst="rect">
+            <a:avLst/>
+          </a:prstGeom>
+          <a:noFill/>
+        </p:spPr>
+        <p:txBody>
+          <a:bodyPr wrap="none" rtlCol="0">
+            <a:spAutoFit/>
+          </a:bodyPr>
+          <a:lstStyle/>
+          <a:p>
+            <a:r>
+              <a:rPr lang="en-US" dirty="0"/>
+              <a:t>function</a:t>
+            </a:r>
+          </a:p>
+        </p:txBody>
+      </p:sp>
+      <p:cxnSp>
+        <p:nvCxnSpPr>
+          <p:cNvPr id="14" name="Straight Arrow Connector 13">
+            <a:extLst>
+              <a:ext uri="{FF2B5EF4-FFF2-40B4-BE49-F238E27FC236}">
+                <a16:creationId xmlns:a16="http://schemas.microsoft.com/office/drawing/2014/main" id="{541959FF-6E83-BDB1-4533-8F80CF45848C}"/>
+              </a:ext>
+            </a:extLst>
+          </p:cNvPr>
+          <p:cNvCxnSpPr/>
+          <p:nvPr/>
+        </p:nvCxnSpPr>
+        <p:spPr>
+          <a:xfrm flipV="1">
+            <a:off x="3298752" y="4509477"/>
+            <a:ext cx="0" cy="554892"/>
+          </a:xfrm>
+          <a:prstGeom prst="straightConnector1">
+            <a:avLst/>
+          </a:prstGeom>
+          <a:ln w="41275">
+            <a:tailEnd type="triangle"/>
+          </a:ln>
+        </p:spPr>
+        <p:style>
+          <a:lnRef idx="1">
+            <a:schemeClr val="accent1"/>
+          </a:lnRef>
+          <a:fillRef idx="0">
+            <a:schemeClr val="accent1"/>
+          </a:fillRef>
+          <a:effectRef idx="0">
+            <a:schemeClr val="accent1"/>
+          </a:effectRef>
+          <a:fontRef idx="minor">
+            <a:schemeClr val="tx1"/>
+          </a:fontRef>
+        </p:style>
+      </p:cxnSp>
+      <p:cxnSp>
+        <p:nvCxnSpPr>
+          <p:cNvPr id="15" name="Straight Arrow Connector 14">
+            <a:extLst>
+              <a:ext uri="{FF2B5EF4-FFF2-40B4-BE49-F238E27FC236}">
+                <a16:creationId xmlns:a16="http://schemas.microsoft.com/office/drawing/2014/main" id="{C4E6C7C4-0F6F-89A5-8C9E-FF80DDED5D6E}"/>
+              </a:ext>
+            </a:extLst>
+          </p:cNvPr>
+          <p:cNvCxnSpPr/>
+          <p:nvPr/>
+        </p:nvCxnSpPr>
+        <p:spPr>
+          <a:xfrm flipV="1">
+            <a:off x="5895995" y="4589362"/>
+            <a:ext cx="0" cy="554892"/>
+          </a:xfrm>
+          <a:prstGeom prst="straightConnector1">
+            <a:avLst/>
+          </a:prstGeom>
+          <a:ln w="41275">
+            <a:tailEnd type="triangle"/>
+          </a:ln>
+        </p:spPr>
+        <p:style>
+          <a:lnRef idx="1">
+            <a:schemeClr val="accent1"/>
+          </a:lnRef>
+          <a:fillRef idx="0">
+            <a:schemeClr val="accent1"/>
+          </a:fillRef>
+          <a:effectRef idx="0">
+            <a:schemeClr val="accent1"/>
+          </a:effectRef>
+          <a:fontRef idx="minor">
+            <a:schemeClr val="tx1"/>
+          </a:fontRef>
+        </p:style>
+      </p:cxnSp>
+      <p:pic>
+        <p:nvPicPr>
+          <p:cNvPr id="16" name="Picture 15">
+            <a:extLst>
+              <a:ext uri="{FF2B5EF4-FFF2-40B4-BE49-F238E27FC236}">
+                <a16:creationId xmlns:a16="http://schemas.microsoft.com/office/drawing/2014/main" id="{32D5DA46-7ACF-58D5-7AD7-23973A4959D0}"/>
+              </a:ext>
+            </a:extLst>
+          </p:cNvPr>
+          <p:cNvPicPr>
+            <a:picLocks noChangeAspect="1"/>
+          </p:cNvPicPr>
+          <p:nvPr/>
+        </p:nvPicPr>
+        <p:blipFill>
+          <a:blip r:embed="rId5"/>
+          <a:stretch>
+            <a:fillRect/>
+          </a:stretch>
+        </p:blipFill>
+        <p:spPr>
+          <a:xfrm>
+            <a:off x="9857614" y="3804532"/>
+            <a:ext cx="1128633" cy="2897841"/>
+          </a:xfrm>
+          <a:prstGeom prst="rect">
+            <a:avLst/>
+          </a:prstGeom>
+        </p:spPr>
+      </p:pic>
+    </p:spTree>
+    <p:extLst>
+      <p:ext uri="{BB962C8B-B14F-4D97-AF65-F5344CB8AC3E}">
+        <p14:creationId xmlns:p14="http://schemas.microsoft.com/office/powerpoint/2010/main" val="2484998749"/>
+      </p:ext>
+    </p:extLst>
+  </p:cSld>
+  <p:clrMapOvr>
+    <a:masterClrMapping/>
+  </p:clrMapOvr>
+</p:sld>
+</file>
+
+<file path=ppt/slides/slide15.xml><?xml version="1.0" encoding="utf-8"?>
+<p:sld xmlns:a="http://schemas.openxmlformats.org/drawingml/2006/main" xmlns:r="http://schemas.openxmlformats.org/officeDocument/2006/relationships" xmlns:p="http://schemas.openxmlformats.org/presentationml/2006/main">
+  <p:cSld>
+    <p:spTree>
+      <p:nvGrpSpPr>
+        <p:cNvPr id="1" name=""/>
+        <p:cNvGrpSpPr/>
+        <p:nvPr/>
+      </p:nvGrpSpPr>
+      <p:grpSpPr>
+        <a:xfrm>
+          <a:off x="0" y="0"/>
+          <a:ext cx="0" cy="0"/>
+          <a:chOff x="0" y="0"/>
+          <a:chExt cx="0" cy="0"/>
+        </a:xfrm>
+      </p:grpSpPr>
+      <p:sp>
+        <p:nvSpPr>
+          <p:cNvPr id="2" name="TextBox 1">
+            <a:extLst>
+              <a:ext uri="{FF2B5EF4-FFF2-40B4-BE49-F238E27FC236}">
+                <a16:creationId xmlns:a16="http://schemas.microsoft.com/office/drawing/2014/main" id="{9D9A0DC5-96D6-AC76-09C9-5C35E3822F89}"/>
+              </a:ext>
+            </a:extLst>
+          </p:cNvPr>
+          <p:cNvSpPr txBox="1"/>
+          <p:nvPr/>
+        </p:nvSpPr>
+        <p:spPr>
+          <a:xfrm>
+            <a:off x="2703729" y="374970"/>
+            <a:ext cx="7354671" cy="369332"/>
+          </a:xfrm>
+          <a:prstGeom prst="rect">
+            <a:avLst/>
+          </a:prstGeom>
+          <a:noFill/>
+        </p:spPr>
+        <p:txBody>
+          <a:bodyPr wrap="square" rtlCol="0">
+            <a:spAutoFit/>
+          </a:bodyPr>
+          <a:lstStyle/>
+          <a:p>
+            <a:r>
+              <a:rPr lang="en-US" dirty="0"/>
+              <a:t>Loops (or performing the same operation on many things)</a:t>
+            </a:r>
+          </a:p>
+        </p:txBody>
+      </p:sp>
+      <p:pic>
+        <p:nvPicPr>
+          <p:cNvPr id="3" name="Picture 2">
+            <a:extLst>
+              <a:ext uri="{FF2B5EF4-FFF2-40B4-BE49-F238E27FC236}">
+                <a16:creationId xmlns:a16="http://schemas.microsoft.com/office/drawing/2014/main" id="{3D89E326-CBC1-B343-AC5F-DB5EF52F9679}"/>
+              </a:ext>
+            </a:extLst>
+          </p:cNvPr>
+          <p:cNvPicPr>
+            <a:picLocks noChangeAspect="1"/>
+          </p:cNvPicPr>
+          <p:nvPr/>
+        </p:nvPicPr>
+        <p:blipFill>
+          <a:blip r:embed="rId2"/>
+          <a:stretch>
+            <a:fillRect/>
+          </a:stretch>
+        </p:blipFill>
+        <p:spPr>
+          <a:xfrm>
+            <a:off x="1156347" y="1200714"/>
+            <a:ext cx="3329684" cy="657715"/>
+          </a:xfrm>
+          <a:prstGeom prst="rect">
+            <a:avLst/>
+          </a:prstGeom>
+        </p:spPr>
+      </p:pic>
+      <p:sp>
+        <p:nvSpPr>
+          <p:cNvPr id="11" name="TextBox 10">
+            <a:extLst>
+              <a:ext uri="{FF2B5EF4-FFF2-40B4-BE49-F238E27FC236}">
+                <a16:creationId xmlns:a16="http://schemas.microsoft.com/office/drawing/2014/main" id="{86C96972-673F-8D53-E968-9747091D5A36}"/>
+              </a:ext>
+            </a:extLst>
+          </p:cNvPr>
+          <p:cNvSpPr txBox="1"/>
+          <p:nvPr/>
+        </p:nvSpPr>
+        <p:spPr>
+          <a:xfrm>
+            <a:off x="1639334" y="4479432"/>
+            <a:ext cx="454612" cy="369332"/>
+          </a:xfrm>
+          <a:prstGeom prst="rect">
+            <a:avLst/>
+          </a:prstGeom>
+          <a:noFill/>
+        </p:spPr>
+        <p:txBody>
+          <a:bodyPr wrap="none" rtlCol="0">
+            <a:spAutoFit/>
+          </a:bodyPr>
+          <a:lstStyle/>
+          <a:p>
+            <a:r>
+              <a:rPr lang="en-US" dirty="0"/>
+              <a:t>list</a:t>
+            </a:r>
+          </a:p>
+        </p:txBody>
+      </p:sp>
+      <p:sp>
+        <p:nvSpPr>
+          <p:cNvPr id="12" name="TextBox 11">
+            <a:extLst>
+              <a:ext uri="{FF2B5EF4-FFF2-40B4-BE49-F238E27FC236}">
+                <a16:creationId xmlns:a16="http://schemas.microsoft.com/office/drawing/2014/main" id="{DD178951-A62F-62D4-2C21-1423AA34FABB}"/>
+              </a:ext>
+            </a:extLst>
+          </p:cNvPr>
+          <p:cNvSpPr txBox="1"/>
+          <p:nvPr/>
+        </p:nvSpPr>
+        <p:spPr>
+          <a:xfrm>
+            <a:off x="4826375" y="5173277"/>
+            <a:ext cx="2139240" cy="369332"/>
+          </a:xfrm>
+          <a:prstGeom prst="rect">
+            <a:avLst/>
+          </a:prstGeom>
+          <a:noFill/>
+        </p:spPr>
+        <p:txBody>
+          <a:bodyPr wrap="none" rtlCol="0">
+            <a:spAutoFit/>
+          </a:bodyPr>
+          <a:lstStyle/>
+          <a:p>
+            <a:r>
+              <a:rPr lang="en-US" dirty="0"/>
+              <a:t>Anonymous function</a:t>
+            </a:r>
+          </a:p>
+        </p:txBody>
+      </p:sp>
+      <p:cxnSp>
+        <p:nvCxnSpPr>
+          <p:cNvPr id="14" name="Straight Arrow Connector 13">
+            <a:extLst>
+              <a:ext uri="{FF2B5EF4-FFF2-40B4-BE49-F238E27FC236}">
+                <a16:creationId xmlns:a16="http://schemas.microsoft.com/office/drawing/2014/main" id="{541959FF-6E83-BDB1-4533-8F80CF45848C}"/>
+              </a:ext>
+            </a:extLst>
+          </p:cNvPr>
+          <p:cNvCxnSpPr/>
+          <p:nvPr/>
+        </p:nvCxnSpPr>
+        <p:spPr>
+          <a:xfrm flipV="1">
+            <a:off x="1866640" y="3837124"/>
+            <a:ext cx="0" cy="554892"/>
+          </a:xfrm>
+          <a:prstGeom prst="straightConnector1">
+            <a:avLst/>
+          </a:prstGeom>
+          <a:ln w="41275">
+            <a:tailEnd type="triangle"/>
+          </a:ln>
+        </p:spPr>
+        <p:style>
+          <a:lnRef idx="1">
+            <a:schemeClr val="accent1"/>
+          </a:lnRef>
+          <a:fillRef idx="0">
+            <a:schemeClr val="accent1"/>
+          </a:fillRef>
+          <a:effectRef idx="0">
+            <a:schemeClr val="accent1"/>
+          </a:effectRef>
+          <a:fontRef idx="minor">
+            <a:schemeClr val="tx1"/>
+          </a:fontRef>
+        </p:style>
+      </p:cxnSp>
+      <p:cxnSp>
+        <p:nvCxnSpPr>
+          <p:cNvPr id="15" name="Straight Arrow Connector 14">
+            <a:extLst>
+              <a:ext uri="{FF2B5EF4-FFF2-40B4-BE49-F238E27FC236}">
+                <a16:creationId xmlns:a16="http://schemas.microsoft.com/office/drawing/2014/main" id="{C4E6C7C4-0F6F-89A5-8C9E-FF80DDED5D6E}"/>
+              </a:ext>
+            </a:extLst>
+          </p:cNvPr>
+          <p:cNvCxnSpPr>
+            <a:cxnSpLocks/>
+          </p:cNvCxnSpPr>
+          <p:nvPr/>
+        </p:nvCxnSpPr>
+        <p:spPr>
+          <a:xfrm flipH="1" flipV="1">
+            <a:off x="5311588" y="3966882"/>
+            <a:ext cx="584407" cy="1177372"/>
+          </a:xfrm>
+          <a:prstGeom prst="straightConnector1">
+            <a:avLst/>
+          </a:prstGeom>
+          <a:ln w="41275">
+            <a:tailEnd type="triangle"/>
+          </a:ln>
+        </p:spPr>
+        <p:style>
+          <a:lnRef idx="1">
+            <a:schemeClr val="accent1"/>
+          </a:lnRef>
+          <a:fillRef idx="0">
+            <a:schemeClr val="accent1"/>
+          </a:fillRef>
+          <a:effectRef idx="0">
+            <a:schemeClr val="accent1"/>
+          </a:effectRef>
+          <a:fontRef idx="minor">
+            <a:schemeClr val="tx1"/>
+          </a:fontRef>
+        </p:style>
+      </p:cxnSp>
+      <p:sp>
+        <p:nvSpPr>
+          <p:cNvPr id="4" name="TextBox 3">
+            <a:extLst>
+              <a:ext uri="{FF2B5EF4-FFF2-40B4-BE49-F238E27FC236}">
+                <a16:creationId xmlns:a16="http://schemas.microsoft.com/office/drawing/2014/main" id="{9E108EBC-2ACB-C669-1CC0-01016B4C1C5C}"/>
+              </a:ext>
+            </a:extLst>
+          </p:cNvPr>
+          <p:cNvSpPr txBox="1"/>
+          <p:nvPr/>
+        </p:nvSpPr>
+        <p:spPr>
+          <a:xfrm>
+            <a:off x="3915915" y="2569393"/>
+            <a:ext cx="3960159" cy="646331"/>
+          </a:xfrm>
+          <a:prstGeom prst="rect">
+            <a:avLst/>
+          </a:prstGeom>
+          <a:noFill/>
+        </p:spPr>
+        <p:txBody>
+          <a:bodyPr wrap="square" rtlCol="0">
+            <a:spAutoFit/>
+          </a:bodyPr>
+          <a:lstStyle/>
+          <a:p>
+            <a:r>
+              <a:rPr lang="en-US" dirty="0"/>
+              <a:t>Function doesn’t have to be have already been made</a:t>
+            </a:r>
+          </a:p>
+        </p:txBody>
+      </p:sp>
+      <p:pic>
+        <p:nvPicPr>
+          <p:cNvPr id="5" name="Picture 4">
+            <a:extLst>
+              <a:ext uri="{FF2B5EF4-FFF2-40B4-BE49-F238E27FC236}">
+                <a16:creationId xmlns:a16="http://schemas.microsoft.com/office/drawing/2014/main" id="{C6324D14-3976-5568-B66E-72973C39A74C}"/>
+              </a:ext>
+            </a:extLst>
+          </p:cNvPr>
+          <p:cNvPicPr>
+            <a:picLocks noChangeAspect="1"/>
+          </p:cNvPicPr>
+          <p:nvPr/>
+        </p:nvPicPr>
+        <p:blipFill>
+          <a:blip r:embed="rId3"/>
+          <a:stretch>
+            <a:fillRect/>
+          </a:stretch>
+        </p:blipFill>
+        <p:spPr>
+          <a:xfrm>
+            <a:off x="569633" y="3312733"/>
+            <a:ext cx="6642100" cy="444500"/>
+          </a:xfrm>
+          <a:prstGeom prst="rect">
+            <a:avLst/>
+          </a:prstGeom>
+        </p:spPr>
+      </p:pic>
+      <p:cxnSp>
+        <p:nvCxnSpPr>
+          <p:cNvPr id="17" name="Straight Connector 16">
+            <a:extLst>
+              <a:ext uri="{FF2B5EF4-FFF2-40B4-BE49-F238E27FC236}">
+                <a16:creationId xmlns:a16="http://schemas.microsoft.com/office/drawing/2014/main" id="{B3C5300D-4C89-2514-E380-A4707B2BC2C0}"/>
+              </a:ext>
+            </a:extLst>
+          </p:cNvPr>
+          <p:cNvCxnSpPr/>
+          <p:nvPr/>
+        </p:nvCxnSpPr>
+        <p:spPr>
+          <a:xfrm>
+            <a:off x="2703729" y="3906371"/>
+            <a:ext cx="4342530" cy="0"/>
+          </a:xfrm>
+          <a:prstGeom prst="line">
+            <a:avLst/>
+          </a:prstGeom>
+          <a:ln w="34925"/>
+        </p:spPr>
+        <p:style>
+          <a:lnRef idx="1">
+            <a:schemeClr val="accent1"/>
+          </a:lnRef>
+          <a:fillRef idx="0">
+            <a:schemeClr val="accent1"/>
+          </a:fillRef>
+          <a:effectRef idx="0">
+            <a:schemeClr val="accent1"/>
+          </a:effectRef>
+          <a:fontRef idx="minor">
+            <a:schemeClr val="tx1"/>
+          </a:fontRef>
+        </p:style>
+      </p:cxnSp>
+    </p:spTree>
+    <p:extLst>
+      <p:ext uri="{BB962C8B-B14F-4D97-AF65-F5344CB8AC3E}">
+        <p14:creationId xmlns:p14="http://schemas.microsoft.com/office/powerpoint/2010/main" val="3187267927"/>
+      </p:ext>
+    </p:extLst>
+  </p:cSld>
+  <p:clrMapOvr>
+    <a:masterClrMapping/>
+  </p:clrMapOvr>
+</p:sld>
+</file>
+
+<file path=ppt/slides/slide16.xml><?xml version="1.0" encoding="utf-8"?>
+<p:sld xmlns:a="http://schemas.openxmlformats.org/drawingml/2006/main" xmlns:r="http://schemas.openxmlformats.org/officeDocument/2006/relationships" xmlns:p="http://schemas.openxmlformats.org/presentationml/2006/main">
+  <p:cSld>
+    <p:spTree>
+      <p:nvGrpSpPr>
+        <p:cNvPr id="1" name=""/>
+        <p:cNvGrpSpPr/>
+        <p:nvPr/>
+      </p:nvGrpSpPr>
+      <p:grpSpPr>
+        <a:xfrm>
+          <a:off x="0" y="0"/>
+          <a:ext cx="0" cy="0"/>
+          <a:chOff x="0" y="0"/>
+          <a:chExt cx="0" cy="0"/>
+        </a:xfrm>
+      </p:grpSpPr>
+      <p:pic>
+        <p:nvPicPr>
+          <p:cNvPr id="2" name="Picture 1">
+            <a:extLst>
+              <a:ext uri="{FF2B5EF4-FFF2-40B4-BE49-F238E27FC236}">
+                <a16:creationId xmlns:a16="http://schemas.microsoft.com/office/drawing/2014/main" id="{D65A31BF-DADA-ADC0-B660-082C48F443AD}"/>
+              </a:ext>
+            </a:extLst>
+          </p:cNvPr>
+          <p:cNvPicPr>
+            <a:picLocks noChangeAspect="1"/>
+          </p:cNvPicPr>
+          <p:nvPr/>
+        </p:nvPicPr>
+        <p:blipFill>
+          <a:blip r:embed="rId2"/>
+          <a:stretch>
+            <a:fillRect/>
+          </a:stretch>
+        </p:blipFill>
+        <p:spPr>
+          <a:xfrm>
+            <a:off x="2209800" y="815489"/>
+            <a:ext cx="7772400" cy="2430034"/>
+          </a:xfrm>
+          <a:prstGeom prst="rect">
+            <a:avLst/>
+          </a:prstGeom>
+        </p:spPr>
+      </p:pic>
+      <p:sp>
+        <p:nvSpPr>
+          <p:cNvPr id="3" name="TextBox 2">
+            <a:extLst>
+              <a:ext uri="{FF2B5EF4-FFF2-40B4-BE49-F238E27FC236}">
+                <a16:creationId xmlns:a16="http://schemas.microsoft.com/office/drawing/2014/main" id="{5FA6F919-6AB9-FE21-094E-C97BB265B330}"/>
+              </a:ext>
+            </a:extLst>
+          </p:cNvPr>
+          <p:cNvSpPr txBox="1"/>
+          <p:nvPr/>
+        </p:nvSpPr>
+        <p:spPr>
+          <a:xfrm>
+            <a:off x="5116606" y="60511"/>
+            <a:ext cx="1646605" cy="369332"/>
+          </a:xfrm>
+          <a:prstGeom prst="rect">
+            <a:avLst/>
+          </a:prstGeom>
+          <a:noFill/>
+        </p:spPr>
+        <p:txBody>
+          <a:bodyPr wrap="none" rtlCol="0">
+            <a:spAutoFit/>
+          </a:bodyPr>
+          <a:lstStyle/>
+          <a:p>
+            <a:r>
+              <a:rPr lang="en-US" dirty="0"/>
+              <a:t>Apply functions</a:t>
+            </a:r>
+          </a:p>
+        </p:txBody>
+      </p:sp>
+      <p:sp>
+        <p:nvSpPr>
+          <p:cNvPr id="5" name="TextBox 4">
+            <a:extLst>
+              <a:ext uri="{FF2B5EF4-FFF2-40B4-BE49-F238E27FC236}">
+                <a16:creationId xmlns:a16="http://schemas.microsoft.com/office/drawing/2014/main" id="{791C2518-E085-7E04-0827-5F4698149F3A}"/>
+              </a:ext>
+            </a:extLst>
+          </p:cNvPr>
+          <p:cNvSpPr txBox="1"/>
+          <p:nvPr/>
+        </p:nvSpPr>
+        <p:spPr>
+          <a:xfrm>
+            <a:off x="4985498" y="3190546"/>
+            <a:ext cx="6098240" cy="369332"/>
+          </a:xfrm>
+          <a:prstGeom prst="rect">
+            <a:avLst/>
+          </a:prstGeom>
+          <a:noFill/>
+        </p:spPr>
+        <p:txBody>
+          <a:bodyPr wrap="square">
+            <a:spAutoFit/>
+          </a:bodyPr>
+          <a:lstStyle/>
+          <a:p>
+            <a:r>
+              <a:rPr lang="en-US" dirty="0"/>
+              <a:t>https://www.guru99.com/r-apply-</a:t>
+            </a:r>
+            <a:r>
+              <a:rPr lang="en-US" dirty="0" err="1"/>
+              <a:t>sapply</a:t>
+            </a:r>
+            <a:r>
+              <a:rPr lang="en-US" dirty="0"/>
+              <a:t>-</a:t>
+            </a:r>
+            <a:r>
+              <a:rPr lang="en-US" dirty="0" err="1"/>
+              <a:t>tapply.html</a:t>
+            </a:r>
+            <a:endParaRPr lang="en-US" dirty="0"/>
+          </a:p>
+        </p:txBody>
+      </p:sp>
+    </p:spTree>
+    <p:extLst>
+      <p:ext uri="{BB962C8B-B14F-4D97-AF65-F5344CB8AC3E}">
+        <p14:creationId xmlns:p14="http://schemas.microsoft.com/office/powerpoint/2010/main" val="825466881"/>
+      </p:ext>
+    </p:extLst>
+  </p:cSld>
+  <p:clrMapOvr>
+    <a:masterClrMapping/>
+  </p:clrMapOvr>
+</p:sld>
+</file>
+
+<file path=ppt/slides/slide17.xml><?xml version="1.0" encoding="utf-8"?>
+<p:sld xmlns:a="http://schemas.openxmlformats.org/drawingml/2006/main" xmlns:r="http://schemas.openxmlformats.org/officeDocument/2006/relationships" xmlns:p="http://schemas.openxmlformats.org/presentationml/2006/main">
+  <p:cSld>
+    <p:spTree>
+      <p:nvGrpSpPr>
+        <p:cNvPr id="1" name=""/>
+        <p:cNvGrpSpPr/>
+        <p:nvPr/>
+      </p:nvGrpSpPr>
+      <p:grpSpPr>
+        <a:xfrm>
+          <a:off x="0" y="0"/>
+          <a:ext cx="0" cy="0"/>
+          <a:chOff x="0" y="0"/>
+          <a:chExt cx="0" cy="0"/>
+        </a:xfrm>
+      </p:grpSpPr>
+      <p:pic>
+        <p:nvPicPr>
+          <p:cNvPr id="321" name="Image" descr="Image"/>
+          <p:cNvPicPr>
+            <a:picLocks noChangeAspect="1"/>
+          </p:cNvPicPr>
+          <p:nvPr/>
+        </p:nvPicPr>
+        <p:blipFill>
+          <a:blip r:embed="rId3"/>
+          <a:stretch>
+            <a:fillRect/>
+          </a:stretch>
+        </p:blipFill>
+        <p:spPr>
+          <a:xfrm>
+            <a:off x="5960284" y="1074942"/>
+            <a:ext cx="5790107" cy="4708117"/>
+          </a:xfrm>
+          <a:prstGeom prst="rect">
+            <a:avLst/>
+          </a:prstGeom>
+          <a:ln w="12700">
+            <a:miter lim="400000"/>
+          </a:ln>
+        </p:spPr>
+      </p:pic>
+      <p:sp>
+        <p:nvSpPr>
+          <p:cNvPr id="322" name="https://bioconductor.org/packages/release/bioc/vignettes/SummarizedExperiment/inst/doc/SummarizedExperiment.html"/>
+          <p:cNvSpPr txBox="1"/>
+          <p:nvPr/>
+        </p:nvSpPr>
+        <p:spPr>
+          <a:xfrm>
+            <a:off x="266464" y="6347602"/>
+            <a:ext cx="5828519" cy="189796"/>
+          </a:xfrm>
+          <a:prstGeom prst="rect">
+            <a:avLst/>
+          </a:prstGeom>
+          <a:ln w="12700">
+            <a:miter lim="400000"/>
+          </a:ln>
+          <a:extLst>
+            <a:ext uri="{C572A759-6A51-4108-AA02-DFA0A04FC94B}">
+              <ma14:wrappingTextBoxFlag xmlns:ma14="http://schemas.microsoft.com/office/mac/drawingml/2011/main" xmlns:a14="http://schemas.microsoft.com/office/drawing/2010/main" xmlns:m="http://schemas.openxmlformats.org/officeDocument/2006/math" xmlns="" val="1"/>
+            </a:ext>
+          </a:extLst>
+        </p:spPr>
+        <p:txBody>
+          <a:bodyPr wrap="none" lIns="25400" tIns="25400" rIns="25400" bIns="25400" anchor="ctr">
+            <a:spAutoFit/>
+          </a:bodyPr>
+          <a:lstStyle/>
+          <a:p>
+            <a:r>
               <a:rPr sz="900"/>
-              <a:t>DESeqDataSet</a:t>
-            </a:r>
-          </a:p>
-          <a:p>
-            <a:pPr marL="152400" indent="-152400">
-              <a:buSzPct val="123000"/>
-              <a:buChar char="-"/>
-            </a:pPr>
-            <a:r>
-              <a:rPr sz="900"/>
-              <a:t>Non-negative integer counts</a:t>
-            </a:r>
-          </a:p>
-          <a:p>
-            <a:pPr marL="152400" indent="-152400">
-              <a:buSzPct val="123000"/>
-              <a:buChar char="-"/>
-            </a:pPr>
-            <a:r>
-              <a:rPr sz="900"/>
-              <a:t>Must have a formula describing experiment design</a:t>
-            </a:r>
-          </a:p>
-        </p:txBody>
-      </p:sp>
-      <p:sp>
-        <p:nvSpPr>
-          <p:cNvPr id="326" name="Line"/>
+              <a:t>https://bioconductor.org/packages/release/bioc/vignettes/SummarizedExperiment/inst/doc/SummarizedExperiment.html</a:t>
+            </a:r>
+          </a:p>
+        </p:txBody>
+      </p:sp>
+      <p:sp>
+        <p:nvSpPr>
+          <p:cNvPr id="323" name="RangedSummarizedExperiment - these represent genomic ranges"/>
+          <p:cNvSpPr txBox="1"/>
+          <p:nvPr/>
+        </p:nvSpPr>
+        <p:spPr>
+          <a:xfrm>
+            <a:off x="1461258" y="1973849"/>
+            <a:ext cx="3161122" cy="189796"/>
+          </a:xfrm>
+          <a:prstGeom prst="rect">
+            <a:avLst/>
+          </a:prstGeom>
+          <a:ln w="12700">
+            <a:miter lim="400000"/>
+          </a:ln>
+          <a:extLst>
+            <a:ext uri="{C572A759-6A51-4108-AA02-DFA0A04FC94B}">
+              <ma14:wrappingTextBoxFlag xmlns:ma14="http://schemas.microsoft.com/office/mac/drawingml/2011/main" xmlns:a14="http://schemas.microsoft.com/office/drawing/2010/main" xmlns:m="http://schemas.openxmlformats.org/officeDocument/2006/math" xmlns="" val="1"/>
+            </a:ext>
+          </a:extLst>
+        </p:spPr>
+        <p:txBody>
+          <a:bodyPr wrap="none" lIns="25400" tIns="25400" rIns="25400" bIns="25400" anchor="ctr">
+            <a:spAutoFit/>
+          </a:bodyPr>
+          <a:lstStyle/>
+          <a:p>
+            <a:r>
+              <a:rPr sz="900" dirty="0" err="1"/>
+              <a:t>R</a:t>
+            </a:r>
+            <a:r>
+              <a:rPr sz="900" b="1" dirty="0" err="1"/>
+              <a:t>angedSummarizedExperiment</a:t>
+            </a:r>
+            <a:r>
+              <a:rPr sz="900" dirty="0"/>
+              <a:t> - these represent genomic ranges</a:t>
+            </a:r>
+          </a:p>
+        </p:txBody>
+      </p:sp>
+      <p:sp>
+        <p:nvSpPr>
+          <p:cNvPr id="324" name="Line"/>
           <p:cNvSpPr/>
           <p:nvPr/>
         </p:nvSpPr>
         <p:spPr>
-          <a:xfrm flipV="1">
-            <a:off x="1679850" y="3386191"/>
-            <a:ext cx="635001" cy="635001"/>
+          <a:xfrm>
+            <a:off x="4592287" y="2225489"/>
+            <a:ext cx="1890016" cy="1408642"/>
           </a:xfrm>
           <a:prstGeom prst="line">
             <a:avLst/>
@@ -4064,14 +6344,14 @@
       </p:sp>
       <p:sp>
         <p:nvSpPr>
-          <p:cNvPr id="327" name="SummarizedExperiment -"/>
+          <p:cNvPr id="325" name="DESeqDataSet…"/>
           <p:cNvSpPr txBox="1"/>
           <p:nvPr/>
         </p:nvSpPr>
         <p:spPr>
           <a:xfrm>
-            <a:off x="8012410" y="5613089"/>
-            <a:ext cx="1267976" cy="189796"/>
+            <a:off x="961131" y="2962206"/>
+            <a:ext cx="2587247" cy="466794"/>
           </a:xfrm>
           <a:prstGeom prst="rect">
             <a:avLst/>
@@ -4081,7 +6361,97 @@
           </a:ln>
           <a:extLst>
             <a:ext uri="{C572A759-6A51-4108-AA02-DFA0A04FC94B}">
-              <ma14:wrappingTextBoxFlag xmlns="" xmlns:m="http://schemas.openxmlformats.org/officeDocument/2006/math" xmlns:a14="http://schemas.microsoft.com/office/drawing/2010/main" xmlns:ma14="http://schemas.microsoft.com/office/mac/drawingml/2011/main" val="1"/>
+              <ma14:wrappingTextBoxFlag xmlns:ma14="http://schemas.microsoft.com/office/mac/drawingml/2011/main" xmlns:a14="http://schemas.microsoft.com/office/drawing/2010/main" xmlns:m="http://schemas.openxmlformats.org/officeDocument/2006/math" xmlns="" val="1"/>
+            </a:ext>
+          </a:extLst>
+        </p:spPr>
+        <p:txBody>
+          <a:bodyPr wrap="none" lIns="25400" tIns="25400" rIns="25400" bIns="25400" anchor="ctr">
+            <a:spAutoFit/>
+          </a:bodyPr>
+          <a:lstStyle/>
+          <a:p>
+            <a:pPr algn="l">
+              <a:defRPr b="1"/>
+            </a:pPr>
+            <a:r>
+              <a:rPr sz="900" dirty="0" err="1"/>
+              <a:t>DESeqDataSet</a:t>
+            </a:r>
+            <a:endParaRPr sz="900" dirty="0"/>
+          </a:p>
+          <a:p>
+            <a:pPr marL="152400" indent="-152400">
+              <a:buSzPct val="123000"/>
+              <a:buChar char="-"/>
+            </a:pPr>
+            <a:r>
+              <a:rPr sz="900" dirty="0"/>
+              <a:t>Non-negative integer counts</a:t>
+            </a:r>
+          </a:p>
+          <a:p>
+            <a:pPr marL="152400" indent="-152400">
+              <a:buSzPct val="123000"/>
+              <a:buChar char="-"/>
+            </a:pPr>
+            <a:r>
+              <a:rPr sz="900" dirty="0"/>
+              <a:t>Must have a formula describing experiment design</a:t>
+            </a:r>
+          </a:p>
+        </p:txBody>
+      </p:sp>
+      <p:sp>
+        <p:nvSpPr>
+          <p:cNvPr id="326" name="Line"/>
+          <p:cNvSpPr/>
+          <p:nvPr/>
+        </p:nvSpPr>
+        <p:spPr>
+          <a:xfrm flipV="1">
+            <a:off x="1545379" y="2163645"/>
+            <a:ext cx="635001" cy="635001"/>
+          </a:xfrm>
+          <a:prstGeom prst="line">
+            <a:avLst/>
+          </a:prstGeom>
+          <a:ln w="25400">
+            <a:solidFill>
+              <a:srgbClr val="000000"/>
+            </a:solidFill>
+            <a:miter lim="400000"/>
+            <a:tailEnd type="triangle"/>
+          </a:ln>
+        </p:spPr>
+        <p:txBody>
+          <a:bodyPr lIns="25400" tIns="25400" rIns="25400" bIns="25400" anchor="ctr"/>
+          <a:lstStyle/>
+          <a:p>
+            <a:endParaRPr sz="900"/>
+          </a:p>
+        </p:txBody>
+      </p:sp>
+      <p:sp>
+        <p:nvSpPr>
+          <p:cNvPr id="327" name="SummarizedExperiment -"/>
+          <p:cNvSpPr txBox="1"/>
+          <p:nvPr/>
+        </p:nvSpPr>
+        <p:spPr>
+          <a:xfrm>
+            <a:off x="8012410" y="5613089"/>
+            <a:ext cx="1267976" cy="189796"/>
+          </a:xfrm>
+          <a:prstGeom prst="rect">
+            <a:avLst/>
+          </a:prstGeom>
+          <a:ln w="12700">
+            <a:miter lim="400000"/>
+          </a:ln>
+          <a:extLst>
+            <a:ext uri="{C572A759-6A51-4108-AA02-DFA0A04FC94B}">
+              <ma14:wrappingTextBoxFlag xmlns:ma14="http://schemas.microsoft.com/office/mac/drawingml/2011/main" xmlns:a14="http://schemas.microsoft.com/office/drawing/2010/main" xmlns:m="http://schemas.openxmlformats.org/officeDocument/2006/math" xmlns="" val="1"/>
             </a:ext>
           </a:extLst>
         </p:spPr>
@@ -4178,7 +6548,7 @@
             <a:effectLst/>
             <a:extLst>
               <a:ext uri="{C572A759-6A51-4108-AA02-DFA0A04FC94B}">
-                <ma14:wrappingTextBoxFlag xmlns="" xmlns:m="http://schemas.openxmlformats.org/officeDocument/2006/math" xmlns:a14="http://schemas.microsoft.com/office/drawing/2010/main" xmlns:ma14="http://schemas.microsoft.com/office/mac/drawingml/2011/main" val="1"/>
+                <ma14:wrappingTextBoxFlag xmlns:ma14="http://schemas.microsoft.com/office/mac/drawingml/2011/main" xmlns:a14="http://schemas.microsoft.com/office/drawing/2010/main" xmlns:m="http://schemas.openxmlformats.org/officeDocument/2006/math" xmlns="" val="1"/>
               </a:ext>
             </a:extLst>
           </p:spPr>
@@ -4252,7 +6622,7 @@
 </p:sld>
 </file>
 
-<file path=ppt/slides/slide11.xml><?xml version="1.0" encoding="utf-8"?>
+<file path=ppt/slides/slide18.xml><?xml version="1.0" encoding="utf-8"?>
 <p:sld xmlns:a="http://schemas.openxmlformats.org/drawingml/2006/main" xmlns:r="http://schemas.openxmlformats.org/officeDocument/2006/relationships" xmlns:p="http://schemas.openxmlformats.org/presentationml/2006/main">
   <p:cSld>
     <p:spTree>
@@ -4299,7 +6669,81 @@
           <a:p>
             <a:r>
               <a:rPr lang="en-US" dirty="0"/>
-              <a:t>10 best practices</a:t>
+              <a:t>Suggestions for Best Practices</a:t>
+            </a:r>
+          </a:p>
+        </p:txBody>
+      </p:sp>
+      <p:sp>
+        <p:nvSpPr>
+          <p:cNvPr id="3" name="TextBox 2">
+            <a:extLst>
+              <a:ext uri="{FF2B5EF4-FFF2-40B4-BE49-F238E27FC236}">
+                <a16:creationId xmlns:a16="http://schemas.microsoft.com/office/drawing/2014/main" id="{AAA22633-D20E-1653-DD34-7E9124D3224D}"/>
+              </a:ext>
+            </a:extLst>
+          </p:cNvPr>
+          <p:cNvSpPr txBox="1"/>
+          <p:nvPr/>
+        </p:nvSpPr>
+        <p:spPr>
+          <a:xfrm>
+            <a:off x="1761565" y="1385047"/>
+            <a:ext cx="8384241" cy="1477328"/>
+          </a:xfrm>
+          <a:prstGeom prst="rect">
+            <a:avLst/>
+          </a:prstGeom>
+          <a:noFill/>
+        </p:spPr>
+        <p:txBody>
+          <a:bodyPr wrap="square" rtlCol="0">
+            <a:spAutoFit/>
+          </a:bodyPr>
+          <a:lstStyle/>
+          <a:p>
+            <a:pPr marL="342900" indent="-342900">
+              <a:buAutoNum type="arabicPeriod"/>
+            </a:pPr>
+            <a:r>
+              <a:rPr lang="en-US" dirty="0"/>
+              <a:t>Keep a code notebook</a:t>
+            </a:r>
+          </a:p>
+          <a:p>
+            <a:pPr marL="342900" indent="-342900">
+              <a:buAutoNum type="arabicPeriod"/>
+            </a:pPr>
+            <a:r>
+              <a:rPr lang="en-US" dirty="0"/>
+              <a:t>Work in a script and not the console</a:t>
+            </a:r>
+          </a:p>
+          <a:p>
+            <a:pPr marL="342900" indent="-342900">
+              <a:buAutoNum type="arabicPeriod"/>
+            </a:pPr>
+            <a:r>
+              <a:rPr lang="en-US" dirty="0"/>
+              <a:t>Name variables, functions, scripts something descriptive</a:t>
+            </a:r>
+          </a:p>
+          <a:p>
+            <a:pPr marL="342900" indent="-342900">
+              <a:buAutoNum type="arabicPeriod"/>
+            </a:pPr>
+            <a:r>
+              <a:rPr lang="en-US" dirty="0"/>
+              <a:t>Comment your code heavily</a:t>
+            </a:r>
+          </a:p>
+          <a:p>
+            <a:pPr marL="342900" indent="-342900">
+              <a:buAutoNum type="arabicPeriod"/>
+            </a:pPr>
+            <a:r>
+              <a:rPr lang="en-US" dirty="0"/>
+              <a:t>Have a project structure in mind</a:t>
             </a:r>
           </a:p>
         </p:txBody>
@@ -4307,7 +6751,7 @@
     </p:spTree>
     <p:extLst>
       <p:ext uri="{BB962C8B-B14F-4D97-AF65-F5344CB8AC3E}">
-        <p14:creationId xmlns:p14="http://schemas.microsoft.com/office/powerpoint/2010/main" val="2158544033"/>
+        <p14:creationId xmlns:p14="http://schemas.microsoft.com/office/powerpoint/2010/main" val="3713242240"/>
       </p:ext>
     </p:extLst>
   </p:cSld>
@@ -4317,7 +6761,7 @@
 </p:sld>
 </file>
 
-<file path=ppt/slides/slide12.xml><?xml version="1.0" encoding="utf-8"?>
+<file path=ppt/slides/slide19.xml><?xml version="1.0" encoding="utf-8"?>
 <p:sld xmlns:a="http://schemas.openxmlformats.org/drawingml/2006/main" xmlns:r="http://schemas.openxmlformats.org/officeDocument/2006/relationships" xmlns:p="http://schemas.openxmlformats.org/presentationml/2006/main">
   <p:cSld>
     <p:spTree>
@@ -4339,7 +6783,7 @@
           <p:cNvPr id="2" name="TextBox 1">
             <a:extLst>
               <a:ext uri="{FF2B5EF4-FFF2-40B4-BE49-F238E27FC236}">
-                <a16:creationId xmlns:a16="http://schemas.microsoft.com/office/drawing/2014/main" id="{A1DC9D2A-6F90-050D-48C4-B7DCC5158B28}"/>
+                <a16:creationId xmlns:a16="http://schemas.microsoft.com/office/drawing/2014/main" id="{2B40ECDF-3DEA-1F79-21AD-BE0D9E55328C}"/>
               </a:ext>
             </a:extLst>
           </p:cNvPr>
@@ -4348,8 +6792,8 @@
         </p:nvSpPr>
         <p:spPr>
           <a:xfrm>
-            <a:off x="2770293" y="230293"/>
-            <a:ext cx="6156960" cy="369332"/>
+            <a:off x="4822614" y="270933"/>
+            <a:ext cx="7321973" cy="369332"/>
           </a:xfrm>
           <a:prstGeom prst="rect">
             <a:avLst/>
@@ -4364,80 +6808,119 @@
           <a:p>
             <a:r>
               <a:rPr lang="en-US" dirty="0"/>
-              <a:t>More pivoting/merging - examples</a:t>
-            </a:r>
-          </a:p>
-        </p:txBody>
-      </p:sp>
+              <a:t>Suggestions for Best Practices</a:t>
+            </a:r>
+          </a:p>
+        </p:txBody>
+      </p:sp>
+      <p:sp>
+        <p:nvSpPr>
+          <p:cNvPr id="3" name="TextBox 2">
+            <a:extLst>
+              <a:ext uri="{FF2B5EF4-FFF2-40B4-BE49-F238E27FC236}">
+                <a16:creationId xmlns:a16="http://schemas.microsoft.com/office/drawing/2014/main" id="{AAA22633-D20E-1653-DD34-7E9124D3224D}"/>
+              </a:ext>
+            </a:extLst>
+          </p:cNvPr>
+          <p:cNvSpPr txBox="1"/>
+          <p:nvPr/>
+        </p:nvSpPr>
+        <p:spPr>
+          <a:xfrm>
+            <a:off x="1761565" y="1385047"/>
+            <a:ext cx="8384241" cy="1477328"/>
+          </a:xfrm>
+          <a:prstGeom prst="rect">
+            <a:avLst/>
+          </a:prstGeom>
+          <a:noFill/>
+        </p:spPr>
+        <p:txBody>
+          <a:bodyPr wrap="square" rtlCol="0">
+            <a:spAutoFit/>
+          </a:bodyPr>
+          <a:lstStyle/>
+          <a:p>
+            <a:pPr marL="342900" indent="-342900">
+              <a:buAutoNum type="arabicPeriod"/>
+            </a:pPr>
+            <a:r>
+              <a:rPr lang="en-US" dirty="0"/>
+              <a:t>Keep a code notebook</a:t>
+            </a:r>
+          </a:p>
+          <a:p>
+            <a:pPr marL="342900" indent="-342900">
+              <a:buAutoNum type="arabicPeriod"/>
+            </a:pPr>
+            <a:r>
+              <a:rPr lang="en-US" dirty="0"/>
+              <a:t>Work in a script and not the console</a:t>
+            </a:r>
+          </a:p>
+          <a:p>
+            <a:pPr marL="342900" indent="-342900">
+              <a:buAutoNum type="arabicPeriod"/>
+            </a:pPr>
+            <a:r>
+              <a:rPr lang="en-US" dirty="0"/>
+              <a:t>Name variables, functions, scripts something descriptive</a:t>
+            </a:r>
+          </a:p>
+          <a:p>
+            <a:pPr marL="342900" indent="-342900">
+              <a:buAutoNum type="arabicPeriod"/>
+            </a:pPr>
+            <a:r>
+              <a:rPr lang="en-US" dirty="0"/>
+              <a:t>Comment your code heavily</a:t>
+            </a:r>
+          </a:p>
+          <a:p>
+            <a:pPr marL="342900" indent="-342900">
+              <a:buAutoNum type="arabicPeriod"/>
+            </a:pPr>
+            <a:r>
+              <a:rPr lang="en-US" dirty="0"/>
+              <a:t>Have a project structure in mind</a:t>
+            </a:r>
+          </a:p>
+        </p:txBody>
+      </p:sp>
+      <p:pic>
+        <p:nvPicPr>
+          <p:cNvPr id="5" name="Picture 4">
+            <a:extLst>
+              <a:ext uri="{FF2B5EF4-FFF2-40B4-BE49-F238E27FC236}">
+                <a16:creationId xmlns:a16="http://schemas.microsoft.com/office/drawing/2014/main" id="{9B91D5DA-1D3D-2647-609E-9676951A0A0C}"/>
+              </a:ext>
+            </a:extLst>
+          </p:cNvPr>
+          <p:cNvPicPr>
+            <a:picLocks noChangeAspect="1"/>
+          </p:cNvPicPr>
+          <p:nvPr/>
+        </p:nvPicPr>
+        <p:blipFill>
+          <a:blip r:embed="rId2"/>
+          <a:stretch>
+            <a:fillRect/>
+          </a:stretch>
+        </p:blipFill>
+        <p:spPr>
+          <a:xfrm>
+            <a:off x="2726391" y="2974789"/>
+            <a:ext cx="2247900" cy="2387600"/>
+          </a:xfrm>
+          <a:prstGeom prst="rect">
+            <a:avLst/>
+          </a:prstGeom>
+        </p:spPr>
+      </p:pic>
     </p:spTree>
     <p:extLst>
       <p:ext uri="{BB962C8B-B14F-4D97-AF65-F5344CB8AC3E}">
-        <p14:creationId xmlns:p14="http://schemas.microsoft.com/office/powerpoint/2010/main" val="1440623824"/>
-      </p:ext>
-    </p:extLst>
-  </p:cSld>
-  <p:clrMapOvr>
-    <a:masterClrMapping/>
-  </p:clrMapOvr>
-</p:sld>
-</file>
-
-<file path=ppt/slides/slide13.xml><?xml version="1.0" encoding="utf-8"?>
-<p:sld xmlns:a="http://schemas.openxmlformats.org/drawingml/2006/main" xmlns:r="http://schemas.openxmlformats.org/officeDocument/2006/relationships" xmlns:p="http://schemas.openxmlformats.org/presentationml/2006/main">
-  <p:cSld>
-    <p:spTree>
-      <p:nvGrpSpPr>
-        <p:cNvPr id="1" name=""/>
-        <p:cNvGrpSpPr/>
-        <p:nvPr/>
-      </p:nvGrpSpPr>
-      <p:grpSpPr>
-        <a:xfrm>
-          <a:off x="0" y="0"/>
-          <a:ext cx="0" cy="0"/>
-          <a:chOff x="0" y="0"/>
-          <a:chExt cx="0" cy="0"/>
-        </a:xfrm>
-      </p:grpSpPr>
-      <p:sp>
-        <p:nvSpPr>
-          <p:cNvPr id="2" name="TextBox 1">
-            <a:extLst>
-              <a:ext uri="{FF2B5EF4-FFF2-40B4-BE49-F238E27FC236}">
-                <a16:creationId xmlns:a16="http://schemas.microsoft.com/office/drawing/2014/main" id="{9B58B4FA-F21A-26DC-43DB-D2B51031D171}"/>
-              </a:ext>
-            </a:extLst>
-          </p:cNvPr>
-          <p:cNvSpPr txBox="1"/>
-          <p:nvPr/>
-        </p:nvSpPr>
-        <p:spPr>
-          <a:xfrm>
-            <a:off x="3711787" y="115147"/>
-            <a:ext cx="4775200" cy="369332"/>
-          </a:xfrm>
-          <a:prstGeom prst="rect">
-            <a:avLst/>
-          </a:prstGeom>
-          <a:noFill/>
-        </p:spPr>
-        <p:txBody>
-          <a:bodyPr wrap="square" rtlCol="0">
-            <a:spAutoFit/>
-          </a:bodyPr>
-          <a:lstStyle/>
-          <a:p>
-            <a:r>
-              <a:rPr lang="en-US" dirty="0"/>
-              <a:t>More plotting/faceting examples</a:t>
-            </a:r>
-          </a:p>
-        </p:txBody>
-      </p:sp>
-    </p:spTree>
-    <p:extLst>
-      <p:ext uri="{BB962C8B-B14F-4D97-AF65-F5344CB8AC3E}">
-        <p14:creationId xmlns:p14="http://schemas.microsoft.com/office/powerpoint/2010/main" val="3034421642"/>
+        <p14:creationId xmlns:p14="http://schemas.microsoft.com/office/powerpoint/2010/main" val="2158544033"/>
       </p:ext>
     </p:extLst>
   </p:cSld>
@@ -4557,6 +7040,461 @@
 </p:sld>
 </file>
 
+<file path=ppt/slides/slide20.xml><?xml version="1.0" encoding="utf-8"?>
+<p:sld xmlns:a="http://schemas.openxmlformats.org/drawingml/2006/main" xmlns:r="http://schemas.openxmlformats.org/officeDocument/2006/relationships" xmlns:p="http://schemas.openxmlformats.org/presentationml/2006/main">
+  <p:cSld>
+    <p:spTree>
+      <p:nvGrpSpPr>
+        <p:cNvPr id="1" name=""/>
+        <p:cNvGrpSpPr/>
+        <p:nvPr/>
+      </p:nvGrpSpPr>
+      <p:grpSpPr>
+        <a:xfrm>
+          <a:off x="0" y="0"/>
+          <a:ext cx="0" cy="0"/>
+          <a:chOff x="0" y="0"/>
+          <a:chExt cx="0" cy="0"/>
+        </a:xfrm>
+      </p:grpSpPr>
+      <p:sp>
+        <p:nvSpPr>
+          <p:cNvPr id="2" name="TextBox 1">
+            <a:extLst>
+              <a:ext uri="{FF2B5EF4-FFF2-40B4-BE49-F238E27FC236}">
+                <a16:creationId xmlns:a16="http://schemas.microsoft.com/office/drawing/2014/main" id="{2B40ECDF-3DEA-1F79-21AD-BE0D9E55328C}"/>
+              </a:ext>
+            </a:extLst>
+          </p:cNvPr>
+          <p:cNvSpPr txBox="1"/>
+          <p:nvPr/>
+        </p:nvSpPr>
+        <p:spPr>
+          <a:xfrm>
+            <a:off x="4822614" y="270933"/>
+            <a:ext cx="7321973" cy="369332"/>
+          </a:xfrm>
+          <a:prstGeom prst="rect">
+            <a:avLst/>
+          </a:prstGeom>
+          <a:noFill/>
+        </p:spPr>
+        <p:txBody>
+          <a:bodyPr wrap="square" rtlCol="0">
+            <a:spAutoFit/>
+          </a:bodyPr>
+          <a:lstStyle/>
+          <a:p>
+            <a:r>
+              <a:rPr lang="en-US" dirty="0"/>
+              <a:t>Suggestions for Best Practices</a:t>
+            </a:r>
+          </a:p>
+        </p:txBody>
+      </p:sp>
+      <p:sp>
+        <p:nvSpPr>
+          <p:cNvPr id="3" name="TextBox 2">
+            <a:extLst>
+              <a:ext uri="{FF2B5EF4-FFF2-40B4-BE49-F238E27FC236}">
+                <a16:creationId xmlns:a16="http://schemas.microsoft.com/office/drawing/2014/main" id="{AAA22633-D20E-1653-DD34-7E9124D3224D}"/>
+              </a:ext>
+            </a:extLst>
+          </p:cNvPr>
+          <p:cNvSpPr txBox="1"/>
+          <p:nvPr/>
+        </p:nvSpPr>
+        <p:spPr>
+          <a:xfrm>
+            <a:off x="1761565" y="1385047"/>
+            <a:ext cx="8384241" cy="2862322"/>
+          </a:xfrm>
+          <a:prstGeom prst="rect">
+            <a:avLst/>
+          </a:prstGeom>
+          <a:noFill/>
+        </p:spPr>
+        <p:txBody>
+          <a:bodyPr wrap="square" rtlCol="0">
+            <a:spAutoFit/>
+          </a:bodyPr>
+          <a:lstStyle/>
+          <a:p>
+            <a:pPr marL="342900" indent="-342900">
+              <a:buAutoNum type="arabicPeriod"/>
+            </a:pPr>
+            <a:r>
+              <a:rPr lang="en-US" dirty="0"/>
+              <a:t>Keep a code notebook</a:t>
+            </a:r>
+          </a:p>
+          <a:p>
+            <a:pPr marL="342900" indent="-342900">
+              <a:buAutoNum type="arabicPeriod"/>
+            </a:pPr>
+            <a:r>
+              <a:rPr lang="en-US" dirty="0"/>
+              <a:t>Work in a script and not the console</a:t>
+            </a:r>
+          </a:p>
+          <a:p>
+            <a:pPr marL="342900" indent="-342900">
+              <a:buAutoNum type="arabicPeriod"/>
+            </a:pPr>
+            <a:r>
+              <a:rPr lang="en-US" dirty="0"/>
+              <a:t>Name variables, functions, scripts something descriptive</a:t>
+            </a:r>
+          </a:p>
+          <a:p>
+            <a:pPr marL="342900" indent="-342900">
+              <a:buAutoNum type="arabicPeriod"/>
+            </a:pPr>
+            <a:r>
+              <a:rPr lang="en-US" dirty="0"/>
+              <a:t>Comment your code heavily</a:t>
+            </a:r>
+          </a:p>
+          <a:p>
+            <a:pPr marL="342900" indent="-342900">
+              <a:buAutoNum type="arabicPeriod"/>
+            </a:pPr>
+            <a:r>
+              <a:rPr lang="en-US" dirty="0"/>
+              <a:t>Have a project structure in mind</a:t>
+            </a:r>
+          </a:p>
+          <a:p>
+            <a:pPr marL="342900" indent="-342900">
+              <a:buAutoNum type="arabicPeriod"/>
+            </a:pPr>
+            <a:r>
+              <a:rPr lang="en-US" dirty="0"/>
+              <a:t>Use R projects – keep data and script files together</a:t>
+            </a:r>
+          </a:p>
+          <a:p>
+            <a:pPr marL="342900" indent="-342900">
+              <a:buAutoNum type="arabicPeriod"/>
+            </a:pPr>
+            <a:r>
+              <a:rPr lang="en-US" dirty="0"/>
+              <a:t>Put libraries first</a:t>
+            </a:r>
+          </a:p>
+          <a:p>
+            <a:pPr marL="342900" indent="-342900">
+              <a:buAutoNum type="arabicPeriod"/>
+            </a:pPr>
+            <a:r>
+              <a:rPr lang="en-US" dirty="0"/>
+              <a:t>Put hardcoded paths second</a:t>
+            </a:r>
+          </a:p>
+          <a:p>
+            <a:pPr marL="342900" indent="-342900">
+              <a:buAutoNum type="arabicPeriod"/>
+            </a:pPr>
+            <a:r>
+              <a:rPr lang="en-US" dirty="0"/>
+              <a:t>Don’t repeat yourself – write a function</a:t>
+            </a:r>
+          </a:p>
+          <a:p>
+            <a:pPr marL="342900" indent="-342900">
+              <a:buAutoNum type="arabicPeriod"/>
+            </a:pPr>
+            <a:r>
+              <a:rPr lang="en-US" dirty="0"/>
+              <a:t>Use a consistent style</a:t>
+            </a:r>
+          </a:p>
+        </p:txBody>
+      </p:sp>
+      <p:sp>
+        <p:nvSpPr>
+          <p:cNvPr id="4" name="TextBox 3">
+            <a:extLst>
+              <a:ext uri="{FF2B5EF4-FFF2-40B4-BE49-F238E27FC236}">
+                <a16:creationId xmlns:a16="http://schemas.microsoft.com/office/drawing/2014/main" id="{1787A16D-B4F6-302B-80BA-FBAD8C396E43}"/>
+              </a:ext>
+            </a:extLst>
+          </p:cNvPr>
+          <p:cNvSpPr txBox="1"/>
+          <p:nvPr/>
+        </p:nvSpPr>
+        <p:spPr>
+          <a:xfrm>
+            <a:off x="4304713" y="6347012"/>
+            <a:ext cx="7887287" cy="369332"/>
+          </a:xfrm>
+          <a:prstGeom prst="rect">
+            <a:avLst/>
+          </a:prstGeom>
+          <a:noFill/>
+        </p:spPr>
+        <p:txBody>
+          <a:bodyPr wrap="none" rtlCol="0">
+            <a:spAutoFit/>
+          </a:bodyPr>
+          <a:lstStyle/>
+          <a:p>
+            <a:r>
+              <a:rPr lang="en-US" dirty="0"/>
+              <a:t>https://</a:t>
+            </a:r>
+            <a:r>
+              <a:rPr lang="en-US" dirty="0" err="1"/>
+              <a:t>towardsdatascience.com</a:t>
+            </a:r>
+            <a:r>
+              <a:rPr lang="en-US" dirty="0"/>
+              <a:t>/best-practices-for-r-programming-ec0754010b5a</a:t>
+            </a:r>
+          </a:p>
+        </p:txBody>
+      </p:sp>
+      <p:sp>
+        <p:nvSpPr>
+          <p:cNvPr id="7" name="TextBox 6">
+            <a:extLst>
+              <a:ext uri="{FF2B5EF4-FFF2-40B4-BE49-F238E27FC236}">
+                <a16:creationId xmlns:a16="http://schemas.microsoft.com/office/drawing/2014/main" id="{FBA13994-9C85-B49E-135C-64F659864501}"/>
+              </a:ext>
+            </a:extLst>
+          </p:cNvPr>
+          <p:cNvSpPr txBox="1"/>
+          <p:nvPr/>
+        </p:nvSpPr>
+        <p:spPr>
+          <a:xfrm>
+            <a:off x="7553886" y="5977680"/>
+            <a:ext cx="6098240" cy="369332"/>
+          </a:xfrm>
+          <a:prstGeom prst="rect">
+            <a:avLst/>
+          </a:prstGeom>
+          <a:noFill/>
+        </p:spPr>
+        <p:txBody>
+          <a:bodyPr wrap="square">
+            <a:spAutoFit/>
+          </a:bodyPr>
+          <a:lstStyle/>
+          <a:p>
+            <a:r>
+              <a:rPr lang="en-US" dirty="0"/>
+              <a:t>https://r4ds.had.co.nz/workflow-</a:t>
+            </a:r>
+            <a:r>
+              <a:rPr lang="en-US" dirty="0" err="1"/>
+              <a:t>projects.html</a:t>
+            </a:r>
+            <a:endParaRPr lang="en-US" dirty="0"/>
+          </a:p>
+        </p:txBody>
+      </p:sp>
+    </p:spTree>
+    <p:extLst>
+      <p:ext uri="{BB962C8B-B14F-4D97-AF65-F5344CB8AC3E}">
+        <p14:creationId xmlns:p14="http://schemas.microsoft.com/office/powerpoint/2010/main" val="4234484805"/>
+      </p:ext>
+    </p:extLst>
+  </p:cSld>
+  <p:clrMapOvr>
+    <a:masterClrMapping/>
+  </p:clrMapOvr>
+</p:sld>
+</file>
+
+<file path=ppt/slides/slide21.xml><?xml version="1.0" encoding="utf-8"?>
+<p:sld xmlns:a="http://schemas.openxmlformats.org/drawingml/2006/main" xmlns:r="http://schemas.openxmlformats.org/officeDocument/2006/relationships" xmlns:p="http://schemas.openxmlformats.org/presentationml/2006/main">
+  <p:cSld>
+    <p:spTree>
+      <p:nvGrpSpPr>
+        <p:cNvPr id="1" name=""/>
+        <p:cNvGrpSpPr/>
+        <p:nvPr/>
+      </p:nvGrpSpPr>
+      <p:grpSpPr>
+        <a:xfrm>
+          <a:off x="0" y="0"/>
+          <a:ext cx="0" cy="0"/>
+          <a:chOff x="0" y="0"/>
+          <a:chExt cx="0" cy="0"/>
+        </a:xfrm>
+      </p:grpSpPr>
+      <p:sp>
+        <p:nvSpPr>
+          <p:cNvPr id="2" name="Title 1">
+            <a:extLst>
+              <a:ext uri="{FF2B5EF4-FFF2-40B4-BE49-F238E27FC236}">
+                <a16:creationId xmlns:a16="http://schemas.microsoft.com/office/drawing/2014/main" id="{DB197D4B-3064-0A16-54B7-66AA04467068}"/>
+              </a:ext>
+            </a:extLst>
+          </p:cNvPr>
+          <p:cNvSpPr>
+            <a:spLocks noGrp="1"/>
+          </p:cNvSpPr>
+          <p:nvPr>
+            <p:ph type="title"/>
+          </p:nvPr>
+        </p:nvSpPr>
+        <p:spPr/>
+        <p:txBody>
+          <a:bodyPr/>
+          <a:lstStyle/>
+          <a:p>
+            <a:r>
+              <a:rPr lang="en-US" dirty="0"/>
+              <a:t>Practice</a:t>
+            </a:r>
+          </a:p>
+        </p:txBody>
+      </p:sp>
+    </p:spTree>
+    <p:extLst>
+      <p:ext uri="{BB962C8B-B14F-4D97-AF65-F5344CB8AC3E}">
+        <p14:creationId xmlns:p14="http://schemas.microsoft.com/office/powerpoint/2010/main" val="598731948"/>
+      </p:ext>
+    </p:extLst>
+  </p:cSld>
+  <p:clrMapOvr>
+    <a:masterClrMapping/>
+  </p:clrMapOvr>
+</p:sld>
+</file>
+
+<file path=ppt/slides/slide22.xml><?xml version="1.0" encoding="utf-8"?>
+<p:sld xmlns:a="http://schemas.openxmlformats.org/drawingml/2006/main" xmlns:r="http://schemas.openxmlformats.org/officeDocument/2006/relationships" xmlns:p="http://schemas.openxmlformats.org/presentationml/2006/main">
+  <p:cSld>
+    <p:spTree>
+      <p:nvGrpSpPr>
+        <p:cNvPr id="1" name=""/>
+        <p:cNvGrpSpPr/>
+        <p:nvPr/>
+      </p:nvGrpSpPr>
+      <p:grpSpPr>
+        <a:xfrm>
+          <a:off x="0" y="0"/>
+          <a:ext cx="0" cy="0"/>
+          <a:chOff x="0" y="0"/>
+          <a:chExt cx="0" cy="0"/>
+        </a:xfrm>
+      </p:grpSpPr>
+      <p:sp>
+        <p:nvSpPr>
+          <p:cNvPr id="2" name="TextBox 1">
+            <a:extLst>
+              <a:ext uri="{FF2B5EF4-FFF2-40B4-BE49-F238E27FC236}">
+                <a16:creationId xmlns:a16="http://schemas.microsoft.com/office/drawing/2014/main" id="{A1DC9D2A-6F90-050D-48C4-B7DCC5158B28}"/>
+              </a:ext>
+            </a:extLst>
+          </p:cNvPr>
+          <p:cNvSpPr txBox="1"/>
+          <p:nvPr/>
+        </p:nvSpPr>
+        <p:spPr>
+          <a:xfrm>
+            <a:off x="2770293" y="230293"/>
+            <a:ext cx="6156960" cy="369332"/>
+          </a:xfrm>
+          <a:prstGeom prst="rect">
+            <a:avLst/>
+          </a:prstGeom>
+          <a:noFill/>
+        </p:spPr>
+        <p:txBody>
+          <a:bodyPr wrap="square" rtlCol="0">
+            <a:spAutoFit/>
+          </a:bodyPr>
+          <a:lstStyle/>
+          <a:p>
+            <a:r>
+              <a:rPr lang="en-US" dirty="0"/>
+              <a:t>More pivoting/merging - examples</a:t>
+            </a:r>
+          </a:p>
+        </p:txBody>
+      </p:sp>
+    </p:spTree>
+    <p:extLst>
+      <p:ext uri="{BB962C8B-B14F-4D97-AF65-F5344CB8AC3E}">
+        <p14:creationId xmlns:p14="http://schemas.microsoft.com/office/powerpoint/2010/main" val="1440623824"/>
+      </p:ext>
+    </p:extLst>
+  </p:cSld>
+  <p:clrMapOvr>
+    <a:masterClrMapping/>
+  </p:clrMapOvr>
+</p:sld>
+</file>
+
+<file path=ppt/slides/slide23.xml><?xml version="1.0" encoding="utf-8"?>
+<p:sld xmlns:a="http://schemas.openxmlformats.org/drawingml/2006/main" xmlns:r="http://schemas.openxmlformats.org/officeDocument/2006/relationships" xmlns:p="http://schemas.openxmlformats.org/presentationml/2006/main">
+  <p:cSld>
+    <p:spTree>
+      <p:nvGrpSpPr>
+        <p:cNvPr id="1" name=""/>
+        <p:cNvGrpSpPr/>
+        <p:nvPr/>
+      </p:nvGrpSpPr>
+      <p:grpSpPr>
+        <a:xfrm>
+          <a:off x="0" y="0"/>
+          <a:ext cx="0" cy="0"/>
+          <a:chOff x="0" y="0"/>
+          <a:chExt cx="0" cy="0"/>
+        </a:xfrm>
+      </p:grpSpPr>
+      <p:sp>
+        <p:nvSpPr>
+          <p:cNvPr id="2" name="TextBox 1">
+            <a:extLst>
+              <a:ext uri="{FF2B5EF4-FFF2-40B4-BE49-F238E27FC236}">
+                <a16:creationId xmlns:a16="http://schemas.microsoft.com/office/drawing/2014/main" id="{9B58B4FA-F21A-26DC-43DB-D2B51031D171}"/>
+              </a:ext>
+            </a:extLst>
+          </p:cNvPr>
+          <p:cNvSpPr txBox="1"/>
+          <p:nvPr/>
+        </p:nvSpPr>
+        <p:spPr>
+          <a:xfrm>
+            <a:off x="3711787" y="115147"/>
+            <a:ext cx="4775200" cy="369332"/>
+          </a:xfrm>
+          <a:prstGeom prst="rect">
+            <a:avLst/>
+          </a:prstGeom>
+          <a:noFill/>
+        </p:spPr>
+        <p:txBody>
+          <a:bodyPr wrap="square" rtlCol="0">
+            <a:spAutoFit/>
+          </a:bodyPr>
+          <a:lstStyle/>
+          <a:p>
+            <a:r>
+              <a:rPr lang="en-US" dirty="0"/>
+              <a:t>More plotting/faceting examples</a:t>
+            </a:r>
+          </a:p>
+        </p:txBody>
+      </p:sp>
+    </p:spTree>
+    <p:extLst>
+      <p:ext uri="{BB962C8B-B14F-4D97-AF65-F5344CB8AC3E}">
+        <p14:creationId xmlns:p14="http://schemas.microsoft.com/office/powerpoint/2010/main" val="3034421642"/>
+      </p:ext>
+    </p:extLst>
+  </p:cSld>
+  <p:clrMapOvr>
+    <a:masterClrMapping/>
+  </p:clrMapOvr>
+</p:sld>
+</file>
+
 <file path=ppt/slides/slide3.xml><?xml version="1.0" encoding="utf-8"?>
 <p:sld xmlns:a="http://schemas.openxmlformats.org/drawingml/2006/main" xmlns:r="http://schemas.openxmlformats.org/officeDocument/2006/relationships" xmlns:p="http://schemas.openxmlformats.org/presentationml/2006/main">
   <p:cSld>
@@ -4576,53 +7514,138 @@
       </p:grpSpPr>
       <p:sp>
         <p:nvSpPr>
-          <p:cNvPr id="2" name="Title 1">
-            <a:extLst>
-              <a:ext uri="{FF2B5EF4-FFF2-40B4-BE49-F238E27FC236}">
-                <a16:creationId xmlns:a16="http://schemas.microsoft.com/office/drawing/2014/main" id="{DB197D4B-3064-0A16-54B7-66AA04467068}"/>
-              </a:ext>
-            </a:extLst>
-          </p:cNvPr>
-          <p:cNvSpPr>
-            <a:spLocks noGrp="1"/>
-          </p:cNvSpPr>
-          <p:nvPr>
-            <p:ph type="title"/>
-          </p:nvPr>
-        </p:nvSpPr>
-        <p:spPr/>
-        <p:txBody>
-          <a:bodyPr/>
-          <a:lstStyle/>
-          <a:p>
+          <p:cNvPr id="2" name="TextBox 1">
+            <a:extLst>
+              <a:ext uri="{FF2B5EF4-FFF2-40B4-BE49-F238E27FC236}">
+                <a16:creationId xmlns:a16="http://schemas.microsoft.com/office/drawing/2014/main" id="{69686441-1642-EEE4-7FB0-599CD21B8029}"/>
+              </a:ext>
+            </a:extLst>
+          </p:cNvPr>
+          <p:cNvSpPr txBox="1"/>
+          <p:nvPr/>
+        </p:nvSpPr>
+        <p:spPr>
+          <a:xfrm>
+            <a:off x="3434080" y="880533"/>
+            <a:ext cx="6035040" cy="369332"/>
+          </a:xfrm>
+          <a:prstGeom prst="rect">
+            <a:avLst/>
+          </a:prstGeom>
+          <a:noFill/>
+        </p:spPr>
+        <p:txBody>
+          <a:bodyPr wrap="square" rtlCol="0">
+            <a:spAutoFit/>
+          </a:bodyPr>
+          <a:lstStyle/>
+          <a:p>
+            <a:r>
+              <a:rPr lang="en-US" dirty="0"/>
+              <a:t>Today’s Goals</a:t>
+            </a:r>
+          </a:p>
+        </p:txBody>
+      </p:sp>
+      <p:sp>
+        <p:nvSpPr>
+          <p:cNvPr id="3" name="TextBox 2">
+            <a:extLst>
+              <a:ext uri="{FF2B5EF4-FFF2-40B4-BE49-F238E27FC236}">
+                <a16:creationId xmlns:a16="http://schemas.microsoft.com/office/drawing/2014/main" id="{7C1CF691-BC8E-3FA6-A643-D01141636EDE}"/>
+              </a:ext>
+            </a:extLst>
+          </p:cNvPr>
+          <p:cNvSpPr txBox="1"/>
+          <p:nvPr/>
+        </p:nvSpPr>
+        <p:spPr>
+          <a:xfrm>
+            <a:off x="3522133" y="1842347"/>
+            <a:ext cx="5730240" cy="2585323"/>
+          </a:xfrm>
+          <a:prstGeom prst="rect">
+            <a:avLst/>
+          </a:prstGeom>
+          <a:noFill/>
+        </p:spPr>
+        <p:txBody>
+          <a:bodyPr wrap="square" rtlCol="0">
+            <a:spAutoFit/>
+          </a:bodyPr>
+          <a:lstStyle/>
+          <a:p>
+            <a:pPr marL="342900" indent="-342900">
+              <a:buAutoNum type="arabicPeriod"/>
+            </a:pPr>
+            <a:r>
+              <a:rPr lang="en-US" dirty="0"/>
+              <a:t>Factors </a:t>
+            </a:r>
+          </a:p>
+          <a:p>
+            <a:pPr marL="342900" indent="-342900">
+              <a:buAutoNum type="arabicPeriod"/>
+            </a:pPr>
+            <a:r>
+              <a:rPr lang="en-US" dirty="0"/>
+              <a:t>Functions</a:t>
+            </a:r>
+          </a:p>
+          <a:p>
+            <a:pPr marL="342900" indent="-342900">
+              <a:buAutoNum type="arabicPeriod"/>
+            </a:pPr>
+            <a:r>
+              <a:rPr lang="en-US" dirty="0"/>
+              <a:t>Loops</a:t>
+            </a:r>
+          </a:p>
+          <a:p>
+            <a:pPr marL="342900" indent="-342900">
+              <a:buAutoNum type="arabicPeriod"/>
+            </a:pPr>
+            <a:r>
+              <a:rPr lang="en-US" dirty="0"/>
+              <a:t>Summarized experiment</a:t>
+            </a:r>
+          </a:p>
+          <a:p>
+            <a:pPr marL="342900" indent="-342900">
+              <a:buAutoNum type="arabicPeriod"/>
+            </a:pPr>
+            <a:r>
+              <a:rPr lang="en-US" dirty="0"/>
+              <a:t>Best practices</a:t>
+            </a:r>
+          </a:p>
+          <a:p>
+            <a:pPr marL="342900" indent="-342900">
+              <a:buFontTx/>
+              <a:buAutoNum type="arabicPeriod"/>
+            </a:pPr>
             <a:r>
               <a:rPr lang="en-US" dirty="0"/>
               <a:t>Practice</a:t>
             </a:r>
           </a:p>
-        </p:txBody>
-      </p:sp>
-      <p:sp>
-        <p:nvSpPr>
-          <p:cNvPr id="3" name="Content Placeholder 2">
-            <a:extLst>
-              <a:ext uri="{FF2B5EF4-FFF2-40B4-BE49-F238E27FC236}">
-                <a16:creationId xmlns:a16="http://schemas.microsoft.com/office/drawing/2014/main" id="{8A3F45AC-047C-9015-01BC-AC31A052B423}"/>
-              </a:ext>
-            </a:extLst>
-          </p:cNvPr>
-          <p:cNvSpPr>
-            <a:spLocks noGrp="1"/>
-          </p:cNvSpPr>
-          <p:nvPr>
-            <p:ph idx="1"/>
-          </p:nvPr>
-        </p:nvSpPr>
-        <p:spPr/>
-        <p:txBody>
-          <a:bodyPr/>
-          <a:lstStyle/>
-          <a:p>
+          <a:p>
+            <a:pPr marL="342900" indent="-342900">
+              <a:buFontTx/>
+              <a:buAutoNum type="arabicPeriod"/>
+            </a:pPr>
+            <a:endParaRPr lang="en-US" dirty="0"/>
+          </a:p>
+          <a:p>
+            <a:pPr marL="342900" indent="-342900">
+              <a:buAutoNum type="arabicPeriod"/>
+            </a:pPr>
+            <a:endParaRPr lang="en-US" dirty="0"/>
+          </a:p>
+          <a:p>
+            <a:pPr marL="342900" indent="-342900">
+              <a:buAutoNum type="arabicPeriod"/>
+            </a:pPr>
             <a:endParaRPr lang="en-US" dirty="0"/>
           </a:p>
         </p:txBody>
@@ -4630,7 +7653,7 @@
     </p:spTree>
     <p:extLst>
       <p:ext uri="{BB962C8B-B14F-4D97-AF65-F5344CB8AC3E}">
-        <p14:creationId xmlns:p14="http://schemas.microsoft.com/office/powerpoint/2010/main" val="598731948"/>
+        <p14:creationId xmlns:p14="http://schemas.microsoft.com/office/powerpoint/2010/main" val="1735636872"/>
       </p:ext>
     </p:extLst>
   </p:cSld>
@@ -4662,7 +7685,7 @@
           <p:cNvPr id="2" name="TextBox 1">
             <a:extLst>
               <a:ext uri="{FF2B5EF4-FFF2-40B4-BE49-F238E27FC236}">
-                <a16:creationId xmlns:a16="http://schemas.microsoft.com/office/drawing/2014/main" id="{69686441-1642-EEE4-7FB0-599CD21B8029}"/>
+                <a16:creationId xmlns:a16="http://schemas.microsoft.com/office/drawing/2014/main" id="{D791C6AE-1BC4-B1E9-A3D8-86782E25B660}"/>
               </a:ext>
             </a:extLst>
           </p:cNvPr>
@@ -4671,8 +7694,8 @@
         </p:nvSpPr>
         <p:spPr>
           <a:xfrm>
-            <a:off x="3434080" y="880533"/>
-            <a:ext cx="6035040" cy="369332"/>
+            <a:off x="4696304" y="198968"/>
+            <a:ext cx="6908800" cy="369332"/>
           </a:xfrm>
           <a:prstGeom prst="rect">
             <a:avLst/>
@@ -4687,17 +7710,107 @@
           <a:p>
             <a:r>
               <a:rPr lang="en-US" dirty="0"/>
-              <a:t>Today’s Goals</a:t>
-            </a:r>
-          </a:p>
-        </p:txBody>
-      </p:sp>
+              <a:t>Characters vs Factors</a:t>
+            </a:r>
+          </a:p>
+        </p:txBody>
+      </p:sp>
+      <p:pic>
+        <p:nvPicPr>
+          <p:cNvPr id="7" name="Picture 6">
+            <a:extLst>
+              <a:ext uri="{FF2B5EF4-FFF2-40B4-BE49-F238E27FC236}">
+                <a16:creationId xmlns:a16="http://schemas.microsoft.com/office/drawing/2014/main" id="{5A122CF8-55EE-2648-D5D7-50DD741A3A59}"/>
+              </a:ext>
+            </a:extLst>
+          </p:cNvPr>
+          <p:cNvPicPr>
+            <a:picLocks noChangeAspect="1"/>
+          </p:cNvPicPr>
+          <p:nvPr/>
+        </p:nvPicPr>
+        <p:blipFill>
+          <a:blip r:embed="rId2"/>
+          <a:stretch>
+            <a:fillRect/>
+          </a:stretch>
+        </p:blipFill>
+        <p:spPr>
+          <a:xfrm>
+            <a:off x="593062" y="2017193"/>
+            <a:ext cx="2006600" cy="444500"/>
+          </a:xfrm>
+          <a:prstGeom prst="rect">
+            <a:avLst/>
+          </a:prstGeom>
+        </p:spPr>
+      </p:pic>
+      <p:pic>
+        <p:nvPicPr>
+          <p:cNvPr id="8" name="Picture 7">
+            <a:extLst>
+              <a:ext uri="{FF2B5EF4-FFF2-40B4-BE49-F238E27FC236}">
+                <a16:creationId xmlns:a16="http://schemas.microsoft.com/office/drawing/2014/main" id="{21F0FD66-6D1E-70B0-81FD-426B8F308423}"/>
+              </a:ext>
+            </a:extLst>
+          </p:cNvPr>
+          <p:cNvPicPr>
+            <a:picLocks noChangeAspect="1"/>
+          </p:cNvPicPr>
+          <p:nvPr/>
+        </p:nvPicPr>
+        <p:blipFill>
+          <a:blip r:embed="rId3"/>
+          <a:stretch>
+            <a:fillRect/>
+          </a:stretch>
+        </p:blipFill>
+        <p:spPr>
+          <a:xfrm>
+            <a:off x="540434" y="792023"/>
+            <a:ext cx="4889500" cy="330200"/>
+          </a:xfrm>
+          <a:prstGeom prst="rect">
+            <a:avLst/>
+          </a:prstGeom>
+        </p:spPr>
+      </p:pic>
+      <p:pic>
+        <p:nvPicPr>
+          <p:cNvPr id="9" name="Picture 8">
+            <a:extLst>
+              <a:ext uri="{FF2B5EF4-FFF2-40B4-BE49-F238E27FC236}">
+                <a16:creationId xmlns:a16="http://schemas.microsoft.com/office/drawing/2014/main" id="{130D36F0-A21F-E967-53D9-B55D91048E7C}"/>
+              </a:ext>
+            </a:extLst>
+          </p:cNvPr>
+          <p:cNvPicPr>
+            <a:picLocks noChangeAspect="1"/>
+          </p:cNvPicPr>
+          <p:nvPr/>
+        </p:nvPicPr>
+        <p:blipFill>
+          <a:blip r:embed="rId4"/>
+          <a:stretch>
+            <a:fillRect/>
+          </a:stretch>
+        </p:blipFill>
+        <p:spPr>
+          <a:xfrm>
+            <a:off x="540434" y="1209662"/>
+            <a:ext cx="4241800" cy="508000"/>
+          </a:xfrm>
+          <a:prstGeom prst="rect">
+            <a:avLst/>
+          </a:prstGeom>
+        </p:spPr>
+      </p:pic>
       <p:sp>
         <p:nvSpPr>
           <p:cNvPr id="3" name="TextBox 2">
             <a:extLst>
               <a:ext uri="{FF2B5EF4-FFF2-40B4-BE49-F238E27FC236}">
-                <a16:creationId xmlns:a16="http://schemas.microsoft.com/office/drawing/2014/main" id="{7C1CF691-BC8E-3FA6-A643-D01141636EDE}"/>
+                <a16:creationId xmlns:a16="http://schemas.microsoft.com/office/drawing/2014/main" id="{105923AA-FAA7-32B7-22FD-BC1287E9C888}"/>
               </a:ext>
             </a:extLst>
           </p:cNvPr>
@@ -4706,8 +7819,8 @@
         </p:nvSpPr>
         <p:spPr>
           <a:xfrm>
-            <a:off x="3522133" y="1842347"/>
-            <a:ext cx="5730240" cy="2585323"/>
+            <a:off x="2218702" y="422691"/>
+            <a:ext cx="1532964" cy="369332"/>
           </a:xfrm>
           <a:prstGeom prst="rect">
             <a:avLst/>
@@ -4720,86 +7833,17 @@
           </a:bodyPr>
           <a:lstStyle/>
           <a:p>
-            <a:pPr marL="342900" indent="-342900">
-              <a:buAutoNum type="arabicPeriod"/>
-            </a:pPr>
             <a:r>
               <a:rPr lang="en-US" dirty="0"/>
-              <a:t>Factors (and R data types)</a:t>
-            </a:r>
-          </a:p>
-          <a:p>
-            <a:pPr marL="342900" indent="-342900">
-              <a:buAutoNum type="arabicPeriod"/>
-            </a:pPr>
-            <a:r>
-              <a:rPr lang="en-US" dirty="0"/>
-              <a:t>Functions</a:t>
-            </a:r>
-          </a:p>
-          <a:p>
-            <a:pPr marL="342900" indent="-342900">
-              <a:buAutoNum type="arabicPeriod"/>
-            </a:pPr>
-            <a:r>
-              <a:rPr lang="en-US" dirty="0"/>
-              <a:t>Objects</a:t>
-            </a:r>
-          </a:p>
-          <a:p>
-            <a:pPr marL="342900" indent="-342900">
-              <a:buAutoNum type="arabicPeriod"/>
-            </a:pPr>
-            <a:r>
-              <a:rPr lang="en-US" dirty="0"/>
-              <a:t>Best practices</a:t>
-            </a:r>
-          </a:p>
-          <a:p>
-            <a:pPr marL="342900" indent="-342900">
-              <a:buFontTx/>
-              <a:buAutoNum type="arabicPeriod"/>
-            </a:pPr>
-            <a:r>
-              <a:rPr lang="en-US" dirty="0"/>
-              <a:t>More practice with pivoting and merging</a:t>
-            </a:r>
-          </a:p>
-          <a:p>
-            <a:pPr marL="342900" indent="-342900">
-              <a:buFontTx/>
-              <a:buAutoNum type="arabicPeriod"/>
-            </a:pPr>
-            <a:r>
-              <a:rPr lang="en-US" dirty="0"/>
-              <a:t>More advanced plotting (faceting/multiple layers)</a:t>
-            </a:r>
-          </a:p>
-          <a:p>
-            <a:pPr marL="342900" indent="-342900">
-              <a:buFontTx/>
-              <a:buAutoNum type="arabicPeriod"/>
-            </a:pPr>
-            <a:endParaRPr lang="en-US" dirty="0"/>
-          </a:p>
-          <a:p>
-            <a:pPr marL="342900" indent="-342900">
-              <a:buAutoNum type="arabicPeriod"/>
-            </a:pPr>
-            <a:endParaRPr lang="en-US" dirty="0"/>
-          </a:p>
-          <a:p>
-            <a:pPr marL="342900" indent="-342900">
-              <a:buAutoNum type="arabicPeriod"/>
-            </a:pPr>
-            <a:endParaRPr lang="en-US" dirty="0"/>
+              <a:t>Character</a:t>
+            </a:r>
           </a:p>
         </p:txBody>
       </p:sp>
     </p:spTree>
     <p:extLst>
       <p:ext uri="{BB962C8B-B14F-4D97-AF65-F5344CB8AC3E}">
-        <p14:creationId xmlns:p14="http://schemas.microsoft.com/office/powerpoint/2010/main" val="1735636872"/>
+        <p14:creationId xmlns:p14="http://schemas.microsoft.com/office/powerpoint/2010/main" val="2377011635"/>
       </p:ext>
     </p:extLst>
   </p:cSld>
@@ -4840,7 +7884,7 @@
         </p:nvSpPr>
         <p:spPr>
           <a:xfrm>
-            <a:off x="4768426" y="243841"/>
+            <a:off x="4696304" y="198968"/>
             <a:ext cx="6908800" cy="369332"/>
           </a:xfrm>
           <a:prstGeom prst="rect">
@@ -4856,7 +7900,287 @@
           <a:p>
             <a:r>
               <a:rPr lang="en-US" dirty="0"/>
-              <a:t>Data types in R</a:t>
+              <a:t>Characters vs Factors</a:t>
+            </a:r>
+          </a:p>
+        </p:txBody>
+      </p:sp>
+      <p:pic>
+        <p:nvPicPr>
+          <p:cNvPr id="7" name="Picture 6">
+            <a:extLst>
+              <a:ext uri="{FF2B5EF4-FFF2-40B4-BE49-F238E27FC236}">
+                <a16:creationId xmlns:a16="http://schemas.microsoft.com/office/drawing/2014/main" id="{5A122CF8-55EE-2648-D5D7-50DD741A3A59}"/>
+              </a:ext>
+            </a:extLst>
+          </p:cNvPr>
+          <p:cNvPicPr>
+            <a:picLocks noChangeAspect="1"/>
+          </p:cNvPicPr>
+          <p:nvPr/>
+        </p:nvPicPr>
+        <p:blipFill>
+          <a:blip r:embed="rId2"/>
+          <a:stretch>
+            <a:fillRect/>
+          </a:stretch>
+        </p:blipFill>
+        <p:spPr>
+          <a:xfrm>
+            <a:off x="593062" y="2017193"/>
+            <a:ext cx="2006600" cy="444500"/>
+          </a:xfrm>
+          <a:prstGeom prst="rect">
+            <a:avLst/>
+          </a:prstGeom>
+        </p:spPr>
+      </p:pic>
+      <p:pic>
+        <p:nvPicPr>
+          <p:cNvPr id="8" name="Picture 7">
+            <a:extLst>
+              <a:ext uri="{FF2B5EF4-FFF2-40B4-BE49-F238E27FC236}">
+                <a16:creationId xmlns:a16="http://schemas.microsoft.com/office/drawing/2014/main" id="{21F0FD66-6D1E-70B0-81FD-426B8F308423}"/>
+              </a:ext>
+            </a:extLst>
+          </p:cNvPr>
+          <p:cNvPicPr>
+            <a:picLocks noChangeAspect="1"/>
+          </p:cNvPicPr>
+          <p:nvPr/>
+        </p:nvPicPr>
+        <p:blipFill>
+          <a:blip r:embed="rId3"/>
+          <a:stretch>
+            <a:fillRect/>
+          </a:stretch>
+        </p:blipFill>
+        <p:spPr>
+          <a:xfrm>
+            <a:off x="540434" y="792023"/>
+            <a:ext cx="4889500" cy="330200"/>
+          </a:xfrm>
+          <a:prstGeom prst="rect">
+            <a:avLst/>
+          </a:prstGeom>
+        </p:spPr>
+      </p:pic>
+      <p:pic>
+        <p:nvPicPr>
+          <p:cNvPr id="9" name="Picture 8">
+            <a:extLst>
+              <a:ext uri="{FF2B5EF4-FFF2-40B4-BE49-F238E27FC236}">
+                <a16:creationId xmlns:a16="http://schemas.microsoft.com/office/drawing/2014/main" id="{130D36F0-A21F-E967-53D9-B55D91048E7C}"/>
+              </a:ext>
+            </a:extLst>
+          </p:cNvPr>
+          <p:cNvPicPr>
+            <a:picLocks noChangeAspect="1"/>
+          </p:cNvPicPr>
+          <p:nvPr/>
+        </p:nvPicPr>
+        <p:blipFill>
+          <a:blip r:embed="rId4"/>
+          <a:stretch>
+            <a:fillRect/>
+          </a:stretch>
+        </p:blipFill>
+        <p:spPr>
+          <a:xfrm>
+            <a:off x="540434" y="1209662"/>
+            <a:ext cx="4241800" cy="508000"/>
+          </a:xfrm>
+          <a:prstGeom prst="rect">
+            <a:avLst/>
+          </a:prstGeom>
+        </p:spPr>
+      </p:pic>
+      <p:pic>
+        <p:nvPicPr>
+          <p:cNvPr id="10" name="Picture 9">
+            <a:extLst>
+              <a:ext uri="{FF2B5EF4-FFF2-40B4-BE49-F238E27FC236}">
+                <a16:creationId xmlns:a16="http://schemas.microsoft.com/office/drawing/2014/main" id="{DC76B15E-E541-E67B-3201-D74761C8B0B9}"/>
+              </a:ext>
+            </a:extLst>
+          </p:cNvPr>
+          <p:cNvPicPr>
+            <a:picLocks noChangeAspect="1"/>
+          </p:cNvPicPr>
+          <p:nvPr/>
+        </p:nvPicPr>
+        <p:blipFill>
+          <a:blip r:embed="rId5"/>
+          <a:stretch>
+            <a:fillRect/>
+          </a:stretch>
+        </p:blipFill>
+        <p:spPr>
+          <a:xfrm>
+            <a:off x="4244768" y="2017193"/>
+            <a:ext cx="7772400" cy="382987"/>
+          </a:xfrm>
+          <a:prstGeom prst="rect">
+            <a:avLst/>
+          </a:prstGeom>
+        </p:spPr>
+      </p:pic>
+      <p:pic>
+        <p:nvPicPr>
+          <p:cNvPr id="11" name="Picture 10">
+            <a:extLst>
+              <a:ext uri="{FF2B5EF4-FFF2-40B4-BE49-F238E27FC236}">
+                <a16:creationId xmlns:a16="http://schemas.microsoft.com/office/drawing/2014/main" id="{1E0887DF-92D8-BCBE-104F-0FF6894E45EA}"/>
+              </a:ext>
+            </a:extLst>
+          </p:cNvPr>
+          <p:cNvPicPr>
+            <a:picLocks noChangeAspect="1"/>
+          </p:cNvPicPr>
+          <p:nvPr/>
+        </p:nvPicPr>
+        <p:blipFill>
+          <a:blip r:embed="rId6"/>
+          <a:stretch>
+            <a:fillRect/>
+          </a:stretch>
+        </p:blipFill>
+        <p:spPr>
+          <a:xfrm>
+            <a:off x="4244768" y="2494076"/>
+            <a:ext cx="1917700" cy="533400"/>
+          </a:xfrm>
+          <a:prstGeom prst="rect">
+            <a:avLst/>
+          </a:prstGeom>
+        </p:spPr>
+      </p:pic>
+      <p:pic>
+        <p:nvPicPr>
+          <p:cNvPr id="12" name="Picture 11">
+            <a:extLst>
+              <a:ext uri="{FF2B5EF4-FFF2-40B4-BE49-F238E27FC236}">
+                <a16:creationId xmlns:a16="http://schemas.microsoft.com/office/drawing/2014/main" id="{A483AC15-F8E9-851E-29AE-5A8889831DC1}"/>
+              </a:ext>
+            </a:extLst>
+          </p:cNvPr>
+          <p:cNvPicPr>
+            <a:picLocks noChangeAspect="1"/>
+          </p:cNvPicPr>
+          <p:nvPr/>
+        </p:nvPicPr>
+        <p:blipFill>
+          <a:blip r:embed="rId7"/>
+          <a:stretch>
+            <a:fillRect/>
+          </a:stretch>
+        </p:blipFill>
+        <p:spPr>
+          <a:xfrm>
+            <a:off x="4244768" y="3121372"/>
+            <a:ext cx="2501900" cy="800100"/>
+          </a:xfrm>
+          <a:prstGeom prst="rect">
+            <a:avLst/>
+          </a:prstGeom>
+        </p:spPr>
+      </p:pic>
+      <p:pic>
+        <p:nvPicPr>
+          <p:cNvPr id="13" name="Picture 12">
+            <a:extLst>
+              <a:ext uri="{FF2B5EF4-FFF2-40B4-BE49-F238E27FC236}">
+                <a16:creationId xmlns:a16="http://schemas.microsoft.com/office/drawing/2014/main" id="{3598E7ED-B347-0033-29C1-A518472CB09F}"/>
+              </a:ext>
+            </a:extLst>
+          </p:cNvPr>
+          <p:cNvPicPr>
+            <a:picLocks noChangeAspect="1"/>
+          </p:cNvPicPr>
+          <p:nvPr/>
+        </p:nvPicPr>
+        <p:blipFill>
+          <a:blip r:embed="rId8"/>
+          <a:stretch>
+            <a:fillRect/>
+          </a:stretch>
+        </p:blipFill>
+        <p:spPr>
+          <a:xfrm>
+            <a:off x="4244768" y="4015368"/>
+            <a:ext cx="5346700" cy="1181100"/>
+          </a:xfrm>
+          <a:prstGeom prst="rect">
+            <a:avLst/>
+          </a:prstGeom>
+        </p:spPr>
+      </p:pic>
+      <p:sp>
+        <p:nvSpPr>
+          <p:cNvPr id="15" name="TextBox 14">
+            <a:extLst>
+              <a:ext uri="{FF2B5EF4-FFF2-40B4-BE49-F238E27FC236}">
+                <a16:creationId xmlns:a16="http://schemas.microsoft.com/office/drawing/2014/main" id="{A5836B8A-BB8C-0BE1-B04B-B8D05D903C00}"/>
+              </a:ext>
+            </a:extLst>
+          </p:cNvPr>
+          <p:cNvSpPr txBox="1"/>
+          <p:nvPr/>
+        </p:nvSpPr>
+        <p:spPr>
+          <a:xfrm>
+            <a:off x="7409768" y="1647861"/>
+            <a:ext cx="1754841" cy="369332"/>
+          </a:xfrm>
+          <a:prstGeom prst="rect">
+            <a:avLst/>
+          </a:prstGeom>
+          <a:noFill/>
+        </p:spPr>
+        <p:txBody>
+          <a:bodyPr wrap="square" rtlCol="0">
+            <a:spAutoFit/>
+          </a:bodyPr>
+          <a:lstStyle/>
+          <a:p>
+            <a:r>
+              <a:rPr lang="en-US" dirty="0"/>
+              <a:t>Factor</a:t>
+            </a:r>
+          </a:p>
+        </p:txBody>
+      </p:sp>
+      <p:sp>
+        <p:nvSpPr>
+          <p:cNvPr id="16" name="TextBox 15">
+            <a:extLst>
+              <a:ext uri="{FF2B5EF4-FFF2-40B4-BE49-F238E27FC236}">
+                <a16:creationId xmlns:a16="http://schemas.microsoft.com/office/drawing/2014/main" id="{70433D43-0DEA-90AD-3304-3C37D72EC5D3}"/>
+              </a:ext>
+            </a:extLst>
+          </p:cNvPr>
+          <p:cNvSpPr txBox="1"/>
+          <p:nvPr/>
+        </p:nvSpPr>
+        <p:spPr>
+          <a:xfrm>
+            <a:off x="2218702" y="422691"/>
+            <a:ext cx="1532964" cy="369332"/>
+          </a:xfrm>
+          <a:prstGeom prst="rect">
+            <a:avLst/>
+          </a:prstGeom>
+          <a:noFill/>
+        </p:spPr>
+        <p:txBody>
+          <a:bodyPr wrap="square" rtlCol="0">
+            <a:spAutoFit/>
+          </a:bodyPr>
+          <a:lstStyle/>
+          <a:p>
+            <a:r>
+              <a:rPr lang="en-US" dirty="0"/>
+              <a:t>Character</a:t>
             </a:r>
           </a:p>
         </p:txBody>
@@ -4893,201 +8217,408 @@
       </p:grpSpPr>
       <p:sp>
         <p:nvSpPr>
-          <p:cNvPr id="393" name="Functions"/>
+          <p:cNvPr id="2" name="TextBox 1">
+            <a:extLst>
+              <a:ext uri="{FF2B5EF4-FFF2-40B4-BE49-F238E27FC236}">
+                <a16:creationId xmlns:a16="http://schemas.microsoft.com/office/drawing/2014/main" id="{D791C6AE-1BC4-B1E9-A3D8-86782E25B660}"/>
+              </a:ext>
+            </a:extLst>
+          </p:cNvPr>
           <p:cNvSpPr txBox="1"/>
           <p:nvPr/>
         </p:nvSpPr>
         <p:spPr>
           <a:xfrm>
-            <a:off x="5399151" y="177130"/>
-            <a:ext cx="1402500" cy="420628"/>
-          </a:xfrm>
-          <a:prstGeom prst="rect">
-            <a:avLst/>
-          </a:prstGeom>
-          <a:ln w="12700">
-            <a:miter lim="400000"/>
-          </a:ln>
-          <a:extLst>
-            <a:ext uri="{C572A759-6A51-4108-AA02-DFA0A04FC94B}">
-              <ma14:wrappingTextBoxFlag xmlns:ma14="http://schemas.microsoft.com/office/mac/drawingml/2011/main" xmlns:a14="http://schemas.microsoft.com/office/drawing/2010/main" xmlns:m="http://schemas.openxmlformats.org/officeDocument/2006/math" xmlns="" val="1"/>
-            </a:ext>
-          </a:extLst>
-        </p:spPr>
-        <p:txBody>
-          <a:bodyPr wrap="none" lIns="25400" tIns="25400" rIns="25400" bIns="25400" anchor="ctr">
+            <a:off x="4696304" y="198968"/>
+            <a:ext cx="6908800" cy="369332"/>
+          </a:xfrm>
+          <a:prstGeom prst="rect">
+            <a:avLst/>
+          </a:prstGeom>
+          <a:noFill/>
+        </p:spPr>
+        <p:txBody>
+          <a:bodyPr wrap="square" rtlCol="0">
             <a:spAutoFit/>
           </a:bodyPr>
-          <a:lstStyle>
-            <a:lvl1pPr>
-              <a:defRPr sz="4800">
-                <a:latin typeface="Avenir Next Regular"/>
-                <a:ea typeface="Avenir Next Regular"/>
-                <a:cs typeface="Avenir Next Regular"/>
-                <a:sym typeface="Avenir Next Regular"/>
-              </a:defRPr>
-            </a:lvl1pPr>
-          </a:lstStyle>
-          <a:p>
-            <a:r>
-              <a:rPr sz="2400"/>
-              <a:t>Functions</a:t>
-            </a:r>
-          </a:p>
-        </p:txBody>
-      </p:sp>
-      <p:sp>
-        <p:nvSpPr>
-          <p:cNvPr id="395" name="-https://r4ds.had.co.nz/functions.html"/>
+          <a:lstStyle/>
+          <a:p>
+            <a:r>
+              <a:rPr lang="en-US" dirty="0"/>
+              <a:t>Characters vs Factors</a:t>
+            </a:r>
+          </a:p>
+        </p:txBody>
+      </p:sp>
+      <p:pic>
+        <p:nvPicPr>
+          <p:cNvPr id="7" name="Picture 6">
+            <a:extLst>
+              <a:ext uri="{FF2B5EF4-FFF2-40B4-BE49-F238E27FC236}">
+                <a16:creationId xmlns:a16="http://schemas.microsoft.com/office/drawing/2014/main" id="{5A122CF8-55EE-2648-D5D7-50DD741A3A59}"/>
+              </a:ext>
+            </a:extLst>
+          </p:cNvPr>
+          <p:cNvPicPr>
+            <a:picLocks noChangeAspect="1"/>
+          </p:cNvPicPr>
+          <p:nvPr/>
+        </p:nvPicPr>
+        <p:blipFill>
+          <a:blip r:embed="rId2"/>
+          <a:stretch>
+            <a:fillRect/>
+          </a:stretch>
+        </p:blipFill>
+        <p:spPr>
+          <a:xfrm>
+            <a:off x="593062" y="2017193"/>
+            <a:ext cx="2006600" cy="444500"/>
+          </a:xfrm>
+          <a:prstGeom prst="rect">
+            <a:avLst/>
+          </a:prstGeom>
+        </p:spPr>
+      </p:pic>
+      <p:pic>
+        <p:nvPicPr>
+          <p:cNvPr id="8" name="Picture 7">
+            <a:extLst>
+              <a:ext uri="{FF2B5EF4-FFF2-40B4-BE49-F238E27FC236}">
+                <a16:creationId xmlns:a16="http://schemas.microsoft.com/office/drawing/2014/main" id="{21F0FD66-6D1E-70B0-81FD-426B8F308423}"/>
+              </a:ext>
+            </a:extLst>
+          </p:cNvPr>
+          <p:cNvPicPr>
+            <a:picLocks noChangeAspect="1"/>
+          </p:cNvPicPr>
+          <p:nvPr/>
+        </p:nvPicPr>
+        <p:blipFill>
+          <a:blip r:embed="rId3"/>
+          <a:stretch>
+            <a:fillRect/>
+          </a:stretch>
+        </p:blipFill>
+        <p:spPr>
+          <a:xfrm>
+            <a:off x="540434" y="792023"/>
+            <a:ext cx="4889500" cy="330200"/>
+          </a:xfrm>
+          <a:prstGeom prst="rect">
+            <a:avLst/>
+          </a:prstGeom>
+        </p:spPr>
+      </p:pic>
+      <p:pic>
+        <p:nvPicPr>
+          <p:cNvPr id="9" name="Picture 8">
+            <a:extLst>
+              <a:ext uri="{FF2B5EF4-FFF2-40B4-BE49-F238E27FC236}">
+                <a16:creationId xmlns:a16="http://schemas.microsoft.com/office/drawing/2014/main" id="{130D36F0-A21F-E967-53D9-B55D91048E7C}"/>
+              </a:ext>
+            </a:extLst>
+          </p:cNvPr>
+          <p:cNvPicPr>
+            <a:picLocks noChangeAspect="1"/>
+          </p:cNvPicPr>
+          <p:nvPr/>
+        </p:nvPicPr>
+        <p:blipFill>
+          <a:blip r:embed="rId4"/>
+          <a:stretch>
+            <a:fillRect/>
+          </a:stretch>
+        </p:blipFill>
+        <p:spPr>
+          <a:xfrm>
+            <a:off x="540434" y="1209662"/>
+            <a:ext cx="4241800" cy="508000"/>
+          </a:xfrm>
+          <a:prstGeom prst="rect">
+            <a:avLst/>
+          </a:prstGeom>
+        </p:spPr>
+      </p:pic>
+      <p:pic>
+        <p:nvPicPr>
+          <p:cNvPr id="10" name="Picture 9">
+            <a:extLst>
+              <a:ext uri="{FF2B5EF4-FFF2-40B4-BE49-F238E27FC236}">
+                <a16:creationId xmlns:a16="http://schemas.microsoft.com/office/drawing/2014/main" id="{DC76B15E-E541-E67B-3201-D74761C8B0B9}"/>
+              </a:ext>
+            </a:extLst>
+          </p:cNvPr>
+          <p:cNvPicPr>
+            <a:picLocks noChangeAspect="1"/>
+          </p:cNvPicPr>
+          <p:nvPr/>
+        </p:nvPicPr>
+        <p:blipFill>
+          <a:blip r:embed="rId5"/>
+          <a:stretch>
+            <a:fillRect/>
+          </a:stretch>
+        </p:blipFill>
+        <p:spPr>
+          <a:xfrm>
+            <a:off x="4244768" y="2017193"/>
+            <a:ext cx="7772400" cy="382987"/>
+          </a:xfrm>
+          <a:prstGeom prst="rect">
+            <a:avLst/>
+          </a:prstGeom>
+        </p:spPr>
+      </p:pic>
+      <p:pic>
+        <p:nvPicPr>
+          <p:cNvPr id="11" name="Picture 10">
+            <a:extLst>
+              <a:ext uri="{FF2B5EF4-FFF2-40B4-BE49-F238E27FC236}">
+                <a16:creationId xmlns:a16="http://schemas.microsoft.com/office/drawing/2014/main" id="{1E0887DF-92D8-BCBE-104F-0FF6894E45EA}"/>
+              </a:ext>
+            </a:extLst>
+          </p:cNvPr>
+          <p:cNvPicPr>
+            <a:picLocks noChangeAspect="1"/>
+          </p:cNvPicPr>
+          <p:nvPr/>
+        </p:nvPicPr>
+        <p:blipFill>
+          <a:blip r:embed="rId6"/>
+          <a:stretch>
+            <a:fillRect/>
+          </a:stretch>
+        </p:blipFill>
+        <p:spPr>
+          <a:xfrm>
+            <a:off x="4244768" y="2494076"/>
+            <a:ext cx="1917700" cy="533400"/>
+          </a:xfrm>
+          <a:prstGeom prst="rect">
+            <a:avLst/>
+          </a:prstGeom>
+        </p:spPr>
+      </p:pic>
+      <p:pic>
+        <p:nvPicPr>
+          <p:cNvPr id="12" name="Picture 11">
+            <a:extLst>
+              <a:ext uri="{FF2B5EF4-FFF2-40B4-BE49-F238E27FC236}">
+                <a16:creationId xmlns:a16="http://schemas.microsoft.com/office/drawing/2014/main" id="{A483AC15-F8E9-851E-29AE-5A8889831DC1}"/>
+              </a:ext>
+            </a:extLst>
+          </p:cNvPr>
+          <p:cNvPicPr>
+            <a:picLocks noChangeAspect="1"/>
+          </p:cNvPicPr>
+          <p:nvPr/>
+        </p:nvPicPr>
+        <p:blipFill>
+          <a:blip r:embed="rId7"/>
+          <a:stretch>
+            <a:fillRect/>
+          </a:stretch>
+        </p:blipFill>
+        <p:spPr>
+          <a:xfrm>
+            <a:off x="4244768" y="3121372"/>
+            <a:ext cx="2501900" cy="800100"/>
+          </a:xfrm>
+          <a:prstGeom prst="rect">
+            <a:avLst/>
+          </a:prstGeom>
+        </p:spPr>
+      </p:pic>
+      <p:pic>
+        <p:nvPicPr>
+          <p:cNvPr id="13" name="Picture 12">
+            <a:extLst>
+              <a:ext uri="{FF2B5EF4-FFF2-40B4-BE49-F238E27FC236}">
+                <a16:creationId xmlns:a16="http://schemas.microsoft.com/office/drawing/2014/main" id="{3598E7ED-B347-0033-29C1-A518472CB09F}"/>
+              </a:ext>
+            </a:extLst>
+          </p:cNvPr>
+          <p:cNvPicPr>
+            <a:picLocks noChangeAspect="1"/>
+          </p:cNvPicPr>
+          <p:nvPr/>
+        </p:nvPicPr>
+        <p:blipFill>
+          <a:blip r:embed="rId8"/>
+          <a:stretch>
+            <a:fillRect/>
+          </a:stretch>
+        </p:blipFill>
+        <p:spPr>
+          <a:xfrm>
+            <a:off x="4244768" y="4015368"/>
+            <a:ext cx="5346700" cy="1181100"/>
+          </a:xfrm>
+          <a:prstGeom prst="rect">
+            <a:avLst/>
+          </a:prstGeom>
+        </p:spPr>
+      </p:pic>
+      <p:sp>
+        <p:nvSpPr>
+          <p:cNvPr id="14" name="TextBox 13">
+            <a:extLst>
+              <a:ext uri="{FF2B5EF4-FFF2-40B4-BE49-F238E27FC236}">
+                <a16:creationId xmlns:a16="http://schemas.microsoft.com/office/drawing/2014/main" id="{324BE73B-816F-9E18-728B-C2CD118CAB28}"/>
+              </a:ext>
+            </a:extLst>
+          </p:cNvPr>
           <p:cNvSpPr txBox="1"/>
           <p:nvPr/>
         </p:nvSpPr>
         <p:spPr>
           <a:xfrm>
-            <a:off x="9674735" y="6181098"/>
-            <a:ext cx="1888337" cy="189796"/>
-          </a:xfrm>
-          <a:prstGeom prst="rect">
-            <a:avLst/>
-          </a:prstGeom>
-          <a:ln w="12700">
-            <a:miter lim="400000"/>
-          </a:ln>
-          <a:extLst>
-            <a:ext uri="{C572A759-6A51-4108-AA02-DFA0A04FC94B}">
-              <ma14:wrappingTextBoxFlag xmlns:ma14="http://schemas.microsoft.com/office/mac/drawingml/2011/main" xmlns:a14="http://schemas.microsoft.com/office/drawing/2010/main" xmlns:m="http://schemas.openxmlformats.org/officeDocument/2006/math" xmlns="" val="1"/>
-            </a:ext>
-          </a:extLst>
-        </p:spPr>
-        <p:txBody>
-          <a:bodyPr wrap="none" lIns="25400" tIns="25400" rIns="25400" bIns="25400" anchor="ctr">
+            <a:off x="223666" y="2980023"/>
+            <a:ext cx="2927396" cy="3416320"/>
+          </a:xfrm>
+          <a:prstGeom prst="rect">
+            <a:avLst/>
+          </a:prstGeom>
+          <a:noFill/>
+        </p:spPr>
+        <p:txBody>
+          <a:bodyPr wrap="square" rtlCol="0">
             <a:spAutoFit/>
           </a:bodyPr>
           <a:lstStyle/>
           <a:p>
             <a:r>
-              <a:rPr sz="900" dirty="0"/>
-              <a:t> -https://r4ds.had.co.nz/</a:t>
-            </a:r>
-            <a:r>
-              <a:rPr sz="900" dirty="0" err="1"/>
-              <a:t>functions.html</a:t>
-            </a:r>
-            <a:endParaRPr sz="900" dirty="0"/>
-          </a:p>
-        </p:txBody>
-      </p:sp>
-      <p:sp>
-        <p:nvSpPr>
-          <p:cNvPr id="397" name="Any chunk of code you are going to reuse - can be built in or come with a package or user made…"/>
+              <a:rPr lang="en-US" dirty="0"/>
+              <a:t>Key Points</a:t>
+            </a:r>
+          </a:p>
+          <a:p>
+            <a:pPr marL="285750" indent="-285750">
+              <a:buFont typeface="Arial" panose="020B0604020202020204" pitchFamily="34" charset="0"/>
+              <a:buChar char="•"/>
+            </a:pPr>
+            <a:r>
+              <a:rPr lang="en-US" dirty="0"/>
+              <a:t>Characters are less picky and behave as you’d expect</a:t>
+            </a:r>
+          </a:p>
+          <a:p>
+            <a:pPr marL="285750" indent="-285750">
+              <a:buFont typeface="Arial" panose="020B0604020202020204" pitchFamily="34" charset="0"/>
+              <a:buChar char="•"/>
+            </a:pPr>
+            <a:r>
+              <a:rPr lang="en-US" dirty="0"/>
+              <a:t>Factors have predetermined levels </a:t>
+            </a:r>
+          </a:p>
+          <a:p>
+            <a:pPr marL="285750" indent="-285750">
+              <a:buFont typeface="Arial" panose="020B0604020202020204" pitchFamily="34" charset="0"/>
+              <a:buChar char="•"/>
+            </a:pPr>
+            <a:r>
+              <a:rPr lang="en-US" dirty="0"/>
+              <a:t>Factors have an order with a base</a:t>
+            </a:r>
+          </a:p>
+          <a:p>
+            <a:pPr marL="285750" indent="-285750">
+              <a:buFont typeface="Arial" panose="020B0604020202020204" pitchFamily="34" charset="0"/>
+              <a:buChar char="•"/>
+            </a:pPr>
+            <a:r>
+              <a:rPr lang="en-US" dirty="0"/>
+              <a:t>Base R will read in all strings as factors (</a:t>
+            </a:r>
+            <a:r>
+              <a:rPr lang="en-US" dirty="0" err="1"/>
+              <a:t>read.csv</a:t>
+            </a:r>
+            <a:r>
+              <a:rPr lang="en-US" dirty="0"/>
+              <a:t>) – but this can be turned off globally</a:t>
+            </a:r>
+          </a:p>
+        </p:txBody>
+      </p:sp>
+      <p:sp>
+        <p:nvSpPr>
+          <p:cNvPr id="3" name="TextBox 2">
+            <a:extLst>
+              <a:ext uri="{FF2B5EF4-FFF2-40B4-BE49-F238E27FC236}">
+                <a16:creationId xmlns:a16="http://schemas.microsoft.com/office/drawing/2014/main" id="{43FA81D7-8DF9-59C7-ADAC-3D4D4FFACB2E}"/>
+              </a:ext>
+            </a:extLst>
+          </p:cNvPr>
           <p:cNvSpPr txBox="1"/>
           <p:nvPr/>
         </p:nvSpPr>
         <p:spPr>
           <a:xfrm>
-            <a:off x="518306" y="1276929"/>
-            <a:ext cx="6631765" cy="1159292"/>
-          </a:xfrm>
-          <a:prstGeom prst="rect">
-            <a:avLst/>
-          </a:prstGeom>
-          <a:ln w="12700">
-            <a:miter lim="400000"/>
-          </a:ln>
-          <a:extLst>
-            <a:ext uri="{C572A759-6A51-4108-AA02-DFA0A04FC94B}">
-              <ma14:wrappingTextBoxFlag xmlns:ma14="http://schemas.microsoft.com/office/mac/drawingml/2011/main" xmlns:a14="http://schemas.microsoft.com/office/drawing/2010/main" xmlns:m="http://schemas.openxmlformats.org/officeDocument/2006/math" xmlns="" val="1"/>
-            </a:ext>
-          </a:extLst>
-        </p:spPr>
-        <p:txBody>
-          <a:bodyPr wrap="square" lIns="25400" tIns="25400" rIns="25400" bIns="25400" anchor="ctr">
+            <a:off x="7409768" y="1647861"/>
+            <a:ext cx="1754841" cy="369332"/>
+          </a:xfrm>
+          <a:prstGeom prst="rect">
+            <a:avLst/>
+          </a:prstGeom>
+          <a:noFill/>
+        </p:spPr>
+        <p:txBody>
+          <a:bodyPr wrap="square" rtlCol="0">
             <a:spAutoFit/>
           </a:bodyPr>
           <a:lstStyle/>
           <a:p>
-            <a:pPr marL="114300" indent="-114300">
-              <a:buSzPct val="100000"/>
-              <a:buChar char="•"/>
-            </a:pPr>
-            <a:r>
-              <a:rPr dirty="0"/>
-              <a:t>Any chunk of code you are going to reuse - can be built in or come with a package or user made</a:t>
-            </a:r>
-          </a:p>
-          <a:p>
-            <a:pPr marL="114300" indent="-114300">
-              <a:buSzPct val="100000"/>
-              <a:buChar char="•"/>
-            </a:pPr>
-            <a:r>
-              <a:rPr dirty="0"/>
-              <a:t>Can take 0 or more arguments</a:t>
-            </a:r>
-          </a:p>
-          <a:p>
-            <a:pPr marL="114300" indent="-114300">
-              <a:buSzPct val="100000"/>
-              <a:buChar char="•"/>
-            </a:pPr>
-            <a:r>
-              <a:rPr dirty="0"/>
-              <a:t>Can return some value(s) or objects</a:t>
-            </a:r>
-          </a:p>
-        </p:txBody>
-      </p:sp>
-      <p:sp>
-        <p:nvSpPr>
-          <p:cNvPr id="398" name="What are functions"/>
+            <a:r>
+              <a:rPr lang="en-US" dirty="0"/>
+              <a:t>Factor</a:t>
+            </a:r>
+          </a:p>
+        </p:txBody>
+      </p:sp>
+      <p:sp>
+        <p:nvSpPr>
+          <p:cNvPr id="4" name="TextBox 3">
+            <a:extLst>
+              <a:ext uri="{FF2B5EF4-FFF2-40B4-BE49-F238E27FC236}">
+                <a16:creationId xmlns:a16="http://schemas.microsoft.com/office/drawing/2014/main" id="{F171264E-4FBC-5267-3DB2-AC65EC259D7C}"/>
+              </a:ext>
+            </a:extLst>
+          </p:cNvPr>
           <p:cNvSpPr txBox="1"/>
           <p:nvPr/>
         </p:nvSpPr>
         <p:spPr>
           <a:xfrm>
-            <a:off x="518306" y="885933"/>
-            <a:ext cx="2018822" cy="328295"/>
-          </a:xfrm>
-          <a:prstGeom prst="rect">
-            <a:avLst/>
-          </a:prstGeom>
-          <a:ln w="12700">
-            <a:miter lim="400000"/>
-          </a:ln>
-          <a:extLst>
-            <a:ext uri="{C572A759-6A51-4108-AA02-DFA0A04FC94B}">
-              <ma14:wrappingTextBoxFlag xmlns:ma14="http://schemas.microsoft.com/office/mac/drawingml/2011/main" xmlns:a14="http://schemas.microsoft.com/office/drawing/2010/main" xmlns:m="http://schemas.openxmlformats.org/officeDocument/2006/math" xmlns="" val="1"/>
-            </a:ext>
-          </a:extLst>
-        </p:spPr>
-        <p:txBody>
-          <a:bodyPr wrap="none" lIns="25400" tIns="25400" rIns="25400" bIns="25400" anchor="ctr">
+            <a:off x="2218702" y="422691"/>
+            <a:ext cx="1532964" cy="369332"/>
+          </a:xfrm>
+          <a:prstGeom prst="rect">
+            <a:avLst/>
+          </a:prstGeom>
+          <a:noFill/>
+        </p:spPr>
+        <p:txBody>
+          <a:bodyPr wrap="square" rtlCol="0">
             <a:spAutoFit/>
           </a:bodyPr>
-          <a:lstStyle>
-            <a:lvl1pPr>
-              <a:defRPr sz="3600">
-                <a:solidFill>
-                  <a:schemeClr val="accent1">
-                    <a:lumOff val="-13575"/>
-                  </a:schemeClr>
-                </a:solidFill>
-                <a:latin typeface="Avenir Next Regular"/>
-                <a:ea typeface="Avenir Next Regular"/>
-                <a:cs typeface="Avenir Next Regular"/>
-                <a:sym typeface="Avenir Next Regular"/>
-              </a:defRPr>
-            </a:lvl1pPr>
-          </a:lstStyle>
-          <a:p>
-            <a:r>
-              <a:rPr sz="1800" dirty="0"/>
-              <a:t>What are functions</a:t>
+          <a:lstStyle/>
+          <a:p>
+            <a:r>
+              <a:rPr lang="en-US" dirty="0"/>
+              <a:t>Character</a:t>
             </a:r>
           </a:p>
         </p:txBody>
       </p:sp>
     </p:spTree>
+    <p:extLst>
+      <p:ext uri="{BB962C8B-B14F-4D97-AF65-F5344CB8AC3E}">
+        <p14:creationId xmlns:p14="http://schemas.microsoft.com/office/powerpoint/2010/main" val="2915126508"/>
+      </p:ext>
+    </p:extLst>
   </p:cSld>
   <p:clrMapOvr>
     <a:masterClrMapping/>
@@ -5114,409 +8645,45 @@
       </p:grpSpPr>
       <p:sp>
         <p:nvSpPr>
-          <p:cNvPr id="393" name="Functions"/>
+          <p:cNvPr id="2" name="TextBox 1">
+            <a:extLst>
+              <a:ext uri="{FF2B5EF4-FFF2-40B4-BE49-F238E27FC236}">
+                <a16:creationId xmlns:a16="http://schemas.microsoft.com/office/drawing/2014/main" id="{6806DC0A-6D6D-CE06-DAEE-5E6C5AB98D9A}"/>
+              </a:ext>
+            </a:extLst>
+          </p:cNvPr>
           <p:cNvSpPr txBox="1"/>
           <p:nvPr/>
         </p:nvSpPr>
         <p:spPr>
           <a:xfrm>
-            <a:off x="5399151" y="177130"/>
-            <a:ext cx="1402500" cy="420628"/>
-          </a:xfrm>
-          <a:prstGeom prst="rect">
-            <a:avLst/>
-          </a:prstGeom>
-          <a:ln w="12700">
-            <a:miter lim="400000"/>
-          </a:ln>
-          <a:extLst>
-            <a:ext uri="{C572A759-6A51-4108-AA02-DFA0A04FC94B}">
-              <ma14:wrappingTextBoxFlag xmlns="" xmlns:m="http://schemas.openxmlformats.org/officeDocument/2006/math" xmlns:a14="http://schemas.microsoft.com/office/drawing/2010/main" xmlns:ma14="http://schemas.microsoft.com/office/mac/drawingml/2011/main" val="1"/>
-            </a:ext>
-          </a:extLst>
-        </p:spPr>
-        <p:txBody>
-          <a:bodyPr wrap="none" lIns="25400" tIns="25400" rIns="25400" bIns="25400" anchor="ctr">
+            <a:off x="3415553" y="282388"/>
+            <a:ext cx="6145306" cy="369332"/>
+          </a:xfrm>
+          <a:prstGeom prst="rect">
+            <a:avLst/>
+          </a:prstGeom>
+          <a:noFill/>
+        </p:spPr>
+        <p:txBody>
+          <a:bodyPr wrap="square" rtlCol="0">
             <a:spAutoFit/>
           </a:bodyPr>
-          <a:lstStyle>
-            <a:lvl1pPr>
-              <a:defRPr sz="4800">
-                <a:latin typeface="Avenir Next Regular"/>
-                <a:ea typeface="Avenir Next Regular"/>
-                <a:cs typeface="Avenir Next Regular"/>
-                <a:sym typeface="Avenir Next Regular"/>
-              </a:defRPr>
-            </a:lvl1pPr>
-          </a:lstStyle>
-          <a:p>
-            <a:r>
-              <a:rPr sz="2400"/>
-              <a:t>Functions</a:t>
-            </a:r>
-          </a:p>
-        </p:txBody>
-      </p:sp>
-      <p:sp>
-        <p:nvSpPr>
-          <p:cNvPr id="394" name="You can give a function an evocative name that makes your code easier to understand.…"/>
-          <p:cNvSpPr txBox="1"/>
-          <p:nvPr/>
-        </p:nvSpPr>
-        <p:spPr>
-          <a:xfrm>
-            <a:off x="227597" y="4601956"/>
-            <a:ext cx="9447138" cy="1551707"/>
-          </a:xfrm>
-          <a:prstGeom prst="rect">
-            <a:avLst/>
-          </a:prstGeom>
-          <a:ln w="12700">
-            <a:miter lim="400000"/>
-          </a:ln>
-          <a:extLst>
-            <a:ext uri="{C572A759-6A51-4108-AA02-DFA0A04FC94B}">
-              <ma14:wrappingTextBoxFlag xmlns="" xmlns:m="http://schemas.openxmlformats.org/officeDocument/2006/math" xmlns:a14="http://schemas.microsoft.com/office/drawing/2010/main" xmlns:ma14="http://schemas.microsoft.com/office/mac/drawingml/2011/main" val="1"/>
-            </a:ext>
-          </a:extLst>
-        </p:spPr>
-        <p:txBody>
-          <a:bodyPr wrap="none" lIns="25400" tIns="25400" rIns="25400" bIns="25400" anchor="ctr">
-            <a:spAutoFit/>
-          </a:bodyPr>
-          <a:lstStyle/>
-          <a:p>
-            <a:pPr marL="355600" indent="-285750" defTabSz="228600">
-              <a:spcBef>
-                <a:spcPts val="300"/>
-              </a:spcBef>
-              <a:buClr>
-                <a:srgbClr val="212529"/>
-              </a:buClr>
-              <a:buSzPct val="100000"/>
-              <a:buFont typeface="Arial" panose="020B0604020202020204" pitchFamily="34" charset="0"/>
-              <a:buChar char="•"/>
-              <a:defRPr>
-                <a:solidFill>
-                  <a:srgbClr val="212529"/>
-                </a:solidFill>
-                <a:latin typeface="Avenir Next Regular"/>
-                <a:ea typeface="Avenir Next Regular"/>
-                <a:cs typeface="Avenir Next Regular"/>
-                <a:sym typeface="Avenir Next Regular"/>
-              </a:defRPr>
-            </a:pPr>
-            <a:r>
-              <a:rPr dirty="0"/>
-              <a:t>You can give a functi</a:t>
-            </a:r>
+          <a:lstStyle/>
+          <a:p>
             <a:r>
               <a:rPr lang="en-US" dirty="0"/>
-              <a:t>o</a:t>
-            </a:r>
-            <a:r>
-              <a:rPr dirty="0"/>
-              <a:t>n an evocative name that makes your code easier to understand.</a:t>
-            </a:r>
-          </a:p>
-          <a:p>
-            <a:pPr marL="355600" indent="-285750" defTabSz="228600">
-              <a:spcBef>
-                <a:spcPts val="300"/>
-              </a:spcBef>
-              <a:buClr>
-                <a:srgbClr val="212529"/>
-              </a:buClr>
-              <a:buSzPct val="100000"/>
-              <a:buFont typeface="Arial" panose="020B0604020202020204" pitchFamily="34" charset="0"/>
-              <a:buChar char="•"/>
-              <a:defRPr>
-                <a:solidFill>
-                  <a:srgbClr val="212529"/>
-                </a:solidFill>
-                <a:latin typeface="Avenir Next Regular"/>
-                <a:ea typeface="Avenir Next Regular"/>
-                <a:cs typeface="Avenir Next Regular"/>
-                <a:sym typeface="Avenir Next Regular"/>
-              </a:defRPr>
-            </a:pPr>
-            <a:r>
-              <a:rPr dirty="0"/>
-              <a:t>As requirements change, you only n</a:t>
-            </a:r>
-            <a:r>
-              <a:rPr lang="en-US" dirty="0"/>
-              <a:t>e</a:t>
-            </a:r>
-            <a:r>
-              <a:rPr dirty="0"/>
-              <a:t>ed to update code in one place, instead of many.</a:t>
-            </a:r>
-          </a:p>
-          <a:p>
-            <a:pPr marL="355600" indent="-285750" defTabSz="228600">
-              <a:spcBef>
-                <a:spcPts val="300"/>
-              </a:spcBef>
-              <a:buClr>
-                <a:srgbClr val="212529"/>
-              </a:buClr>
-              <a:buSzPct val="100000"/>
-              <a:buFont typeface="Arial" panose="020B0604020202020204" pitchFamily="34" charset="0"/>
-              <a:buChar char="•"/>
-              <a:defRPr>
-                <a:solidFill>
-                  <a:srgbClr val="212529"/>
-                </a:solidFill>
-                <a:latin typeface="Avenir Next Regular"/>
-                <a:ea typeface="Avenir Next Regular"/>
-                <a:cs typeface="Avenir Next Regular"/>
-                <a:sym typeface="Avenir Next Regular"/>
-              </a:defRPr>
-            </a:pPr>
-            <a:r>
-              <a:rPr dirty="0"/>
-              <a:t>You eliminate the chance of making incidental mistakes when you copy and paste </a:t>
-            </a:r>
-            <a:endParaRPr lang="en-US" dirty="0"/>
-          </a:p>
-          <a:p>
-            <a:pPr marL="527050" lvl="1" defTabSz="228600">
-              <a:spcBef>
-                <a:spcPts val="300"/>
-              </a:spcBef>
-              <a:buClr>
-                <a:srgbClr val="212529"/>
-              </a:buClr>
-              <a:buSzPct val="100000"/>
-              <a:defRPr>
-                <a:solidFill>
-                  <a:srgbClr val="212529"/>
-                </a:solidFill>
-                <a:latin typeface="Avenir Next Regular"/>
-                <a:ea typeface="Avenir Next Regular"/>
-                <a:cs typeface="Avenir Next Regular"/>
-                <a:sym typeface="Avenir Next Regular"/>
-              </a:defRPr>
-            </a:pPr>
-            <a:r>
-              <a:rPr dirty="0"/>
-              <a:t>(i.e. updating a variable name in one place, but not in another).</a:t>
-            </a:r>
-            <a:br>
-              <a:rPr dirty="0"/>
-            </a:br>
-            <a:endParaRPr dirty="0"/>
-          </a:p>
-        </p:txBody>
-      </p:sp>
-      <p:sp>
-        <p:nvSpPr>
-          <p:cNvPr id="395" name="-https://r4ds.had.co.nz/functions.html"/>
-          <p:cNvSpPr txBox="1"/>
-          <p:nvPr/>
-        </p:nvSpPr>
-        <p:spPr>
-          <a:xfrm>
-            <a:off x="9674735" y="6181098"/>
-            <a:ext cx="1888337" cy="189796"/>
-          </a:xfrm>
-          <a:prstGeom prst="rect">
-            <a:avLst/>
-          </a:prstGeom>
-          <a:ln w="12700">
-            <a:miter lim="400000"/>
-          </a:ln>
-          <a:extLst>
-            <a:ext uri="{C572A759-6A51-4108-AA02-DFA0A04FC94B}">
-              <ma14:wrappingTextBoxFlag xmlns="" xmlns:m="http://schemas.openxmlformats.org/officeDocument/2006/math" xmlns:a14="http://schemas.microsoft.com/office/drawing/2010/main" xmlns:ma14="http://schemas.microsoft.com/office/mac/drawingml/2011/main" val="1"/>
-            </a:ext>
-          </a:extLst>
-        </p:spPr>
-        <p:txBody>
-          <a:bodyPr wrap="none" lIns="25400" tIns="25400" rIns="25400" bIns="25400" anchor="ctr">
-            <a:spAutoFit/>
-          </a:bodyPr>
-          <a:lstStyle/>
-          <a:p>
-            <a:r>
-              <a:rPr sz="900" dirty="0"/>
-              <a:t> -https://r4ds.had.co.nz/</a:t>
-            </a:r>
-            <a:r>
-              <a:rPr sz="900" dirty="0" err="1"/>
-              <a:t>functions.html</a:t>
-            </a:r>
-            <a:endParaRPr sz="900" dirty="0"/>
-          </a:p>
-        </p:txBody>
-      </p:sp>
-      <p:sp>
-        <p:nvSpPr>
-          <p:cNvPr id="396" name="Reasons to make a new function"/>
-          <p:cNvSpPr txBox="1"/>
-          <p:nvPr/>
-        </p:nvSpPr>
-        <p:spPr>
-          <a:xfrm>
-            <a:off x="417099" y="4093485"/>
-            <a:ext cx="3417089" cy="328295"/>
-          </a:xfrm>
-          <a:prstGeom prst="rect">
-            <a:avLst/>
-          </a:prstGeom>
-          <a:ln w="12700">
-            <a:miter lim="400000"/>
-          </a:ln>
-          <a:extLst>
-            <a:ext uri="{C572A759-6A51-4108-AA02-DFA0A04FC94B}">
-              <ma14:wrappingTextBoxFlag xmlns="" xmlns:m="http://schemas.openxmlformats.org/officeDocument/2006/math" xmlns:a14="http://schemas.microsoft.com/office/drawing/2010/main" xmlns:ma14="http://schemas.microsoft.com/office/mac/drawingml/2011/main" val="1"/>
-            </a:ext>
-          </a:extLst>
-        </p:spPr>
-        <p:txBody>
-          <a:bodyPr wrap="none" lIns="25400" tIns="25400" rIns="25400" bIns="25400" anchor="ctr">
-            <a:spAutoFit/>
-          </a:bodyPr>
-          <a:lstStyle>
-            <a:lvl1pPr>
-              <a:defRPr sz="3600">
-                <a:solidFill>
-                  <a:schemeClr val="accent1">
-                    <a:lumOff val="-13575"/>
-                  </a:schemeClr>
-                </a:solidFill>
-                <a:latin typeface="Avenir Next Regular"/>
-                <a:ea typeface="Avenir Next Regular"/>
-                <a:cs typeface="Avenir Next Regular"/>
-                <a:sym typeface="Avenir Next Regular"/>
-              </a:defRPr>
-            </a:lvl1pPr>
-          </a:lstStyle>
-          <a:p>
-            <a:r>
-              <a:rPr sz="1800" dirty="0"/>
-              <a:t>Reasons to make a new function</a:t>
-            </a:r>
-          </a:p>
-        </p:txBody>
-      </p:sp>
-      <p:sp>
-        <p:nvSpPr>
-          <p:cNvPr id="397" name="Any chunk of code you are going to reuse - can be built in or come with a package or user made…"/>
-          <p:cNvSpPr txBox="1"/>
-          <p:nvPr/>
-        </p:nvSpPr>
-        <p:spPr>
-          <a:xfrm>
-            <a:off x="518306" y="1276929"/>
-            <a:ext cx="6631765" cy="1159292"/>
-          </a:xfrm>
-          <a:prstGeom prst="rect">
-            <a:avLst/>
-          </a:prstGeom>
-          <a:ln w="12700">
-            <a:miter lim="400000"/>
-          </a:ln>
-          <a:extLst>
-            <a:ext uri="{C572A759-6A51-4108-AA02-DFA0A04FC94B}">
-              <ma14:wrappingTextBoxFlag xmlns="" xmlns:m="http://schemas.openxmlformats.org/officeDocument/2006/math" xmlns:a14="http://schemas.microsoft.com/office/drawing/2010/main" xmlns:ma14="http://schemas.microsoft.com/office/mac/drawingml/2011/main" val="1"/>
-            </a:ext>
-          </a:extLst>
-        </p:spPr>
-        <p:txBody>
-          <a:bodyPr wrap="square" lIns="25400" tIns="25400" rIns="25400" bIns="25400" anchor="ctr">
-            <a:spAutoFit/>
-          </a:bodyPr>
-          <a:lstStyle/>
-          <a:p>
-            <a:pPr marL="114300" indent="-114300">
-              <a:buSzPct val="100000"/>
-              <a:buChar char="•"/>
-            </a:pPr>
-            <a:r>
-              <a:rPr dirty="0"/>
-              <a:t>Any chunk of code you are going to reuse - can be built in or come with a package or user made</a:t>
-            </a:r>
-          </a:p>
-          <a:p>
-            <a:pPr marL="114300" indent="-114300">
-              <a:buSzPct val="100000"/>
-              <a:buChar char="•"/>
-            </a:pPr>
-            <a:r>
-              <a:rPr dirty="0"/>
-              <a:t>Can take 0 or more arguments</a:t>
-            </a:r>
-          </a:p>
-          <a:p>
-            <a:pPr marL="114300" indent="-114300">
-              <a:buSzPct val="100000"/>
-              <a:buChar char="•"/>
-            </a:pPr>
-            <a:r>
-              <a:rPr dirty="0"/>
-              <a:t>Can return some value(s) or objects</a:t>
-            </a:r>
-          </a:p>
-        </p:txBody>
-      </p:sp>
-      <p:sp>
-        <p:nvSpPr>
-          <p:cNvPr id="398" name="What are functions"/>
-          <p:cNvSpPr txBox="1"/>
-          <p:nvPr/>
-        </p:nvSpPr>
-        <p:spPr>
-          <a:xfrm>
-            <a:off x="518306" y="885933"/>
-            <a:ext cx="2018822" cy="328295"/>
-          </a:xfrm>
-          <a:prstGeom prst="rect">
-            <a:avLst/>
-          </a:prstGeom>
-          <a:ln w="12700">
-            <a:miter lim="400000"/>
-          </a:ln>
-          <a:extLst>
-            <a:ext uri="{C572A759-6A51-4108-AA02-DFA0A04FC94B}">
-              <ma14:wrappingTextBoxFlag xmlns="" xmlns:m="http://schemas.openxmlformats.org/officeDocument/2006/math" xmlns:a14="http://schemas.microsoft.com/office/drawing/2010/main" xmlns:ma14="http://schemas.microsoft.com/office/mac/drawingml/2011/main" val="1"/>
-            </a:ext>
-          </a:extLst>
-        </p:spPr>
-        <p:txBody>
-          <a:bodyPr wrap="none" lIns="25400" tIns="25400" rIns="25400" bIns="25400" anchor="ctr">
-            <a:spAutoFit/>
-          </a:bodyPr>
-          <a:lstStyle>
-            <a:lvl1pPr>
-              <a:defRPr sz="3600">
-                <a:solidFill>
-                  <a:schemeClr val="accent1">
-                    <a:lumOff val="-13575"/>
-                  </a:schemeClr>
-                </a:solidFill>
-                <a:latin typeface="Avenir Next Regular"/>
-                <a:ea typeface="Avenir Next Regular"/>
-                <a:cs typeface="Avenir Next Regular"/>
-                <a:sym typeface="Avenir Next Regular"/>
-              </a:defRPr>
-            </a:lvl1pPr>
-          </a:lstStyle>
-          <a:p>
-            <a:r>
-              <a:rPr sz="1800" dirty="0"/>
-              <a:t>What are functions</a:t>
+              <a:t>Tibbles helpfully tell you what data type is in a column</a:t>
             </a:r>
           </a:p>
         </p:txBody>
       </p:sp>
       <p:pic>
         <p:nvPicPr>
-          <p:cNvPr id="2" name="Picture 1">
-            <a:extLst>
-              <a:ext uri="{FF2B5EF4-FFF2-40B4-BE49-F238E27FC236}">
-                <a16:creationId xmlns:a16="http://schemas.microsoft.com/office/drawing/2014/main" id="{FB7A7431-E88C-E9CF-C22F-AC7EF771DCDB}"/>
+          <p:cNvPr id="3" name="Picture 2">
+            <a:extLst>
+              <a:ext uri="{FF2B5EF4-FFF2-40B4-BE49-F238E27FC236}">
+                <a16:creationId xmlns:a16="http://schemas.microsoft.com/office/drawing/2014/main" id="{262C0214-9E36-1476-0DF5-D7360105117E}"/>
               </a:ext>
             </a:extLst>
           </p:cNvPr>
@@ -5533,61 +8700,18 @@
         </p:blipFill>
         <p:spPr>
           <a:xfrm>
-            <a:off x="6801651" y="597758"/>
-            <a:ext cx="4655016" cy="3689762"/>
+            <a:off x="3009900" y="867335"/>
+            <a:ext cx="6172200" cy="3429000"/>
           </a:xfrm>
           <a:prstGeom prst="rect">
             <a:avLst/>
           </a:prstGeom>
         </p:spPr>
       </p:pic>
-      <p:sp>
-        <p:nvSpPr>
-          <p:cNvPr id="4" name="TextBox 3">
-            <a:extLst>
-              <a:ext uri="{FF2B5EF4-FFF2-40B4-BE49-F238E27FC236}">
-                <a16:creationId xmlns:a16="http://schemas.microsoft.com/office/drawing/2014/main" id="{F451805A-0E44-C150-4134-EB8DE67D9954}"/>
-              </a:ext>
-            </a:extLst>
-          </p:cNvPr>
-          <p:cNvSpPr txBox="1"/>
-          <p:nvPr/>
-        </p:nvSpPr>
-        <p:spPr>
-          <a:xfrm>
-            <a:off x="9428480" y="5811766"/>
-            <a:ext cx="6096000" cy="369332"/>
-          </a:xfrm>
-          <a:prstGeom prst="rect">
-            <a:avLst/>
-          </a:prstGeom>
-          <a:noFill/>
-        </p:spPr>
-        <p:txBody>
-          <a:bodyPr wrap="square">
-            <a:spAutoFit/>
-          </a:bodyPr>
-          <a:lstStyle/>
-          <a:p>
-            <a:r>
-              <a:rPr lang="en-US" dirty="0"/>
-              <a:t>https://</a:t>
-            </a:r>
-            <a:r>
-              <a:rPr lang="en-US" dirty="0" err="1"/>
-              <a:t>xkcd.com</a:t>
-            </a:r>
-            <a:r>
-              <a:rPr lang="en-US" dirty="0"/>
-              <a:t>/1205/</a:t>
-            </a:r>
-          </a:p>
-        </p:txBody>
-      </p:sp>
     </p:spTree>
     <p:extLst>
       <p:ext uri="{BB962C8B-B14F-4D97-AF65-F5344CB8AC3E}">
-        <p14:creationId xmlns:p14="http://schemas.microsoft.com/office/powerpoint/2010/main" val="1996646748"/>
+        <p14:creationId xmlns:p14="http://schemas.microsoft.com/office/powerpoint/2010/main" val="3755412733"/>
       </p:ext>
     </p:extLst>
   </p:cSld>
@@ -5616,10 +8740,10 @@
       </p:grpSpPr>
       <p:sp>
         <p:nvSpPr>
-          <p:cNvPr id="5" name="TextBox 4">
-            <a:extLst>
-              <a:ext uri="{FF2B5EF4-FFF2-40B4-BE49-F238E27FC236}">
-                <a16:creationId xmlns:a16="http://schemas.microsoft.com/office/drawing/2014/main" id="{329A493F-FCD9-7CA9-DCC5-2EC6A8A29730}"/>
+          <p:cNvPr id="2" name="TextBox 1">
+            <a:extLst>
+              <a:ext uri="{FF2B5EF4-FFF2-40B4-BE49-F238E27FC236}">
+                <a16:creationId xmlns:a16="http://schemas.microsoft.com/office/drawing/2014/main" id="{6806DC0A-6D6D-CE06-DAEE-5E6C5AB98D9A}"/>
               </a:ext>
             </a:extLst>
           </p:cNvPr>
@@ -5628,8 +8752,8 @@
         </p:nvSpPr>
         <p:spPr>
           <a:xfrm>
-            <a:off x="4991463" y="137433"/>
-            <a:ext cx="1534394" cy="369332"/>
+            <a:off x="3926541" y="242046"/>
+            <a:ext cx="6145306" cy="369332"/>
           </a:xfrm>
           <a:prstGeom prst="rect">
             <a:avLst/>
@@ -5637,24 +8761,24 @@
           <a:noFill/>
         </p:spPr>
         <p:txBody>
-          <a:bodyPr wrap="none" rtlCol="0">
+          <a:bodyPr wrap="square" rtlCol="0">
             <a:spAutoFit/>
           </a:bodyPr>
           <a:lstStyle/>
           <a:p>
             <a:r>
               <a:rPr lang="en-US" dirty="0"/>
-              <a:t>Basic Function</a:t>
+              <a:t>You can coerce one data type into another</a:t>
             </a:r>
           </a:p>
         </p:txBody>
       </p:sp>
       <p:pic>
         <p:nvPicPr>
-          <p:cNvPr id="6" name="Picture 5">
-            <a:extLst>
-              <a:ext uri="{FF2B5EF4-FFF2-40B4-BE49-F238E27FC236}">
-                <a16:creationId xmlns:a16="http://schemas.microsoft.com/office/drawing/2014/main" id="{72066490-4A50-1E52-4903-99915B0533A6}"/>
+          <p:cNvPr id="4" name="Picture 3">
+            <a:extLst>
+              <a:ext uri="{FF2B5EF4-FFF2-40B4-BE49-F238E27FC236}">
+                <a16:creationId xmlns:a16="http://schemas.microsoft.com/office/drawing/2014/main" id="{0826754C-C8FA-721C-AF71-CF453A0B3E1C}"/>
               </a:ext>
             </a:extLst>
           </p:cNvPr>
@@ -5671,425 +8795,18 @@
         </p:blipFill>
         <p:spPr>
           <a:xfrm>
-            <a:off x="6449540" y="3094264"/>
-            <a:ext cx="2400300" cy="520700"/>
+            <a:off x="2867583" y="1324162"/>
+            <a:ext cx="6626039" cy="3443345"/>
           </a:xfrm>
           <a:prstGeom prst="rect">
             <a:avLst/>
           </a:prstGeom>
         </p:spPr>
       </p:pic>
-      <p:pic>
-        <p:nvPicPr>
-          <p:cNvPr id="7" name="Picture 6">
-            <a:extLst>
-              <a:ext uri="{FF2B5EF4-FFF2-40B4-BE49-F238E27FC236}">
-                <a16:creationId xmlns:a16="http://schemas.microsoft.com/office/drawing/2014/main" id="{77D80E2F-BE9F-BAFB-09A6-37EFF5A5775C}"/>
-              </a:ext>
-            </a:extLst>
-          </p:cNvPr>
-          <p:cNvPicPr>
-            <a:picLocks noChangeAspect="1"/>
-          </p:cNvPicPr>
-          <p:nvPr/>
-        </p:nvPicPr>
-        <p:blipFill>
-          <a:blip r:embed="rId3"/>
-          <a:stretch>
-            <a:fillRect/>
-          </a:stretch>
-        </p:blipFill>
-        <p:spPr>
-          <a:xfrm>
-            <a:off x="6454983" y="1670112"/>
-            <a:ext cx="4216400" cy="1054100"/>
-          </a:xfrm>
-          <a:prstGeom prst="rect">
-            <a:avLst/>
-          </a:prstGeom>
-        </p:spPr>
-      </p:pic>
-      <p:sp>
-        <p:nvSpPr>
-          <p:cNvPr id="8" name="TextBox 7">
-            <a:extLst>
-              <a:ext uri="{FF2B5EF4-FFF2-40B4-BE49-F238E27FC236}">
-                <a16:creationId xmlns:a16="http://schemas.microsoft.com/office/drawing/2014/main" id="{1ECB1FD7-0E59-94FC-00CA-3CD30F0175C1}"/>
-              </a:ext>
-            </a:extLst>
-          </p:cNvPr>
-          <p:cNvSpPr txBox="1"/>
-          <p:nvPr/>
-        </p:nvSpPr>
-        <p:spPr>
-          <a:xfrm>
-            <a:off x="5622646" y="1123043"/>
-            <a:ext cx="1590500" cy="369332"/>
-          </a:xfrm>
-          <a:prstGeom prst="rect">
-            <a:avLst/>
-          </a:prstGeom>
-          <a:noFill/>
-        </p:spPr>
-        <p:txBody>
-          <a:bodyPr wrap="none" rtlCol="0">
-            <a:spAutoFit/>
-          </a:bodyPr>
-          <a:lstStyle/>
-          <a:p>
-            <a:r>
-              <a:rPr lang="en-US" dirty="0"/>
-              <a:t>Function name</a:t>
-            </a:r>
-          </a:p>
-        </p:txBody>
-      </p:sp>
-      <p:cxnSp>
-        <p:nvCxnSpPr>
-          <p:cNvPr id="10" name="Straight Arrow Connector 9">
-            <a:extLst>
-              <a:ext uri="{FF2B5EF4-FFF2-40B4-BE49-F238E27FC236}">
-                <a16:creationId xmlns:a16="http://schemas.microsoft.com/office/drawing/2014/main" id="{E77025EA-9293-FFED-DFFF-DB02D893C57E}"/>
-              </a:ext>
-            </a:extLst>
-          </p:cNvPr>
-          <p:cNvCxnSpPr/>
-          <p:nvPr/>
-        </p:nvCxnSpPr>
-        <p:spPr>
-          <a:xfrm>
-            <a:off x="7135586" y="1335377"/>
-            <a:ext cx="155121" cy="334735"/>
-          </a:xfrm>
-          <a:prstGeom prst="straightConnector1">
-            <a:avLst/>
-          </a:prstGeom>
-          <a:ln>
-            <a:tailEnd type="triangle"/>
-          </a:ln>
-        </p:spPr>
-        <p:style>
-          <a:lnRef idx="1">
-            <a:schemeClr val="accent1"/>
-          </a:lnRef>
-          <a:fillRef idx="0">
-            <a:schemeClr val="accent1"/>
-          </a:fillRef>
-          <a:effectRef idx="0">
-            <a:schemeClr val="accent1"/>
-          </a:effectRef>
-          <a:fontRef idx="minor">
-            <a:schemeClr val="tx1"/>
-          </a:fontRef>
-        </p:style>
-      </p:cxnSp>
-      <p:sp>
-        <p:nvSpPr>
-          <p:cNvPr id="12" name="TextBox 11">
-            <a:extLst>
-              <a:ext uri="{FF2B5EF4-FFF2-40B4-BE49-F238E27FC236}">
-                <a16:creationId xmlns:a16="http://schemas.microsoft.com/office/drawing/2014/main" id="{01F89C21-4F61-5000-93C2-1B637C820693}"/>
-              </a:ext>
-            </a:extLst>
-          </p:cNvPr>
-          <p:cNvSpPr txBox="1"/>
-          <p:nvPr/>
-        </p:nvSpPr>
-        <p:spPr>
-          <a:xfrm>
-            <a:off x="4856479" y="1785487"/>
-            <a:ext cx="1964267" cy="646331"/>
-          </a:xfrm>
-          <a:prstGeom prst="rect">
-            <a:avLst/>
-          </a:prstGeom>
-          <a:noFill/>
-        </p:spPr>
-        <p:txBody>
-          <a:bodyPr wrap="square" rtlCol="0">
-            <a:spAutoFit/>
-          </a:bodyPr>
-          <a:lstStyle/>
-          <a:p>
-            <a:r>
-              <a:rPr lang="en-US" dirty="0"/>
-              <a:t>Function</a:t>
-            </a:r>
-          </a:p>
-          <a:p>
-            <a:r>
-              <a:rPr lang="en-US" dirty="0"/>
-              <a:t>body</a:t>
-            </a:r>
-          </a:p>
-        </p:txBody>
-      </p:sp>
-      <p:cxnSp>
-        <p:nvCxnSpPr>
-          <p:cNvPr id="14" name="Straight Arrow Connector 13">
-            <a:extLst>
-              <a:ext uri="{FF2B5EF4-FFF2-40B4-BE49-F238E27FC236}">
-                <a16:creationId xmlns:a16="http://schemas.microsoft.com/office/drawing/2014/main" id="{F74A8A2B-E66D-8ACA-A6B1-D0B88A91536C}"/>
-              </a:ext>
-            </a:extLst>
-          </p:cNvPr>
-          <p:cNvCxnSpPr>
-            <a:endCxn id="12" idx="3"/>
-          </p:cNvCxnSpPr>
-          <p:nvPr/>
-        </p:nvCxnSpPr>
-        <p:spPr>
-          <a:xfrm>
-            <a:off x="5960533" y="2108653"/>
-            <a:ext cx="860213" cy="0"/>
-          </a:xfrm>
-          <a:prstGeom prst="straightConnector1">
-            <a:avLst/>
-          </a:prstGeom>
-          <a:ln>
-            <a:tailEnd type="triangle"/>
-          </a:ln>
-        </p:spPr>
-        <p:style>
-          <a:lnRef idx="1">
-            <a:schemeClr val="accent1"/>
-          </a:lnRef>
-          <a:fillRef idx="0">
-            <a:schemeClr val="accent1"/>
-          </a:fillRef>
-          <a:effectRef idx="0">
-            <a:schemeClr val="accent1"/>
-          </a:effectRef>
-          <a:fontRef idx="minor">
-            <a:schemeClr val="tx1"/>
-          </a:fontRef>
-        </p:style>
-      </p:cxnSp>
-      <p:sp>
-        <p:nvSpPr>
-          <p:cNvPr id="15" name="TextBox 14">
-            <a:extLst>
-              <a:ext uri="{FF2B5EF4-FFF2-40B4-BE49-F238E27FC236}">
-                <a16:creationId xmlns:a16="http://schemas.microsoft.com/office/drawing/2014/main" id="{ECD6190A-089B-853B-4654-D77B6212B547}"/>
-              </a:ext>
-            </a:extLst>
-          </p:cNvPr>
-          <p:cNvSpPr txBox="1"/>
-          <p:nvPr/>
-        </p:nvSpPr>
-        <p:spPr>
-          <a:xfrm>
-            <a:off x="4585477" y="2909598"/>
-            <a:ext cx="1375056" cy="369332"/>
-          </a:xfrm>
-          <a:prstGeom prst="rect">
-            <a:avLst/>
-          </a:prstGeom>
-          <a:noFill/>
-        </p:spPr>
-        <p:txBody>
-          <a:bodyPr wrap="none" rtlCol="0">
-            <a:spAutoFit/>
-          </a:bodyPr>
-          <a:lstStyle/>
-          <a:p>
-            <a:r>
-              <a:rPr lang="en-US" dirty="0"/>
-              <a:t>Return value</a:t>
-            </a:r>
-          </a:p>
-        </p:txBody>
-      </p:sp>
-      <p:cxnSp>
-        <p:nvCxnSpPr>
-          <p:cNvPr id="17" name="Straight Arrow Connector 16">
-            <a:extLst>
-              <a:ext uri="{FF2B5EF4-FFF2-40B4-BE49-F238E27FC236}">
-                <a16:creationId xmlns:a16="http://schemas.microsoft.com/office/drawing/2014/main" id="{6C47EBB0-D2A2-36D7-89CF-8F98575913CE}"/>
-              </a:ext>
-            </a:extLst>
-          </p:cNvPr>
-          <p:cNvCxnSpPr/>
-          <p:nvPr/>
-        </p:nvCxnSpPr>
-        <p:spPr>
-          <a:xfrm flipV="1">
-            <a:off x="6190827" y="2431818"/>
-            <a:ext cx="799253" cy="575542"/>
-          </a:xfrm>
-          <a:prstGeom prst="straightConnector1">
-            <a:avLst/>
-          </a:prstGeom>
-          <a:ln>
-            <a:tailEnd type="triangle"/>
-          </a:ln>
-        </p:spPr>
-        <p:style>
-          <a:lnRef idx="1">
-            <a:schemeClr val="accent1"/>
-          </a:lnRef>
-          <a:fillRef idx="0">
-            <a:schemeClr val="accent1"/>
-          </a:fillRef>
-          <a:effectRef idx="0">
-            <a:schemeClr val="accent1"/>
-          </a:effectRef>
-          <a:fontRef idx="minor">
-            <a:schemeClr val="tx1"/>
-          </a:fontRef>
-        </p:style>
-      </p:cxnSp>
-      <p:sp>
-        <p:nvSpPr>
-          <p:cNvPr id="18" name="TextBox 17">
-            <a:extLst>
-              <a:ext uri="{FF2B5EF4-FFF2-40B4-BE49-F238E27FC236}">
-                <a16:creationId xmlns:a16="http://schemas.microsoft.com/office/drawing/2014/main" id="{8CB50C4E-F271-6DE9-7873-AAA41844FCFC}"/>
-              </a:ext>
-            </a:extLst>
-          </p:cNvPr>
-          <p:cNvSpPr txBox="1"/>
-          <p:nvPr/>
-        </p:nvSpPr>
-        <p:spPr>
-          <a:xfrm>
-            <a:off x="9482083" y="642136"/>
-            <a:ext cx="1189300" cy="369332"/>
-          </a:xfrm>
-          <a:prstGeom prst="rect">
-            <a:avLst/>
-          </a:prstGeom>
-          <a:noFill/>
-        </p:spPr>
-        <p:txBody>
-          <a:bodyPr wrap="none" rtlCol="0">
-            <a:spAutoFit/>
-          </a:bodyPr>
-          <a:lstStyle/>
-          <a:p>
-            <a:r>
-              <a:rPr lang="en-US" dirty="0"/>
-              <a:t>arguments</a:t>
-            </a:r>
-          </a:p>
-        </p:txBody>
-      </p:sp>
-      <p:cxnSp>
-        <p:nvCxnSpPr>
-          <p:cNvPr id="20" name="Straight Arrow Connector 19">
-            <a:extLst>
-              <a:ext uri="{FF2B5EF4-FFF2-40B4-BE49-F238E27FC236}">
-                <a16:creationId xmlns:a16="http://schemas.microsoft.com/office/drawing/2014/main" id="{41F52DD0-7175-D640-E972-5CA407C0D27B}"/>
-              </a:ext>
-            </a:extLst>
-          </p:cNvPr>
-          <p:cNvCxnSpPr/>
-          <p:nvPr/>
-        </p:nvCxnSpPr>
-        <p:spPr>
-          <a:xfrm flipH="1">
-            <a:off x="9821333" y="1123043"/>
-            <a:ext cx="115147" cy="495784"/>
-          </a:xfrm>
-          <a:prstGeom prst="straightConnector1">
-            <a:avLst/>
-          </a:prstGeom>
-          <a:ln>
-            <a:tailEnd type="triangle"/>
-          </a:ln>
-        </p:spPr>
-        <p:style>
-          <a:lnRef idx="1">
-            <a:schemeClr val="accent1"/>
-          </a:lnRef>
-          <a:fillRef idx="0">
-            <a:schemeClr val="accent1"/>
-          </a:fillRef>
-          <a:effectRef idx="0">
-            <a:schemeClr val="accent1"/>
-          </a:effectRef>
-          <a:fontRef idx="minor">
-            <a:schemeClr val="tx1"/>
-          </a:fontRef>
-        </p:style>
-      </p:cxnSp>
-      <p:pic>
-        <p:nvPicPr>
-          <p:cNvPr id="22" name="Picture 21">
-            <a:extLst>
-              <a:ext uri="{FF2B5EF4-FFF2-40B4-BE49-F238E27FC236}">
-                <a16:creationId xmlns:a16="http://schemas.microsoft.com/office/drawing/2014/main" id="{E72C0EBA-2156-DC5A-1B3C-788BA2C2091C}"/>
-              </a:ext>
-            </a:extLst>
-          </p:cNvPr>
-          <p:cNvPicPr>
-            <a:picLocks noChangeAspect="1"/>
-          </p:cNvPicPr>
-          <p:nvPr/>
-        </p:nvPicPr>
-        <p:blipFill>
-          <a:blip r:embed="rId4"/>
-          <a:stretch>
-            <a:fillRect/>
-          </a:stretch>
-        </p:blipFill>
-        <p:spPr>
-          <a:xfrm>
-            <a:off x="287189" y="1171756"/>
-            <a:ext cx="3909561" cy="3845016"/>
-          </a:xfrm>
-          <a:prstGeom prst="rect">
-            <a:avLst/>
-          </a:prstGeom>
-        </p:spPr>
-      </p:pic>
-      <p:sp>
-        <p:nvSpPr>
-          <p:cNvPr id="24" name="TextBox 23">
-            <a:extLst>
-              <a:ext uri="{FF2B5EF4-FFF2-40B4-BE49-F238E27FC236}">
-                <a16:creationId xmlns:a16="http://schemas.microsoft.com/office/drawing/2014/main" id="{B02EAA19-E40B-4019-5A5C-8D693759B186}"/>
-              </a:ext>
-            </a:extLst>
-          </p:cNvPr>
-          <p:cNvSpPr txBox="1"/>
-          <p:nvPr/>
-        </p:nvSpPr>
-        <p:spPr>
-          <a:xfrm>
-            <a:off x="389147" y="4973680"/>
-            <a:ext cx="6096000" cy="369332"/>
-          </a:xfrm>
-          <a:prstGeom prst="rect">
-            <a:avLst/>
-          </a:prstGeom>
-          <a:noFill/>
-        </p:spPr>
-        <p:txBody>
-          <a:bodyPr wrap="square">
-            <a:spAutoFit/>
-          </a:bodyPr>
-          <a:lstStyle/>
-          <a:p>
-            <a:r>
-              <a:rPr lang="en-US" dirty="0"/>
-              <a:t>https://</a:t>
-            </a:r>
-            <a:r>
-              <a:rPr lang="en-US" dirty="0" err="1"/>
-              <a:t>xkcd.com</a:t>
-            </a:r>
-            <a:r>
-              <a:rPr lang="en-US" dirty="0"/>
-              <a:t>/1319/</a:t>
-            </a:r>
-          </a:p>
-        </p:txBody>
-      </p:sp>
     </p:spTree>
     <p:extLst>
       <p:ext uri="{BB962C8B-B14F-4D97-AF65-F5344CB8AC3E}">
-        <p14:creationId xmlns:p14="http://schemas.microsoft.com/office/powerpoint/2010/main" val="3179177417"/>
+        <p14:creationId xmlns:p14="http://schemas.microsoft.com/office/powerpoint/2010/main" val="2654115242"/>
       </p:ext>
     </p:extLst>
   </p:cSld>
@@ -6121,7 +8838,7 @@
           <p:cNvPr id="2" name="TextBox 1">
             <a:extLst>
               <a:ext uri="{FF2B5EF4-FFF2-40B4-BE49-F238E27FC236}">
-                <a16:creationId xmlns:a16="http://schemas.microsoft.com/office/drawing/2014/main" id="{CE454A53-1DBA-7623-D956-664AF2C23D64}"/>
+                <a16:creationId xmlns:a16="http://schemas.microsoft.com/office/drawing/2014/main" id="{81D8D68E-84EE-0BEE-4DD3-1300BD1905CF}"/>
               </a:ext>
             </a:extLst>
           </p:cNvPr>
@@ -6130,8 +8847,8 @@
         </p:nvSpPr>
         <p:spPr>
           <a:xfrm>
-            <a:off x="3684693" y="331893"/>
-            <a:ext cx="4890347" cy="369332"/>
+            <a:off x="4356847" y="248770"/>
+            <a:ext cx="4504765" cy="369332"/>
           </a:xfrm>
           <a:prstGeom prst="rect">
             <a:avLst/>
@@ -6146,7 +8863,111 @@
           <a:p>
             <a:r>
               <a:rPr lang="en-US" dirty="0"/>
-              <a:t>Objects</a:t>
+              <a:t>As long as that make sense</a:t>
+            </a:r>
+          </a:p>
+        </p:txBody>
+      </p:sp>
+      <p:pic>
+        <p:nvPicPr>
+          <p:cNvPr id="3" name="Picture 2">
+            <a:extLst>
+              <a:ext uri="{FF2B5EF4-FFF2-40B4-BE49-F238E27FC236}">
+                <a16:creationId xmlns:a16="http://schemas.microsoft.com/office/drawing/2014/main" id="{2B076658-5273-7C19-41EB-404AAB01700C}"/>
+              </a:ext>
+            </a:extLst>
+          </p:cNvPr>
+          <p:cNvPicPr>
+            <a:picLocks noChangeAspect="1"/>
+          </p:cNvPicPr>
+          <p:nvPr/>
+        </p:nvPicPr>
+        <p:blipFill>
+          <a:blip r:embed="rId2"/>
+          <a:stretch>
+            <a:fillRect/>
+          </a:stretch>
+        </p:blipFill>
+        <p:spPr>
+          <a:xfrm>
+            <a:off x="2870200" y="1727200"/>
+            <a:ext cx="6451600" cy="3403600"/>
+          </a:xfrm>
+          <a:prstGeom prst="rect">
+            <a:avLst/>
+          </a:prstGeom>
+        </p:spPr>
+      </p:pic>
+      <p:cxnSp>
+        <p:nvCxnSpPr>
+          <p:cNvPr id="5" name="Straight Arrow Connector 4">
+            <a:extLst>
+              <a:ext uri="{FF2B5EF4-FFF2-40B4-BE49-F238E27FC236}">
+                <a16:creationId xmlns:a16="http://schemas.microsoft.com/office/drawing/2014/main" id="{DACB697D-95F0-BFF2-6351-72F6A44F2B0E}"/>
+              </a:ext>
+            </a:extLst>
+          </p:cNvPr>
+          <p:cNvCxnSpPr/>
+          <p:nvPr/>
+        </p:nvCxnSpPr>
+        <p:spPr>
+          <a:xfrm flipH="1">
+            <a:off x="9076765" y="2454088"/>
+            <a:ext cx="1351429" cy="773206"/>
+          </a:xfrm>
+          <a:prstGeom prst="straightConnector1">
+            <a:avLst/>
+          </a:prstGeom>
+          <a:ln w="28575">
+            <a:tailEnd type="triangle"/>
+          </a:ln>
+        </p:spPr>
+        <p:style>
+          <a:lnRef idx="1">
+            <a:schemeClr val="accent1"/>
+          </a:lnRef>
+          <a:fillRef idx="0">
+            <a:schemeClr val="accent1"/>
+          </a:fillRef>
+          <a:effectRef idx="0">
+            <a:schemeClr val="accent1"/>
+          </a:effectRef>
+          <a:fontRef idx="minor">
+            <a:schemeClr val="tx1"/>
+          </a:fontRef>
+        </p:style>
+      </p:cxnSp>
+      <p:sp>
+        <p:nvSpPr>
+          <p:cNvPr id="6" name="TextBox 5">
+            <a:extLst>
+              <a:ext uri="{FF2B5EF4-FFF2-40B4-BE49-F238E27FC236}">
+                <a16:creationId xmlns:a16="http://schemas.microsoft.com/office/drawing/2014/main" id="{A509C352-54C4-07C6-1E55-AF5160929DFE}"/>
+              </a:ext>
+            </a:extLst>
+          </p:cNvPr>
+          <p:cNvSpPr txBox="1"/>
+          <p:nvPr/>
+        </p:nvSpPr>
+        <p:spPr>
+          <a:xfrm>
+            <a:off x="10428194" y="1710391"/>
+            <a:ext cx="1667435" cy="2031325"/>
+          </a:xfrm>
+          <a:prstGeom prst="rect">
+            <a:avLst/>
+          </a:prstGeom>
+          <a:noFill/>
+        </p:spPr>
+        <p:txBody>
+          <a:bodyPr wrap="square" rtlCol="0">
+            <a:spAutoFit/>
+          </a:bodyPr>
+          <a:lstStyle/>
+          <a:p>
+            <a:r>
+              <a:rPr lang="en-US" dirty="0"/>
+              <a:t>Now species has been replaced by an integer representing the group (1,2,3)</a:t>
             </a:r>
           </a:p>
         </p:txBody>
@@ -6154,7 +8975,7 @@
     </p:spTree>
     <p:extLst>
       <p:ext uri="{BB962C8B-B14F-4D97-AF65-F5344CB8AC3E}">
-        <p14:creationId xmlns:p14="http://schemas.microsoft.com/office/powerpoint/2010/main" val="3219447445"/>
+        <p14:creationId xmlns:p14="http://schemas.microsoft.com/office/powerpoint/2010/main" val="1792948456"/>
       </p:ext>
     </p:extLst>
   </p:cSld>

--- a/lectures/2023_GNET749_Lecture3.pptx
+++ b/lectures/2023_GNET749_Lecture3.pptx
@@ -5,32 +5,33 @@
     <p:sldMasterId id="2147483648" r:id="rId1"/>
   </p:sldMasterIdLst>
   <p:notesMasterIdLst>
-    <p:notesMasterId r:id="rId25"/>
+    <p:notesMasterId r:id="rId26"/>
   </p:notesMasterIdLst>
   <p:sldIdLst>
     <p:sldId id="256" r:id="rId2"/>
     <p:sldId id="302" r:id="rId3"/>
     <p:sldId id="305" r:id="rId4"/>
-    <p:sldId id="312" r:id="rId5"/>
-    <p:sldId id="306" r:id="rId6"/>
-    <p:sldId id="316" r:id="rId7"/>
-    <p:sldId id="317" r:id="rId8"/>
-    <p:sldId id="318" r:id="rId9"/>
-    <p:sldId id="319" r:id="rId10"/>
-    <p:sldId id="300" r:id="rId11"/>
-    <p:sldId id="304" r:id="rId12"/>
-    <p:sldId id="301" r:id="rId13"/>
-    <p:sldId id="311" r:id="rId14"/>
-    <p:sldId id="313" r:id="rId15"/>
-    <p:sldId id="314" r:id="rId16"/>
-    <p:sldId id="315" r:id="rId17"/>
-    <p:sldId id="283" r:id="rId18"/>
-    <p:sldId id="320" r:id="rId19"/>
-    <p:sldId id="308" r:id="rId20"/>
-    <p:sldId id="321" r:id="rId21"/>
-    <p:sldId id="303" r:id="rId22"/>
-    <p:sldId id="309" r:id="rId23"/>
-    <p:sldId id="310" r:id="rId24"/>
+    <p:sldId id="310" r:id="rId5"/>
+    <p:sldId id="322" r:id="rId6"/>
+    <p:sldId id="323" r:id="rId7"/>
+    <p:sldId id="312" r:id="rId8"/>
+    <p:sldId id="306" r:id="rId9"/>
+    <p:sldId id="316" r:id="rId10"/>
+    <p:sldId id="317" r:id="rId11"/>
+    <p:sldId id="318" r:id="rId12"/>
+    <p:sldId id="319" r:id="rId13"/>
+    <p:sldId id="300" r:id="rId14"/>
+    <p:sldId id="304" r:id="rId15"/>
+    <p:sldId id="301" r:id="rId16"/>
+    <p:sldId id="311" r:id="rId17"/>
+    <p:sldId id="313" r:id="rId18"/>
+    <p:sldId id="314" r:id="rId19"/>
+    <p:sldId id="315" r:id="rId20"/>
+    <p:sldId id="283" r:id="rId21"/>
+    <p:sldId id="320" r:id="rId22"/>
+    <p:sldId id="308" r:id="rId23"/>
+    <p:sldId id="321" r:id="rId24"/>
+    <p:sldId id="303" r:id="rId25"/>
   </p:sldIdLst>
   <p:sldSz cx="12192000" cy="6858000"/>
   <p:notesSz cx="6858000" cy="9144000"/>
@@ -3848,201 +3849,75 @@
       </p:grpSpPr>
       <p:sp>
         <p:nvSpPr>
-          <p:cNvPr id="393" name="Functions"/>
+          <p:cNvPr id="2" name="TextBox 1">
+            <a:extLst>
+              <a:ext uri="{FF2B5EF4-FFF2-40B4-BE49-F238E27FC236}">
+                <a16:creationId xmlns:a16="http://schemas.microsoft.com/office/drawing/2014/main" id="{6806DC0A-6D6D-CE06-DAEE-5E6C5AB98D9A}"/>
+              </a:ext>
+            </a:extLst>
+          </p:cNvPr>
           <p:cNvSpPr txBox="1"/>
           <p:nvPr/>
         </p:nvSpPr>
         <p:spPr>
           <a:xfrm>
-            <a:off x="5399151" y="177130"/>
-            <a:ext cx="1402500" cy="420628"/>
-          </a:xfrm>
-          <a:prstGeom prst="rect">
-            <a:avLst/>
-          </a:prstGeom>
-          <a:ln w="12700">
-            <a:miter lim="400000"/>
-          </a:ln>
-          <a:extLst>
-            <a:ext uri="{C572A759-6A51-4108-AA02-DFA0A04FC94B}">
-              <ma14:wrappingTextBoxFlag xmlns="" xmlns:m="http://schemas.openxmlformats.org/officeDocument/2006/math" xmlns:a14="http://schemas.microsoft.com/office/drawing/2010/main" xmlns:ma14="http://schemas.microsoft.com/office/mac/drawingml/2011/main" val="1"/>
-            </a:ext>
-          </a:extLst>
-        </p:spPr>
-        <p:txBody>
-          <a:bodyPr wrap="none" lIns="25400" tIns="25400" rIns="25400" bIns="25400" anchor="ctr">
+            <a:off x="3415553" y="282388"/>
+            <a:ext cx="6145306" cy="369332"/>
+          </a:xfrm>
+          <a:prstGeom prst="rect">
+            <a:avLst/>
+          </a:prstGeom>
+          <a:noFill/>
+        </p:spPr>
+        <p:txBody>
+          <a:bodyPr wrap="square" rtlCol="0">
             <a:spAutoFit/>
           </a:bodyPr>
-          <a:lstStyle>
-            <a:lvl1pPr>
-              <a:defRPr sz="4800">
-                <a:latin typeface="Avenir Next Regular"/>
-                <a:ea typeface="Avenir Next Regular"/>
-                <a:cs typeface="Avenir Next Regular"/>
-                <a:sym typeface="Avenir Next Regular"/>
-              </a:defRPr>
-            </a:lvl1pPr>
-          </a:lstStyle>
-          <a:p>
-            <a:r>
-              <a:rPr sz="2400"/>
-              <a:t>Functions</a:t>
-            </a:r>
-          </a:p>
-        </p:txBody>
-      </p:sp>
-      <p:sp>
-        <p:nvSpPr>
-          <p:cNvPr id="395" name="-https://r4ds.had.co.nz/functions.html"/>
-          <p:cNvSpPr txBox="1"/>
-          <p:nvPr/>
-        </p:nvSpPr>
-        <p:spPr>
-          <a:xfrm>
-            <a:off x="9674735" y="6181098"/>
-            <a:ext cx="1888337" cy="189796"/>
-          </a:xfrm>
-          <a:prstGeom prst="rect">
-            <a:avLst/>
-          </a:prstGeom>
-          <a:ln w="12700">
-            <a:miter lim="400000"/>
-          </a:ln>
-          <a:extLst>
-            <a:ext uri="{C572A759-6A51-4108-AA02-DFA0A04FC94B}">
-              <ma14:wrappingTextBoxFlag xmlns="" xmlns:m="http://schemas.openxmlformats.org/officeDocument/2006/math" xmlns:a14="http://schemas.microsoft.com/office/drawing/2010/main" xmlns:ma14="http://schemas.microsoft.com/office/mac/drawingml/2011/main" val="1"/>
-            </a:ext>
-          </a:extLst>
-        </p:spPr>
-        <p:txBody>
-          <a:bodyPr wrap="none" lIns="25400" tIns="25400" rIns="25400" bIns="25400" anchor="ctr">
-            <a:spAutoFit/>
-          </a:bodyPr>
-          <a:lstStyle/>
-          <a:p>
-            <a:r>
-              <a:rPr sz="900" dirty="0"/>
-              <a:t> -https://r4ds.had.co.nz/</a:t>
-            </a:r>
-            <a:r>
-              <a:rPr sz="900" dirty="0" err="1"/>
-              <a:t>functions.html</a:t>
-            </a:r>
-            <a:endParaRPr sz="900" dirty="0"/>
-          </a:p>
-        </p:txBody>
-      </p:sp>
-      <p:sp>
-        <p:nvSpPr>
-          <p:cNvPr id="397" name="Any chunk of code you are going to reuse - can be built in or come with a package or user made…"/>
-          <p:cNvSpPr txBox="1"/>
-          <p:nvPr/>
-        </p:nvSpPr>
-        <p:spPr>
-          <a:xfrm>
-            <a:off x="518306" y="1276929"/>
-            <a:ext cx="6631765" cy="1159292"/>
-          </a:xfrm>
-          <a:prstGeom prst="rect">
-            <a:avLst/>
-          </a:prstGeom>
-          <a:ln w="12700">
-            <a:miter lim="400000"/>
-          </a:ln>
-          <a:extLst>
-            <a:ext uri="{C572A759-6A51-4108-AA02-DFA0A04FC94B}">
-              <ma14:wrappingTextBoxFlag xmlns="" xmlns:m="http://schemas.openxmlformats.org/officeDocument/2006/math" xmlns:a14="http://schemas.microsoft.com/office/drawing/2010/main" xmlns:ma14="http://schemas.microsoft.com/office/mac/drawingml/2011/main" val="1"/>
-            </a:ext>
-          </a:extLst>
-        </p:spPr>
-        <p:txBody>
-          <a:bodyPr wrap="square" lIns="25400" tIns="25400" rIns="25400" bIns="25400" anchor="ctr">
-            <a:spAutoFit/>
-          </a:bodyPr>
-          <a:lstStyle/>
-          <a:p>
-            <a:pPr marL="114300" indent="-114300">
-              <a:buSzPct val="100000"/>
-              <a:buChar char="•"/>
-            </a:pPr>
-            <a:r>
-              <a:rPr dirty="0"/>
-              <a:t>Any chunk of code you are going to reuse - can be built in or come with a package or user made</a:t>
-            </a:r>
-          </a:p>
-          <a:p>
-            <a:pPr marL="114300" indent="-114300">
-              <a:buSzPct val="100000"/>
-              <a:buChar char="•"/>
-            </a:pPr>
-            <a:r>
-              <a:rPr dirty="0"/>
-              <a:t>Can take 0 or more arguments</a:t>
-            </a:r>
-          </a:p>
-          <a:p>
-            <a:pPr marL="114300" indent="-114300">
-              <a:buSzPct val="100000"/>
-              <a:buChar char="•"/>
-            </a:pPr>
-            <a:r>
-              <a:rPr dirty="0"/>
-              <a:t>Can return some value(s) or objects</a:t>
-            </a:r>
-          </a:p>
-        </p:txBody>
-      </p:sp>
-      <p:sp>
-        <p:nvSpPr>
-          <p:cNvPr id="398" name="What are functions"/>
-          <p:cNvSpPr txBox="1"/>
-          <p:nvPr/>
-        </p:nvSpPr>
-        <p:spPr>
-          <a:xfrm>
-            <a:off x="518306" y="885933"/>
-            <a:ext cx="2018822" cy="328295"/>
-          </a:xfrm>
-          <a:prstGeom prst="rect">
-            <a:avLst/>
-          </a:prstGeom>
-          <a:ln w="12700">
-            <a:miter lim="400000"/>
-          </a:ln>
-          <a:extLst>
-            <a:ext uri="{C572A759-6A51-4108-AA02-DFA0A04FC94B}">
-              <ma14:wrappingTextBoxFlag xmlns="" xmlns:m="http://schemas.openxmlformats.org/officeDocument/2006/math" xmlns:a14="http://schemas.microsoft.com/office/drawing/2010/main" xmlns:ma14="http://schemas.microsoft.com/office/mac/drawingml/2011/main" val="1"/>
-            </a:ext>
-          </a:extLst>
-        </p:spPr>
-        <p:txBody>
-          <a:bodyPr wrap="none" lIns="25400" tIns="25400" rIns="25400" bIns="25400" anchor="ctr">
-            <a:spAutoFit/>
-          </a:bodyPr>
-          <a:lstStyle>
-            <a:lvl1pPr>
-              <a:defRPr sz="3600">
-                <a:solidFill>
-                  <a:schemeClr val="accent1">
-                    <a:lumOff val="-13575"/>
-                  </a:schemeClr>
-                </a:solidFill>
-                <a:latin typeface="Avenir Next Regular"/>
-                <a:ea typeface="Avenir Next Regular"/>
-                <a:cs typeface="Avenir Next Regular"/>
-                <a:sym typeface="Avenir Next Regular"/>
-              </a:defRPr>
-            </a:lvl1pPr>
-          </a:lstStyle>
-          <a:p>
-            <a:r>
-              <a:rPr sz="1800" dirty="0"/>
-              <a:t>What are functions</a:t>
-            </a:r>
-          </a:p>
-        </p:txBody>
-      </p:sp>
+          <a:lstStyle/>
+          <a:p>
+            <a:r>
+              <a:rPr lang="en-US" dirty="0"/>
+              <a:t>Tibbles helpfully tell you what data type is in a column</a:t>
+            </a:r>
+          </a:p>
+        </p:txBody>
+      </p:sp>
+      <p:pic>
+        <p:nvPicPr>
+          <p:cNvPr id="3" name="Picture 2">
+            <a:extLst>
+              <a:ext uri="{FF2B5EF4-FFF2-40B4-BE49-F238E27FC236}">
+                <a16:creationId xmlns:a16="http://schemas.microsoft.com/office/drawing/2014/main" id="{262C0214-9E36-1476-0DF5-D7360105117E}"/>
+              </a:ext>
+            </a:extLst>
+          </p:cNvPr>
+          <p:cNvPicPr>
+            <a:picLocks noChangeAspect="1"/>
+          </p:cNvPicPr>
+          <p:nvPr/>
+        </p:nvPicPr>
+        <p:blipFill>
+          <a:blip r:embed="rId2"/>
+          <a:stretch>
+            <a:fillRect/>
+          </a:stretch>
+        </p:blipFill>
+        <p:spPr>
+          <a:xfrm>
+            <a:off x="3009900" y="867335"/>
+            <a:ext cx="6172200" cy="3429000"/>
+          </a:xfrm>
+          <a:prstGeom prst="rect">
+            <a:avLst/>
+          </a:prstGeom>
+        </p:spPr>
+      </p:pic>
     </p:spTree>
+    <p:extLst>
+      <p:ext uri="{BB962C8B-B14F-4D97-AF65-F5344CB8AC3E}">
+        <p14:creationId xmlns:p14="http://schemas.microsoft.com/office/powerpoint/2010/main" val="3755412733"/>
+      </p:ext>
+    </p:extLst>
   </p:cSld>
   <p:clrMapOvr>
     <a:masterClrMapping/>
@@ -4069,443 +3944,45 @@
       </p:grpSpPr>
       <p:sp>
         <p:nvSpPr>
-          <p:cNvPr id="393" name="Functions"/>
+          <p:cNvPr id="2" name="TextBox 1">
+            <a:extLst>
+              <a:ext uri="{FF2B5EF4-FFF2-40B4-BE49-F238E27FC236}">
+                <a16:creationId xmlns:a16="http://schemas.microsoft.com/office/drawing/2014/main" id="{6806DC0A-6D6D-CE06-DAEE-5E6C5AB98D9A}"/>
+              </a:ext>
+            </a:extLst>
+          </p:cNvPr>
           <p:cNvSpPr txBox="1"/>
           <p:nvPr/>
         </p:nvSpPr>
         <p:spPr>
           <a:xfrm>
-            <a:off x="5399151" y="177130"/>
-            <a:ext cx="1402500" cy="420628"/>
-          </a:xfrm>
-          <a:prstGeom prst="rect">
-            <a:avLst/>
-          </a:prstGeom>
-          <a:ln w="12700">
-            <a:miter lim="400000"/>
-          </a:ln>
-          <a:extLst>
-            <a:ext uri="{C572A759-6A51-4108-AA02-DFA0A04FC94B}">
-              <ma14:wrappingTextBoxFlag xmlns:ma14="http://schemas.microsoft.com/office/mac/drawingml/2011/main" xmlns:a14="http://schemas.microsoft.com/office/drawing/2010/main" xmlns:m="http://schemas.openxmlformats.org/officeDocument/2006/math" xmlns="" val="1"/>
-            </a:ext>
-          </a:extLst>
-        </p:spPr>
-        <p:txBody>
-          <a:bodyPr wrap="none" lIns="25400" tIns="25400" rIns="25400" bIns="25400" anchor="ctr">
+            <a:off x="3926541" y="242046"/>
+            <a:ext cx="6145306" cy="369332"/>
+          </a:xfrm>
+          <a:prstGeom prst="rect">
+            <a:avLst/>
+          </a:prstGeom>
+          <a:noFill/>
+        </p:spPr>
+        <p:txBody>
+          <a:bodyPr wrap="square" rtlCol="0">
             <a:spAutoFit/>
           </a:bodyPr>
-          <a:lstStyle>
-            <a:lvl1pPr>
-              <a:defRPr sz="4800">
-                <a:latin typeface="Avenir Next Regular"/>
-                <a:ea typeface="Avenir Next Regular"/>
-                <a:cs typeface="Avenir Next Regular"/>
-                <a:sym typeface="Avenir Next Regular"/>
-              </a:defRPr>
-            </a:lvl1pPr>
-          </a:lstStyle>
-          <a:p>
-            <a:r>
-              <a:rPr sz="2400"/>
-              <a:t>Functions</a:t>
-            </a:r>
-          </a:p>
-        </p:txBody>
-      </p:sp>
-      <p:sp>
-        <p:nvSpPr>
-          <p:cNvPr id="394" name="You can give a function an evocative name that makes your code easier to understand.…"/>
-          <p:cNvSpPr txBox="1"/>
-          <p:nvPr/>
-        </p:nvSpPr>
-        <p:spPr>
-          <a:xfrm>
-            <a:off x="227597" y="4444221"/>
-            <a:ext cx="9495292" cy="1867178"/>
-          </a:xfrm>
-          <a:prstGeom prst="rect">
-            <a:avLst/>
-          </a:prstGeom>
-          <a:ln w="12700">
-            <a:miter lim="400000"/>
-          </a:ln>
-          <a:extLst>
-            <a:ext uri="{C572A759-6A51-4108-AA02-DFA0A04FC94B}">
-              <ma14:wrappingTextBoxFlag xmlns:ma14="http://schemas.microsoft.com/office/mac/drawingml/2011/main" xmlns:a14="http://schemas.microsoft.com/office/drawing/2010/main" xmlns:m="http://schemas.openxmlformats.org/officeDocument/2006/math" xmlns="" val="1"/>
-            </a:ext>
-          </a:extLst>
-        </p:spPr>
-        <p:txBody>
-          <a:bodyPr wrap="none" lIns="25400" tIns="25400" rIns="25400" bIns="25400" anchor="ctr">
-            <a:spAutoFit/>
-          </a:bodyPr>
-          <a:lstStyle/>
-          <a:p>
-            <a:pPr marL="355600" indent="-285750" defTabSz="228600">
-              <a:spcBef>
-                <a:spcPts val="300"/>
-              </a:spcBef>
-              <a:buClr>
-                <a:srgbClr val="212529"/>
-              </a:buClr>
-              <a:buSzPct val="100000"/>
-              <a:buFont typeface="Arial" panose="020B0604020202020204" pitchFamily="34" charset="0"/>
-              <a:buChar char="•"/>
-              <a:defRPr>
-                <a:solidFill>
-                  <a:srgbClr val="212529"/>
-                </a:solidFill>
-                <a:latin typeface="Avenir Next Regular"/>
-                <a:ea typeface="Avenir Next Regular"/>
-                <a:cs typeface="Avenir Next Regular"/>
-                <a:sym typeface="Avenir Next Regular"/>
-              </a:defRPr>
-            </a:pPr>
+          <a:lstStyle/>
+          <a:p>
             <a:r>
               <a:rPr lang="en-US" dirty="0"/>
-              <a:t>Time savings</a:t>
-            </a:r>
-          </a:p>
-          <a:p>
-            <a:pPr marL="355600" indent="-285750" defTabSz="228600">
-              <a:spcBef>
-                <a:spcPts val="300"/>
-              </a:spcBef>
-              <a:buClr>
-                <a:srgbClr val="212529"/>
-              </a:buClr>
-              <a:buSzPct val="100000"/>
-              <a:buFont typeface="Arial" panose="020B0604020202020204" pitchFamily="34" charset="0"/>
-              <a:buChar char="•"/>
-              <a:defRPr>
-                <a:solidFill>
-                  <a:srgbClr val="212529"/>
-                </a:solidFill>
-                <a:latin typeface="Avenir Next Regular"/>
-                <a:ea typeface="Avenir Next Regular"/>
-                <a:cs typeface="Avenir Next Regular"/>
-                <a:sym typeface="Avenir Next Regular"/>
-              </a:defRPr>
-            </a:pPr>
-            <a:r>
-              <a:rPr dirty="0"/>
-              <a:t>You can give a functi</a:t>
-            </a:r>
-            <a:r>
-              <a:rPr lang="en-US" dirty="0"/>
-              <a:t>o</a:t>
-            </a:r>
-            <a:r>
-              <a:rPr dirty="0"/>
-              <a:t>n a </a:t>
-            </a:r>
-            <a:r>
-              <a:rPr lang="en-US" dirty="0"/>
-              <a:t>descriptive</a:t>
-            </a:r>
-            <a:r>
-              <a:rPr dirty="0"/>
-              <a:t> name that makes your code easier to understand.</a:t>
-            </a:r>
-          </a:p>
-          <a:p>
-            <a:pPr marL="355600" indent="-285750" defTabSz="228600">
-              <a:spcBef>
-                <a:spcPts val="300"/>
-              </a:spcBef>
-              <a:buClr>
-                <a:srgbClr val="212529"/>
-              </a:buClr>
-              <a:buSzPct val="100000"/>
-              <a:buFont typeface="Arial" panose="020B0604020202020204" pitchFamily="34" charset="0"/>
-              <a:buChar char="•"/>
-              <a:defRPr>
-                <a:solidFill>
-                  <a:srgbClr val="212529"/>
-                </a:solidFill>
-                <a:latin typeface="Avenir Next Regular"/>
-                <a:ea typeface="Avenir Next Regular"/>
-                <a:cs typeface="Avenir Next Regular"/>
-                <a:sym typeface="Avenir Next Regular"/>
-              </a:defRPr>
-            </a:pPr>
-            <a:r>
-              <a:rPr dirty="0"/>
-              <a:t>As requirements change, you only n</a:t>
-            </a:r>
-            <a:r>
-              <a:rPr lang="en-US" dirty="0"/>
-              <a:t>e</a:t>
-            </a:r>
-            <a:r>
-              <a:rPr dirty="0"/>
-              <a:t>ed to update code in one place, instead of many.</a:t>
-            </a:r>
-          </a:p>
-          <a:p>
-            <a:pPr marL="355600" indent="-285750" defTabSz="228600">
-              <a:spcBef>
-                <a:spcPts val="300"/>
-              </a:spcBef>
-              <a:buClr>
-                <a:srgbClr val="212529"/>
-              </a:buClr>
-              <a:buSzPct val="100000"/>
-              <a:buFont typeface="Arial" panose="020B0604020202020204" pitchFamily="34" charset="0"/>
-              <a:buChar char="•"/>
-              <a:defRPr>
-                <a:solidFill>
-                  <a:srgbClr val="212529"/>
-                </a:solidFill>
-                <a:latin typeface="Avenir Next Regular"/>
-                <a:ea typeface="Avenir Next Regular"/>
-                <a:cs typeface="Avenir Next Regular"/>
-                <a:sym typeface="Avenir Next Regular"/>
-              </a:defRPr>
-            </a:pPr>
-            <a:r>
-              <a:rPr dirty="0"/>
-              <a:t>You eliminate the chance of making incidental mistakes when you copy and paste </a:t>
-            </a:r>
-            <a:endParaRPr lang="en-US" dirty="0"/>
-          </a:p>
-          <a:p>
-            <a:pPr marL="527050" lvl="1" defTabSz="228600">
-              <a:spcBef>
-                <a:spcPts val="300"/>
-              </a:spcBef>
-              <a:buClr>
-                <a:srgbClr val="212529"/>
-              </a:buClr>
-              <a:buSzPct val="100000"/>
-              <a:defRPr>
-                <a:solidFill>
-                  <a:srgbClr val="212529"/>
-                </a:solidFill>
-                <a:latin typeface="Avenir Next Regular"/>
-                <a:ea typeface="Avenir Next Regular"/>
-                <a:cs typeface="Avenir Next Regular"/>
-                <a:sym typeface="Avenir Next Regular"/>
-              </a:defRPr>
-            </a:pPr>
-            <a:r>
-              <a:rPr dirty="0"/>
-              <a:t>(i.e. updating a variable name in one place, but not in another).</a:t>
-            </a:r>
-            <a:br>
-              <a:rPr dirty="0"/>
-            </a:br>
-            <a:endParaRPr dirty="0"/>
-          </a:p>
-        </p:txBody>
-      </p:sp>
-      <p:sp>
-        <p:nvSpPr>
-          <p:cNvPr id="395" name="-https://r4ds.had.co.nz/functions.html"/>
-          <p:cNvSpPr txBox="1"/>
-          <p:nvPr/>
-        </p:nvSpPr>
-        <p:spPr>
-          <a:xfrm>
-            <a:off x="9674735" y="6181098"/>
-            <a:ext cx="1888337" cy="189796"/>
-          </a:xfrm>
-          <a:prstGeom prst="rect">
-            <a:avLst/>
-          </a:prstGeom>
-          <a:ln w="12700">
-            <a:miter lim="400000"/>
-          </a:ln>
-          <a:extLst>
-            <a:ext uri="{C572A759-6A51-4108-AA02-DFA0A04FC94B}">
-              <ma14:wrappingTextBoxFlag xmlns:ma14="http://schemas.microsoft.com/office/mac/drawingml/2011/main" xmlns:a14="http://schemas.microsoft.com/office/drawing/2010/main" xmlns:m="http://schemas.openxmlformats.org/officeDocument/2006/math" xmlns="" val="1"/>
-            </a:ext>
-          </a:extLst>
-        </p:spPr>
-        <p:txBody>
-          <a:bodyPr wrap="none" lIns="25400" tIns="25400" rIns="25400" bIns="25400" anchor="ctr">
-            <a:spAutoFit/>
-          </a:bodyPr>
-          <a:lstStyle/>
-          <a:p>
-            <a:r>
-              <a:rPr sz="900" dirty="0"/>
-              <a:t> -https://r4ds.had.co.nz/</a:t>
-            </a:r>
-            <a:r>
-              <a:rPr sz="900" dirty="0" err="1"/>
-              <a:t>functions.html</a:t>
-            </a:r>
-            <a:endParaRPr sz="900" dirty="0"/>
-          </a:p>
-        </p:txBody>
-      </p:sp>
-      <p:sp>
-        <p:nvSpPr>
-          <p:cNvPr id="396" name="Reasons to make a new function"/>
-          <p:cNvSpPr txBox="1"/>
-          <p:nvPr/>
-        </p:nvSpPr>
-        <p:spPr>
-          <a:xfrm>
-            <a:off x="417099" y="4093485"/>
-            <a:ext cx="3417089" cy="328295"/>
-          </a:xfrm>
-          <a:prstGeom prst="rect">
-            <a:avLst/>
-          </a:prstGeom>
-          <a:ln w="12700">
-            <a:miter lim="400000"/>
-          </a:ln>
-          <a:extLst>
-            <a:ext uri="{C572A759-6A51-4108-AA02-DFA0A04FC94B}">
-              <ma14:wrappingTextBoxFlag xmlns:ma14="http://schemas.microsoft.com/office/mac/drawingml/2011/main" xmlns:a14="http://schemas.microsoft.com/office/drawing/2010/main" xmlns:m="http://schemas.openxmlformats.org/officeDocument/2006/math" xmlns="" val="1"/>
-            </a:ext>
-          </a:extLst>
-        </p:spPr>
-        <p:txBody>
-          <a:bodyPr wrap="none" lIns="25400" tIns="25400" rIns="25400" bIns="25400" anchor="ctr">
-            <a:spAutoFit/>
-          </a:bodyPr>
-          <a:lstStyle>
-            <a:lvl1pPr>
-              <a:defRPr sz="3600">
-                <a:solidFill>
-                  <a:schemeClr val="accent1">
-                    <a:lumOff val="-13575"/>
-                  </a:schemeClr>
-                </a:solidFill>
-                <a:latin typeface="Avenir Next Regular"/>
-                <a:ea typeface="Avenir Next Regular"/>
-                <a:cs typeface="Avenir Next Regular"/>
-                <a:sym typeface="Avenir Next Regular"/>
-              </a:defRPr>
-            </a:lvl1pPr>
-          </a:lstStyle>
-          <a:p>
-            <a:r>
-              <a:rPr sz="1800" dirty="0"/>
-              <a:t>Reasons to make a new function</a:t>
-            </a:r>
-          </a:p>
-        </p:txBody>
-      </p:sp>
-      <p:sp>
-        <p:nvSpPr>
-          <p:cNvPr id="397" name="Any chunk of code you are going to reuse - can be built in or come with a package or user made…"/>
-          <p:cNvSpPr txBox="1"/>
-          <p:nvPr/>
-        </p:nvSpPr>
-        <p:spPr>
-          <a:xfrm>
-            <a:off x="518306" y="1276929"/>
-            <a:ext cx="6631765" cy="1159292"/>
-          </a:xfrm>
-          <a:prstGeom prst="rect">
-            <a:avLst/>
-          </a:prstGeom>
-          <a:ln w="12700">
-            <a:miter lim="400000"/>
-          </a:ln>
-          <a:extLst>
-            <a:ext uri="{C572A759-6A51-4108-AA02-DFA0A04FC94B}">
-              <ma14:wrappingTextBoxFlag xmlns:ma14="http://schemas.microsoft.com/office/mac/drawingml/2011/main" xmlns:a14="http://schemas.microsoft.com/office/drawing/2010/main" xmlns:m="http://schemas.openxmlformats.org/officeDocument/2006/math" xmlns="" val="1"/>
-            </a:ext>
-          </a:extLst>
-        </p:spPr>
-        <p:txBody>
-          <a:bodyPr wrap="square" lIns="25400" tIns="25400" rIns="25400" bIns="25400" anchor="ctr">
-            <a:spAutoFit/>
-          </a:bodyPr>
-          <a:lstStyle/>
-          <a:p>
-            <a:pPr marL="114300" indent="-114300">
-              <a:buSzPct val="100000"/>
-              <a:buChar char="•"/>
-            </a:pPr>
-            <a:r>
-              <a:rPr dirty="0"/>
-              <a:t>Any chunk of code you are going to reuse - can be built in or come with a package or user made</a:t>
-            </a:r>
-          </a:p>
-          <a:p>
-            <a:pPr marL="114300" indent="-114300">
-              <a:buSzPct val="100000"/>
-              <a:buChar char="•"/>
-            </a:pPr>
-            <a:r>
-              <a:rPr dirty="0"/>
-              <a:t>Can take 0 or more arguments</a:t>
-            </a:r>
-          </a:p>
-          <a:p>
-            <a:pPr marL="114300" indent="-114300">
-              <a:buSzPct val="100000"/>
-              <a:buChar char="•"/>
-            </a:pPr>
-            <a:r>
-              <a:rPr dirty="0"/>
-              <a:t>Can return some value(s) or objects</a:t>
-            </a:r>
-          </a:p>
-        </p:txBody>
-      </p:sp>
-      <p:sp>
-        <p:nvSpPr>
-          <p:cNvPr id="398" name="What are functions"/>
-          <p:cNvSpPr txBox="1"/>
-          <p:nvPr/>
-        </p:nvSpPr>
-        <p:spPr>
-          <a:xfrm>
-            <a:off x="518306" y="885933"/>
-            <a:ext cx="2018822" cy="328295"/>
-          </a:xfrm>
-          <a:prstGeom prst="rect">
-            <a:avLst/>
-          </a:prstGeom>
-          <a:ln w="12700">
-            <a:miter lim="400000"/>
-          </a:ln>
-          <a:extLst>
-            <a:ext uri="{C572A759-6A51-4108-AA02-DFA0A04FC94B}">
-              <ma14:wrappingTextBoxFlag xmlns:ma14="http://schemas.microsoft.com/office/mac/drawingml/2011/main" xmlns:a14="http://schemas.microsoft.com/office/drawing/2010/main" xmlns:m="http://schemas.openxmlformats.org/officeDocument/2006/math" xmlns="" val="1"/>
-            </a:ext>
-          </a:extLst>
-        </p:spPr>
-        <p:txBody>
-          <a:bodyPr wrap="none" lIns="25400" tIns="25400" rIns="25400" bIns="25400" anchor="ctr">
-            <a:spAutoFit/>
-          </a:bodyPr>
-          <a:lstStyle>
-            <a:lvl1pPr>
-              <a:defRPr sz="3600">
-                <a:solidFill>
-                  <a:schemeClr val="accent1">
-                    <a:lumOff val="-13575"/>
-                  </a:schemeClr>
-                </a:solidFill>
-                <a:latin typeface="Avenir Next Regular"/>
-                <a:ea typeface="Avenir Next Regular"/>
-                <a:cs typeface="Avenir Next Regular"/>
-                <a:sym typeface="Avenir Next Regular"/>
-              </a:defRPr>
-            </a:lvl1pPr>
-          </a:lstStyle>
-          <a:p>
-            <a:r>
-              <a:rPr sz="1800" dirty="0"/>
-              <a:t>What are functions</a:t>
+              <a:t>You can coerce one data type into another</a:t>
             </a:r>
           </a:p>
         </p:txBody>
       </p:sp>
       <p:pic>
         <p:nvPicPr>
-          <p:cNvPr id="2" name="Picture 1">
-            <a:extLst>
-              <a:ext uri="{FF2B5EF4-FFF2-40B4-BE49-F238E27FC236}">
-                <a16:creationId xmlns:a16="http://schemas.microsoft.com/office/drawing/2014/main" id="{FB7A7431-E88C-E9CF-C22F-AC7EF771DCDB}"/>
+          <p:cNvPr id="4" name="Picture 3">
+            <a:extLst>
+              <a:ext uri="{FF2B5EF4-FFF2-40B4-BE49-F238E27FC236}">
+                <a16:creationId xmlns:a16="http://schemas.microsoft.com/office/drawing/2014/main" id="{0826754C-C8FA-721C-AF71-CF453A0B3E1C}"/>
               </a:ext>
             </a:extLst>
           </p:cNvPr>
@@ -4522,61 +3999,48 @@
         </p:blipFill>
         <p:spPr>
           <a:xfrm>
-            <a:off x="6801651" y="597758"/>
-            <a:ext cx="4655016" cy="3689762"/>
+            <a:off x="2867583" y="1324162"/>
+            <a:ext cx="6626039" cy="3443345"/>
           </a:xfrm>
           <a:prstGeom prst="rect">
             <a:avLst/>
           </a:prstGeom>
         </p:spPr>
       </p:pic>
-      <p:sp>
-        <p:nvSpPr>
-          <p:cNvPr id="4" name="TextBox 3">
-            <a:extLst>
-              <a:ext uri="{FF2B5EF4-FFF2-40B4-BE49-F238E27FC236}">
-                <a16:creationId xmlns:a16="http://schemas.microsoft.com/office/drawing/2014/main" id="{F451805A-0E44-C150-4134-EB8DE67D9954}"/>
-              </a:ext>
-            </a:extLst>
-          </p:cNvPr>
-          <p:cNvSpPr txBox="1"/>
-          <p:nvPr/>
-        </p:nvSpPr>
-        <p:spPr>
-          <a:xfrm>
-            <a:off x="9428480" y="5811766"/>
-            <a:ext cx="6096000" cy="369332"/>
-          </a:xfrm>
-          <a:prstGeom prst="rect">
-            <a:avLst/>
-          </a:prstGeom>
-          <a:noFill/>
-        </p:spPr>
-        <p:txBody>
-          <a:bodyPr wrap="square">
-            <a:spAutoFit/>
-          </a:bodyPr>
-          <a:lstStyle/>
-          <a:p>
-            <a:r>
-              <a:rPr lang="en-US" dirty="0"/>
-              <a:t>https://</a:t>
-            </a:r>
-            <a:r>
-              <a:rPr lang="en-US" dirty="0" err="1"/>
-              <a:t>xkcd.com</a:t>
-            </a:r>
-            <a:r>
-              <a:rPr lang="en-US" dirty="0"/>
-              <a:t>/1205/</a:t>
-            </a:r>
-          </a:p>
-        </p:txBody>
-      </p:sp>
+      <p:pic>
+        <p:nvPicPr>
+          <p:cNvPr id="10" name="Picture 9">
+            <a:extLst>
+              <a:ext uri="{FF2B5EF4-FFF2-40B4-BE49-F238E27FC236}">
+                <a16:creationId xmlns:a16="http://schemas.microsoft.com/office/drawing/2014/main" id="{3015FBA7-E965-1785-0C3D-8B03CF9B14C4}"/>
+              </a:ext>
+            </a:extLst>
+          </p:cNvPr>
+          <p:cNvPicPr>
+            <a:picLocks noChangeAspect="1"/>
+          </p:cNvPicPr>
+          <p:nvPr/>
+        </p:nvPicPr>
+        <p:blipFill>
+          <a:blip r:embed="rId3"/>
+          <a:stretch>
+            <a:fillRect/>
+          </a:stretch>
+        </p:blipFill>
+        <p:spPr>
+          <a:xfrm>
+            <a:off x="2973852" y="783620"/>
+            <a:ext cx="6413500" cy="368300"/>
+          </a:xfrm>
+          <a:prstGeom prst="rect">
+            <a:avLst/>
+          </a:prstGeom>
+        </p:spPr>
+      </p:pic>
     </p:spTree>
     <p:extLst>
       <p:ext uri="{BB962C8B-B14F-4D97-AF65-F5344CB8AC3E}">
-        <p14:creationId xmlns:p14="http://schemas.microsoft.com/office/powerpoint/2010/main" val="1996646748"/>
+        <p14:creationId xmlns:p14="http://schemas.microsoft.com/office/powerpoint/2010/main" val="2654115242"/>
       </p:ext>
     </p:extLst>
   </p:cSld>
@@ -4605,10 +4069,10 @@
       </p:grpSpPr>
       <p:sp>
         <p:nvSpPr>
-          <p:cNvPr id="5" name="TextBox 4">
-            <a:extLst>
-              <a:ext uri="{FF2B5EF4-FFF2-40B4-BE49-F238E27FC236}">
-                <a16:creationId xmlns:a16="http://schemas.microsoft.com/office/drawing/2014/main" id="{329A493F-FCD9-7CA9-DCC5-2EC6A8A29730}"/>
+          <p:cNvPr id="2" name="TextBox 1">
+            <a:extLst>
+              <a:ext uri="{FF2B5EF4-FFF2-40B4-BE49-F238E27FC236}">
+                <a16:creationId xmlns:a16="http://schemas.microsoft.com/office/drawing/2014/main" id="{81D8D68E-84EE-0BEE-4DD3-1300BD1905CF}"/>
               </a:ext>
             </a:extLst>
           </p:cNvPr>
@@ -4617,8 +4081,8 @@
         </p:nvSpPr>
         <p:spPr>
           <a:xfrm>
-            <a:off x="4991463" y="137433"/>
-            <a:ext cx="1534394" cy="369332"/>
+            <a:off x="4356847" y="248770"/>
+            <a:ext cx="4504765" cy="369332"/>
           </a:xfrm>
           <a:prstGeom prst="rect">
             <a:avLst/>
@@ -4626,24 +4090,24 @@
           <a:noFill/>
         </p:spPr>
         <p:txBody>
-          <a:bodyPr wrap="none" rtlCol="0">
+          <a:bodyPr wrap="square" rtlCol="0">
             <a:spAutoFit/>
           </a:bodyPr>
           <a:lstStyle/>
           <a:p>
             <a:r>
               <a:rPr lang="en-US" dirty="0"/>
-              <a:t>Basic Function</a:t>
+              <a:t>As long as that make sense</a:t>
             </a:r>
           </a:p>
         </p:txBody>
       </p:sp>
       <p:pic>
         <p:nvPicPr>
-          <p:cNvPr id="6" name="Picture 5">
-            <a:extLst>
-              <a:ext uri="{FF2B5EF4-FFF2-40B4-BE49-F238E27FC236}">
-                <a16:creationId xmlns:a16="http://schemas.microsoft.com/office/drawing/2014/main" id="{72066490-4A50-1E52-4903-99915B0533A6}"/>
+          <p:cNvPr id="3" name="Picture 2">
+            <a:extLst>
+              <a:ext uri="{FF2B5EF4-FFF2-40B4-BE49-F238E27FC236}">
+                <a16:creationId xmlns:a16="http://schemas.microsoft.com/office/drawing/2014/main" id="{2B076658-5273-7C19-41EB-404AAB01700C}"/>
               </a:ext>
             </a:extLst>
           </p:cNvPr>
@@ -4660,85 +4124,20 @@
         </p:blipFill>
         <p:spPr>
           <a:xfrm>
-            <a:off x="6449540" y="3094264"/>
-            <a:ext cx="2400300" cy="520700"/>
+            <a:off x="2870200" y="1727200"/>
+            <a:ext cx="6451600" cy="3403600"/>
           </a:xfrm>
           <a:prstGeom prst="rect">
             <a:avLst/>
           </a:prstGeom>
         </p:spPr>
       </p:pic>
-      <p:pic>
-        <p:nvPicPr>
-          <p:cNvPr id="7" name="Picture 6">
-            <a:extLst>
-              <a:ext uri="{FF2B5EF4-FFF2-40B4-BE49-F238E27FC236}">
-                <a16:creationId xmlns:a16="http://schemas.microsoft.com/office/drawing/2014/main" id="{77D80E2F-BE9F-BAFB-09A6-37EFF5A5775C}"/>
-              </a:ext>
-            </a:extLst>
-          </p:cNvPr>
-          <p:cNvPicPr>
-            <a:picLocks noChangeAspect="1"/>
-          </p:cNvPicPr>
-          <p:nvPr/>
-        </p:nvPicPr>
-        <p:blipFill>
-          <a:blip r:embed="rId3"/>
-          <a:stretch>
-            <a:fillRect/>
-          </a:stretch>
-        </p:blipFill>
-        <p:spPr>
-          <a:xfrm>
-            <a:off x="6454983" y="1670112"/>
-            <a:ext cx="4216400" cy="1054100"/>
-          </a:xfrm>
-          <a:prstGeom prst="rect">
-            <a:avLst/>
-          </a:prstGeom>
-        </p:spPr>
-      </p:pic>
-      <p:sp>
-        <p:nvSpPr>
-          <p:cNvPr id="8" name="TextBox 7">
-            <a:extLst>
-              <a:ext uri="{FF2B5EF4-FFF2-40B4-BE49-F238E27FC236}">
-                <a16:creationId xmlns:a16="http://schemas.microsoft.com/office/drawing/2014/main" id="{1ECB1FD7-0E59-94FC-00CA-3CD30F0175C1}"/>
-              </a:ext>
-            </a:extLst>
-          </p:cNvPr>
-          <p:cNvSpPr txBox="1"/>
-          <p:nvPr/>
-        </p:nvSpPr>
-        <p:spPr>
-          <a:xfrm>
-            <a:off x="5622646" y="1123043"/>
-            <a:ext cx="1590500" cy="369332"/>
-          </a:xfrm>
-          <a:prstGeom prst="rect">
-            <a:avLst/>
-          </a:prstGeom>
-          <a:noFill/>
-        </p:spPr>
-        <p:txBody>
-          <a:bodyPr wrap="none" rtlCol="0">
-            <a:spAutoFit/>
-          </a:bodyPr>
-          <a:lstStyle/>
-          <a:p>
-            <a:r>
-              <a:rPr lang="en-US" dirty="0"/>
-              <a:t>Function name</a:t>
-            </a:r>
-          </a:p>
-        </p:txBody>
-      </p:sp>
       <p:cxnSp>
         <p:nvCxnSpPr>
-          <p:cNvPr id="10" name="Straight Arrow Connector 9">
-            <a:extLst>
-              <a:ext uri="{FF2B5EF4-FFF2-40B4-BE49-F238E27FC236}">
-                <a16:creationId xmlns:a16="http://schemas.microsoft.com/office/drawing/2014/main" id="{E77025EA-9293-FFED-DFFF-DB02D893C57E}"/>
+          <p:cNvPr id="5" name="Straight Arrow Connector 4">
+            <a:extLst>
+              <a:ext uri="{FF2B5EF4-FFF2-40B4-BE49-F238E27FC236}">
+                <a16:creationId xmlns:a16="http://schemas.microsoft.com/office/drawing/2014/main" id="{DACB697D-95F0-BFF2-6351-72F6A44F2B0E}"/>
               </a:ext>
             </a:extLst>
           </p:cNvPr>
@@ -4746,14 +4145,14 @@
           <p:nvPr/>
         </p:nvCxnSpPr>
         <p:spPr>
-          <a:xfrm>
-            <a:off x="7135586" y="1335377"/>
-            <a:ext cx="155121" cy="334735"/>
+          <a:xfrm flipH="1">
+            <a:off x="9076765" y="2454088"/>
+            <a:ext cx="1351429" cy="773206"/>
           </a:xfrm>
           <a:prstGeom prst="straightConnector1">
             <a:avLst/>
           </a:prstGeom>
-          <a:ln>
+          <a:ln w="28575">
             <a:tailEnd type="triangle"/>
           </a:ln>
         </p:spPr>
@@ -4774,10 +4173,10 @@
       </p:cxnSp>
       <p:sp>
         <p:nvSpPr>
-          <p:cNvPr id="12" name="TextBox 11">
-            <a:extLst>
-              <a:ext uri="{FF2B5EF4-FFF2-40B4-BE49-F238E27FC236}">
-                <a16:creationId xmlns:a16="http://schemas.microsoft.com/office/drawing/2014/main" id="{01F89C21-4F61-5000-93C2-1B637C820693}"/>
+          <p:cNvPr id="6" name="TextBox 5">
+            <a:extLst>
+              <a:ext uri="{FF2B5EF4-FFF2-40B4-BE49-F238E27FC236}">
+                <a16:creationId xmlns:a16="http://schemas.microsoft.com/office/drawing/2014/main" id="{A509C352-54C4-07C6-1E55-AF5160929DFE}"/>
               </a:ext>
             </a:extLst>
           </p:cNvPr>
@@ -4786,8 +4185,8 @@
         </p:nvSpPr>
         <p:spPr>
           <a:xfrm>
-            <a:off x="4856479" y="1785487"/>
-            <a:ext cx="1964267" cy="646331"/>
+            <a:off x="10428194" y="1710391"/>
+            <a:ext cx="1667435" cy="2031325"/>
           </a:xfrm>
           <a:prstGeom prst="rect">
             <a:avLst/>
@@ -4802,275 +4201,7 @@
           <a:p>
             <a:r>
               <a:rPr lang="en-US" dirty="0"/>
-              <a:t>Function</a:t>
-            </a:r>
-          </a:p>
-          <a:p>
-            <a:r>
-              <a:rPr lang="en-US" dirty="0"/>
-              <a:t>body</a:t>
-            </a:r>
-          </a:p>
-        </p:txBody>
-      </p:sp>
-      <p:cxnSp>
-        <p:nvCxnSpPr>
-          <p:cNvPr id="14" name="Straight Arrow Connector 13">
-            <a:extLst>
-              <a:ext uri="{FF2B5EF4-FFF2-40B4-BE49-F238E27FC236}">
-                <a16:creationId xmlns:a16="http://schemas.microsoft.com/office/drawing/2014/main" id="{F74A8A2B-E66D-8ACA-A6B1-D0B88A91536C}"/>
-              </a:ext>
-            </a:extLst>
-          </p:cNvPr>
-          <p:cNvCxnSpPr>
-            <a:endCxn id="12" idx="3"/>
-          </p:cNvCxnSpPr>
-          <p:nvPr/>
-        </p:nvCxnSpPr>
-        <p:spPr>
-          <a:xfrm>
-            <a:off x="5960533" y="2108653"/>
-            <a:ext cx="860213" cy="0"/>
-          </a:xfrm>
-          <a:prstGeom prst="straightConnector1">
-            <a:avLst/>
-          </a:prstGeom>
-          <a:ln>
-            <a:tailEnd type="triangle"/>
-          </a:ln>
-        </p:spPr>
-        <p:style>
-          <a:lnRef idx="1">
-            <a:schemeClr val="accent1"/>
-          </a:lnRef>
-          <a:fillRef idx="0">
-            <a:schemeClr val="accent1"/>
-          </a:fillRef>
-          <a:effectRef idx="0">
-            <a:schemeClr val="accent1"/>
-          </a:effectRef>
-          <a:fontRef idx="minor">
-            <a:schemeClr val="tx1"/>
-          </a:fontRef>
-        </p:style>
-      </p:cxnSp>
-      <p:sp>
-        <p:nvSpPr>
-          <p:cNvPr id="15" name="TextBox 14">
-            <a:extLst>
-              <a:ext uri="{FF2B5EF4-FFF2-40B4-BE49-F238E27FC236}">
-                <a16:creationId xmlns:a16="http://schemas.microsoft.com/office/drawing/2014/main" id="{ECD6190A-089B-853B-4654-D77B6212B547}"/>
-              </a:ext>
-            </a:extLst>
-          </p:cNvPr>
-          <p:cNvSpPr txBox="1"/>
-          <p:nvPr/>
-        </p:nvSpPr>
-        <p:spPr>
-          <a:xfrm>
-            <a:off x="4585477" y="2909598"/>
-            <a:ext cx="1375056" cy="369332"/>
-          </a:xfrm>
-          <a:prstGeom prst="rect">
-            <a:avLst/>
-          </a:prstGeom>
-          <a:noFill/>
-        </p:spPr>
-        <p:txBody>
-          <a:bodyPr wrap="none" rtlCol="0">
-            <a:spAutoFit/>
-          </a:bodyPr>
-          <a:lstStyle/>
-          <a:p>
-            <a:r>
-              <a:rPr lang="en-US" dirty="0"/>
-              <a:t>Return value</a:t>
-            </a:r>
-          </a:p>
-        </p:txBody>
-      </p:sp>
-      <p:cxnSp>
-        <p:nvCxnSpPr>
-          <p:cNvPr id="17" name="Straight Arrow Connector 16">
-            <a:extLst>
-              <a:ext uri="{FF2B5EF4-FFF2-40B4-BE49-F238E27FC236}">
-                <a16:creationId xmlns:a16="http://schemas.microsoft.com/office/drawing/2014/main" id="{6C47EBB0-D2A2-36D7-89CF-8F98575913CE}"/>
-              </a:ext>
-            </a:extLst>
-          </p:cNvPr>
-          <p:cNvCxnSpPr/>
-          <p:nvPr/>
-        </p:nvCxnSpPr>
-        <p:spPr>
-          <a:xfrm flipV="1">
-            <a:off x="6190827" y="2431818"/>
-            <a:ext cx="799253" cy="575542"/>
-          </a:xfrm>
-          <a:prstGeom prst="straightConnector1">
-            <a:avLst/>
-          </a:prstGeom>
-          <a:ln>
-            <a:tailEnd type="triangle"/>
-          </a:ln>
-        </p:spPr>
-        <p:style>
-          <a:lnRef idx="1">
-            <a:schemeClr val="accent1"/>
-          </a:lnRef>
-          <a:fillRef idx="0">
-            <a:schemeClr val="accent1"/>
-          </a:fillRef>
-          <a:effectRef idx="0">
-            <a:schemeClr val="accent1"/>
-          </a:effectRef>
-          <a:fontRef idx="minor">
-            <a:schemeClr val="tx1"/>
-          </a:fontRef>
-        </p:style>
-      </p:cxnSp>
-      <p:sp>
-        <p:nvSpPr>
-          <p:cNvPr id="18" name="TextBox 17">
-            <a:extLst>
-              <a:ext uri="{FF2B5EF4-FFF2-40B4-BE49-F238E27FC236}">
-                <a16:creationId xmlns:a16="http://schemas.microsoft.com/office/drawing/2014/main" id="{8CB50C4E-F271-6DE9-7873-AAA41844FCFC}"/>
-              </a:ext>
-            </a:extLst>
-          </p:cNvPr>
-          <p:cNvSpPr txBox="1"/>
-          <p:nvPr/>
-        </p:nvSpPr>
-        <p:spPr>
-          <a:xfrm>
-            <a:off x="9482083" y="642136"/>
-            <a:ext cx="1189300" cy="369332"/>
-          </a:xfrm>
-          <a:prstGeom prst="rect">
-            <a:avLst/>
-          </a:prstGeom>
-          <a:noFill/>
-        </p:spPr>
-        <p:txBody>
-          <a:bodyPr wrap="none" rtlCol="0">
-            <a:spAutoFit/>
-          </a:bodyPr>
-          <a:lstStyle/>
-          <a:p>
-            <a:r>
-              <a:rPr lang="en-US" dirty="0"/>
-              <a:t>arguments</a:t>
-            </a:r>
-          </a:p>
-        </p:txBody>
-      </p:sp>
-      <p:cxnSp>
-        <p:nvCxnSpPr>
-          <p:cNvPr id="20" name="Straight Arrow Connector 19">
-            <a:extLst>
-              <a:ext uri="{FF2B5EF4-FFF2-40B4-BE49-F238E27FC236}">
-                <a16:creationId xmlns:a16="http://schemas.microsoft.com/office/drawing/2014/main" id="{41F52DD0-7175-D640-E972-5CA407C0D27B}"/>
-              </a:ext>
-            </a:extLst>
-          </p:cNvPr>
-          <p:cNvCxnSpPr/>
-          <p:nvPr/>
-        </p:nvCxnSpPr>
-        <p:spPr>
-          <a:xfrm flipH="1">
-            <a:off x="9821333" y="1123043"/>
-            <a:ext cx="115147" cy="495784"/>
-          </a:xfrm>
-          <a:prstGeom prst="straightConnector1">
-            <a:avLst/>
-          </a:prstGeom>
-          <a:ln>
-            <a:tailEnd type="triangle"/>
-          </a:ln>
-        </p:spPr>
-        <p:style>
-          <a:lnRef idx="1">
-            <a:schemeClr val="accent1"/>
-          </a:lnRef>
-          <a:fillRef idx="0">
-            <a:schemeClr val="accent1"/>
-          </a:fillRef>
-          <a:effectRef idx="0">
-            <a:schemeClr val="accent1"/>
-          </a:effectRef>
-          <a:fontRef idx="minor">
-            <a:schemeClr val="tx1"/>
-          </a:fontRef>
-        </p:style>
-      </p:cxnSp>
-      <p:pic>
-        <p:nvPicPr>
-          <p:cNvPr id="22" name="Picture 21">
-            <a:extLst>
-              <a:ext uri="{FF2B5EF4-FFF2-40B4-BE49-F238E27FC236}">
-                <a16:creationId xmlns:a16="http://schemas.microsoft.com/office/drawing/2014/main" id="{E72C0EBA-2156-DC5A-1B3C-788BA2C2091C}"/>
-              </a:ext>
-            </a:extLst>
-          </p:cNvPr>
-          <p:cNvPicPr>
-            <a:picLocks noChangeAspect="1"/>
-          </p:cNvPicPr>
-          <p:nvPr/>
-        </p:nvPicPr>
-        <p:blipFill>
-          <a:blip r:embed="rId4"/>
-          <a:stretch>
-            <a:fillRect/>
-          </a:stretch>
-        </p:blipFill>
-        <p:spPr>
-          <a:xfrm>
-            <a:off x="287189" y="1171756"/>
-            <a:ext cx="3909561" cy="3845016"/>
-          </a:xfrm>
-          <a:prstGeom prst="rect">
-            <a:avLst/>
-          </a:prstGeom>
-        </p:spPr>
-      </p:pic>
-      <p:sp>
-        <p:nvSpPr>
-          <p:cNvPr id="24" name="TextBox 23">
-            <a:extLst>
-              <a:ext uri="{FF2B5EF4-FFF2-40B4-BE49-F238E27FC236}">
-                <a16:creationId xmlns:a16="http://schemas.microsoft.com/office/drawing/2014/main" id="{B02EAA19-E40B-4019-5A5C-8D693759B186}"/>
-              </a:ext>
-            </a:extLst>
-          </p:cNvPr>
-          <p:cNvSpPr txBox="1"/>
-          <p:nvPr/>
-        </p:nvSpPr>
-        <p:spPr>
-          <a:xfrm>
-            <a:off x="389147" y="4973680"/>
-            <a:ext cx="6096000" cy="369332"/>
-          </a:xfrm>
-          <a:prstGeom prst="rect">
-            <a:avLst/>
-          </a:prstGeom>
-          <a:noFill/>
-        </p:spPr>
-        <p:txBody>
-          <a:bodyPr wrap="square">
-            <a:spAutoFit/>
-          </a:bodyPr>
-          <a:lstStyle/>
-          <a:p>
-            <a:r>
-              <a:rPr lang="en-US" dirty="0"/>
-              <a:t>https://</a:t>
-            </a:r>
-            <a:r>
-              <a:rPr lang="en-US" dirty="0" err="1"/>
-              <a:t>xkcd.com</a:t>
-            </a:r>
-            <a:r>
-              <a:rPr lang="en-US" dirty="0"/>
-              <a:t>/1319/</a:t>
+              <a:t>Now species has been replaced by an integer representing the group (1,2,3)</a:t>
             </a:r>
           </a:p>
         </p:txBody>
@@ -5078,7 +4209,7 @@
     </p:spTree>
     <p:extLst>
       <p:ext uri="{BB962C8B-B14F-4D97-AF65-F5344CB8AC3E}">
-        <p14:creationId xmlns:p14="http://schemas.microsoft.com/office/powerpoint/2010/main" val="3179177417"/>
+        <p14:creationId xmlns:p14="http://schemas.microsoft.com/office/powerpoint/2010/main" val="1792948456"/>
       </p:ext>
     </p:extLst>
   </p:cSld>
@@ -5107,165 +4238,201 @@
       </p:grpSpPr>
       <p:sp>
         <p:nvSpPr>
-          <p:cNvPr id="2" name="TextBox 1">
-            <a:extLst>
-              <a:ext uri="{FF2B5EF4-FFF2-40B4-BE49-F238E27FC236}">
-                <a16:creationId xmlns:a16="http://schemas.microsoft.com/office/drawing/2014/main" id="{9D9A0DC5-96D6-AC76-09C9-5C35E3822F89}"/>
-              </a:ext>
-            </a:extLst>
-          </p:cNvPr>
+          <p:cNvPr id="393" name="Functions"/>
           <p:cNvSpPr txBox="1"/>
           <p:nvPr/>
         </p:nvSpPr>
         <p:spPr>
           <a:xfrm>
-            <a:off x="2703729" y="374970"/>
-            <a:ext cx="7354671" cy="369332"/>
-          </a:xfrm>
-          <a:prstGeom prst="rect">
-            <a:avLst/>
-          </a:prstGeom>
-          <a:noFill/>
-        </p:spPr>
-        <p:txBody>
-          <a:bodyPr wrap="square" rtlCol="0">
+            <a:off x="5399151" y="177130"/>
+            <a:ext cx="1402500" cy="420628"/>
+          </a:xfrm>
+          <a:prstGeom prst="rect">
+            <a:avLst/>
+          </a:prstGeom>
+          <a:ln w="12700">
+            <a:miter lim="400000"/>
+          </a:ln>
+          <a:extLst>
+            <a:ext uri="{C572A759-6A51-4108-AA02-DFA0A04FC94B}">
+              <ma14:wrappingTextBoxFlag xmlns="" xmlns:m="http://schemas.openxmlformats.org/officeDocument/2006/math" xmlns:a14="http://schemas.microsoft.com/office/drawing/2010/main" xmlns:ma14="http://schemas.microsoft.com/office/mac/drawingml/2011/main" val="1"/>
+            </a:ext>
+          </a:extLst>
+        </p:spPr>
+        <p:txBody>
+          <a:bodyPr wrap="none" lIns="25400" tIns="25400" rIns="25400" bIns="25400" anchor="ctr">
             <a:spAutoFit/>
           </a:bodyPr>
-          <a:lstStyle/>
-          <a:p>
-            <a:r>
-              <a:rPr lang="en-US" dirty="0"/>
-              <a:t>Loops (or performing the same operation on many things)</a:t>
-            </a:r>
-          </a:p>
-        </p:txBody>
-      </p:sp>
-      <p:pic>
-        <p:nvPicPr>
-          <p:cNvPr id="3" name="Picture 2">
-            <a:extLst>
-              <a:ext uri="{FF2B5EF4-FFF2-40B4-BE49-F238E27FC236}">
-                <a16:creationId xmlns:a16="http://schemas.microsoft.com/office/drawing/2014/main" id="{3D89E326-CBC1-B343-AC5F-DB5EF52F9679}"/>
-              </a:ext>
-            </a:extLst>
-          </p:cNvPr>
-          <p:cNvPicPr>
-            <a:picLocks noChangeAspect="1"/>
-          </p:cNvPicPr>
-          <p:nvPr/>
-        </p:nvPicPr>
-        <p:blipFill>
-          <a:blip r:embed="rId2"/>
-          <a:stretch>
-            <a:fillRect/>
-          </a:stretch>
-        </p:blipFill>
-        <p:spPr>
-          <a:xfrm>
-            <a:off x="1156347" y="1200714"/>
-            <a:ext cx="3329684" cy="657715"/>
-          </a:xfrm>
-          <a:prstGeom prst="rect">
-            <a:avLst/>
-          </a:prstGeom>
-        </p:spPr>
-      </p:pic>
-      <p:pic>
-        <p:nvPicPr>
-          <p:cNvPr id="4" name="Picture 3">
-            <a:extLst>
-              <a:ext uri="{FF2B5EF4-FFF2-40B4-BE49-F238E27FC236}">
-                <a16:creationId xmlns:a16="http://schemas.microsoft.com/office/drawing/2014/main" id="{A06AB6A5-131B-1B94-1BE1-975CE2DF3AA1}"/>
-              </a:ext>
-            </a:extLst>
-          </p:cNvPr>
-          <p:cNvPicPr>
-            <a:picLocks noChangeAspect="1"/>
-          </p:cNvPicPr>
-          <p:nvPr/>
-        </p:nvPicPr>
-        <p:blipFill>
-          <a:blip r:embed="rId3"/>
-          <a:stretch>
-            <a:fillRect/>
-          </a:stretch>
-        </p:blipFill>
-        <p:spPr>
-          <a:xfrm>
-            <a:off x="1156347" y="2054491"/>
-            <a:ext cx="3594100" cy="520700"/>
-          </a:xfrm>
-          <a:prstGeom prst="rect">
-            <a:avLst/>
-          </a:prstGeom>
-        </p:spPr>
-      </p:pic>
-      <p:pic>
-        <p:nvPicPr>
-          <p:cNvPr id="5" name="Picture 4">
-            <a:extLst>
-              <a:ext uri="{FF2B5EF4-FFF2-40B4-BE49-F238E27FC236}">
-                <a16:creationId xmlns:a16="http://schemas.microsoft.com/office/drawing/2014/main" id="{4E4B3A31-4713-10F1-264E-753EE869728F}"/>
-              </a:ext>
-            </a:extLst>
-          </p:cNvPr>
-          <p:cNvPicPr>
-            <a:picLocks noChangeAspect="1"/>
-          </p:cNvPicPr>
-          <p:nvPr/>
-        </p:nvPicPr>
-        <p:blipFill>
-          <a:blip r:embed="rId4"/>
-          <a:stretch>
-            <a:fillRect/>
-          </a:stretch>
-        </p:blipFill>
-        <p:spPr>
-          <a:xfrm>
-            <a:off x="5405327" y="1529571"/>
-            <a:ext cx="5630326" cy="1207767"/>
-          </a:xfrm>
-          <a:prstGeom prst="rect">
-            <a:avLst/>
-          </a:prstGeom>
-        </p:spPr>
-      </p:pic>
-      <p:pic>
-        <p:nvPicPr>
-          <p:cNvPr id="6" name="Picture 5">
-            <a:extLst>
-              <a:ext uri="{FF2B5EF4-FFF2-40B4-BE49-F238E27FC236}">
-                <a16:creationId xmlns:a16="http://schemas.microsoft.com/office/drawing/2014/main" id="{13B6F9A7-E702-6C17-D8C5-F7823C8D690E}"/>
-              </a:ext>
-            </a:extLst>
-          </p:cNvPr>
-          <p:cNvPicPr>
-            <a:picLocks noChangeAspect="1"/>
-          </p:cNvPicPr>
-          <p:nvPr/>
-        </p:nvPicPr>
-        <p:blipFill>
-          <a:blip r:embed="rId5"/>
-          <a:stretch>
-            <a:fillRect/>
-          </a:stretch>
-        </p:blipFill>
-        <p:spPr>
-          <a:xfrm>
-            <a:off x="5405327" y="3003550"/>
-            <a:ext cx="2722684" cy="2794334"/>
-          </a:xfrm>
-          <a:prstGeom prst="rect">
-            <a:avLst/>
-          </a:prstGeom>
-        </p:spPr>
-      </p:pic>
+          <a:lstStyle>
+            <a:lvl1pPr>
+              <a:defRPr sz="4800">
+                <a:latin typeface="Avenir Next Regular"/>
+                <a:ea typeface="Avenir Next Regular"/>
+                <a:cs typeface="Avenir Next Regular"/>
+                <a:sym typeface="Avenir Next Regular"/>
+              </a:defRPr>
+            </a:lvl1pPr>
+          </a:lstStyle>
+          <a:p>
+            <a:r>
+              <a:rPr sz="2400"/>
+              <a:t>Functions</a:t>
+            </a:r>
+          </a:p>
+        </p:txBody>
+      </p:sp>
+      <p:sp>
+        <p:nvSpPr>
+          <p:cNvPr id="395" name="-https://r4ds.had.co.nz/functions.html"/>
+          <p:cNvSpPr txBox="1"/>
+          <p:nvPr/>
+        </p:nvSpPr>
+        <p:spPr>
+          <a:xfrm>
+            <a:off x="9674735" y="6181098"/>
+            <a:ext cx="1888337" cy="189796"/>
+          </a:xfrm>
+          <a:prstGeom prst="rect">
+            <a:avLst/>
+          </a:prstGeom>
+          <a:ln w="12700">
+            <a:miter lim="400000"/>
+          </a:ln>
+          <a:extLst>
+            <a:ext uri="{C572A759-6A51-4108-AA02-DFA0A04FC94B}">
+              <ma14:wrappingTextBoxFlag xmlns="" xmlns:m="http://schemas.openxmlformats.org/officeDocument/2006/math" xmlns:a14="http://schemas.microsoft.com/office/drawing/2010/main" xmlns:ma14="http://schemas.microsoft.com/office/mac/drawingml/2011/main" val="1"/>
+            </a:ext>
+          </a:extLst>
+        </p:spPr>
+        <p:txBody>
+          <a:bodyPr wrap="none" lIns="25400" tIns="25400" rIns="25400" bIns="25400" anchor="ctr">
+            <a:spAutoFit/>
+          </a:bodyPr>
+          <a:lstStyle/>
+          <a:p>
+            <a:r>
+              <a:rPr sz="900" dirty="0"/>
+              <a:t> -https://r4ds.had.co.nz/</a:t>
+            </a:r>
+            <a:r>
+              <a:rPr sz="900" dirty="0" err="1"/>
+              <a:t>functions.html</a:t>
+            </a:r>
+            <a:endParaRPr sz="900" dirty="0"/>
+          </a:p>
+        </p:txBody>
+      </p:sp>
+      <p:sp>
+        <p:nvSpPr>
+          <p:cNvPr id="397" name="Any chunk of code you are going to reuse - can be built in or come with a package or user made…"/>
+          <p:cNvSpPr txBox="1"/>
+          <p:nvPr/>
+        </p:nvSpPr>
+        <p:spPr>
+          <a:xfrm>
+            <a:off x="518306" y="1276929"/>
+            <a:ext cx="6631765" cy="1159292"/>
+          </a:xfrm>
+          <a:prstGeom prst="rect">
+            <a:avLst/>
+          </a:prstGeom>
+          <a:ln w="12700">
+            <a:miter lim="400000"/>
+          </a:ln>
+          <a:extLst>
+            <a:ext uri="{C572A759-6A51-4108-AA02-DFA0A04FC94B}">
+              <ma14:wrappingTextBoxFlag xmlns="" xmlns:m="http://schemas.openxmlformats.org/officeDocument/2006/math" xmlns:a14="http://schemas.microsoft.com/office/drawing/2010/main" xmlns:ma14="http://schemas.microsoft.com/office/mac/drawingml/2011/main" val="1"/>
+            </a:ext>
+          </a:extLst>
+        </p:spPr>
+        <p:txBody>
+          <a:bodyPr wrap="square" lIns="25400" tIns="25400" rIns="25400" bIns="25400" anchor="ctr">
+            <a:spAutoFit/>
+          </a:bodyPr>
+          <a:lstStyle/>
+          <a:p>
+            <a:pPr marL="114300" indent="-114300">
+              <a:buSzPct val="100000"/>
+              <a:buChar char="•"/>
+            </a:pPr>
+            <a:r>
+              <a:rPr dirty="0"/>
+              <a:t>Any chunk of code you are going to reuse - can be built in or come with a package or user made</a:t>
+            </a:r>
+          </a:p>
+          <a:p>
+            <a:pPr marL="114300" indent="-114300">
+              <a:buSzPct val="100000"/>
+              <a:buChar char="•"/>
+            </a:pPr>
+            <a:r>
+              <a:rPr dirty="0"/>
+              <a:t>Can take 0 or more arguments</a:t>
+            </a:r>
+          </a:p>
+          <a:p>
+            <a:pPr marL="114300" indent="-114300">
+              <a:buSzPct val="100000"/>
+              <a:buChar char="•"/>
+            </a:pPr>
+            <a:r>
+              <a:rPr dirty="0"/>
+              <a:t>Can return some value(s) or objects</a:t>
+            </a:r>
+          </a:p>
+        </p:txBody>
+      </p:sp>
+      <p:sp>
+        <p:nvSpPr>
+          <p:cNvPr id="398" name="What are functions"/>
+          <p:cNvSpPr txBox="1"/>
+          <p:nvPr/>
+        </p:nvSpPr>
+        <p:spPr>
+          <a:xfrm>
+            <a:off x="518306" y="885933"/>
+            <a:ext cx="2018822" cy="328295"/>
+          </a:xfrm>
+          <a:prstGeom prst="rect">
+            <a:avLst/>
+          </a:prstGeom>
+          <a:ln w="12700">
+            <a:miter lim="400000"/>
+          </a:ln>
+          <a:extLst>
+            <a:ext uri="{C572A759-6A51-4108-AA02-DFA0A04FC94B}">
+              <ma14:wrappingTextBoxFlag xmlns="" xmlns:m="http://schemas.openxmlformats.org/officeDocument/2006/math" xmlns:a14="http://schemas.microsoft.com/office/drawing/2010/main" xmlns:ma14="http://schemas.microsoft.com/office/mac/drawingml/2011/main" val="1"/>
+            </a:ext>
+          </a:extLst>
+        </p:spPr>
+        <p:txBody>
+          <a:bodyPr wrap="none" lIns="25400" tIns="25400" rIns="25400" bIns="25400" anchor="ctr">
+            <a:spAutoFit/>
+          </a:bodyPr>
+          <a:lstStyle>
+            <a:lvl1pPr>
+              <a:defRPr sz="3600">
+                <a:solidFill>
+                  <a:schemeClr val="accent1">
+                    <a:lumOff val="-13575"/>
+                  </a:schemeClr>
+                </a:solidFill>
+                <a:latin typeface="Avenir Next Regular"/>
+                <a:ea typeface="Avenir Next Regular"/>
+                <a:cs typeface="Avenir Next Regular"/>
+                <a:sym typeface="Avenir Next Regular"/>
+              </a:defRPr>
+            </a:lvl1pPr>
+          </a:lstStyle>
+          <a:p>
+            <a:r>
+              <a:rPr sz="1800" dirty="0"/>
+              <a:t>What are functions</a:t>
+            </a:r>
+          </a:p>
+        </p:txBody>
+      </p:sp>
     </p:spTree>
-    <p:extLst>
-      <p:ext uri="{BB962C8B-B14F-4D97-AF65-F5344CB8AC3E}">
-        <p14:creationId xmlns:p14="http://schemas.microsoft.com/office/powerpoint/2010/main" val="2694943225"/>
-      </p:ext>
-    </p:extLst>
   </p:cSld>
   <p:clrMapOvr>
     <a:masterClrMapping/>
@@ -5292,6 +4459,1229 @@
       </p:grpSpPr>
       <p:sp>
         <p:nvSpPr>
+          <p:cNvPr id="393" name="Functions"/>
+          <p:cNvSpPr txBox="1"/>
+          <p:nvPr/>
+        </p:nvSpPr>
+        <p:spPr>
+          <a:xfrm>
+            <a:off x="5399151" y="177130"/>
+            <a:ext cx="1402500" cy="420628"/>
+          </a:xfrm>
+          <a:prstGeom prst="rect">
+            <a:avLst/>
+          </a:prstGeom>
+          <a:ln w="12700">
+            <a:miter lim="400000"/>
+          </a:ln>
+          <a:extLst>
+            <a:ext uri="{C572A759-6A51-4108-AA02-DFA0A04FC94B}">
+              <ma14:wrappingTextBoxFlag xmlns:ma14="http://schemas.microsoft.com/office/mac/drawingml/2011/main" xmlns:a14="http://schemas.microsoft.com/office/drawing/2010/main" xmlns:m="http://schemas.openxmlformats.org/officeDocument/2006/math" xmlns="" val="1"/>
+            </a:ext>
+          </a:extLst>
+        </p:spPr>
+        <p:txBody>
+          <a:bodyPr wrap="none" lIns="25400" tIns="25400" rIns="25400" bIns="25400" anchor="ctr">
+            <a:spAutoFit/>
+          </a:bodyPr>
+          <a:lstStyle>
+            <a:lvl1pPr>
+              <a:defRPr sz="4800">
+                <a:latin typeface="Avenir Next Regular"/>
+                <a:ea typeface="Avenir Next Regular"/>
+                <a:cs typeface="Avenir Next Regular"/>
+                <a:sym typeface="Avenir Next Regular"/>
+              </a:defRPr>
+            </a:lvl1pPr>
+          </a:lstStyle>
+          <a:p>
+            <a:r>
+              <a:rPr sz="2400"/>
+              <a:t>Functions</a:t>
+            </a:r>
+          </a:p>
+        </p:txBody>
+      </p:sp>
+      <p:sp>
+        <p:nvSpPr>
+          <p:cNvPr id="394" name="You can give a function an evocative name that makes your code easier to understand.…"/>
+          <p:cNvSpPr txBox="1"/>
+          <p:nvPr/>
+        </p:nvSpPr>
+        <p:spPr>
+          <a:xfrm>
+            <a:off x="227597" y="4444221"/>
+            <a:ext cx="9495292" cy="1867178"/>
+          </a:xfrm>
+          <a:prstGeom prst="rect">
+            <a:avLst/>
+          </a:prstGeom>
+          <a:ln w="12700">
+            <a:miter lim="400000"/>
+          </a:ln>
+          <a:extLst>
+            <a:ext uri="{C572A759-6A51-4108-AA02-DFA0A04FC94B}">
+              <ma14:wrappingTextBoxFlag xmlns:ma14="http://schemas.microsoft.com/office/mac/drawingml/2011/main" xmlns:a14="http://schemas.microsoft.com/office/drawing/2010/main" xmlns:m="http://schemas.openxmlformats.org/officeDocument/2006/math" xmlns="" val="1"/>
+            </a:ext>
+          </a:extLst>
+        </p:spPr>
+        <p:txBody>
+          <a:bodyPr wrap="none" lIns="25400" tIns="25400" rIns="25400" bIns="25400" anchor="ctr">
+            <a:spAutoFit/>
+          </a:bodyPr>
+          <a:lstStyle/>
+          <a:p>
+            <a:pPr marL="355600" indent="-285750" defTabSz="228600">
+              <a:spcBef>
+                <a:spcPts val="300"/>
+              </a:spcBef>
+              <a:buClr>
+                <a:srgbClr val="212529"/>
+              </a:buClr>
+              <a:buSzPct val="100000"/>
+              <a:buFont typeface="Arial" panose="020B0604020202020204" pitchFamily="34" charset="0"/>
+              <a:buChar char="•"/>
+              <a:defRPr>
+                <a:solidFill>
+                  <a:srgbClr val="212529"/>
+                </a:solidFill>
+                <a:latin typeface="Avenir Next Regular"/>
+                <a:ea typeface="Avenir Next Regular"/>
+                <a:cs typeface="Avenir Next Regular"/>
+                <a:sym typeface="Avenir Next Regular"/>
+              </a:defRPr>
+            </a:pPr>
+            <a:r>
+              <a:rPr lang="en-US" dirty="0"/>
+              <a:t>Time savings</a:t>
+            </a:r>
+          </a:p>
+          <a:p>
+            <a:pPr marL="355600" indent="-285750" defTabSz="228600">
+              <a:spcBef>
+                <a:spcPts val="300"/>
+              </a:spcBef>
+              <a:buClr>
+                <a:srgbClr val="212529"/>
+              </a:buClr>
+              <a:buSzPct val="100000"/>
+              <a:buFont typeface="Arial" panose="020B0604020202020204" pitchFamily="34" charset="0"/>
+              <a:buChar char="•"/>
+              <a:defRPr>
+                <a:solidFill>
+                  <a:srgbClr val="212529"/>
+                </a:solidFill>
+                <a:latin typeface="Avenir Next Regular"/>
+                <a:ea typeface="Avenir Next Regular"/>
+                <a:cs typeface="Avenir Next Regular"/>
+                <a:sym typeface="Avenir Next Regular"/>
+              </a:defRPr>
+            </a:pPr>
+            <a:r>
+              <a:rPr dirty="0"/>
+              <a:t>You can give a functi</a:t>
+            </a:r>
+            <a:r>
+              <a:rPr lang="en-US" dirty="0"/>
+              <a:t>o</a:t>
+            </a:r>
+            <a:r>
+              <a:rPr dirty="0"/>
+              <a:t>n a </a:t>
+            </a:r>
+            <a:r>
+              <a:rPr lang="en-US" dirty="0"/>
+              <a:t>descriptive</a:t>
+            </a:r>
+            <a:r>
+              <a:rPr dirty="0"/>
+              <a:t> name that makes your code easier to understand.</a:t>
+            </a:r>
+          </a:p>
+          <a:p>
+            <a:pPr marL="355600" indent="-285750" defTabSz="228600">
+              <a:spcBef>
+                <a:spcPts val="300"/>
+              </a:spcBef>
+              <a:buClr>
+                <a:srgbClr val="212529"/>
+              </a:buClr>
+              <a:buSzPct val="100000"/>
+              <a:buFont typeface="Arial" panose="020B0604020202020204" pitchFamily="34" charset="0"/>
+              <a:buChar char="•"/>
+              <a:defRPr>
+                <a:solidFill>
+                  <a:srgbClr val="212529"/>
+                </a:solidFill>
+                <a:latin typeface="Avenir Next Regular"/>
+                <a:ea typeface="Avenir Next Regular"/>
+                <a:cs typeface="Avenir Next Regular"/>
+                <a:sym typeface="Avenir Next Regular"/>
+              </a:defRPr>
+            </a:pPr>
+            <a:r>
+              <a:rPr dirty="0"/>
+              <a:t>As requirements change, you only n</a:t>
+            </a:r>
+            <a:r>
+              <a:rPr lang="en-US" dirty="0"/>
+              <a:t>e</a:t>
+            </a:r>
+            <a:r>
+              <a:rPr dirty="0"/>
+              <a:t>ed to update code in one place, instead of many.</a:t>
+            </a:r>
+          </a:p>
+          <a:p>
+            <a:pPr marL="355600" indent="-285750" defTabSz="228600">
+              <a:spcBef>
+                <a:spcPts val="300"/>
+              </a:spcBef>
+              <a:buClr>
+                <a:srgbClr val="212529"/>
+              </a:buClr>
+              <a:buSzPct val="100000"/>
+              <a:buFont typeface="Arial" panose="020B0604020202020204" pitchFamily="34" charset="0"/>
+              <a:buChar char="•"/>
+              <a:defRPr>
+                <a:solidFill>
+                  <a:srgbClr val="212529"/>
+                </a:solidFill>
+                <a:latin typeface="Avenir Next Regular"/>
+                <a:ea typeface="Avenir Next Regular"/>
+                <a:cs typeface="Avenir Next Regular"/>
+                <a:sym typeface="Avenir Next Regular"/>
+              </a:defRPr>
+            </a:pPr>
+            <a:r>
+              <a:rPr dirty="0"/>
+              <a:t>You eliminate the chance of making incidental mistakes when you copy and paste </a:t>
+            </a:r>
+            <a:endParaRPr lang="en-US" dirty="0"/>
+          </a:p>
+          <a:p>
+            <a:pPr marL="527050" lvl="1" defTabSz="228600">
+              <a:spcBef>
+                <a:spcPts val="300"/>
+              </a:spcBef>
+              <a:buClr>
+                <a:srgbClr val="212529"/>
+              </a:buClr>
+              <a:buSzPct val="100000"/>
+              <a:defRPr>
+                <a:solidFill>
+                  <a:srgbClr val="212529"/>
+                </a:solidFill>
+                <a:latin typeface="Avenir Next Regular"/>
+                <a:ea typeface="Avenir Next Regular"/>
+                <a:cs typeface="Avenir Next Regular"/>
+                <a:sym typeface="Avenir Next Regular"/>
+              </a:defRPr>
+            </a:pPr>
+            <a:r>
+              <a:rPr dirty="0"/>
+              <a:t>(i.e. updating a variable name in one place, but not in another).</a:t>
+            </a:r>
+            <a:br>
+              <a:rPr dirty="0"/>
+            </a:br>
+            <a:endParaRPr dirty="0"/>
+          </a:p>
+        </p:txBody>
+      </p:sp>
+      <p:sp>
+        <p:nvSpPr>
+          <p:cNvPr id="395" name="-https://r4ds.had.co.nz/functions.html"/>
+          <p:cNvSpPr txBox="1"/>
+          <p:nvPr/>
+        </p:nvSpPr>
+        <p:spPr>
+          <a:xfrm>
+            <a:off x="9674735" y="6181098"/>
+            <a:ext cx="1888337" cy="189796"/>
+          </a:xfrm>
+          <a:prstGeom prst="rect">
+            <a:avLst/>
+          </a:prstGeom>
+          <a:ln w="12700">
+            <a:miter lim="400000"/>
+          </a:ln>
+          <a:extLst>
+            <a:ext uri="{C572A759-6A51-4108-AA02-DFA0A04FC94B}">
+              <ma14:wrappingTextBoxFlag xmlns:ma14="http://schemas.microsoft.com/office/mac/drawingml/2011/main" xmlns:a14="http://schemas.microsoft.com/office/drawing/2010/main" xmlns:m="http://schemas.openxmlformats.org/officeDocument/2006/math" xmlns="" val="1"/>
+            </a:ext>
+          </a:extLst>
+        </p:spPr>
+        <p:txBody>
+          <a:bodyPr wrap="none" lIns="25400" tIns="25400" rIns="25400" bIns="25400" anchor="ctr">
+            <a:spAutoFit/>
+          </a:bodyPr>
+          <a:lstStyle/>
+          <a:p>
+            <a:r>
+              <a:rPr sz="900" dirty="0"/>
+              <a:t> -https://r4ds.had.co.nz/</a:t>
+            </a:r>
+            <a:r>
+              <a:rPr sz="900" dirty="0" err="1"/>
+              <a:t>functions.html</a:t>
+            </a:r>
+            <a:endParaRPr sz="900" dirty="0"/>
+          </a:p>
+        </p:txBody>
+      </p:sp>
+      <p:sp>
+        <p:nvSpPr>
+          <p:cNvPr id="396" name="Reasons to make a new function"/>
+          <p:cNvSpPr txBox="1"/>
+          <p:nvPr/>
+        </p:nvSpPr>
+        <p:spPr>
+          <a:xfrm>
+            <a:off x="417099" y="4093485"/>
+            <a:ext cx="3417089" cy="328295"/>
+          </a:xfrm>
+          <a:prstGeom prst="rect">
+            <a:avLst/>
+          </a:prstGeom>
+          <a:ln w="12700">
+            <a:miter lim="400000"/>
+          </a:ln>
+          <a:extLst>
+            <a:ext uri="{C572A759-6A51-4108-AA02-DFA0A04FC94B}">
+              <ma14:wrappingTextBoxFlag xmlns:ma14="http://schemas.microsoft.com/office/mac/drawingml/2011/main" xmlns:a14="http://schemas.microsoft.com/office/drawing/2010/main" xmlns:m="http://schemas.openxmlformats.org/officeDocument/2006/math" xmlns="" val="1"/>
+            </a:ext>
+          </a:extLst>
+        </p:spPr>
+        <p:txBody>
+          <a:bodyPr wrap="none" lIns="25400" tIns="25400" rIns="25400" bIns="25400" anchor="ctr">
+            <a:spAutoFit/>
+          </a:bodyPr>
+          <a:lstStyle>
+            <a:lvl1pPr>
+              <a:defRPr sz="3600">
+                <a:solidFill>
+                  <a:schemeClr val="accent1">
+                    <a:lumOff val="-13575"/>
+                  </a:schemeClr>
+                </a:solidFill>
+                <a:latin typeface="Avenir Next Regular"/>
+                <a:ea typeface="Avenir Next Regular"/>
+                <a:cs typeface="Avenir Next Regular"/>
+                <a:sym typeface="Avenir Next Regular"/>
+              </a:defRPr>
+            </a:lvl1pPr>
+          </a:lstStyle>
+          <a:p>
+            <a:r>
+              <a:rPr sz="1800" dirty="0"/>
+              <a:t>Reasons to make a new function</a:t>
+            </a:r>
+          </a:p>
+        </p:txBody>
+      </p:sp>
+      <p:sp>
+        <p:nvSpPr>
+          <p:cNvPr id="397" name="Any chunk of code you are going to reuse - can be built in or come with a package or user made…"/>
+          <p:cNvSpPr txBox="1"/>
+          <p:nvPr/>
+        </p:nvSpPr>
+        <p:spPr>
+          <a:xfrm>
+            <a:off x="518306" y="1276929"/>
+            <a:ext cx="6631765" cy="1159292"/>
+          </a:xfrm>
+          <a:prstGeom prst="rect">
+            <a:avLst/>
+          </a:prstGeom>
+          <a:ln w="12700">
+            <a:miter lim="400000"/>
+          </a:ln>
+          <a:extLst>
+            <a:ext uri="{C572A759-6A51-4108-AA02-DFA0A04FC94B}">
+              <ma14:wrappingTextBoxFlag xmlns:ma14="http://schemas.microsoft.com/office/mac/drawingml/2011/main" xmlns:a14="http://schemas.microsoft.com/office/drawing/2010/main" xmlns:m="http://schemas.openxmlformats.org/officeDocument/2006/math" xmlns="" val="1"/>
+            </a:ext>
+          </a:extLst>
+        </p:spPr>
+        <p:txBody>
+          <a:bodyPr wrap="square" lIns="25400" tIns="25400" rIns="25400" bIns="25400" anchor="ctr">
+            <a:spAutoFit/>
+          </a:bodyPr>
+          <a:lstStyle/>
+          <a:p>
+            <a:pPr marL="114300" indent="-114300">
+              <a:buSzPct val="100000"/>
+              <a:buChar char="•"/>
+            </a:pPr>
+            <a:r>
+              <a:rPr dirty="0"/>
+              <a:t>Any chunk of code you are going to reuse - can be built in or come with a package or user made</a:t>
+            </a:r>
+          </a:p>
+          <a:p>
+            <a:pPr marL="114300" indent="-114300">
+              <a:buSzPct val="100000"/>
+              <a:buChar char="•"/>
+            </a:pPr>
+            <a:r>
+              <a:rPr dirty="0"/>
+              <a:t>Can take 0 or more arguments</a:t>
+            </a:r>
+          </a:p>
+          <a:p>
+            <a:pPr marL="114300" indent="-114300">
+              <a:buSzPct val="100000"/>
+              <a:buChar char="•"/>
+            </a:pPr>
+            <a:r>
+              <a:rPr dirty="0"/>
+              <a:t>Can return some value(s) or objects</a:t>
+            </a:r>
+          </a:p>
+        </p:txBody>
+      </p:sp>
+      <p:sp>
+        <p:nvSpPr>
+          <p:cNvPr id="398" name="What are functions"/>
+          <p:cNvSpPr txBox="1"/>
+          <p:nvPr/>
+        </p:nvSpPr>
+        <p:spPr>
+          <a:xfrm>
+            <a:off x="518306" y="885933"/>
+            <a:ext cx="2018822" cy="328295"/>
+          </a:xfrm>
+          <a:prstGeom prst="rect">
+            <a:avLst/>
+          </a:prstGeom>
+          <a:ln w="12700">
+            <a:miter lim="400000"/>
+          </a:ln>
+          <a:extLst>
+            <a:ext uri="{C572A759-6A51-4108-AA02-DFA0A04FC94B}">
+              <ma14:wrappingTextBoxFlag xmlns:ma14="http://schemas.microsoft.com/office/mac/drawingml/2011/main" xmlns:a14="http://schemas.microsoft.com/office/drawing/2010/main" xmlns:m="http://schemas.openxmlformats.org/officeDocument/2006/math" xmlns="" val="1"/>
+            </a:ext>
+          </a:extLst>
+        </p:spPr>
+        <p:txBody>
+          <a:bodyPr wrap="none" lIns="25400" tIns="25400" rIns="25400" bIns="25400" anchor="ctr">
+            <a:spAutoFit/>
+          </a:bodyPr>
+          <a:lstStyle>
+            <a:lvl1pPr>
+              <a:defRPr sz="3600">
+                <a:solidFill>
+                  <a:schemeClr val="accent1">
+                    <a:lumOff val="-13575"/>
+                  </a:schemeClr>
+                </a:solidFill>
+                <a:latin typeface="Avenir Next Regular"/>
+                <a:ea typeface="Avenir Next Regular"/>
+                <a:cs typeface="Avenir Next Regular"/>
+                <a:sym typeface="Avenir Next Regular"/>
+              </a:defRPr>
+            </a:lvl1pPr>
+          </a:lstStyle>
+          <a:p>
+            <a:r>
+              <a:rPr sz="1800" dirty="0"/>
+              <a:t>What are functions</a:t>
+            </a:r>
+          </a:p>
+        </p:txBody>
+      </p:sp>
+      <p:pic>
+        <p:nvPicPr>
+          <p:cNvPr id="2" name="Picture 1">
+            <a:extLst>
+              <a:ext uri="{FF2B5EF4-FFF2-40B4-BE49-F238E27FC236}">
+                <a16:creationId xmlns:a16="http://schemas.microsoft.com/office/drawing/2014/main" id="{FB7A7431-E88C-E9CF-C22F-AC7EF771DCDB}"/>
+              </a:ext>
+            </a:extLst>
+          </p:cNvPr>
+          <p:cNvPicPr>
+            <a:picLocks noChangeAspect="1"/>
+          </p:cNvPicPr>
+          <p:nvPr/>
+        </p:nvPicPr>
+        <p:blipFill>
+          <a:blip r:embed="rId2"/>
+          <a:stretch>
+            <a:fillRect/>
+          </a:stretch>
+        </p:blipFill>
+        <p:spPr>
+          <a:xfrm>
+            <a:off x="6801651" y="597758"/>
+            <a:ext cx="4655016" cy="3689762"/>
+          </a:xfrm>
+          <a:prstGeom prst="rect">
+            <a:avLst/>
+          </a:prstGeom>
+        </p:spPr>
+      </p:pic>
+      <p:sp>
+        <p:nvSpPr>
+          <p:cNvPr id="4" name="TextBox 3">
+            <a:extLst>
+              <a:ext uri="{FF2B5EF4-FFF2-40B4-BE49-F238E27FC236}">
+                <a16:creationId xmlns:a16="http://schemas.microsoft.com/office/drawing/2014/main" id="{F451805A-0E44-C150-4134-EB8DE67D9954}"/>
+              </a:ext>
+            </a:extLst>
+          </p:cNvPr>
+          <p:cNvSpPr txBox="1"/>
+          <p:nvPr/>
+        </p:nvSpPr>
+        <p:spPr>
+          <a:xfrm>
+            <a:off x="9428480" y="5811766"/>
+            <a:ext cx="6096000" cy="369332"/>
+          </a:xfrm>
+          <a:prstGeom prst="rect">
+            <a:avLst/>
+          </a:prstGeom>
+          <a:noFill/>
+        </p:spPr>
+        <p:txBody>
+          <a:bodyPr wrap="square">
+            <a:spAutoFit/>
+          </a:bodyPr>
+          <a:lstStyle/>
+          <a:p>
+            <a:r>
+              <a:rPr lang="en-US" dirty="0"/>
+              <a:t>https://</a:t>
+            </a:r>
+            <a:r>
+              <a:rPr lang="en-US" dirty="0" err="1"/>
+              <a:t>xkcd.com</a:t>
+            </a:r>
+            <a:r>
+              <a:rPr lang="en-US" dirty="0"/>
+              <a:t>/1205/</a:t>
+            </a:r>
+          </a:p>
+        </p:txBody>
+      </p:sp>
+    </p:spTree>
+    <p:extLst>
+      <p:ext uri="{BB962C8B-B14F-4D97-AF65-F5344CB8AC3E}">
+        <p14:creationId xmlns:p14="http://schemas.microsoft.com/office/powerpoint/2010/main" val="1996646748"/>
+      </p:ext>
+    </p:extLst>
+  </p:cSld>
+  <p:clrMapOvr>
+    <a:masterClrMapping/>
+  </p:clrMapOvr>
+</p:sld>
+</file>
+
+<file path=ppt/slides/slide15.xml><?xml version="1.0" encoding="utf-8"?>
+<p:sld xmlns:a="http://schemas.openxmlformats.org/drawingml/2006/main" xmlns:r="http://schemas.openxmlformats.org/officeDocument/2006/relationships" xmlns:p="http://schemas.openxmlformats.org/presentationml/2006/main">
+  <p:cSld>
+    <p:spTree>
+      <p:nvGrpSpPr>
+        <p:cNvPr id="1" name=""/>
+        <p:cNvGrpSpPr/>
+        <p:nvPr/>
+      </p:nvGrpSpPr>
+      <p:grpSpPr>
+        <a:xfrm>
+          <a:off x="0" y="0"/>
+          <a:ext cx="0" cy="0"/>
+          <a:chOff x="0" y="0"/>
+          <a:chExt cx="0" cy="0"/>
+        </a:xfrm>
+      </p:grpSpPr>
+      <p:sp>
+        <p:nvSpPr>
+          <p:cNvPr id="5" name="TextBox 4">
+            <a:extLst>
+              <a:ext uri="{FF2B5EF4-FFF2-40B4-BE49-F238E27FC236}">
+                <a16:creationId xmlns:a16="http://schemas.microsoft.com/office/drawing/2014/main" id="{329A493F-FCD9-7CA9-DCC5-2EC6A8A29730}"/>
+              </a:ext>
+            </a:extLst>
+          </p:cNvPr>
+          <p:cNvSpPr txBox="1"/>
+          <p:nvPr/>
+        </p:nvSpPr>
+        <p:spPr>
+          <a:xfrm>
+            <a:off x="4991463" y="137433"/>
+            <a:ext cx="1534394" cy="369332"/>
+          </a:xfrm>
+          <a:prstGeom prst="rect">
+            <a:avLst/>
+          </a:prstGeom>
+          <a:noFill/>
+        </p:spPr>
+        <p:txBody>
+          <a:bodyPr wrap="none" rtlCol="0">
+            <a:spAutoFit/>
+          </a:bodyPr>
+          <a:lstStyle/>
+          <a:p>
+            <a:r>
+              <a:rPr lang="en-US" dirty="0"/>
+              <a:t>Basic Function</a:t>
+            </a:r>
+          </a:p>
+        </p:txBody>
+      </p:sp>
+      <p:pic>
+        <p:nvPicPr>
+          <p:cNvPr id="6" name="Picture 5">
+            <a:extLst>
+              <a:ext uri="{FF2B5EF4-FFF2-40B4-BE49-F238E27FC236}">
+                <a16:creationId xmlns:a16="http://schemas.microsoft.com/office/drawing/2014/main" id="{72066490-4A50-1E52-4903-99915B0533A6}"/>
+              </a:ext>
+            </a:extLst>
+          </p:cNvPr>
+          <p:cNvPicPr>
+            <a:picLocks noChangeAspect="1"/>
+          </p:cNvPicPr>
+          <p:nvPr/>
+        </p:nvPicPr>
+        <p:blipFill>
+          <a:blip r:embed="rId2"/>
+          <a:stretch>
+            <a:fillRect/>
+          </a:stretch>
+        </p:blipFill>
+        <p:spPr>
+          <a:xfrm>
+            <a:off x="6449540" y="3094264"/>
+            <a:ext cx="2400300" cy="520700"/>
+          </a:xfrm>
+          <a:prstGeom prst="rect">
+            <a:avLst/>
+          </a:prstGeom>
+        </p:spPr>
+      </p:pic>
+      <p:pic>
+        <p:nvPicPr>
+          <p:cNvPr id="7" name="Picture 6">
+            <a:extLst>
+              <a:ext uri="{FF2B5EF4-FFF2-40B4-BE49-F238E27FC236}">
+                <a16:creationId xmlns:a16="http://schemas.microsoft.com/office/drawing/2014/main" id="{77D80E2F-BE9F-BAFB-09A6-37EFF5A5775C}"/>
+              </a:ext>
+            </a:extLst>
+          </p:cNvPr>
+          <p:cNvPicPr>
+            <a:picLocks noChangeAspect="1"/>
+          </p:cNvPicPr>
+          <p:nvPr/>
+        </p:nvPicPr>
+        <p:blipFill>
+          <a:blip r:embed="rId3"/>
+          <a:stretch>
+            <a:fillRect/>
+          </a:stretch>
+        </p:blipFill>
+        <p:spPr>
+          <a:xfrm>
+            <a:off x="6454983" y="1670112"/>
+            <a:ext cx="4216400" cy="1054100"/>
+          </a:xfrm>
+          <a:prstGeom prst="rect">
+            <a:avLst/>
+          </a:prstGeom>
+        </p:spPr>
+      </p:pic>
+      <p:sp>
+        <p:nvSpPr>
+          <p:cNvPr id="8" name="TextBox 7">
+            <a:extLst>
+              <a:ext uri="{FF2B5EF4-FFF2-40B4-BE49-F238E27FC236}">
+                <a16:creationId xmlns:a16="http://schemas.microsoft.com/office/drawing/2014/main" id="{1ECB1FD7-0E59-94FC-00CA-3CD30F0175C1}"/>
+              </a:ext>
+            </a:extLst>
+          </p:cNvPr>
+          <p:cNvSpPr txBox="1"/>
+          <p:nvPr/>
+        </p:nvSpPr>
+        <p:spPr>
+          <a:xfrm>
+            <a:off x="5622646" y="1123043"/>
+            <a:ext cx="1590500" cy="369332"/>
+          </a:xfrm>
+          <a:prstGeom prst="rect">
+            <a:avLst/>
+          </a:prstGeom>
+          <a:noFill/>
+        </p:spPr>
+        <p:txBody>
+          <a:bodyPr wrap="none" rtlCol="0">
+            <a:spAutoFit/>
+          </a:bodyPr>
+          <a:lstStyle/>
+          <a:p>
+            <a:r>
+              <a:rPr lang="en-US" dirty="0"/>
+              <a:t>Function name</a:t>
+            </a:r>
+          </a:p>
+        </p:txBody>
+      </p:sp>
+      <p:cxnSp>
+        <p:nvCxnSpPr>
+          <p:cNvPr id="10" name="Straight Arrow Connector 9">
+            <a:extLst>
+              <a:ext uri="{FF2B5EF4-FFF2-40B4-BE49-F238E27FC236}">
+                <a16:creationId xmlns:a16="http://schemas.microsoft.com/office/drawing/2014/main" id="{E77025EA-9293-FFED-DFFF-DB02D893C57E}"/>
+              </a:ext>
+            </a:extLst>
+          </p:cNvPr>
+          <p:cNvCxnSpPr/>
+          <p:nvPr/>
+        </p:nvCxnSpPr>
+        <p:spPr>
+          <a:xfrm>
+            <a:off x="7135586" y="1335377"/>
+            <a:ext cx="155121" cy="334735"/>
+          </a:xfrm>
+          <a:prstGeom prst="straightConnector1">
+            <a:avLst/>
+          </a:prstGeom>
+          <a:ln>
+            <a:tailEnd type="triangle"/>
+          </a:ln>
+        </p:spPr>
+        <p:style>
+          <a:lnRef idx="1">
+            <a:schemeClr val="accent1"/>
+          </a:lnRef>
+          <a:fillRef idx="0">
+            <a:schemeClr val="accent1"/>
+          </a:fillRef>
+          <a:effectRef idx="0">
+            <a:schemeClr val="accent1"/>
+          </a:effectRef>
+          <a:fontRef idx="minor">
+            <a:schemeClr val="tx1"/>
+          </a:fontRef>
+        </p:style>
+      </p:cxnSp>
+      <p:sp>
+        <p:nvSpPr>
+          <p:cNvPr id="12" name="TextBox 11">
+            <a:extLst>
+              <a:ext uri="{FF2B5EF4-FFF2-40B4-BE49-F238E27FC236}">
+                <a16:creationId xmlns:a16="http://schemas.microsoft.com/office/drawing/2014/main" id="{01F89C21-4F61-5000-93C2-1B637C820693}"/>
+              </a:ext>
+            </a:extLst>
+          </p:cNvPr>
+          <p:cNvSpPr txBox="1"/>
+          <p:nvPr/>
+        </p:nvSpPr>
+        <p:spPr>
+          <a:xfrm>
+            <a:off x="4856479" y="1785487"/>
+            <a:ext cx="1964267" cy="646331"/>
+          </a:xfrm>
+          <a:prstGeom prst="rect">
+            <a:avLst/>
+          </a:prstGeom>
+          <a:noFill/>
+        </p:spPr>
+        <p:txBody>
+          <a:bodyPr wrap="square" rtlCol="0">
+            <a:spAutoFit/>
+          </a:bodyPr>
+          <a:lstStyle/>
+          <a:p>
+            <a:r>
+              <a:rPr lang="en-US" dirty="0"/>
+              <a:t>Function</a:t>
+            </a:r>
+          </a:p>
+          <a:p>
+            <a:r>
+              <a:rPr lang="en-US" dirty="0"/>
+              <a:t>body</a:t>
+            </a:r>
+          </a:p>
+        </p:txBody>
+      </p:sp>
+      <p:cxnSp>
+        <p:nvCxnSpPr>
+          <p:cNvPr id="14" name="Straight Arrow Connector 13">
+            <a:extLst>
+              <a:ext uri="{FF2B5EF4-FFF2-40B4-BE49-F238E27FC236}">
+                <a16:creationId xmlns:a16="http://schemas.microsoft.com/office/drawing/2014/main" id="{F74A8A2B-E66D-8ACA-A6B1-D0B88A91536C}"/>
+              </a:ext>
+            </a:extLst>
+          </p:cNvPr>
+          <p:cNvCxnSpPr>
+            <a:endCxn id="12" idx="3"/>
+          </p:cNvCxnSpPr>
+          <p:nvPr/>
+        </p:nvCxnSpPr>
+        <p:spPr>
+          <a:xfrm>
+            <a:off x="5960533" y="2108653"/>
+            <a:ext cx="860213" cy="0"/>
+          </a:xfrm>
+          <a:prstGeom prst="straightConnector1">
+            <a:avLst/>
+          </a:prstGeom>
+          <a:ln>
+            <a:tailEnd type="triangle"/>
+          </a:ln>
+        </p:spPr>
+        <p:style>
+          <a:lnRef idx="1">
+            <a:schemeClr val="accent1"/>
+          </a:lnRef>
+          <a:fillRef idx="0">
+            <a:schemeClr val="accent1"/>
+          </a:fillRef>
+          <a:effectRef idx="0">
+            <a:schemeClr val="accent1"/>
+          </a:effectRef>
+          <a:fontRef idx="minor">
+            <a:schemeClr val="tx1"/>
+          </a:fontRef>
+        </p:style>
+      </p:cxnSp>
+      <p:sp>
+        <p:nvSpPr>
+          <p:cNvPr id="15" name="TextBox 14">
+            <a:extLst>
+              <a:ext uri="{FF2B5EF4-FFF2-40B4-BE49-F238E27FC236}">
+                <a16:creationId xmlns:a16="http://schemas.microsoft.com/office/drawing/2014/main" id="{ECD6190A-089B-853B-4654-D77B6212B547}"/>
+              </a:ext>
+            </a:extLst>
+          </p:cNvPr>
+          <p:cNvSpPr txBox="1"/>
+          <p:nvPr/>
+        </p:nvSpPr>
+        <p:spPr>
+          <a:xfrm>
+            <a:off x="4585477" y="2909598"/>
+            <a:ext cx="1375056" cy="369332"/>
+          </a:xfrm>
+          <a:prstGeom prst="rect">
+            <a:avLst/>
+          </a:prstGeom>
+          <a:noFill/>
+        </p:spPr>
+        <p:txBody>
+          <a:bodyPr wrap="none" rtlCol="0">
+            <a:spAutoFit/>
+          </a:bodyPr>
+          <a:lstStyle/>
+          <a:p>
+            <a:r>
+              <a:rPr lang="en-US" dirty="0"/>
+              <a:t>Return value</a:t>
+            </a:r>
+          </a:p>
+        </p:txBody>
+      </p:sp>
+      <p:cxnSp>
+        <p:nvCxnSpPr>
+          <p:cNvPr id="17" name="Straight Arrow Connector 16">
+            <a:extLst>
+              <a:ext uri="{FF2B5EF4-FFF2-40B4-BE49-F238E27FC236}">
+                <a16:creationId xmlns:a16="http://schemas.microsoft.com/office/drawing/2014/main" id="{6C47EBB0-D2A2-36D7-89CF-8F98575913CE}"/>
+              </a:ext>
+            </a:extLst>
+          </p:cNvPr>
+          <p:cNvCxnSpPr/>
+          <p:nvPr/>
+        </p:nvCxnSpPr>
+        <p:spPr>
+          <a:xfrm flipV="1">
+            <a:off x="6190827" y="2431818"/>
+            <a:ext cx="799253" cy="575542"/>
+          </a:xfrm>
+          <a:prstGeom prst="straightConnector1">
+            <a:avLst/>
+          </a:prstGeom>
+          <a:ln>
+            <a:tailEnd type="triangle"/>
+          </a:ln>
+        </p:spPr>
+        <p:style>
+          <a:lnRef idx="1">
+            <a:schemeClr val="accent1"/>
+          </a:lnRef>
+          <a:fillRef idx="0">
+            <a:schemeClr val="accent1"/>
+          </a:fillRef>
+          <a:effectRef idx="0">
+            <a:schemeClr val="accent1"/>
+          </a:effectRef>
+          <a:fontRef idx="minor">
+            <a:schemeClr val="tx1"/>
+          </a:fontRef>
+        </p:style>
+      </p:cxnSp>
+      <p:sp>
+        <p:nvSpPr>
+          <p:cNvPr id="18" name="TextBox 17">
+            <a:extLst>
+              <a:ext uri="{FF2B5EF4-FFF2-40B4-BE49-F238E27FC236}">
+                <a16:creationId xmlns:a16="http://schemas.microsoft.com/office/drawing/2014/main" id="{8CB50C4E-F271-6DE9-7873-AAA41844FCFC}"/>
+              </a:ext>
+            </a:extLst>
+          </p:cNvPr>
+          <p:cNvSpPr txBox="1"/>
+          <p:nvPr/>
+        </p:nvSpPr>
+        <p:spPr>
+          <a:xfrm>
+            <a:off x="9482083" y="642136"/>
+            <a:ext cx="1189300" cy="369332"/>
+          </a:xfrm>
+          <a:prstGeom prst="rect">
+            <a:avLst/>
+          </a:prstGeom>
+          <a:noFill/>
+        </p:spPr>
+        <p:txBody>
+          <a:bodyPr wrap="none" rtlCol="0">
+            <a:spAutoFit/>
+          </a:bodyPr>
+          <a:lstStyle/>
+          <a:p>
+            <a:r>
+              <a:rPr lang="en-US" dirty="0"/>
+              <a:t>arguments</a:t>
+            </a:r>
+          </a:p>
+        </p:txBody>
+      </p:sp>
+      <p:cxnSp>
+        <p:nvCxnSpPr>
+          <p:cNvPr id="20" name="Straight Arrow Connector 19">
+            <a:extLst>
+              <a:ext uri="{FF2B5EF4-FFF2-40B4-BE49-F238E27FC236}">
+                <a16:creationId xmlns:a16="http://schemas.microsoft.com/office/drawing/2014/main" id="{41F52DD0-7175-D640-E972-5CA407C0D27B}"/>
+              </a:ext>
+            </a:extLst>
+          </p:cNvPr>
+          <p:cNvCxnSpPr/>
+          <p:nvPr/>
+        </p:nvCxnSpPr>
+        <p:spPr>
+          <a:xfrm flipH="1">
+            <a:off x="9821333" y="1123043"/>
+            <a:ext cx="115147" cy="495784"/>
+          </a:xfrm>
+          <a:prstGeom prst="straightConnector1">
+            <a:avLst/>
+          </a:prstGeom>
+          <a:ln>
+            <a:tailEnd type="triangle"/>
+          </a:ln>
+        </p:spPr>
+        <p:style>
+          <a:lnRef idx="1">
+            <a:schemeClr val="accent1"/>
+          </a:lnRef>
+          <a:fillRef idx="0">
+            <a:schemeClr val="accent1"/>
+          </a:fillRef>
+          <a:effectRef idx="0">
+            <a:schemeClr val="accent1"/>
+          </a:effectRef>
+          <a:fontRef idx="minor">
+            <a:schemeClr val="tx1"/>
+          </a:fontRef>
+        </p:style>
+      </p:cxnSp>
+      <p:pic>
+        <p:nvPicPr>
+          <p:cNvPr id="22" name="Picture 21">
+            <a:extLst>
+              <a:ext uri="{FF2B5EF4-FFF2-40B4-BE49-F238E27FC236}">
+                <a16:creationId xmlns:a16="http://schemas.microsoft.com/office/drawing/2014/main" id="{E72C0EBA-2156-DC5A-1B3C-788BA2C2091C}"/>
+              </a:ext>
+            </a:extLst>
+          </p:cNvPr>
+          <p:cNvPicPr>
+            <a:picLocks noChangeAspect="1"/>
+          </p:cNvPicPr>
+          <p:nvPr/>
+        </p:nvPicPr>
+        <p:blipFill>
+          <a:blip r:embed="rId4"/>
+          <a:stretch>
+            <a:fillRect/>
+          </a:stretch>
+        </p:blipFill>
+        <p:spPr>
+          <a:xfrm>
+            <a:off x="287189" y="1171756"/>
+            <a:ext cx="3909561" cy="3845016"/>
+          </a:xfrm>
+          <a:prstGeom prst="rect">
+            <a:avLst/>
+          </a:prstGeom>
+        </p:spPr>
+      </p:pic>
+      <p:sp>
+        <p:nvSpPr>
+          <p:cNvPr id="24" name="TextBox 23">
+            <a:extLst>
+              <a:ext uri="{FF2B5EF4-FFF2-40B4-BE49-F238E27FC236}">
+                <a16:creationId xmlns:a16="http://schemas.microsoft.com/office/drawing/2014/main" id="{B02EAA19-E40B-4019-5A5C-8D693759B186}"/>
+              </a:ext>
+            </a:extLst>
+          </p:cNvPr>
+          <p:cNvSpPr txBox="1"/>
+          <p:nvPr/>
+        </p:nvSpPr>
+        <p:spPr>
+          <a:xfrm>
+            <a:off x="389147" y="4973680"/>
+            <a:ext cx="6096000" cy="369332"/>
+          </a:xfrm>
+          <a:prstGeom prst="rect">
+            <a:avLst/>
+          </a:prstGeom>
+          <a:noFill/>
+        </p:spPr>
+        <p:txBody>
+          <a:bodyPr wrap="square">
+            <a:spAutoFit/>
+          </a:bodyPr>
+          <a:lstStyle/>
+          <a:p>
+            <a:r>
+              <a:rPr lang="en-US" dirty="0"/>
+              <a:t>https://</a:t>
+            </a:r>
+            <a:r>
+              <a:rPr lang="en-US" dirty="0" err="1"/>
+              <a:t>xkcd.com</a:t>
+            </a:r>
+            <a:r>
+              <a:rPr lang="en-US" dirty="0"/>
+              <a:t>/1319/</a:t>
+            </a:r>
+          </a:p>
+        </p:txBody>
+      </p:sp>
+    </p:spTree>
+    <p:extLst>
+      <p:ext uri="{BB962C8B-B14F-4D97-AF65-F5344CB8AC3E}">
+        <p14:creationId xmlns:p14="http://schemas.microsoft.com/office/powerpoint/2010/main" val="3179177417"/>
+      </p:ext>
+    </p:extLst>
+  </p:cSld>
+  <p:clrMapOvr>
+    <a:masterClrMapping/>
+  </p:clrMapOvr>
+</p:sld>
+</file>
+
+<file path=ppt/slides/slide16.xml><?xml version="1.0" encoding="utf-8"?>
+<p:sld xmlns:a="http://schemas.openxmlformats.org/drawingml/2006/main" xmlns:r="http://schemas.openxmlformats.org/officeDocument/2006/relationships" xmlns:p="http://schemas.openxmlformats.org/presentationml/2006/main">
+  <p:cSld>
+    <p:spTree>
+      <p:nvGrpSpPr>
+        <p:cNvPr id="1" name=""/>
+        <p:cNvGrpSpPr/>
+        <p:nvPr/>
+      </p:nvGrpSpPr>
+      <p:grpSpPr>
+        <a:xfrm>
+          <a:off x="0" y="0"/>
+          <a:ext cx="0" cy="0"/>
+          <a:chOff x="0" y="0"/>
+          <a:chExt cx="0" cy="0"/>
+        </a:xfrm>
+      </p:grpSpPr>
+      <p:sp>
+        <p:nvSpPr>
+          <p:cNvPr id="2" name="TextBox 1">
+            <a:extLst>
+              <a:ext uri="{FF2B5EF4-FFF2-40B4-BE49-F238E27FC236}">
+                <a16:creationId xmlns:a16="http://schemas.microsoft.com/office/drawing/2014/main" id="{9D9A0DC5-96D6-AC76-09C9-5C35E3822F89}"/>
+              </a:ext>
+            </a:extLst>
+          </p:cNvPr>
+          <p:cNvSpPr txBox="1"/>
+          <p:nvPr/>
+        </p:nvSpPr>
+        <p:spPr>
+          <a:xfrm>
+            <a:off x="3239510" y="217808"/>
+            <a:ext cx="7354671" cy="369332"/>
+          </a:xfrm>
+          <a:prstGeom prst="rect">
+            <a:avLst/>
+          </a:prstGeom>
+          <a:noFill/>
+        </p:spPr>
+        <p:txBody>
+          <a:bodyPr wrap="square" rtlCol="0">
+            <a:spAutoFit/>
+          </a:bodyPr>
+          <a:lstStyle/>
+          <a:p>
+            <a:r>
+              <a:rPr lang="en-US" dirty="0"/>
+              <a:t>Loops (or performing the same operation on many things)</a:t>
+            </a:r>
+          </a:p>
+        </p:txBody>
+      </p:sp>
+      <p:pic>
+        <p:nvPicPr>
+          <p:cNvPr id="3" name="Picture 2">
+            <a:extLst>
+              <a:ext uri="{FF2B5EF4-FFF2-40B4-BE49-F238E27FC236}">
+                <a16:creationId xmlns:a16="http://schemas.microsoft.com/office/drawing/2014/main" id="{3D89E326-CBC1-B343-AC5F-DB5EF52F9679}"/>
+              </a:ext>
+            </a:extLst>
+          </p:cNvPr>
+          <p:cNvPicPr>
+            <a:picLocks noChangeAspect="1"/>
+          </p:cNvPicPr>
+          <p:nvPr/>
+        </p:nvPicPr>
+        <p:blipFill>
+          <a:blip r:embed="rId2"/>
+          <a:stretch>
+            <a:fillRect/>
+          </a:stretch>
+        </p:blipFill>
+        <p:spPr>
+          <a:xfrm>
+            <a:off x="1156347" y="1200714"/>
+            <a:ext cx="3329684" cy="657715"/>
+          </a:xfrm>
+          <a:prstGeom prst="rect">
+            <a:avLst/>
+          </a:prstGeom>
+        </p:spPr>
+      </p:pic>
+      <p:pic>
+        <p:nvPicPr>
+          <p:cNvPr id="4" name="Picture 3">
+            <a:extLst>
+              <a:ext uri="{FF2B5EF4-FFF2-40B4-BE49-F238E27FC236}">
+                <a16:creationId xmlns:a16="http://schemas.microsoft.com/office/drawing/2014/main" id="{A06AB6A5-131B-1B94-1BE1-975CE2DF3AA1}"/>
+              </a:ext>
+            </a:extLst>
+          </p:cNvPr>
+          <p:cNvPicPr>
+            <a:picLocks noChangeAspect="1"/>
+          </p:cNvPicPr>
+          <p:nvPr/>
+        </p:nvPicPr>
+        <p:blipFill>
+          <a:blip r:embed="rId3"/>
+          <a:stretch>
+            <a:fillRect/>
+          </a:stretch>
+        </p:blipFill>
+        <p:spPr>
+          <a:xfrm>
+            <a:off x="1156347" y="2054491"/>
+            <a:ext cx="3594100" cy="520700"/>
+          </a:xfrm>
+          <a:prstGeom prst="rect">
+            <a:avLst/>
+          </a:prstGeom>
+        </p:spPr>
+      </p:pic>
+      <p:pic>
+        <p:nvPicPr>
+          <p:cNvPr id="5" name="Picture 4">
+            <a:extLst>
+              <a:ext uri="{FF2B5EF4-FFF2-40B4-BE49-F238E27FC236}">
+                <a16:creationId xmlns:a16="http://schemas.microsoft.com/office/drawing/2014/main" id="{4E4B3A31-4713-10F1-264E-753EE869728F}"/>
+              </a:ext>
+            </a:extLst>
+          </p:cNvPr>
+          <p:cNvPicPr>
+            <a:picLocks noChangeAspect="1"/>
+          </p:cNvPicPr>
+          <p:nvPr/>
+        </p:nvPicPr>
+        <p:blipFill>
+          <a:blip r:embed="rId4"/>
+          <a:stretch>
+            <a:fillRect/>
+          </a:stretch>
+        </p:blipFill>
+        <p:spPr>
+          <a:xfrm>
+            <a:off x="5405327" y="1529571"/>
+            <a:ext cx="5630326" cy="1207767"/>
+          </a:xfrm>
+          <a:prstGeom prst="rect">
+            <a:avLst/>
+          </a:prstGeom>
+        </p:spPr>
+      </p:pic>
+      <p:pic>
+        <p:nvPicPr>
+          <p:cNvPr id="6" name="Picture 5">
+            <a:extLst>
+              <a:ext uri="{FF2B5EF4-FFF2-40B4-BE49-F238E27FC236}">
+                <a16:creationId xmlns:a16="http://schemas.microsoft.com/office/drawing/2014/main" id="{13B6F9A7-E702-6C17-D8C5-F7823C8D690E}"/>
+              </a:ext>
+            </a:extLst>
+          </p:cNvPr>
+          <p:cNvPicPr>
+            <a:picLocks noChangeAspect="1"/>
+          </p:cNvPicPr>
+          <p:nvPr/>
+        </p:nvPicPr>
+        <p:blipFill>
+          <a:blip r:embed="rId5"/>
+          <a:stretch>
+            <a:fillRect/>
+          </a:stretch>
+        </p:blipFill>
+        <p:spPr>
+          <a:xfrm>
+            <a:off x="5405327" y="3003550"/>
+            <a:ext cx="2722684" cy="2794334"/>
+          </a:xfrm>
+          <a:prstGeom prst="rect">
+            <a:avLst/>
+          </a:prstGeom>
+        </p:spPr>
+      </p:pic>
+    </p:spTree>
+    <p:extLst>
+      <p:ext uri="{BB962C8B-B14F-4D97-AF65-F5344CB8AC3E}">
+        <p14:creationId xmlns:p14="http://schemas.microsoft.com/office/powerpoint/2010/main" val="2694943225"/>
+      </p:ext>
+    </p:extLst>
+  </p:cSld>
+  <p:clrMapOvr>
+    <a:masterClrMapping/>
+  </p:clrMapOvr>
+</p:sld>
+</file>
+
+<file path=ppt/slides/slide17.xml><?xml version="1.0" encoding="utf-8"?>
+<p:sld xmlns:a="http://schemas.openxmlformats.org/drawingml/2006/main" xmlns:r="http://schemas.openxmlformats.org/officeDocument/2006/relationships" xmlns:p="http://schemas.openxmlformats.org/presentationml/2006/main">
+  <p:cSld>
+    <p:spTree>
+      <p:nvGrpSpPr>
+        <p:cNvPr id="1" name=""/>
+        <p:cNvGrpSpPr/>
+        <p:nvPr/>
+      </p:nvGrpSpPr>
+      <p:grpSpPr>
+        <a:xfrm>
+          <a:off x="0" y="0"/>
+          <a:ext cx="0" cy="0"/>
+          <a:chOff x="0" y="0"/>
+          <a:chExt cx="0" cy="0"/>
+        </a:xfrm>
+      </p:grpSpPr>
+      <p:sp>
+        <p:nvSpPr>
           <p:cNvPr id="2" name="TextBox 1">
             <a:extLst>
               <a:ext uri="{FF2B5EF4-FFF2-40B4-BE49-F238E27FC236}">
@@ -5698,7 +6088,7 @@
 </p:sld>
 </file>
 
-<file path=ppt/slides/slide15.xml><?xml version="1.0" encoding="utf-8"?>
+<file path=ppt/slides/slide18.xml><?xml version="1.0" encoding="utf-8"?>
 <p:sld xmlns:a="http://schemas.openxmlformats.org/drawingml/2006/main" xmlns:r="http://schemas.openxmlformats.org/officeDocument/2006/relationships" xmlns:p="http://schemas.openxmlformats.org/presentationml/2006/main">
   <p:cSld>
     <p:spTree>
@@ -6045,7 +6435,7 @@
 </p:sld>
 </file>
 
-<file path=ppt/slides/slide16.xml><?xml version="1.0" encoding="utf-8"?>
+<file path=ppt/slides/slide19.xml><?xml version="1.0" encoding="utf-8"?>
 <p:sld xmlns:a="http://schemas.openxmlformats.org/drawingml/2006/main" xmlns:r="http://schemas.openxmlformats.org/officeDocument/2006/relationships" xmlns:p="http://schemas.openxmlformats.org/presentationml/2006/main">
   <p:cSld>
     <p:spTree>
@@ -6188,7 +6578,117 @@
 </p:sld>
 </file>
 
-<file path=ppt/slides/slide17.xml><?xml version="1.0" encoding="utf-8"?>
+<file path=ppt/slides/slide2.xml><?xml version="1.0" encoding="utf-8"?>
+<p:sld xmlns:a="http://schemas.openxmlformats.org/drawingml/2006/main" xmlns:r="http://schemas.openxmlformats.org/officeDocument/2006/relationships" xmlns:p="http://schemas.openxmlformats.org/presentationml/2006/main">
+  <p:cSld>
+    <p:spTree>
+      <p:nvGrpSpPr>
+        <p:cNvPr id="1" name=""/>
+        <p:cNvGrpSpPr/>
+        <p:nvPr/>
+      </p:nvGrpSpPr>
+      <p:grpSpPr>
+        <a:xfrm>
+          <a:off x="0" y="0"/>
+          <a:ext cx="0" cy="0"/>
+          <a:chOff x="0" y="0"/>
+          <a:chExt cx="0" cy="0"/>
+        </a:xfrm>
+      </p:grpSpPr>
+      <p:sp>
+        <p:nvSpPr>
+          <p:cNvPr id="2" name="Title 1">
+            <a:extLst>
+              <a:ext uri="{FF2B5EF4-FFF2-40B4-BE49-F238E27FC236}">
+                <a16:creationId xmlns:a16="http://schemas.microsoft.com/office/drawing/2014/main" id="{B4EB949B-90AB-DC09-FBC4-4B96BF4EB896}"/>
+              </a:ext>
+            </a:extLst>
+          </p:cNvPr>
+          <p:cNvSpPr>
+            <a:spLocks noGrp="1"/>
+          </p:cNvSpPr>
+          <p:nvPr>
+            <p:ph type="title"/>
+          </p:nvPr>
+        </p:nvSpPr>
+        <p:spPr/>
+        <p:txBody>
+          <a:bodyPr/>
+          <a:lstStyle/>
+          <a:p>
+            <a:r>
+              <a:rPr lang="en-US" dirty="0"/>
+              <a:t>Recap from last time</a:t>
+            </a:r>
+          </a:p>
+        </p:txBody>
+      </p:sp>
+      <p:sp>
+        <p:nvSpPr>
+          <p:cNvPr id="3" name="Content Placeholder 2">
+            <a:extLst>
+              <a:ext uri="{FF2B5EF4-FFF2-40B4-BE49-F238E27FC236}">
+                <a16:creationId xmlns:a16="http://schemas.microsoft.com/office/drawing/2014/main" id="{EA800592-07B8-8124-CD74-D900599B8C4F}"/>
+              </a:ext>
+            </a:extLst>
+          </p:cNvPr>
+          <p:cNvSpPr>
+            <a:spLocks noGrp="1"/>
+          </p:cNvSpPr>
+          <p:nvPr>
+            <p:ph idx="1"/>
+          </p:nvPr>
+        </p:nvSpPr>
+        <p:spPr/>
+        <p:txBody>
+          <a:bodyPr/>
+          <a:lstStyle/>
+          <a:p>
+            <a:pPr marL="342900" indent="-342900">
+              <a:buAutoNum type="arabicPeriod"/>
+            </a:pPr>
+            <a:r>
+              <a:rPr lang="en-US" dirty="0"/>
+              <a:t>Tidy Data (wide vs long format of data)</a:t>
+            </a:r>
+          </a:p>
+          <a:p>
+            <a:pPr marL="342900" indent="-342900">
+              <a:buAutoNum type="arabicPeriod"/>
+            </a:pPr>
+            <a:r>
+              <a:rPr lang="en-US" dirty="0"/>
+              <a:t>Plotting</a:t>
+            </a:r>
+          </a:p>
+          <a:p>
+            <a:pPr marL="342900" indent="-342900">
+              <a:buAutoNum type="arabicPeriod"/>
+            </a:pPr>
+            <a:r>
+              <a:rPr lang="en-US" dirty="0"/>
+              <a:t>Merging and joining (relational data)</a:t>
+            </a:r>
+          </a:p>
+          <a:p>
+            <a:endParaRPr lang="en-US" dirty="0"/>
+          </a:p>
+        </p:txBody>
+      </p:sp>
+    </p:spTree>
+    <p:extLst>
+      <p:ext uri="{BB962C8B-B14F-4D97-AF65-F5344CB8AC3E}">
+        <p14:creationId xmlns:p14="http://schemas.microsoft.com/office/powerpoint/2010/main" val="3446459360"/>
+      </p:ext>
+    </p:extLst>
+  </p:cSld>
+  <p:clrMapOvr>
+    <a:masterClrMapping/>
+  </p:clrMapOvr>
+</p:sld>
+</file>
+
+<file path=ppt/slides/slide20.xml><?xml version="1.0" encoding="utf-8"?>
 <p:sld xmlns:a="http://schemas.openxmlformats.org/drawingml/2006/main" xmlns:r="http://schemas.openxmlformats.org/officeDocument/2006/relationships" xmlns:p="http://schemas.openxmlformats.org/presentationml/2006/main">
   <p:cSld>
     <p:spTree>
@@ -6622,691 +7122,6 @@
 </p:sld>
 </file>
 
-<file path=ppt/slides/slide18.xml><?xml version="1.0" encoding="utf-8"?>
-<p:sld xmlns:a="http://schemas.openxmlformats.org/drawingml/2006/main" xmlns:r="http://schemas.openxmlformats.org/officeDocument/2006/relationships" xmlns:p="http://schemas.openxmlformats.org/presentationml/2006/main">
-  <p:cSld>
-    <p:spTree>
-      <p:nvGrpSpPr>
-        <p:cNvPr id="1" name=""/>
-        <p:cNvGrpSpPr/>
-        <p:nvPr/>
-      </p:nvGrpSpPr>
-      <p:grpSpPr>
-        <a:xfrm>
-          <a:off x="0" y="0"/>
-          <a:ext cx="0" cy="0"/>
-          <a:chOff x="0" y="0"/>
-          <a:chExt cx="0" cy="0"/>
-        </a:xfrm>
-      </p:grpSpPr>
-      <p:sp>
-        <p:nvSpPr>
-          <p:cNvPr id="2" name="TextBox 1">
-            <a:extLst>
-              <a:ext uri="{FF2B5EF4-FFF2-40B4-BE49-F238E27FC236}">
-                <a16:creationId xmlns:a16="http://schemas.microsoft.com/office/drawing/2014/main" id="{2B40ECDF-3DEA-1F79-21AD-BE0D9E55328C}"/>
-              </a:ext>
-            </a:extLst>
-          </p:cNvPr>
-          <p:cNvSpPr txBox="1"/>
-          <p:nvPr/>
-        </p:nvSpPr>
-        <p:spPr>
-          <a:xfrm>
-            <a:off x="4822614" y="270933"/>
-            <a:ext cx="7321973" cy="369332"/>
-          </a:xfrm>
-          <a:prstGeom prst="rect">
-            <a:avLst/>
-          </a:prstGeom>
-          <a:noFill/>
-        </p:spPr>
-        <p:txBody>
-          <a:bodyPr wrap="square" rtlCol="0">
-            <a:spAutoFit/>
-          </a:bodyPr>
-          <a:lstStyle/>
-          <a:p>
-            <a:r>
-              <a:rPr lang="en-US" dirty="0"/>
-              <a:t>Suggestions for Best Practices</a:t>
-            </a:r>
-          </a:p>
-        </p:txBody>
-      </p:sp>
-      <p:sp>
-        <p:nvSpPr>
-          <p:cNvPr id="3" name="TextBox 2">
-            <a:extLst>
-              <a:ext uri="{FF2B5EF4-FFF2-40B4-BE49-F238E27FC236}">
-                <a16:creationId xmlns:a16="http://schemas.microsoft.com/office/drawing/2014/main" id="{AAA22633-D20E-1653-DD34-7E9124D3224D}"/>
-              </a:ext>
-            </a:extLst>
-          </p:cNvPr>
-          <p:cNvSpPr txBox="1"/>
-          <p:nvPr/>
-        </p:nvSpPr>
-        <p:spPr>
-          <a:xfrm>
-            <a:off x="1761565" y="1385047"/>
-            <a:ext cx="8384241" cy="1477328"/>
-          </a:xfrm>
-          <a:prstGeom prst="rect">
-            <a:avLst/>
-          </a:prstGeom>
-          <a:noFill/>
-        </p:spPr>
-        <p:txBody>
-          <a:bodyPr wrap="square" rtlCol="0">
-            <a:spAutoFit/>
-          </a:bodyPr>
-          <a:lstStyle/>
-          <a:p>
-            <a:pPr marL="342900" indent="-342900">
-              <a:buAutoNum type="arabicPeriod"/>
-            </a:pPr>
-            <a:r>
-              <a:rPr lang="en-US" dirty="0"/>
-              <a:t>Keep a code notebook</a:t>
-            </a:r>
-          </a:p>
-          <a:p>
-            <a:pPr marL="342900" indent="-342900">
-              <a:buAutoNum type="arabicPeriod"/>
-            </a:pPr>
-            <a:r>
-              <a:rPr lang="en-US" dirty="0"/>
-              <a:t>Work in a script and not the console</a:t>
-            </a:r>
-          </a:p>
-          <a:p>
-            <a:pPr marL="342900" indent="-342900">
-              <a:buAutoNum type="arabicPeriod"/>
-            </a:pPr>
-            <a:r>
-              <a:rPr lang="en-US" dirty="0"/>
-              <a:t>Name variables, functions, scripts something descriptive</a:t>
-            </a:r>
-          </a:p>
-          <a:p>
-            <a:pPr marL="342900" indent="-342900">
-              <a:buAutoNum type="arabicPeriod"/>
-            </a:pPr>
-            <a:r>
-              <a:rPr lang="en-US" dirty="0"/>
-              <a:t>Comment your code heavily</a:t>
-            </a:r>
-          </a:p>
-          <a:p>
-            <a:pPr marL="342900" indent="-342900">
-              <a:buAutoNum type="arabicPeriod"/>
-            </a:pPr>
-            <a:r>
-              <a:rPr lang="en-US" dirty="0"/>
-              <a:t>Have a project structure in mind</a:t>
-            </a:r>
-          </a:p>
-        </p:txBody>
-      </p:sp>
-    </p:spTree>
-    <p:extLst>
-      <p:ext uri="{BB962C8B-B14F-4D97-AF65-F5344CB8AC3E}">
-        <p14:creationId xmlns:p14="http://schemas.microsoft.com/office/powerpoint/2010/main" val="3713242240"/>
-      </p:ext>
-    </p:extLst>
-  </p:cSld>
-  <p:clrMapOvr>
-    <a:masterClrMapping/>
-  </p:clrMapOvr>
-</p:sld>
-</file>
-
-<file path=ppt/slides/slide19.xml><?xml version="1.0" encoding="utf-8"?>
-<p:sld xmlns:a="http://schemas.openxmlformats.org/drawingml/2006/main" xmlns:r="http://schemas.openxmlformats.org/officeDocument/2006/relationships" xmlns:p="http://schemas.openxmlformats.org/presentationml/2006/main">
-  <p:cSld>
-    <p:spTree>
-      <p:nvGrpSpPr>
-        <p:cNvPr id="1" name=""/>
-        <p:cNvGrpSpPr/>
-        <p:nvPr/>
-      </p:nvGrpSpPr>
-      <p:grpSpPr>
-        <a:xfrm>
-          <a:off x="0" y="0"/>
-          <a:ext cx="0" cy="0"/>
-          <a:chOff x="0" y="0"/>
-          <a:chExt cx="0" cy="0"/>
-        </a:xfrm>
-      </p:grpSpPr>
-      <p:sp>
-        <p:nvSpPr>
-          <p:cNvPr id="2" name="TextBox 1">
-            <a:extLst>
-              <a:ext uri="{FF2B5EF4-FFF2-40B4-BE49-F238E27FC236}">
-                <a16:creationId xmlns:a16="http://schemas.microsoft.com/office/drawing/2014/main" id="{2B40ECDF-3DEA-1F79-21AD-BE0D9E55328C}"/>
-              </a:ext>
-            </a:extLst>
-          </p:cNvPr>
-          <p:cNvSpPr txBox="1"/>
-          <p:nvPr/>
-        </p:nvSpPr>
-        <p:spPr>
-          <a:xfrm>
-            <a:off x="4822614" y="270933"/>
-            <a:ext cx="7321973" cy="369332"/>
-          </a:xfrm>
-          <a:prstGeom prst="rect">
-            <a:avLst/>
-          </a:prstGeom>
-          <a:noFill/>
-        </p:spPr>
-        <p:txBody>
-          <a:bodyPr wrap="square" rtlCol="0">
-            <a:spAutoFit/>
-          </a:bodyPr>
-          <a:lstStyle/>
-          <a:p>
-            <a:r>
-              <a:rPr lang="en-US" dirty="0"/>
-              <a:t>Suggestions for Best Practices</a:t>
-            </a:r>
-          </a:p>
-        </p:txBody>
-      </p:sp>
-      <p:sp>
-        <p:nvSpPr>
-          <p:cNvPr id="3" name="TextBox 2">
-            <a:extLst>
-              <a:ext uri="{FF2B5EF4-FFF2-40B4-BE49-F238E27FC236}">
-                <a16:creationId xmlns:a16="http://schemas.microsoft.com/office/drawing/2014/main" id="{AAA22633-D20E-1653-DD34-7E9124D3224D}"/>
-              </a:ext>
-            </a:extLst>
-          </p:cNvPr>
-          <p:cNvSpPr txBox="1"/>
-          <p:nvPr/>
-        </p:nvSpPr>
-        <p:spPr>
-          <a:xfrm>
-            <a:off x="1761565" y="1385047"/>
-            <a:ext cx="8384241" cy="1477328"/>
-          </a:xfrm>
-          <a:prstGeom prst="rect">
-            <a:avLst/>
-          </a:prstGeom>
-          <a:noFill/>
-        </p:spPr>
-        <p:txBody>
-          <a:bodyPr wrap="square" rtlCol="0">
-            <a:spAutoFit/>
-          </a:bodyPr>
-          <a:lstStyle/>
-          <a:p>
-            <a:pPr marL="342900" indent="-342900">
-              <a:buAutoNum type="arabicPeriod"/>
-            </a:pPr>
-            <a:r>
-              <a:rPr lang="en-US" dirty="0"/>
-              <a:t>Keep a code notebook</a:t>
-            </a:r>
-          </a:p>
-          <a:p>
-            <a:pPr marL="342900" indent="-342900">
-              <a:buAutoNum type="arabicPeriod"/>
-            </a:pPr>
-            <a:r>
-              <a:rPr lang="en-US" dirty="0"/>
-              <a:t>Work in a script and not the console</a:t>
-            </a:r>
-          </a:p>
-          <a:p>
-            <a:pPr marL="342900" indent="-342900">
-              <a:buAutoNum type="arabicPeriod"/>
-            </a:pPr>
-            <a:r>
-              <a:rPr lang="en-US" dirty="0"/>
-              <a:t>Name variables, functions, scripts something descriptive</a:t>
-            </a:r>
-          </a:p>
-          <a:p>
-            <a:pPr marL="342900" indent="-342900">
-              <a:buAutoNum type="arabicPeriod"/>
-            </a:pPr>
-            <a:r>
-              <a:rPr lang="en-US" dirty="0"/>
-              <a:t>Comment your code heavily</a:t>
-            </a:r>
-          </a:p>
-          <a:p>
-            <a:pPr marL="342900" indent="-342900">
-              <a:buAutoNum type="arabicPeriod"/>
-            </a:pPr>
-            <a:r>
-              <a:rPr lang="en-US" dirty="0"/>
-              <a:t>Have a project structure in mind</a:t>
-            </a:r>
-          </a:p>
-        </p:txBody>
-      </p:sp>
-      <p:pic>
-        <p:nvPicPr>
-          <p:cNvPr id="5" name="Picture 4">
-            <a:extLst>
-              <a:ext uri="{FF2B5EF4-FFF2-40B4-BE49-F238E27FC236}">
-                <a16:creationId xmlns:a16="http://schemas.microsoft.com/office/drawing/2014/main" id="{9B91D5DA-1D3D-2647-609E-9676951A0A0C}"/>
-              </a:ext>
-            </a:extLst>
-          </p:cNvPr>
-          <p:cNvPicPr>
-            <a:picLocks noChangeAspect="1"/>
-          </p:cNvPicPr>
-          <p:nvPr/>
-        </p:nvPicPr>
-        <p:blipFill>
-          <a:blip r:embed="rId2"/>
-          <a:stretch>
-            <a:fillRect/>
-          </a:stretch>
-        </p:blipFill>
-        <p:spPr>
-          <a:xfrm>
-            <a:off x="2726391" y="2974789"/>
-            <a:ext cx="2247900" cy="2387600"/>
-          </a:xfrm>
-          <a:prstGeom prst="rect">
-            <a:avLst/>
-          </a:prstGeom>
-        </p:spPr>
-      </p:pic>
-    </p:spTree>
-    <p:extLst>
-      <p:ext uri="{BB962C8B-B14F-4D97-AF65-F5344CB8AC3E}">
-        <p14:creationId xmlns:p14="http://schemas.microsoft.com/office/powerpoint/2010/main" val="2158544033"/>
-      </p:ext>
-    </p:extLst>
-  </p:cSld>
-  <p:clrMapOvr>
-    <a:masterClrMapping/>
-  </p:clrMapOvr>
-</p:sld>
-</file>
-
-<file path=ppt/slides/slide2.xml><?xml version="1.0" encoding="utf-8"?>
-<p:sld xmlns:a="http://schemas.openxmlformats.org/drawingml/2006/main" xmlns:r="http://schemas.openxmlformats.org/officeDocument/2006/relationships" xmlns:p="http://schemas.openxmlformats.org/presentationml/2006/main">
-  <p:cSld>
-    <p:spTree>
-      <p:nvGrpSpPr>
-        <p:cNvPr id="1" name=""/>
-        <p:cNvGrpSpPr/>
-        <p:nvPr/>
-      </p:nvGrpSpPr>
-      <p:grpSpPr>
-        <a:xfrm>
-          <a:off x="0" y="0"/>
-          <a:ext cx="0" cy="0"/>
-          <a:chOff x="0" y="0"/>
-          <a:chExt cx="0" cy="0"/>
-        </a:xfrm>
-      </p:grpSpPr>
-      <p:sp>
-        <p:nvSpPr>
-          <p:cNvPr id="2" name="Title 1">
-            <a:extLst>
-              <a:ext uri="{FF2B5EF4-FFF2-40B4-BE49-F238E27FC236}">
-                <a16:creationId xmlns:a16="http://schemas.microsoft.com/office/drawing/2014/main" id="{B4EB949B-90AB-DC09-FBC4-4B96BF4EB896}"/>
-              </a:ext>
-            </a:extLst>
-          </p:cNvPr>
-          <p:cNvSpPr>
-            <a:spLocks noGrp="1"/>
-          </p:cNvSpPr>
-          <p:nvPr>
-            <p:ph type="title"/>
-          </p:nvPr>
-        </p:nvSpPr>
-        <p:spPr/>
-        <p:txBody>
-          <a:bodyPr/>
-          <a:lstStyle/>
-          <a:p>
-            <a:r>
-              <a:rPr lang="en-US" dirty="0"/>
-              <a:t>Recap from last time</a:t>
-            </a:r>
-          </a:p>
-        </p:txBody>
-      </p:sp>
-      <p:sp>
-        <p:nvSpPr>
-          <p:cNvPr id="3" name="Content Placeholder 2">
-            <a:extLst>
-              <a:ext uri="{FF2B5EF4-FFF2-40B4-BE49-F238E27FC236}">
-                <a16:creationId xmlns:a16="http://schemas.microsoft.com/office/drawing/2014/main" id="{EA800592-07B8-8124-CD74-D900599B8C4F}"/>
-              </a:ext>
-            </a:extLst>
-          </p:cNvPr>
-          <p:cNvSpPr>
-            <a:spLocks noGrp="1"/>
-          </p:cNvSpPr>
-          <p:nvPr>
-            <p:ph idx="1"/>
-          </p:nvPr>
-        </p:nvSpPr>
-        <p:spPr/>
-        <p:txBody>
-          <a:bodyPr/>
-          <a:lstStyle/>
-          <a:p>
-            <a:pPr marL="342900" indent="-342900">
-              <a:buAutoNum type="arabicPeriod"/>
-            </a:pPr>
-            <a:r>
-              <a:rPr lang="en-US" dirty="0"/>
-              <a:t>Tidy Data (wide vs long format of data)</a:t>
-            </a:r>
-          </a:p>
-          <a:p>
-            <a:pPr marL="342900" indent="-342900">
-              <a:buAutoNum type="arabicPeriod"/>
-            </a:pPr>
-            <a:r>
-              <a:rPr lang="en-US" dirty="0"/>
-              <a:t>Plotting</a:t>
-            </a:r>
-          </a:p>
-          <a:p>
-            <a:pPr marL="342900" indent="-342900">
-              <a:buAutoNum type="arabicPeriod"/>
-            </a:pPr>
-            <a:r>
-              <a:rPr lang="en-US" dirty="0"/>
-              <a:t>Merging and joining (relational data)</a:t>
-            </a:r>
-          </a:p>
-          <a:p>
-            <a:endParaRPr lang="en-US" dirty="0"/>
-          </a:p>
-        </p:txBody>
-      </p:sp>
-    </p:spTree>
-    <p:extLst>
-      <p:ext uri="{BB962C8B-B14F-4D97-AF65-F5344CB8AC3E}">
-        <p14:creationId xmlns:p14="http://schemas.microsoft.com/office/powerpoint/2010/main" val="3446459360"/>
-      </p:ext>
-    </p:extLst>
-  </p:cSld>
-  <p:clrMapOvr>
-    <a:masterClrMapping/>
-  </p:clrMapOvr>
-</p:sld>
-</file>
-
-<file path=ppt/slides/slide20.xml><?xml version="1.0" encoding="utf-8"?>
-<p:sld xmlns:a="http://schemas.openxmlformats.org/drawingml/2006/main" xmlns:r="http://schemas.openxmlformats.org/officeDocument/2006/relationships" xmlns:p="http://schemas.openxmlformats.org/presentationml/2006/main">
-  <p:cSld>
-    <p:spTree>
-      <p:nvGrpSpPr>
-        <p:cNvPr id="1" name=""/>
-        <p:cNvGrpSpPr/>
-        <p:nvPr/>
-      </p:nvGrpSpPr>
-      <p:grpSpPr>
-        <a:xfrm>
-          <a:off x="0" y="0"/>
-          <a:ext cx="0" cy="0"/>
-          <a:chOff x="0" y="0"/>
-          <a:chExt cx="0" cy="0"/>
-        </a:xfrm>
-      </p:grpSpPr>
-      <p:sp>
-        <p:nvSpPr>
-          <p:cNvPr id="2" name="TextBox 1">
-            <a:extLst>
-              <a:ext uri="{FF2B5EF4-FFF2-40B4-BE49-F238E27FC236}">
-                <a16:creationId xmlns:a16="http://schemas.microsoft.com/office/drawing/2014/main" id="{2B40ECDF-3DEA-1F79-21AD-BE0D9E55328C}"/>
-              </a:ext>
-            </a:extLst>
-          </p:cNvPr>
-          <p:cNvSpPr txBox="1"/>
-          <p:nvPr/>
-        </p:nvSpPr>
-        <p:spPr>
-          <a:xfrm>
-            <a:off x="4822614" y="270933"/>
-            <a:ext cx="7321973" cy="369332"/>
-          </a:xfrm>
-          <a:prstGeom prst="rect">
-            <a:avLst/>
-          </a:prstGeom>
-          <a:noFill/>
-        </p:spPr>
-        <p:txBody>
-          <a:bodyPr wrap="square" rtlCol="0">
-            <a:spAutoFit/>
-          </a:bodyPr>
-          <a:lstStyle/>
-          <a:p>
-            <a:r>
-              <a:rPr lang="en-US" dirty="0"/>
-              <a:t>Suggestions for Best Practices</a:t>
-            </a:r>
-          </a:p>
-        </p:txBody>
-      </p:sp>
-      <p:sp>
-        <p:nvSpPr>
-          <p:cNvPr id="3" name="TextBox 2">
-            <a:extLst>
-              <a:ext uri="{FF2B5EF4-FFF2-40B4-BE49-F238E27FC236}">
-                <a16:creationId xmlns:a16="http://schemas.microsoft.com/office/drawing/2014/main" id="{AAA22633-D20E-1653-DD34-7E9124D3224D}"/>
-              </a:ext>
-            </a:extLst>
-          </p:cNvPr>
-          <p:cNvSpPr txBox="1"/>
-          <p:nvPr/>
-        </p:nvSpPr>
-        <p:spPr>
-          <a:xfrm>
-            <a:off x="1761565" y="1385047"/>
-            <a:ext cx="8384241" cy="2862322"/>
-          </a:xfrm>
-          <a:prstGeom prst="rect">
-            <a:avLst/>
-          </a:prstGeom>
-          <a:noFill/>
-        </p:spPr>
-        <p:txBody>
-          <a:bodyPr wrap="square" rtlCol="0">
-            <a:spAutoFit/>
-          </a:bodyPr>
-          <a:lstStyle/>
-          <a:p>
-            <a:pPr marL="342900" indent="-342900">
-              <a:buAutoNum type="arabicPeriod"/>
-            </a:pPr>
-            <a:r>
-              <a:rPr lang="en-US" dirty="0"/>
-              <a:t>Keep a code notebook</a:t>
-            </a:r>
-          </a:p>
-          <a:p>
-            <a:pPr marL="342900" indent="-342900">
-              <a:buAutoNum type="arabicPeriod"/>
-            </a:pPr>
-            <a:r>
-              <a:rPr lang="en-US" dirty="0"/>
-              <a:t>Work in a script and not the console</a:t>
-            </a:r>
-          </a:p>
-          <a:p>
-            <a:pPr marL="342900" indent="-342900">
-              <a:buAutoNum type="arabicPeriod"/>
-            </a:pPr>
-            <a:r>
-              <a:rPr lang="en-US" dirty="0"/>
-              <a:t>Name variables, functions, scripts something descriptive</a:t>
-            </a:r>
-          </a:p>
-          <a:p>
-            <a:pPr marL="342900" indent="-342900">
-              <a:buAutoNum type="arabicPeriod"/>
-            </a:pPr>
-            <a:r>
-              <a:rPr lang="en-US" dirty="0"/>
-              <a:t>Comment your code heavily</a:t>
-            </a:r>
-          </a:p>
-          <a:p>
-            <a:pPr marL="342900" indent="-342900">
-              <a:buAutoNum type="arabicPeriod"/>
-            </a:pPr>
-            <a:r>
-              <a:rPr lang="en-US" dirty="0"/>
-              <a:t>Have a project structure in mind</a:t>
-            </a:r>
-          </a:p>
-          <a:p>
-            <a:pPr marL="342900" indent="-342900">
-              <a:buAutoNum type="arabicPeriod"/>
-            </a:pPr>
-            <a:r>
-              <a:rPr lang="en-US" dirty="0"/>
-              <a:t>Use R projects – keep data and script files together</a:t>
-            </a:r>
-          </a:p>
-          <a:p>
-            <a:pPr marL="342900" indent="-342900">
-              <a:buAutoNum type="arabicPeriod"/>
-            </a:pPr>
-            <a:r>
-              <a:rPr lang="en-US" dirty="0"/>
-              <a:t>Put libraries first</a:t>
-            </a:r>
-          </a:p>
-          <a:p>
-            <a:pPr marL="342900" indent="-342900">
-              <a:buAutoNum type="arabicPeriod"/>
-            </a:pPr>
-            <a:r>
-              <a:rPr lang="en-US" dirty="0"/>
-              <a:t>Put hardcoded paths second</a:t>
-            </a:r>
-          </a:p>
-          <a:p>
-            <a:pPr marL="342900" indent="-342900">
-              <a:buAutoNum type="arabicPeriod"/>
-            </a:pPr>
-            <a:r>
-              <a:rPr lang="en-US" dirty="0"/>
-              <a:t>Don’t repeat yourself – write a function</a:t>
-            </a:r>
-          </a:p>
-          <a:p>
-            <a:pPr marL="342900" indent="-342900">
-              <a:buAutoNum type="arabicPeriod"/>
-            </a:pPr>
-            <a:r>
-              <a:rPr lang="en-US" dirty="0"/>
-              <a:t>Use a consistent style</a:t>
-            </a:r>
-          </a:p>
-        </p:txBody>
-      </p:sp>
-      <p:sp>
-        <p:nvSpPr>
-          <p:cNvPr id="4" name="TextBox 3">
-            <a:extLst>
-              <a:ext uri="{FF2B5EF4-FFF2-40B4-BE49-F238E27FC236}">
-                <a16:creationId xmlns:a16="http://schemas.microsoft.com/office/drawing/2014/main" id="{1787A16D-B4F6-302B-80BA-FBAD8C396E43}"/>
-              </a:ext>
-            </a:extLst>
-          </p:cNvPr>
-          <p:cNvSpPr txBox="1"/>
-          <p:nvPr/>
-        </p:nvSpPr>
-        <p:spPr>
-          <a:xfrm>
-            <a:off x="4304713" y="6347012"/>
-            <a:ext cx="7887287" cy="369332"/>
-          </a:xfrm>
-          <a:prstGeom prst="rect">
-            <a:avLst/>
-          </a:prstGeom>
-          <a:noFill/>
-        </p:spPr>
-        <p:txBody>
-          <a:bodyPr wrap="none" rtlCol="0">
-            <a:spAutoFit/>
-          </a:bodyPr>
-          <a:lstStyle/>
-          <a:p>
-            <a:r>
-              <a:rPr lang="en-US" dirty="0"/>
-              <a:t>https://</a:t>
-            </a:r>
-            <a:r>
-              <a:rPr lang="en-US" dirty="0" err="1"/>
-              <a:t>towardsdatascience.com</a:t>
-            </a:r>
-            <a:r>
-              <a:rPr lang="en-US" dirty="0"/>
-              <a:t>/best-practices-for-r-programming-ec0754010b5a</a:t>
-            </a:r>
-          </a:p>
-        </p:txBody>
-      </p:sp>
-      <p:sp>
-        <p:nvSpPr>
-          <p:cNvPr id="7" name="TextBox 6">
-            <a:extLst>
-              <a:ext uri="{FF2B5EF4-FFF2-40B4-BE49-F238E27FC236}">
-                <a16:creationId xmlns:a16="http://schemas.microsoft.com/office/drawing/2014/main" id="{FBA13994-9C85-B49E-135C-64F659864501}"/>
-              </a:ext>
-            </a:extLst>
-          </p:cNvPr>
-          <p:cNvSpPr txBox="1"/>
-          <p:nvPr/>
-        </p:nvSpPr>
-        <p:spPr>
-          <a:xfrm>
-            <a:off x="7553886" y="5977680"/>
-            <a:ext cx="6098240" cy="369332"/>
-          </a:xfrm>
-          <a:prstGeom prst="rect">
-            <a:avLst/>
-          </a:prstGeom>
-          <a:noFill/>
-        </p:spPr>
-        <p:txBody>
-          <a:bodyPr wrap="square">
-            <a:spAutoFit/>
-          </a:bodyPr>
-          <a:lstStyle/>
-          <a:p>
-            <a:r>
-              <a:rPr lang="en-US" dirty="0"/>
-              <a:t>https://r4ds.had.co.nz/workflow-</a:t>
-            </a:r>
-            <a:r>
-              <a:rPr lang="en-US" dirty="0" err="1"/>
-              <a:t>projects.html</a:t>
-            </a:r>
-            <a:endParaRPr lang="en-US" dirty="0"/>
-          </a:p>
-        </p:txBody>
-      </p:sp>
-    </p:spTree>
-    <p:extLst>
-      <p:ext uri="{BB962C8B-B14F-4D97-AF65-F5344CB8AC3E}">
-        <p14:creationId xmlns:p14="http://schemas.microsoft.com/office/powerpoint/2010/main" val="4234484805"/>
-      </p:ext>
-    </p:extLst>
-  </p:cSld>
-  <p:clrMapOvr>
-    <a:masterClrMapping/>
-  </p:clrMapOvr>
-</p:sld>
-</file>
-
 <file path=ppt/slides/slide21.xml><?xml version="1.0" encoding="utf-8"?>
 <p:sld xmlns:a="http://schemas.openxmlformats.org/drawingml/2006/main" xmlns:r="http://schemas.openxmlformats.org/officeDocument/2006/relationships" xmlns:p="http://schemas.openxmlformats.org/presentationml/2006/main">
   <p:cSld>
@@ -7326,28 +7141,109 @@
       </p:grpSpPr>
       <p:sp>
         <p:nvSpPr>
-          <p:cNvPr id="2" name="Title 1">
-            <a:extLst>
-              <a:ext uri="{FF2B5EF4-FFF2-40B4-BE49-F238E27FC236}">
-                <a16:creationId xmlns:a16="http://schemas.microsoft.com/office/drawing/2014/main" id="{DB197D4B-3064-0A16-54B7-66AA04467068}"/>
-              </a:ext>
-            </a:extLst>
-          </p:cNvPr>
-          <p:cNvSpPr>
-            <a:spLocks noGrp="1"/>
-          </p:cNvSpPr>
-          <p:nvPr>
-            <p:ph type="title"/>
-          </p:nvPr>
-        </p:nvSpPr>
-        <p:spPr/>
-        <p:txBody>
-          <a:bodyPr/>
+          <p:cNvPr id="2" name="TextBox 1">
+            <a:extLst>
+              <a:ext uri="{FF2B5EF4-FFF2-40B4-BE49-F238E27FC236}">
+                <a16:creationId xmlns:a16="http://schemas.microsoft.com/office/drawing/2014/main" id="{2B40ECDF-3DEA-1F79-21AD-BE0D9E55328C}"/>
+              </a:ext>
+            </a:extLst>
+          </p:cNvPr>
+          <p:cNvSpPr txBox="1"/>
+          <p:nvPr/>
+        </p:nvSpPr>
+        <p:spPr>
+          <a:xfrm>
+            <a:off x="4822614" y="270933"/>
+            <a:ext cx="7321973" cy="369332"/>
+          </a:xfrm>
+          <a:prstGeom prst="rect">
+            <a:avLst/>
+          </a:prstGeom>
+          <a:noFill/>
+        </p:spPr>
+        <p:txBody>
+          <a:bodyPr wrap="square" rtlCol="0">
+            <a:spAutoFit/>
+          </a:bodyPr>
           <a:lstStyle/>
           <a:p>
             <a:r>
               <a:rPr lang="en-US" dirty="0"/>
-              <a:t>Practice</a:t>
+              <a:t>Suggestions for Best Practices</a:t>
+            </a:r>
+          </a:p>
+        </p:txBody>
+      </p:sp>
+      <p:sp>
+        <p:nvSpPr>
+          <p:cNvPr id="3" name="TextBox 2">
+            <a:extLst>
+              <a:ext uri="{FF2B5EF4-FFF2-40B4-BE49-F238E27FC236}">
+                <a16:creationId xmlns:a16="http://schemas.microsoft.com/office/drawing/2014/main" id="{AAA22633-D20E-1653-DD34-7E9124D3224D}"/>
+              </a:ext>
+            </a:extLst>
+          </p:cNvPr>
+          <p:cNvSpPr txBox="1"/>
+          <p:nvPr/>
+        </p:nvSpPr>
+        <p:spPr>
+          <a:xfrm>
+            <a:off x="1761565" y="1385047"/>
+            <a:ext cx="8384241" cy="1477328"/>
+          </a:xfrm>
+          <a:prstGeom prst="rect">
+            <a:avLst/>
+          </a:prstGeom>
+          <a:noFill/>
+        </p:spPr>
+        <p:txBody>
+          <a:bodyPr wrap="square" rtlCol="0">
+            <a:spAutoFit/>
+          </a:bodyPr>
+          <a:lstStyle/>
+          <a:p>
+            <a:pPr marL="342900" indent="-342900">
+              <a:buAutoNum type="arabicPeriod"/>
+            </a:pPr>
+            <a:r>
+              <a:rPr lang="en-US" dirty="0"/>
+              <a:t>Keep a code notebook</a:t>
+            </a:r>
+          </a:p>
+          <a:p>
+            <a:pPr marL="342900" indent="-342900">
+              <a:buAutoNum type="arabicPeriod"/>
+            </a:pPr>
+            <a:r>
+              <a:rPr lang="en-US" dirty="0"/>
+              <a:t>Work in a script and not the console</a:t>
+            </a:r>
+          </a:p>
+          <a:p>
+            <a:pPr marL="342900" indent="-342900">
+              <a:buAutoNum type="arabicPeriod"/>
+            </a:pPr>
+            <a:r>
+              <a:rPr lang="en-US" dirty="0"/>
+              <a:t>Name variables, functions, scripts something descriptive</a:t>
+            </a:r>
+          </a:p>
+          <a:p>
+            <a:pPr marL="342900" indent="-342900">
+              <a:buAutoNum type="arabicPeriod"/>
+            </a:pPr>
+            <a:r>
+              <a:rPr lang="en-US" dirty="0"/>
+              <a:t>Comment your code heavily</a:t>
+            </a:r>
+          </a:p>
+          <a:p>
+            <a:pPr marL="342900" indent="-342900">
+              <a:buAutoNum type="arabicPeriod"/>
+            </a:pPr>
+            <a:r>
+              <a:rPr lang="en-US" dirty="0"/>
+              <a:t>Have a project structure in mind</a:t>
             </a:r>
           </a:p>
         </p:txBody>
@@ -7355,7 +7251,7 @@
     </p:spTree>
     <p:extLst>
       <p:ext uri="{BB962C8B-B14F-4D97-AF65-F5344CB8AC3E}">
-        <p14:creationId xmlns:p14="http://schemas.microsoft.com/office/powerpoint/2010/main" val="598731948"/>
+        <p14:creationId xmlns:p14="http://schemas.microsoft.com/office/powerpoint/2010/main" val="3713242240"/>
       </p:ext>
     </p:extLst>
   </p:cSld>
@@ -7387,7 +7283,7 @@
           <p:cNvPr id="2" name="TextBox 1">
             <a:extLst>
               <a:ext uri="{FF2B5EF4-FFF2-40B4-BE49-F238E27FC236}">
-                <a16:creationId xmlns:a16="http://schemas.microsoft.com/office/drawing/2014/main" id="{A1DC9D2A-6F90-050D-48C4-B7DCC5158B28}"/>
+                <a16:creationId xmlns:a16="http://schemas.microsoft.com/office/drawing/2014/main" id="{2B40ECDF-3DEA-1F79-21AD-BE0D9E55328C}"/>
               </a:ext>
             </a:extLst>
           </p:cNvPr>
@@ -7396,8 +7292,8 @@
         </p:nvSpPr>
         <p:spPr>
           <a:xfrm>
-            <a:off x="2770293" y="230293"/>
-            <a:ext cx="6156960" cy="369332"/>
+            <a:off x="4822614" y="270933"/>
+            <a:ext cx="7321973" cy="369332"/>
           </a:xfrm>
           <a:prstGeom prst="rect">
             <a:avLst/>
@@ -7412,15 +7308,119 @@
           <a:p>
             <a:r>
               <a:rPr lang="en-US" dirty="0"/>
-              <a:t>More pivoting/merging - examples</a:t>
-            </a:r>
-          </a:p>
-        </p:txBody>
-      </p:sp>
+              <a:t>Suggestions for Best Practices</a:t>
+            </a:r>
+          </a:p>
+        </p:txBody>
+      </p:sp>
+      <p:sp>
+        <p:nvSpPr>
+          <p:cNvPr id="3" name="TextBox 2">
+            <a:extLst>
+              <a:ext uri="{FF2B5EF4-FFF2-40B4-BE49-F238E27FC236}">
+                <a16:creationId xmlns:a16="http://schemas.microsoft.com/office/drawing/2014/main" id="{AAA22633-D20E-1653-DD34-7E9124D3224D}"/>
+              </a:ext>
+            </a:extLst>
+          </p:cNvPr>
+          <p:cNvSpPr txBox="1"/>
+          <p:nvPr/>
+        </p:nvSpPr>
+        <p:spPr>
+          <a:xfrm>
+            <a:off x="1761565" y="1385047"/>
+            <a:ext cx="8384241" cy="1477328"/>
+          </a:xfrm>
+          <a:prstGeom prst="rect">
+            <a:avLst/>
+          </a:prstGeom>
+          <a:noFill/>
+        </p:spPr>
+        <p:txBody>
+          <a:bodyPr wrap="square" rtlCol="0">
+            <a:spAutoFit/>
+          </a:bodyPr>
+          <a:lstStyle/>
+          <a:p>
+            <a:pPr marL="342900" indent="-342900">
+              <a:buAutoNum type="arabicPeriod"/>
+            </a:pPr>
+            <a:r>
+              <a:rPr lang="en-US" dirty="0"/>
+              <a:t>Keep a code notebook</a:t>
+            </a:r>
+          </a:p>
+          <a:p>
+            <a:pPr marL="342900" indent="-342900">
+              <a:buAutoNum type="arabicPeriod"/>
+            </a:pPr>
+            <a:r>
+              <a:rPr lang="en-US" dirty="0"/>
+              <a:t>Work in a script and not the console</a:t>
+            </a:r>
+          </a:p>
+          <a:p>
+            <a:pPr marL="342900" indent="-342900">
+              <a:buAutoNum type="arabicPeriod"/>
+            </a:pPr>
+            <a:r>
+              <a:rPr lang="en-US" dirty="0"/>
+              <a:t>Name variables, functions, scripts something descriptive</a:t>
+            </a:r>
+          </a:p>
+          <a:p>
+            <a:pPr marL="342900" indent="-342900">
+              <a:buAutoNum type="arabicPeriod"/>
+            </a:pPr>
+            <a:r>
+              <a:rPr lang="en-US" dirty="0"/>
+              <a:t>Comment your code heavily</a:t>
+            </a:r>
+          </a:p>
+          <a:p>
+            <a:pPr marL="342900" indent="-342900">
+              <a:buAutoNum type="arabicPeriod"/>
+            </a:pPr>
+            <a:r>
+              <a:rPr lang="en-US" dirty="0"/>
+              <a:t>Have a project structure in mind</a:t>
+            </a:r>
+          </a:p>
+        </p:txBody>
+      </p:sp>
+      <p:pic>
+        <p:nvPicPr>
+          <p:cNvPr id="5" name="Picture 4">
+            <a:extLst>
+              <a:ext uri="{FF2B5EF4-FFF2-40B4-BE49-F238E27FC236}">
+                <a16:creationId xmlns:a16="http://schemas.microsoft.com/office/drawing/2014/main" id="{9B91D5DA-1D3D-2647-609E-9676951A0A0C}"/>
+              </a:ext>
+            </a:extLst>
+          </p:cNvPr>
+          <p:cNvPicPr>
+            <a:picLocks noChangeAspect="1"/>
+          </p:cNvPicPr>
+          <p:nvPr/>
+        </p:nvPicPr>
+        <p:blipFill>
+          <a:blip r:embed="rId2"/>
+          <a:stretch>
+            <a:fillRect/>
+          </a:stretch>
+        </p:blipFill>
+        <p:spPr>
+          <a:xfrm>
+            <a:off x="2726391" y="2974789"/>
+            <a:ext cx="2247900" cy="2387600"/>
+          </a:xfrm>
+          <a:prstGeom prst="rect">
+            <a:avLst/>
+          </a:prstGeom>
+        </p:spPr>
+      </p:pic>
     </p:spTree>
     <p:extLst>
       <p:ext uri="{BB962C8B-B14F-4D97-AF65-F5344CB8AC3E}">
-        <p14:creationId xmlns:p14="http://schemas.microsoft.com/office/powerpoint/2010/main" val="1440623824"/>
+        <p14:creationId xmlns:p14="http://schemas.microsoft.com/office/powerpoint/2010/main" val="2158544033"/>
       </p:ext>
     </p:extLst>
   </p:cSld>
@@ -7452,7 +7452,7 @@
           <p:cNvPr id="2" name="TextBox 1">
             <a:extLst>
               <a:ext uri="{FF2B5EF4-FFF2-40B4-BE49-F238E27FC236}">
-                <a16:creationId xmlns:a16="http://schemas.microsoft.com/office/drawing/2014/main" id="{9B58B4FA-F21A-26DC-43DB-D2B51031D171}"/>
+                <a16:creationId xmlns:a16="http://schemas.microsoft.com/office/drawing/2014/main" id="{2B40ECDF-3DEA-1F79-21AD-BE0D9E55328C}"/>
               </a:ext>
             </a:extLst>
           </p:cNvPr>
@@ -7461,8 +7461,8 @@
         </p:nvSpPr>
         <p:spPr>
           <a:xfrm>
-            <a:off x="3711787" y="115147"/>
-            <a:ext cx="4775200" cy="369332"/>
+            <a:off x="4822614" y="270933"/>
+            <a:ext cx="7321973" cy="369332"/>
           </a:xfrm>
           <a:prstGeom prst="rect">
             <a:avLst/>
@@ -7477,15 +7477,414 @@
           <a:p>
             <a:r>
               <a:rPr lang="en-US" dirty="0"/>
-              <a:t>More plotting/faceting examples</a:t>
-            </a:r>
+              <a:t>Suggestions for Best Practices</a:t>
+            </a:r>
+          </a:p>
+        </p:txBody>
+      </p:sp>
+      <p:sp>
+        <p:nvSpPr>
+          <p:cNvPr id="3" name="TextBox 2">
+            <a:extLst>
+              <a:ext uri="{FF2B5EF4-FFF2-40B4-BE49-F238E27FC236}">
+                <a16:creationId xmlns:a16="http://schemas.microsoft.com/office/drawing/2014/main" id="{AAA22633-D20E-1653-DD34-7E9124D3224D}"/>
+              </a:ext>
+            </a:extLst>
+          </p:cNvPr>
+          <p:cNvSpPr txBox="1"/>
+          <p:nvPr/>
+        </p:nvSpPr>
+        <p:spPr>
+          <a:xfrm>
+            <a:off x="1761565" y="1385047"/>
+            <a:ext cx="8384241" cy="2862322"/>
+          </a:xfrm>
+          <a:prstGeom prst="rect">
+            <a:avLst/>
+          </a:prstGeom>
+          <a:noFill/>
+        </p:spPr>
+        <p:txBody>
+          <a:bodyPr wrap="square" rtlCol="0">
+            <a:spAutoFit/>
+          </a:bodyPr>
+          <a:lstStyle/>
+          <a:p>
+            <a:pPr marL="342900" indent="-342900">
+              <a:buAutoNum type="arabicPeriod"/>
+            </a:pPr>
+            <a:r>
+              <a:rPr lang="en-US" dirty="0"/>
+              <a:t>Keep a code notebook</a:t>
+            </a:r>
+          </a:p>
+          <a:p>
+            <a:pPr marL="342900" indent="-342900">
+              <a:buAutoNum type="arabicPeriod"/>
+            </a:pPr>
+            <a:r>
+              <a:rPr lang="en-US" dirty="0"/>
+              <a:t>Work in a script and not the console</a:t>
+            </a:r>
+          </a:p>
+          <a:p>
+            <a:pPr marL="342900" indent="-342900">
+              <a:buAutoNum type="arabicPeriod"/>
+            </a:pPr>
+            <a:r>
+              <a:rPr lang="en-US" dirty="0"/>
+              <a:t>Name variables, functions, scripts something descriptive</a:t>
+            </a:r>
+          </a:p>
+          <a:p>
+            <a:pPr marL="342900" indent="-342900">
+              <a:buAutoNum type="arabicPeriod"/>
+            </a:pPr>
+            <a:r>
+              <a:rPr lang="en-US" dirty="0"/>
+              <a:t>Comment your code heavily</a:t>
+            </a:r>
+          </a:p>
+          <a:p>
+            <a:pPr marL="342900" indent="-342900">
+              <a:buAutoNum type="arabicPeriod"/>
+            </a:pPr>
+            <a:r>
+              <a:rPr lang="en-US" dirty="0"/>
+              <a:t>Have a project structure in mind</a:t>
+            </a:r>
+          </a:p>
+          <a:p>
+            <a:pPr marL="342900" indent="-342900">
+              <a:buAutoNum type="arabicPeriod"/>
+            </a:pPr>
+            <a:r>
+              <a:rPr lang="en-US" dirty="0"/>
+              <a:t>Use R projects – keep data and script files together</a:t>
+            </a:r>
+          </a:p>
+          <a:p>
+            <a:pPr marL="342900" indent="-342900">
+              <a:buAutoNum type="arabicPeriod"/>
+            </a:pPr>
+            <a:r>
+              <a:rPr lang="en-US" dirty="0"/>
+              <a:t>Put libraries first</a:t>
+            </a:r>
+          </a:p>
+          <a:p>
+            <a:pPr marL="342900" indent="-342900">
+              <a:buAutoNum type="arabicPeriod"/>
+            </a:pPr>
+            <a:r>
+              <a:rPr lang="en-US" dirty="0"/>
+              <a:t>Put hardcoded paths second</a:t>
+            </a:r>
+          </a:p>
+          <a:p>
+            <a:pPr marL="342900" indent="-342900">
+              <a:buAutoNum type="arabicPeriod"/>
+            </a:pPr>
+            <a:r>
+              <a:rPr lang="en-US" dirty="0"/>
+              <a:t>Don’t repeat yourself – write a function</a:t>
+            </a:r>
+          </a:p>
+          <a:p>
+            <a:pPr marL="342900" indent="-342900">
+              <a:buAutoNum type="arabicPeriod"/>
+            </a:pPr>
+            <a:r>
+              <a:rPr lang="en-US" dirty="0"/>
+              <a:t>Use a consistent style</a:t>
+            </a:r>
+          </a:p>
+        </p:txBody>
+      </p:sp>
+      <p:sp>
+        <p:nvSpPr>
+          <p:cNvPr id="4" name="TextBox 3">
+            <a:extLst>
+              <a:ext uri="{FF2B5EF4-FFF2-40B4-BE49-F238E27FC236}">
+                <a16:creationId xmlns:a16="http://schemas.microsoft.com/office/drawing/2014/main" id="{1787A16D-B4F6-302B-80BA-FBAD8C396E43}"/>
+              </a:ext>
+            </a:extLst>
+          </p:cNvPr>
+          <p:cNvSpPr txBox="1"/>
+          <p:nvPr/>
+        </p:nvSpPr>
+        <p:spPr>
+          <a:xfrm>
+            <a:off x="4304713" y="6347012"/>
+            <a:ext cx="7887287" cy="369332"/>
+          </a:xfrm>
+          <a:prstGeom prst="rect">
+            <a:avLst/>
+          </a:prstGeom>
+          <a:noFill/>
+        </p:spPr>
+        <p:txBody>
+          <a:bodyPr wrap="none" rtlCol="0">
+            <a:spAutoFit/>
+          </a:bodyPr>
+          <a:lstStyle/>
+          <a:p>
+            <a:r>
+              <a:rPr lang="en-US" dirty="0"/>
+              <a:t>https://</a:t>
+            </a:r>
+            <a:r>
+              <a:rPr lang="en-US" dirty="0" err="1"/>
+              <a:t>towardsdatascience.com</a:t>
+            </a:r>
+            <a:r>
+              <a:rPr lang="en-US" dirty="0"/>
+              <a:t>/best-practices-for-r-programming-ec0754010b5a</a:t>
+            </a:r>
+          </a:p>
+        </p:txBody>
+      </p:sp>
+      <p:sp>
+        <p:nvSpPr>
+          <p:cNvPr id="7" name="TextBox 6">
+            <a:extLst>
+              <a:ext uri="{FF2B5EF4-FFF2-40B4-BE49-F238E27FC236}">
+                <a16:creationId xmlns:a16="http://schemas.microsoft.com/office/drawing/2014/main" id="{FBA13994-9C85-B49E-135C-64F659864501}"/>
+              </a:ext>
+            </a:extLst>
+          </p:cNvPr>
+          <p:cNvSpPr txBox="1"/>
+          <p:nvPr/>
+        </p:nvSpPr>
+        <p:spPr>
+          <a:xfrm>
+            <a:off x="7553886" y="5977680"/>
+            <a:ext cx="6098240" cy="369332"/>
+          </a:xfrm>
+          <a:prstGeom prst="rect">
+            <a:avLst/>
+          </a:prstGeom>
+          <a:noFill/>
+        </p:spPr>
+        <p:txBody>
+          <a:bodyPr wrap="square">
+            <a:spAutoFit/>
+          </a:bodyPr>
+          <a:lstStyle/>
+          <a:p>
+            <a:r>
+              <a:rPr lang="en-US" dirty="0"/>
+              <a:t>https://r4ds.had.co.nz/workflow-</a:t>
+            </a:r>
+            <a:r>
+              <a:rPr lang="en-US" dirty="0" err="1"/>
+              <a:t>projects.html</a:t>
+            </a:r>
+            <a:endParaRPr lang="en-US" dirty="0"/>
+          </a:p>
+        </p:txBody>
+      </p:sp>
+      <p:sp>
+        <p:nvSpPr>
+          <p:cNvPr id="9" name="TextBox 8">
+            <a:extLst>
+              <a:ext uri="{FF2B5EF4-FFF2-40B4-BE49-F238E27FC236}">
+                <a16:creationId xmlns:a16="http://schemas.microsoft.com/office/drawing/2014/main" id="{4E3E2388-7CB7-C595-5083-3BB7B08D142E}"/>
+              </a:ext>
+            </a:extLst>
+          </p:cNvPr>
+          <p:cNvSpPr txBox="1"/>
+          <p:nvPr/>
+        </p:nvSpPr>
+        <p:spPr>
+          <a:xfrm>
+            <a:off x="8342114" y="5608348"/>
+            <a:ext cx="6825852" cy="369332"/>
+          </a:xfrm>
+          <a:prstGeom prst="rect">
+            <a:avLst/>
+          </a:prstGeom>
+          <a:noFill/>
+        </p:spPr>
+        <p:txBody>
+          <a:bodyPr wrap="square">
+            <a:spAutoFit/>
+          </a:bodyPr>
+          <a:lstStyle/>
+          <a:p>
+            <a:r>
+              <a:rPr lang="en-US" dirty="0"/>
+              <a:t>https://</a:t>
+            </a:r>
+            <a:r>
+              <a:rPr lang="en-US" dirty="0" err="1"/>
+              <a:t>style.tidyverse.org</a:t>
+            </a:r>
+            <a:r>
+              <a:rPr lang="en-US" dirty="0"/>
+              <a:t>/</a:t>
+            </a:r>
+            <a:r>
+              <a:rPr lang="en-US" dirty="0" err="1"/>
+              <a:t>index.html</a:t>
+            </a:r>
+            <a:endParaRPr lang="en-US" dirty="0"/>
+          </a:p>
+        </p:txBody>
+      </p:sp>
+      <p:sp>
+        <p:nvSpPr>
+          <p:cNvPr id="11" name="TextBox 10">
+            <a:extLst>
+              <a:ext uri="{FF2B5EF4-FFF2-40B4-BE49-F238E27FC236}">
+                <a16:creationId xmlns:a16="http://schemas.microsoft.com/office/drawing/2014/main" id="{E91B23D8-A74A-36D6-1740-FB3674DC5646}"/>
+              </a:ext>
+            </a:extLst>
+          </p:cNvPr>
+          <p:cNvSpPr txBox="1"/>
+          <p:nvPr/>
+        </p:nvSpPr>
+        <p:spPr>
+          <a:xfrm>
+            <a:off x="7149108" y="5239016"/>
+            <a:ext cx="7583090" cy="369332"/>
+          </a:xfrm>
+          <a:prstGeom prst="rect">
+            <a:avLst/>
+          </a:prstGeom>
+          <a:noFill/>
+        </p:spPr>
+        <p:txBody>
+          <a:bodyPr wrap="square">
+            <a:spAutoFit/>
+          </a:bodyPr>
+          <a:lstStyle/>
+          <a:p>
+            <a:r>
+              <a:rPr lang="en-US" dirty="0"/>
+              <a:t>https://</a:t>
+            </a:r>
+            <a:r>
+              <a:rPr lang="en-US" dirty="0" err="1"/>
+              <a:t>google.github.io</a:t>
+            </a:r>
+            <a:r>
+              <a:rPr lang="en-US" dirty="0"/>
+              <a:t>/</a:t>
+            </a:r>
+            <a:r>
+              <a:rPr lang="en-US" dirty="0" err="1"/>
+              <a:t>styleguide</a:t>
+            </a:r>
+            <a:r>
+              <a:rPr lang="en-US" dirty="0"/>
+              <a:t>/</a:t>
+            </a:r>
+            <a:r>
+              <a:rPr lang="en-US" dirty="0" err="1"/>
+              <a:t>Rguide.html</a:t>
+            </a:r>
+            <a:endParaRPr lang="en-US" dirty="0"/>
           </a:p>
         </p:txBody>
       </p:sp>
     </p:spTree>
     <p:extLst>
       <p:ext uri="{BB962C8B-B14F-4D97-AF65-F5344CB8AC3E}">
-        <p14:creationId xmlns:p14="http://schemas.microsoft.com/office/powerpoint/2010/main" val="3034421642"/>
+        <p14:creationId xmlns:p14="http://schemas.microsoft.com/office/powerpoint/2010/main" val="4234484805"/>
+      </p:ext>
+    </p:extLst>
+  </p:cSld>
+  <p:clrMapOvr>
+    <a:masterClrMapping/>
+  </p:clrMapOvr>
+</p:sld>
+</file>
+
+<file path=ppt/slides/slide24.xml><?xml version="1.0" encoding="utf-8"?>
+<p:sld xmlns:a="http://schemas.openxmlformats.org/drawingml/2006/main" xmlns:r="http://schemas.openxmlformats.org/officeDocument/2006/relationships" xmlns:p="http://schemas.openxmlformats.org/presentationml/2006/main">
+  <p:cSld>
+    <p:spTree>
+      <p:nvGrpSpPr>
+        <p:cNvPr id="1" name=""/>
+        <p:cNvGrpSpPr/>
+        <p:nvPr/>
+      </p:nvGrpSpPr>
+      <p:grpSpPr>
+        <a:xfrm>
+          <a:off x="0" y="0"/>
+          <a:ext cx="0" cy="0"/>
+          <a:chOff x="0" y="0"/>
+          <a:chExt cx="0" cy="0"/>
+        </a:xfrm>
+      </p:grpSpPr>
+      <p:sp>
+        <p:nvSpPr>
+          <p:cNvPr id="2" name="Title 1">
+            <a:extLst>
+              <a:ext uri="{FF2B5EF4-FFF2-40B4-BE49-F238E27FC236}">
+                <a16:creationId xmlns:a16="http://schemas.microsoft.com/office/drawing/2014/main" id="{DB197D4B-3064-0A16-54B7-66AA04467068}"/>
+              </a:ext>
+            </a:extLst>
+          </p:cNvPr>
+          <p:cNvSpPr>
+            <a:spLocks noGrp="1"/>
+          </p:cNvSpPr>
+          <p:nvPr>
+            <p:ph type="title"/>
+          </p:nvPr>
+        </p:nvSpPr>
+        <p:spPr/>
+        <p:txBody>
+          <a:bodyPr/>
+          <a:lstStyle/>
+          <a:p>
+            <a:r>
+              <a:rPr lang="en-US" dirty="0"/>
+              <a:t>Practice</a:t>
+            </a:r>
+          </a:p>
+        </p:txBody>
+      </p:sp>
+      <p:sp>
+        <p:nvSpPr>
+          <p:cNvPr id="4" name="TextBox 3">
+            <a:extLst>
+              <a:ext uri="{FF2B5EF4-FFF2-40B4-BE49-F238E27FC236}">
+                <a16:creationId xmlns:a16="http://schemas.microsoft.com/office/drawing/2014/main" id="{24BB872D-FE63-4CF4-8116-B6B3526FA5A1}"/>
+              </a:ext>
+            </a:extLst>
+          </p:cNvPr>
+          <p:cNvSpPr txBox="1"/>
+          <p:nvPr/>
+        </p:nvSpPr>
+        <p:spPr>
+          <a:xfrm>
+            <a:off x="2790265" y="2245659"/>
+            <a:ext cx="7227794" cy="369332"/>
+          </a:xfrm>
+          <a:prstGeom prst="rect">
+            <a:avLst/>
+          </a:prstGeom>
+          <a:noFill/>
+        </p:spPr>
+        <p:txBody>
+          <a:bodyPr wrap="square" rtlCol="0">
+            <a:spAutoFit/>
+          </a:bodyPr>
+          <a:lstStyle/>
+          <a:p>
+            <a:r>
+              <a:rPr lang="en-US" dirty="0"/>
+              <a:t>Work through intro_R_skeleton_3.R</a:t>
+            </a:r>
+          </a:p>
+        </p:txBody>
+      </p:sp>
+    </p:spTree>
+    <p:extLst>
+      <p:ext uri="{BB962C8B-B14F-4D97-AF65-F5344CB8AC3E}">
+        <p14:creationId xmlns:p14="http://schemas.microsoft.com/office/powerpoint/2010/main" val="598731948"/>
       </p:ext>
     </p:extLst>
   </p:cSld>
@@ -7562,7 +7961,7 @@
         <p:spPr>
           <a:xfrm>
             <a:off x="3522133" y="1842347"/>
-            <a:ext cx="5730240" cy="2585323"/>
+            <a:ext cx="5730240" cy="3139321"/>
           </a:xfrm>
           <a:prstGeom prst="rect">
             <a:avLst/>
@@ -7574,6 +7973,21 @@
             <a:spAutoFit/>
           </a:bodyPr>
           <a:lstStyle/>
+          <a:p>
+            <a:pPr marL="342900" indent="-342900">
+              <a:buAutoNum type="arabicPeriod"/>
+            </a:pPr>
+            <a:endParaRPr lang="en-US" dirty="0"/>
+          </a:p>
+          <a:p>
+            <a:pPr marL="342900" indent="-342900">
+              <a:buAutoNum type="arabicPeriod"/>
+            </a:pPr>
+            <a:r>
+              <a:rPr lang="en-US" dirty="0"/>
+              <a:t>Additional Plotting</a:t>
+            </a:r>
+          </a:p>
           <a:p>
             <a:pPr marL="342900" indent="-342900">
               <a:buAutoNum type="arabicPeriod"/>
@@ -7685,7 +8099,7 @@
           <p:cNvPr id="2" name="TextBox 1">
             <a:extLst>
               <a:ext uri="{FF2B5EF4-FFF2-40B4-BE49-F238E27FC236}">
-                <a16:creationId xmlns:a16="http://schemas.microsoft.com/office/drawing/2014/main" id="{D791C6AE-1BC4-B1E9-A3D8-86782E25B660}"/>
+                <a16:creationId xmlns:a16="http://schemas.microsoft.com/office/drawing/2014/main" id="{9B58B4FA-F21A-26DC-43DB-D2B51031D171}"/>
               </a:ext>
             </a:extLst>
           </p:cNvPr>
@@ -7694,8 +8108,8 @@
         </p:nvSpPr>
         <p:spPr>
           <a:xfrm>
-            <a:off x="4696304" y="198968"/>
-            <a:ext cx="6908800" cy="369332"/>
+            <a:off x="5392669" y="121871"/>
+            <a:ext cx="4775200" cy="369332"/>
           </a:xfrm>
           <a:prstGeom prst="rect">
             <a:avLst/>
@@ -7710,17 +8124,17 @@
           <a:p>
             <a:r>
               <a:rPr lang="en-US" dirty="0"/>
-              <a:t>Characters vs Factors</a:t>
+              <a:t>Faceting</a:t>
             </a:r>
           </a:p>
         </p:txBody>
       </p:sp>
       <p:pic>
         <p:nvPicPr>
-          <p:cNvPr id="7" name="Picture 6">
-            <a:extLst>
-              <a:ext uri="{FF2B5EF4-FFF2-40B4-BE49-F238E27FC236}">
-                <a16:creationId xmlns:a16="http://schemas.microsoft.com/office/drawing/2014/main" id="{5A122CF8-55EE-2648-D5D7-50DD741A3A59}"/>
+          <p:cNvPr id="3" name="Picture 2">
+            <a:extLst>
+              <a:ext uri="{FF2B5EF4-FFF2-40B4-BE49-F238E27FC236}">
+                <a16:creationId xmlns:a16="http://schemas.microsoft.com/office/drawing/2014/main" id="{675017DA-2B89-B380-F3EF-DFFBD7477383}"/>
               </a:ext>
             </a:extLst>
           </p:cNvPr>
@@ -7737,8 +8151,8 @@
         </p:blipFill>
         <p:spPr>
           <a:xfrm>
-            <a:off x="593062" y="2017193"/>
-            <a:ext cx="2006600" cy="444500"/>
+            <a:off x="1079500" y="789268"/>
+            <a:ext cx="6832600" cy="774700"/>
           </a:xfrm>
           <a:prstGeom prst="rect">
             <a:avLst/>
@@ -7747,10 +8161,10 @@
       </p:pic>
       <p:pic>
         <p:nvPicPr>
-          <p:cNvPr id="8" name="Picture 7">
-            <a:extLst>
-              <a:ext uri="{FF2B5EF4-FFF2-40B4-BE49-F238E27FC236}">
-                <a16:creationId xmlns:a16="http://schemas.microsoft.com/office/drawing/2014/main" id="{21F0FD66-6D1E-70B0-81FD-426B8F308423}"/>
+          <p:cNvPr id="4" name="Picture 3">
+            <a:extLst>
+              <a:ext uri="{FF2B5EF4-FFF2-40B4-BE49-F238E27FC236}">
+                <a16:creationId xmlns:a16="http://schemas.microsoft.com/office/drawing/2014/main" id="{8B6C2513-0F52-F1ED-7FC1-80E8C7083692}"/>
               </a:ext>
             </a:extLst>
           </p:cNvPr>
@@ -7767,83 +8181,18 @@
         </p:blipFill>
         <p:spPr>
           <a:xfrm>
-            <a:off x="540434" y="792023"/>
-            <a:ext cx="4889500" cy="330200"/>
+            <a:off x="1986429" y="1806014"/>
+            <a:ext cx="5312145" cy="4262718"/>
           </a:xfrm>
           <a:prstGeom prst="rect">
             <a:avLst/>
           </a:prstGeom>
         </p:spPr>
       </p:pic>
-      <p:pic>
-        <p:nvPicPr>
-          <p:cNvPr id="9" name="Picture 8">
-            <a:extLst>
-              <a:ext uri="{FF2B5EF4-FFF2-40B4-BE49-F238E27FC236}">
-                <a16:creationId xmlns:a16="http://schemas.microsoft.com/office/drawing/2014/main" id="{130D36F0-A21F-E967-53D9-B55D91048E7C}"/>
-              </a:ext>
-            </a:extLst>
-          </p:cNvPr>
-          <p:cNvPicPr>
-            <a:picLocks noChangeAspect="1"/>
-          </p:cNvPicPr>
-          <p:nvPr/>
-        </p:nvPicPr>
-        <p:blipFill>
-          <a:blip r:embed="rId4"/>
-          <a:stretch>
-            <a:fillRect/>
-          </a:stretch>
-        </p:blipFill>
-        <p:spPr>
-          <a:xfrm>
-            <a:off x="540434" y="1209662"/>
-            <a:ext cx="4241800" cy="508000"/>
-          </a:xfrm>
-          <a:prstGeom prst="rect">
-            <a:avLst/>
-          </a:prstGeom>
-        </p:spPr>
-      </p:pic>
-      <p:sp>
-        <p:nvSpPr>
-          <p:cNvPr id="3" name="TextBox 2">
-            <a:extLst>
-              <a:ext uri="{FF2B5EF4-FFF2-40B4-BE49-F238E27FC236}">
-                <a16:creationId xmlns:a16="http://schemas.microsoft.com/office/drawing/2014/main" id="{105923AA-FAA7-32B7-22FD-BC1287E9C888}"/>
-              </a:ext>
-            </a:extLst>
-          </p:cNvPr>
-          <p:cNvSpPr txBox="1"/>
-          <p:nvPr/>
-        </p:nvSpPr>
-        <p:spPr>
-          <a:xfrm>
-            <a:off x="2218702" y="422691"/>
-            <a:ext cx="1532964" cy="369332"/>
-          </a:xfrm>
-          <a:prstGeom prst="rect">
-            <a:avLst/>
-          </a:prstGeom>
-          <a:noFill/>
-        </p:spPr>
-        <p:txBody>
-          <a:bodyPr wrap="square" rtlCol="0">
-            <a:spAutoFit/>
-          </a:bodyPr>
-          <a:lstStyle/>
-          <a:p>
-            <a:r>
-              <a:rPr lang="en-US" dirty="0"/>
-              <a:t>Character</a:t>
-            </a:r>
-          </a:p>
-        </p:txBody>
-      </p:sp>
     </p:spTree>
     <p:extLst>
       <p:ext uri="{BB962C8B-B14F-4D97-AF65-F5344CB8AC3E}">
-        <p14:creationId xmlns:p14="http://schemas.microsoft.com/office/powerpoint/2010/main" val="2377011635"/>
+        <p14:creationId xmlns:p14="http://schemas.microsoft.com/office/powerpoint/2010/main" val="3034421642"/>
       </p:ext>
     </p:extLst>
   </p:cSld>
@@ -7875,7 +8224,7 @@
           <p:cNvPr id="2" name="TextBox 1">
             <a:extLst>
               <a:ext uri="{FF2B5EF4-FFF2-40B4-BE49-F238E27FC236}">
-                <a16:creationId xmlns:a16="http://schemas.microsoft.com/office/drawing/2014/main" id="{D791C6AE-1BC4-B1E9-A3D8-86782E25B660}"/>
+                <a16:creationId xmlns:a16="http://schemas.microsoft.com/office/drawing/2014/main" id="{9B58B4FA-F21A-26DC-43DB-D2B51031D171}"/>
               </a:ext>
             </a:extLst>
           </p:cNvPr>
@@ -7884,8 +8233,8 @@
         </p:nvSpPr>
         <p:spPr>
           <a:xfrm>
-            <a:off x="4696304" y="198968"/>
-            <a:ext cx="6908800" cy="369332"/>
+            <a:off x="5392669" y="121871"/>
+            <a:ext cx="4775200" cy="369332"/>
           </a:xfrm>
           <a:prstGeom prst="rect">
             <a:avLst/>
@@ -7900,17 +8249,17 @@
           <a:p>
             <a:r>
               <a:rPr lang="en-US" dirty="0"/>
-              <a:t>Characters vs Factors</a:t>
+              <a:t>Faceting</a:t>
             </a:r>
           </a:p>
         </p:txBody>
       </p:sp>
       <p:pic>
         <p:nvPicPr>
-          <p:cNvPr id="7" name="Picture 6">
-            <a:extLst>
-              <a:ext uri="{FF2B5EF4-FFF2-40B4-BE49-F238E27FC236}">
-                <a16:creationId xmlns:a16="http://schemas.microsoft.com/office/drawing/2014/main" id="{5A122CF8-55EE-2648-D5D7-50DD741A3A59}"/>
+          <p:cNvPr id="5" name="Picture 4">
+            <a:extLst>
+              <a:ext uri="{FF2B5EF4-FFF2-40B4-BE49-F238E27FC236}">
+                <a16:creationId xmlns:a16="http://schemas.microsoft.com/office/drawing/2014/main" id="{683F8D41-DD4F-3B81-84AD-F50EF091FF6D}"/>
               </a:ext>
             </a:extLst>
           </p:cNvPr>
@@ -7927,8 +8276,8 @@
         </p:blipFill>
         <p:spPr>
           <a:xfrm>
-            <a:off x="593062" y="2017193"/>
-            <a:ext cx="2006600" cy="444500"/>
+            <a:off x="235698" y="931582"/>
+            <a:ext cx="4712820" cy="706492"/>
           </a:xfrm>
           <a:prstGeom prst="rect">
             <a:avLst/>
@@ -7937,10 +8286,10 @@
       </p:pic>
       <p:pic>
         <p:nvPicPr>
-          <p:cNvPr id="8" name="Picture 7">
-            <a:extLst>
-              <a:ext uri="{FF2B5EF4-FFF2-40B4-BE49-F238E27FC236}">
-                <a16:creationId xmlns:a16="http://schemas.microsoft.com/office/drawing/2014/main" id="{21F0FD66-6D1E-70B0-81FD-426B8F308423}"/>
+          <p:cNvPr id="6" name="Picture 5">
+            <a:extLst>
+              <a:ext uri="{FF2B5EF4-FFF2-40B4-BE49-F238E27FC236}">
+                <a16:creationId xmlns:a16="http://schemas.microsoft.com/office/drawing/2014/main" id="{6D6F702C-4AF4-4103-F68E-308F98F529FC}"/>
               </a:ext>
             </a:extLst>
           </p:cNvPr>
@@ -7957,238 +8306,18 @@
         </p:blipFill>
         <p:spPr>
           <a:xfrm>
-            <a:off x="540434" y="792023"/>
-            <a:ext cx="4889500" cy="330200"/>
+            <a:off x="235698" y="1638074"/>
+            <a:ext cx="4716206" cy="3700408"/>
           </a:xfrm>
           <a:prstGeom prst="rect">
             <a:avLst/>
           </a:prstGeom>
         </p:spPr>
       </p:pic>
-      <p:pic>
-        <p:nvPicPr>
-          <p:cNvPr id="9" name="Picture 8">
-            <a:extLst>
-              <a:ext uri="{FF2B5EF4-FFF2-40B4-BE49-F238E27FC236}">
-                <a16:creationId xmlns:a16="http://schemas.microsoft.com/office/drawing/2014/main" id="{130D36F0-A21F-E967-53D9-B55D91048E7C}"/>
-              </a:ext>
-            </a:extLst>
-          </p:cNvPr>
-          <p:cNvPicPr>
-            <a:picLocks noChangeAspect="1"/>
-          </p:cNvPicPr>
-          <p:nvPr/>
-        </p:nvPicPr>
-        <p:blipFill>
-          <a:blip r:embed="rId4"/>
-          <a:stretch>
-            <a:fillRect/>
-          </a:stretch>
-        </p:blipFill>
-        <p:spPr>
-          <a:xfrm>
-            <a:off x="540434" y="1209662"/>
-            <a:ext cx="4241800" cy="508000"/>
-          </a:xfrm>
-          <a:prstGeom prst="rect">
-            <a:avLst/>
-          </a:prstGeom>
-        </p:spPr>
-      </p:pic>
-      <p:pic>
-        <p:nvPicPr>
-          <p:cNvPr id="10" name="Picture 9">
-            <a:extLst>
-              <a:ext uri="{FF2B5EF4-FFF2-40B4-BE49-F238E27FC236}">
-                <a16:creationId xmlns:a16="http://schemas.microsoft.com/office/drawing/2014/main" id="{DC76B15E-E541-E67B-3201-D74761C8B0B9}"/>
-              </a:ext>
-            </a:extLst>
-          </p:cNvPr>
-          <p:cNvPicPr>
-            <a:picLocks noChangeAspect="1"/>
-          </p:cNvPicPr>
-          <p:nvPr/>
-        </p:nvPicPr>
-        <p:blipFill>
-          <a:blip r:embed="rId5"/>
-          <a:stretch>
-            <a:fillRect/>
-          </a:stretch>
-        </p:blipFill>
-        <p:spPr>
-          <a:xfrm>
-            <a:off x="4244768" y="2017193"/>
-            <a:ext cx="7772400" cy="382987"/>
-          </a:xfrm>
-          <a:prstGeom prst="rect">
-            <a:avLst/>
-          </a:prstGeom>
-        </p:spPr>
-      </p:pic>
-      <p:pic>
-        <p:nvPicPr>
-          <p:cNvPr id="11" name="Picture 10">
-            <a:extLst>
-              <a:ext uri="{FF2B5EF4-FFF2-40B4-BE49-F238E27FC236}">
-                <a16:creationId xmlns:a16="http://schemas.microsoft.com/office/drawing/2014/main" id="{1E0887DF-92D8-BCBE-104F-0FF6894E45EA}"/>
-              </a:ext>
-            </a:extLst>
-          </p:cNvPr>
-          <p:cNvPicPr>
-            <a:picLocks noChangeAspect="1"/>
-          </p:cNvPicPr>
-          <p:nvPr/>
-        </p:nvPicPr>
-        <p:blipFill>
-          <a:blip r:embed="rId6"/>
-          <a:stretch>
-            <a:fillRect/>
-          </a:stretch>
-        </p:blipFill>
-        <p:spPr>
-          <a:xfrm>
-            <a:off x="4244768" y="2494076"/>
-            <a:ext cx="1917700" cy="533400"/>
-          </a:xfrm>
-          <a:prstGeom prst="rect">
-            <a:avLst/>
-          </a:prstGeom>
-        </p:spPr>
-      </p:pic>
-      <p:pic>
-        <p:nvPicPr>
-          <p:cNvPr id="12" name="Picture 11">
-            <a:extLst>
-              <a:ext uri="{FF2B5EF4-FFF2-40B4-BE49-F238E27FC236}">
-                <a16:creationId xmlns:a16="http://schemas.microsoft.com/office/drawing/2014/main" id="{A483AC15-F8E9-851E-29AE-5A8889831DC1}"/>
-              </a:ext>
-            </a:extLst>
-          </p:cNvPr>
-          <p:cNvPicPr>
-            <a:picLocks noChangeAspect="1"/>
-          </p:cNvPicPr>
-          <p:nvPr/>
-        </p:nvPicPr>
-        <p:blipFill>
-          <a:blip r:embed="rId7"/>
-          <a:stretch>
-            <a:fillRect/>
-          </a:stretch>
-        </p:blipFill>
-        <p:spPr>
-          <a:xfrm>
-            <a:off x="4244768" y="3121372"/>
-            <a:ext cx="2501900" cy="800100"/>
-          </a:xfrm>
-          <a:prstGeom prst="rect">
-            <a:avLst/>
-          </a:prstGeom>
-        </p:spPr>
-      </p:pic>
-      <p:pic>
-        <p:nvPicPr>
-          <p:cNvPr id="13" name="Picture 12">
-            <a:extLst>
-              <a:ext uri="{FF2B5EF4-FFF2-40B4-BE49-F238E27FC236}">
-                <a16:creationId xmlns:a16="http://schemas.microsoft.com/office/drawing/2014/main" id="{3598E7ED-B347-0033-29C1-A518472CB09F}"/>
-              </a:ext>
-            </a:extLst>
-          </p:cNvPr>
-          <p:cNvPicPr>
-            <a:picLocks noChangeAspect="1"/>
-          </p:cNvPicPr>
-          <p:nvPr/>
-        </p:nvPicPr>
-        <p:blipFill>
-          <a:blip r:embed="rId8"/>
-          <a:stretch>
-            <a:fillRect/>
-          </a:stretch>
-        </p:blipFill>
-        <p:spPr>
-          <a:xfrm>
-            <a:off x="4244768" y="4015368"/>
-            <a:ext cx="5346700" cy="1181100"/>
-          </a:xfrm>
-          <a:prstGeom prst="rect">
-            <a:avLst/>
-          </a:prstGeom>
-        </p:spPr>
-      </p:pic>
-      <p:sp>
-        <p:nvSpPr>
-          <p:cNvPr id="15" name="TextBox 14">
-            <a:extLst>
-              <a:ext uri="{FF2B5EF4-FFF2-40B4-BE49-F238E27FC236}">
-                <a16:creationId xmlns:a16="http://schemas.microsoft.com/office/drawing/2014/main" id="{A5836B8A-BB8C-0BE1-B04B-B8D05D903C00}"/>
-              </a:ext>
-            </a:extLst>
-          </p:cNvPr>
-          <p:cNvSpPr txBox="1"/>
-          <p:nvPr/>
-        </p:nvSpPr>
-        <p:spPr>
-          <a:xfrm>
-            <a:off x="7409768" y="1647861"/>
-            <a:ext cx="1754841" cy="369332"/>
-          </a:xfrm>
-          <a:prstGeom prst="rect">
-            <a:avLst/>
-          </a:prstGeom>
-          <a:noFill/>
-        </p:spPr>
-        <p:txBody>
-          <a:bodyPr wrap="square" rtlCol="0">
-            <a:spAutoFit/>
-          </a:bodyPr>
-          <a:lstStyle/>
-          <a:p>
-            <a:r>
-              <a:rPr lang="en-US" dirty="0"/>
-              <a:t>Factor</a:t>
-            </a:r>
-          </a:p>
-        </p:txBody>
-      </p:sp>
-      <p:sp>
-        <p:nvSpPr>
-          <p:cNvPr id="16" name="TextBox 15">
-            <a:extLst>
-              <a:ext uri="{FF2B5EF4-FFF2-40B4-BE49-F238E27FC236}">
-                <a16:creationId xmlns:a16="http://schemas.microsoft.com/office/drawing/2014/main" id="{70433D43-0DEA-90AD-3304-3C37D72EC5D3}"/>
-              </a:ext>
-            </a:extLst>
-          </p:cNvPr>
-          <p:cNvSpPr txBox="1"/>
-          <p:nvPr/>
-        </p:nvSpPr>
-        <p:spPr>
-          <a:xfrm>
-            <a:off x="2218702" y="422691"/>
-            <a:ext cx="1532964" cy="369332"/>
-          </a:xfrm>
-          <a:prstGeom prst="rect">
-            <a:avLst/>
-          </a:prstGeom>
-          <a:noFill/>
-        </p:spPr>
-        <p:txBody>
-          <a:bodyPr wrap="square" rtlCol="0">
-            <a:spAutoFit/>
-          </a:bodyPr>
-          <a:lstStyle/>
-          <a:p>
-            <a:r>
-              <a:rPr lang="en-US" dirty="0"/>
-              <a:t>Character</a:t>
-            </a:r>
-          </a:p>
-        </p:txBody>
-      </p:sp>
     </p:spTree>
     <p:extLst>
       <p:ext uri="{BB962C8B-B14F-4D97-AF65-F5344CB8AC3E}">
-        <p14:creationId xmlns:p14="http://schemas.microsoft.com/office/powerpoint/2010/main" val="2172485284"/>
+        <p14:creationId xmlns:p14="http://schemas.microsoft.com/office/powerpoint/2010/main" val="1025469433"/>
       </p:ext>
     </p:extLst>
   </p:cSld>
@@ -8220,7 +8349,7 @@
           <p:cNvPr id="2" name="TextBox 1">
             <a:extLst>
               <a:ext uri="{FF2B5EF4-FFF2-40B4-BE49-F238E27FC236}">
-                <a16:creationId xmlns:a16="http://schemas.microsoft.com/office/drawing/2014/main" id="{D791C6AE-1BC4-B1E9-A3D8-86782E25B660}"/>
+                <a16:creationId xmlns:a16="http://schemas.microsoft.com/office/drawing/2014/main" id="{9B58B4FA-F21A-26DC-43DB-D2B51031D171}"/>
               </a:ext>
             </a:extLst>
           </p:cNvPr>
@@ -8229,8 +8358,8 @@
         </p:nvSpPr>
         <p:spPr>
           <a:xfrm>
-            <a:off x="4696304" y="198968"/>
-            <a:ext cx="6908800" cy="369332"/>
+            <a:off x="5392669" y="121871"/>
+            <a:ext cx="4775200" cy="369332"/>
           </a:xfrm>
           <a:prstGeom prst="rect">
             <a:avLst/>
@@ -8245,17 +8374,17 @@
           <a:p>
             <a:r>
               <a:rPr lang="en-US" dirty="0"/>
-              <a:t>Characters vs Factors</a:t>
+              <a:t>Faceting</a:t>
             </a:r>
           </a:p>
         </p:txBody>
       </p:sp>
       <p:pic>
         <p:nvPicPr>
-          <p:cNvPr id="7" name="Picture 6">
-            <a:extLst>
-              <a:ext uri="{FF2B5EF4-FFF2-40B4-BE49-F238E27FC236}">
-                <a16:creationId xmlns:a16="http://schemas.microsoft.com/office/drawing/2014/main" id="{5A122CF8-55EE-2648-D5D7-50DD741A3A59}"/>
+          <p:cNvPr id="5" name="Picture 4">
+            <a:extLst>
+              <a:ext uri="{FF2B5EF4-FFF2-40B4-BE49-F238E27FC236}">
+                <a16:creationId xmlns:a16="http://schemas.microsoft.com/office/drawing/2014/main" id="{683F8D41-DD4F-3B81-84AD-F50EF091FF6D}"/>
               </a:ext>
             </a:extLst>
           </p:cNvPr>
@@ -8272,8 +8401,8 @@
         </p:blipFill>
         <p:spPr>
           <a:xfrm>
-            <a:off x="593062" y="2017193"/>
-            <a:ext cx="2006600" cy="444500"/>
+            <a:off x="235698" y="931582"/>
+            <a:ext cx="4712820" cy="706492"/>
           </a:xfrm>
           <a:prstGeom prst="rect">
             <a:avLst/>
@@ -8282,10 +8411,10 @@
       </p:pic>
       <p:pic>
         <p:nvPicPr>
-          <p:cNvPr id="8" name="Picture 7">
-            <a:extLst>
-              <a:ext uri="{FF2B5EF4-FFF2-40B4-BE49-F238E27FC236}">
-                <a16:creationId xmlns:a16="http://schemas.microsoft.com/office/drawing/2014/main" id="{21F0FD66-6D1E-70B0-81FD-426B8F308423}"/>
+          <p:cNvPr id="6" name="Picture 5">
+            <a:extLst>
+              <a:ext uri="{FF2B5EF4-FFF2-40B4-BE49-F238E27FC236}">
+                <a16:creationId xmlns:a16="http://schemas.microsoft.com/office/drawing/2014/main" id="{6D6F702C-4AF4-4103-F68E-308F98F529FC}"/>
               </a:ext>
             </a:extLst>
           </p:cNvPr>
@@ -8302,8 +8431,8 @@
         </p:blipFill>
         <p:spPr>
           <a:xfrm>
-            <a:off x="540434" y="792023"/>
-            <a:ext cx="4889500" cy="330200"/>
+            <a:off x="235698" y="1638074"/>
+            <a:ext cx="4716206" cy="3700408"/>
           </a:xfrm>
           <a:prstGeom prst="rect">
             <a:avLst/>
@@ -8312,10 +8441,10 @@
       </p:pic>
       <p:pic>
         <p:nvPicPr>
-          <p:cNvPr id="9" name="Picture 8">
-            <a:extLst>
-              <a:ext uri="{FF2B5EF4-FFF2-40B4-BE49-F238E27FC236}">
-                <a16:creationId xmlns:a16="http://schemas.microsoft.com/office/drawing/2014/main" id="{130D36F0-A21F-E967-53D9-B55D91048E7C}"/>
+          <p:cNvPr id="7" name="Picture 6">
+            <a:extLst>
+              <a:ext uri="{FF2B5EF4-FFF2-40B4-BE49-F238E27FC236}">
+                <a16:creationId xmlns:a16="http://schemas.microsoft.com/office/drawing/2014/main" id="{CBDA8E80-44A6-20A1-EF75-B6FA93AA3F25}"/>
               </a:ext>
             </a:extLst>
           </p:cNvPr>
@@ -8332,8 +8461,8 @@
         </p:blipFill>
         <p:spPr>
           <a:xfrm>
-            <a:off x="540434" y="1209662"/>
-            <a:ext cx="4241800" cy="508000"/>
+            <a:off x="5847230" y="3267636"/>
+            <a:ext cx="5594736" cy="2003520"/>
           </a:xfrm>
           <a:prstGeom prst="rect">
             <a:avLst/>
@@ -8342,10 +8471,10 @@
       </p:pic>
       <p:pic>
         <p:nvPicPr>
-          <p:cNvPr id="10" name="Picture 9">
-            <a:extLst>
-              <a:ext uri="{FF2B5EF4-FFF2-40B4-BE49-F238E27FC236}">
-                <a16:creationId xmlns:a16="http://schemas.microsoft.com/office/drawing/2014/main" id="{DC76B15E-E541-E67B-3201-D74761C8B0B9}"/>
+          <p:cNvPr id="8" name="Picture 7">
+            <a:extLst>
+              <a:ext uri="{FF2B5EF4-FFF2-40B4-BE49-F238E27FC236}">
+                <a16:creationId xmlns:a16="http://schemas.microsoft.com/office/drawing/2014/main" id="{E942CE85-4F70-0E98-1A26-729A49FCC142}"/>
               </a:ext>
             </a:extLst>
           </p:cNvPr>
@@ -8362,261 +8491,18 @@
         </p:blipFill>
         <p:spPr>
           <a:xfrm>
-            <a:off x="4244768" y="2017193"/>
-            <a:ext cx="7772400" cy="382987"/>
+            <a:off x="6096000" y="876930"/>
+            <a:ext cx="5147235" cy="761144"/>
           </a:xfrm>
           <a:prstGeom prst="rect">
             <a:avLst/>
           </a:prstGeom>
         </p:spPr>
       </p:pic>
-      <p:pic>
-        <p:nvPicPr>
-          <p:cNvPr id="11" name="Picture 10">
-            <a:extLst>
-              <a:ext uri="{FF2B5EF4-FFF2-40B4-BE49-F238E27FC236}">
-                <a16:creationId xmlns:a16="http://schemas.microsoft.com/office/drawing/2014/main" id="{1E0887DF-92D8-BCBE-104F-0FF6894E45EA}"/>
-              </a:ext>
-            </a:extLst>
-          </p:cNvPr>
-          <p:cNvPicPr>
-            <a:picLocks noChangeAspect="1"/>
-          </p:cNvPicPr>
-          <p:nvPr/>
-        </p:nvPicPr>
-        <p:blipFill>
-          <a:blip r:embed="rId6"/>
-          <a:stretch>
-            <a:fillRect/>
-          </a:stretch>
-        </p:blipFill>
-        <p:spPr>
-          <a:xfrm>
-            <a:off x="4244768" y="2494076"/>
-            <a:ext cx="1917700" cy="533400"/>
-          </a:xfrm>
-          <a:prstGeom prst="rect">
-            <a:avLst/>
-          </a:prstGeom>
-        </p:spPr>
-      </p:pic>
-      <p:pic>
-        <p:nvPicPr>
-          <p:cNvPr id="12" name="Picture 11">
-            <a:extLst>
-              <a:ext uri="{FF2B5EF4-FFF2-40B4-BE49-F238E27FC236}">
-                <a16:creationId xmlns:a16="http://schemas.microsoft.com/office/drawing/2014/main" id="{A483AC15-F8E9-851E-29AE-5A8889831DC1}"/>
-              </a:ext>
-            </a:extLst>
-          </p:cNvPr>
-          <p:cNvPicPr>
-            <a:picLocks noChangeAspect="1"/>
-          </p:cNvPicPr>
-          <p:nvPr/>
-        </p:nvPicPr>
-        <p:blipFill>
-          <a:blip r:embed="rId7"/>
-          <a:stretch>
-            <a:fillRect/>
-          </a:stretch>
-        </p:blipFill>
-        <p:spPr>
-          <a:xfrm>
-            <a:off x="4244768" y="3121372"/>
-            <a:ext cx="2501900" cy="800100"/>
-          </a:xfrm>
-          <a:prstGeom prst="rect">
-            <a:avLst/>
-          </a:prstGeom>
-        </p:spPr>
-      </p:pic>
-      <p:pic>
-        <p:nvPicPr>
-          <p:cNvPr id="13" name="Picture 12">
-            <a:extLst>
-              <a:ext uri="{FF2B5EF4-FFF2-40B4-BE49-F238E27FC236}">
-                <a16:creationId xmlns:a16="http://schemas.microsoft.com/office/drawing/2014/main" id="{3598E7ED-B347-0033-29C1-A518472CB09F}"/>
-              </a:ext>
-            </a:extLst>
-          </p:cNvPr>
-          <p:cNvPicPr>
-            <a:picLocks noChangeAspect="1"/>
-          </p:cNvPicPr>
-          <p:nvPr/>
-        </p:nvPicPr>
-        <p:blipFill>
-          <a:blip r:embed="rId8"/>
-          <a:stretch>
-            <a:fillRect/>
-          </a:stretch>
-        </p:blipFill>
-        <p:spPr>
-          <a:xfrm>
-            <a:off x="4244768" y="4015368"/>
-            <a:ext cx="5346700" cy="1181100"/>
-          </a:xfrm>
-          <a:prstGeom prst="rect">
-            <a:avLst/>
-          </a:prstGeom>
-        </p:spPr>
-      </p:pic>
-      <p:sp>
-        <p:nvSpPr>
-          <p:cNvPr id="14" name="TextBox 13">
-            <a:extLst>
-              <a:ext uri="{FF2B5EF4-FFF2-40B4-BE49-F238E27FC236}">
-                <a16:creationId xmlns:a16="http://schemas.microsoft.com/office/drawing/2014/main" id="{324BE73B-816F-9E18-728B-C2CD118CAB28}"/>
-              </a:ext>
-            </a:extLst>
-          </p:cNvPr>
-          <p:cNvSpPr txBox="1"/>
-          <p:nvPr/>
-        </p:nvSpPr>
-        <p:spPr>
-          <a:xfrm>
-            <a:off x="223666" y="2980023"/>
-            <a:ext cx="2927396" cy="3416320"/>
-          </a:xfrm>
-          <a:prstGeom prst="rect">
-            <a:avLst/>
-          </a:prstGeom>
-          <a:noFill/>
-        </p:spPr>
-        <p:txBody>
-          <a:bodyPr wrap="square" rtlCol="0">
-            <a:spAutoFit/>
-          </a:bodyPr>
-          <a:lstStyle/>
-          <a:p>
-            <a:r>
-              <a:rPr lang="en-US" dirty="0"/>
-              <a:t>Key Points</a:t>
-            </a:r>
-          </a:p>
-          <a:p>
-            <a:pPr marL="285750" indent="-285750">
-              <a:buFont typeface="Arial" panose="020B0604020202020204" pitchFamily="34" charset="0"/>
-              <a:buChar char="•"/>
-            </a:pPr>
-            <a:r>
-              <a:rPr lang="en-US" dirty="0"/>
-              <a:t>Characters are less picky and behave as you’d expect</a:t>
-            </a:r>
-          </a:p>
-          <a:p>
-            <a:pPr marL="285750" indent="-285750">
-              <a:buFont typeface="Arial" panose="020B0604020202020204" pitchFamily="34" charset="0"/>
-              <a:buChar char="•"/>
-            </a:pPr>
-            <a:r>
-              <a:rPr lang="en-US" dirty="0"/>
-              <a:t>Factors have predetermined levels </a:t>
-            </a:r>
-          </a:p>
-          <a:p>
-            <a:pPr marL="285750" indent="-285750">
-              <a:buFont typeface="Arial" panose="020B0604020202020204" pitchFamily="34" charset="0"/>
-              <a:buChar char="•"/>
-            </a:pPr>
-            <a:r>
-              <a:rPr lang="en-US" dirty="0"/>
-              <a:t>Factors have an order with a base</a:t>
-            </a:r>
-          </a:p>
-          <a:p>
-            <a:pPr marL="285750" indent="-285750">
-              <a:buFont typeface="Arial" panose="020B0604020202020204" pitchFamily="34" charset="0"/>
-              <a:buChar char="•"/>
-            </a:pPr>
-            <a:r>
-              <a:rPr lang="en-US" dirty="0"/>
-              <a:t>Base R will read in all strings as factors (</a:t>
-            </a:r>
-            <a:r>
-              <a:rPr lang="en-US" dirty="0" err="1"/>
-              <a:t>read.csv</a:t>
-            </a:r>
-            <a:r>
-              <a:rPr lang="en-US" dirty="0"/>
-              <a:t>) – but this can be turned off globally</a:t>
-            </a:r>
-          </a:p>
-        </p:txBody>
-      </p:sp>
-      <p:sp>
-        <p:nvSpPr>
-          <p:cNvPr id="3" name="TextBox 2">
-            <a:extLst>
-              <a:ext uri="{FF2B5EF4-FFF2-40B4-BE49-F238E27FC236}">
-                <a16:creationId xmlns:a16="http://schemas.microsoft.com/office/drawing/2014/main" id="{43FA81D7-8DF9-59C7-ADAC-3D4D4FFACB2E}"/>
-              </a:ext>
-            </a:extLst>
-          </p:cNvPr>
-          <p:cNvSpPr txBox="1"/>
-          <p:nvPr/>
-        </p:nvSpPr>
-        <p:spPr>
-          <a:xfrm>
-            <a:off x="7409768" y="1647861"/>
-            <a:ext cx="1754841" cy="369332"/>
-          </a:xfrm>
-          <a:prstGeom prst="rect">
-            <a:avLst/>
-          </a:prstGeom>
-          <a:noFill/>
-        </p:spPr>
-        <p:txBody>
-          <a:bodyPr wrap="square" rtlCol="0">
-            <a:spAutoFit/>
-          </a:bodyPr>
-          <a:lstStyle/>
-          <a:p>
-            <a:r>
-              <a:rPr lang="en-US" dirty="0"/>
-              <a:t>Factor</a:t>
-            </a:r>
-          </a:p>
-        </p:txBody>
-      </p:sp>
-      <p:sp>
-        <p:nvSpPr>
-          <p:cNvPr id="4" name="TextBox 3">
-            <a:extLst>
-              <a:ext uri="{FF2B5EF4-FFF2-40B4-BE49-F238E27FC236}">
-                <a16:creationId xmlns:a16="http://schemas.microsoft.com/office/drawing/2014/main" id="{F171264E-4FBC-5267-3DB2-AC65EC259D7C}"/>
-              </a:ext>
-            </a:extLst>
-          </p:cNvPr>
-          <p:cNvSpPr txBox="1"/>
-          <p:nvPr/>
-        </p:nvSpPr>
-        <p:spPr>
-          <a:xfrm>
-            <a:off x="2218702" y="422691"/>
-            <a:ext cx="1532964" cy="369332"/>
-          </a:xfrm>
-          <a:prstGeom prst="rect">
-            <a:avLst/>
-          </a:prstGeom>
-          <a:noFill/>
-        </p:spPr>
-        <p:txBody>
-          <a:bodyPr wrap="square" rtlCol="0">
-            <a:spAutoFit/>
-          </a:bodyPr>
-          <a:lstStyle/>
-          <a:p>
-            <a:r>
-              <a:rPr lang="en-US" dirty="0"/>
-              <a:t>Character</a:t>
-            </a:r>
-          </a:p>
-        </p:txBody>
-      </p:sp>
     </p:spTree>
     <p:extLst>
       <p:ext uri="{BB962C8B-B14F-4D97-AF65-F5344CB8AC3E}">
-        <p14:creationId xmlns:p14="http://schemas.microsoft.com/office/powerpoint/2010/main" val="2915126508"/>
+        <p14:creationId xmlns:p14="http://schemas.microsoft.com/office/powerpoint/2010/main" val="2775474332"/>
       </p:ext>
     </p:extLst>
   </p:cSld>
@@ -8648,7 +8534,7 @@
           <p:cNvPr id="2" name="TextBox 1">
             <a:extLst>
               <a:ext uri="{FF2B5EF4-FFF2-40B4-BE49-F238E27FC236}">
-                <a16:creationId xmlns:a16="http://schemas.microsoft.com/office/drawing/2014/main" id="{6806DC0A-6D6D-CE06-DAEE-5E6C5AB98D9A}"/>
+                <a16:creationId xmlns:a16="http://schemas.microsoft.com/office/drawing/2014/main" id="{D791C6AE-1BC4-B1E9-A3D8-86782E25B660}"/>
               </a:ext>
             </a:extLst>
           </p:cNvPr>
@@ -8657,8 +8543,8 @@
         </p:nvSpPr>
         <p:spPr>
           <a:xfrm>
-            <a:off x="3415553" y="282388"/>
-            <a:ext cx="6145306" cy="369332"/>
+            <a:off x="4696304" y="198968"/>
+            <a:ext cx="6908800" cy="369332"/>
           </a:xfrm>
           <a:prstGeom prst="rect">
             <a:avLst/>
@@ -8673,17 +8559,17 @@
           <a:p>
             <a:r>
               <a:rPr lang="en-US" dirty="0"/>
-              <a:t>Tibbles helpfully tell you what data type is in a column</a:t>
+              <a:t>Characters vs Factors</a:t>
             </a:r>
           </a:p>
         </p:txBody>
       </p:sp>
       <p:pic>
         <p:nvPicPr>
-          <p:cNvPr id="3" name="Picture 2">
-            <a:extLst>
-              <a:ext uri="{FF2B5EF4-FFF2-40B4-BE49-F238E27FC236}">
-                <a16:creationId xmlns:a16="http://schemas.microsoft.com/office/drawing/2014/main" id="{262C0214-9E36-1476-0DF5-D7360105117E}"/>
+          <p:cNvPr id="7" name="Picture 6">
+            <a:extLst>
+              <a:ext uri="{FF2B5EF4-FFF2-40B4-BE49-F238E27FC236}">
+                <a16:creationId xmlns:a16="http://schemas.microsoft.com/office/drawing/2014/main" id="{5A122CF8-55EE-2648-D5D7-50DD741A3A59}"/>
               </a:ext>
             </a:extLst>
           </p:cNvPr>
@@ -8700,18 +8586,113 @@
         </p:blipFill>
         <p:spPr>
           <a:xfrm>
-            <a:off x="3009900" y="867335"/>
-            <a:ext cx="6172200" cy="3429000"/>
+            <a:off x="593062" y="2017193"/>
+            <a:ext cx="2006600" cy="444500"/>
           </a:xfrm>
           <a:prstGeom prst="rect">
             <a:avLst/>
           </a:prstGeom>
         </p:spPr>
       </p:pic>
+      <p:pic>
+        <p:nvPicPr>
+          <p:cNvPr id="8" name="Picture 7">
+            <a:extLst>
+              <a:ext uri="{FF2B5EF4-FFF2-40B4-BE49-F238E27FC236}">
+                <a16:creationId xmlns:a16="http://schemas.microsoft.com/office/drawing/2014/main" id="{21F0FD66-6D1E-70B0-81FD-426B8F308423}"/>
+              </a:ext>
+            </a:extLst>
+          </p:cNvPr>
+          <p:cNvPicPr>
+            <a:picLocks noChangeAspect="1"/>
+          </p:cNvPicPr>
+          <p:nvPr/>
+        </p:nvPicPr>
+        <p:blipFill>
+          <a:blip r:embed="rId3"/>
+          <a:stretch>
+            <a:fillRect/>
+          </a:stretch>
+        </p:blipFill>
+        <p:spPr>
+          <a:xfrm>
+            <a:off x="540434" y="792023"/>
+            <a:ext cx="4889500" cy="330200"/>
+          </a:xfrm>
+          <a:prstGeom prst="rect">
+            <a:avLst/>
+          </a:prstGeom>
+        </p:spPr>
+      </p:pic>
+      <p:pic>
+        <p:nvPicPr>
+          <p:cNvPr id="9" name="Picture 8">
+            <a:extLst>
+              <a:ext uri="{FF2B5EF4-FFF2-40B4-BE49-F238E27FC236}">
+                <a16:creationId xmlns:a16="http://schemas.microsoft.com/office/drawing/2014/main" id="{130D36F0-A21F-E967-53D9-B55D91048E7C}"/>
+              </a:ext>
+            </a:extLst>
+          </p:cNvPr>
+          <p:cNvPicPr>
+            <a:picLocks noChangeAspect="1"/>
+          </p:cNvPicPr>
+          <p:nvPr/>
+        </p:nvPicPr>
+        <p:blipFill>
+          <a:blip r:embed="rId4"/>
+          <a:stretch>
+            <a:fillRect/>
+          </a:stretch>
+        </p:blipFill>
+        <p:spPr>
+          <a:xfrm>
+            <a:off x="540434" y="1209662"/>
+            <a:ext cx="4241800" cy="508000"/>
+          </a:xfrm>
+          <a:prstGeom prst="rect">
+            <a:avLst/>
+          </a:prstGeom>
+        </p:spPr>
+      </p:pic>
+      <p:sp>
+        <p:nvSpPr>
+          <p:cNvPr id="3" name="TextBox 2">
+            <a:extLst>
+              <a:ext uri="{FF2B5EF4-FFF2-40B4-BE49-F238E27FC236}">
+                <a16:creationId xmlns:a16="http://schemas.microsoft.com/office/drawing/2014/main" id="{105923AA-FAA7-32B7-22FD-BC1287E9C888}"/>
+              </a:ext>
+            </a:extLst>
+          </p:cNvPr>
+          <p:cNvSpPr txBox="1"/>
+          <p:nvPr/>
+        </p:nvSpPr>
+        <p:spPr>
+          <a:xfrm>
+            <a:off x="2218702" y="422691"/>
+            <a:ext cx="1532964" cy="369332"/>
+          </a:xfrm>
+          <a:prstGeom prst="rect">
+            <a:avLst/>
+          </a:prstGeom>
+          <a:noFill/>
+        </p:spPr>
+        <p:txBody>
+          <a:bodyPr wrap="square" rtlCol="0">
+            <a:spAutoFit/>
+          </a:bodyPr>
+          <a:lstStyle/>
+          <a:p>
+            <a:r>
+              <a:rPr lang="en-US" dirty="0"/>
+              <a:t>Character</a:t>
+            </a:r>
+          </a:p>
+        </p:txBody>
+      </p:sp>
     </p:spTree>
     <p:extLst>
       <p:ext uri="{BB962C8B-B14F-4D97-AF65-F5344CB8AC3E}">
-        <p14:creationId xmlns:p14="http://schemas.microsoft.com/office/powerpoint/2010/main" val="3755412733"/>
+        <p14:creationId xmlns:p14="http://schemas.microsoft.com/office/powerpoint/2010/main" val="2377011635"/>
       </p:ext>
     </p:extLst>
   </p:cSld>
@@ -8743,7 +8724,7 @@
           <p:cNvPr id="2" name="TextBox 1">
             <a:extLst>
               <a:ext uri="{FF2B5EF4-FFF2-40B4-BE49-F238E27FC236}">
-                <a16:creationId xmlns:a16="http://schemas.microsoft.com/office/drawing/2014/main" id="{6806DC0A-6D6D-CE06-DAEE-5E6C5AB98D9A}"/>
+                <a16:creationId xmlns:a16="http://schemas.microsoft.com/office/drawing/2014/main" id="{D791C6AE-1BC4-B1E9-A3D8-86782E25B660}"/>
               </a:ext>
             </a:extLst>
           </p:cNvPr>
@@ -8752,8 +8733,8 @@
         </p:nvSpPr>
         <p:spPr>
           <a:xfrm>
-            <a:off x="3926541" y="242046"/>
-            <a:ext cx="6145306" cy="369332"/>
+            <a:off x="4696304" y="198968"/>
+            <a:ext cx="6908800" cy="369332"/>
           </a:xfrm>
           <a:prstGeom prst="rect">
             <a:avLst/>
@@ -8768,17 +8749,17 @@
           <a:p>
             <a:r>
               <a:rPr lang="en-US" dirty="0"/>
-              <a:t>You can coerce one data type into another</a:t>
+              <a:t>Characters vs Factors</a:t>
             </a:r>
           </a:p>
         </p:txBody>
       </p:sp>
       <p:pic>
         <p:nvPicPr>
-          <p:cNvPr id="4" name="Picture 3">
-            <a:extLst>
-              <a:ext uri="{FF2B5EF4-FFF2-40B4-BE49-F238E27FC236}">
-                <a16:creationId xmlns:a16="http://schemas.microsoft.com/office/drawing/2014/main" id="{0826754C-C8FA-721C-AF71-CF453A0B3E1C}"/>
+          <p:cNvPr id="7" name="Picture 6">
+            <a:extLst>
+              <a:ext uri="{FF2B5EF4-FFF2-40B4-BE49-F238E27FC236}">
+                <a16:creationId xmlns:a16="http://schemas.microsoft.com/office/drawing/2014/main" id="{5A122CF8-55EE-2648-D5D7-50DD741A3A59}"/>
               </a:ext>
             </a:extLst>
           </p:cNvPr>
@@ -8795,18 +8776,268 @@
         </p:blipFill>
         <p:spPr>
           <a:xfrm>
-            <a:off x="2867583" y="1324162"/>
-            <a:ext cx="6626039" cy="3443345"/>
+            <a:off x="593062" y="2017193"/>
+            <a:ext cx="2006600" cy="444500"/>
           </a:xfrm>
           <a:prstGeom prst="rect">
             <a:avLst/>
           </a:prstGeom>
         </p:spPr>
       </p:pic>
+      <p:pic>
+        <p:nvPicPr>
+          <p:cNvPr id="8" name="Picture 7">
+            <a:extLst>
+              <a:ext uri="{FF2B5EF4-FFF2-40B4-BE49-F238E27FC236}">
+                <a16:creationId xmlns:a16="http://schemas.microsoft.com/office/drawing/2014/main" id="{21F0FD66-6D1E-70B0-81FD-426B8F308423}"/>
+              </a:ext>
+            </a:extLst>
+          </p:cNvPr>
+          <p:cNvPicPr>
+            <a:picLocks noChangeAspect="1"/>
+          </p:cNvPicPr>
+          <p:nvPr/>
+        </p:nvPicPr>
+        <p:blipFill>
+          <a:blip r:embed="rId3"/>
+          <a:stretch>
+            <a:fillRect/>
+          </a:stretch>
+        </p:blipFill>
+        <p:spPr>
+          <a:xfrm>
+            <a:off x="540434" y="792023"/>
+            <a:ext cx="4889500" cy="330200"/>
+          </a:xfrm>
+          <a:prstGeom prst="rect">
+            <a:avLst/>
+          </a:prstGeom>
+        </p:spPr>
+      </p:pic>
+      <p:pic>
+        <p:nvPicPr>
+          <p:cNvPr id="9" name="Picture 8">
+            <a:extLst>
+              <a:ext uri="{FF2B5EF4-FFF2-40B4-BE49-F238E27FC236}">
+                <a16:creationId xmlns:a16="http://schemas.microsoft.com/office/drawing/2014/main" id="{130D36F0-A21F-E967-53D9-B55D91048E7C}"/>
+              </a:ext>
+            </a:extLst>
+          </p:cNvPr>
+          <p:cNvPicPr>
+            <a:picLocks noChangeAspect="1"/>
+          </p:cNvPicPr>
+          <p:nvPr/>
+        </p:nvPicPr>
+        <p:blipFill>
+          <a:blip r:embed="rId4"/>
+          <a:stretch>
+            <a:fillRect/>
+          </a:stretch>
+        </p:blipFill>
+        <p:spPr>
+          <a:xfrm>
+            <a:off x="540434" y="1209662"/>
+            <a:ext cx="4241800" cy="508000"/>
+          </a:xfrm>
+          <a:prstGeom prst="rect">
+            <a:avLst/>
+          </a:prstGeom>
+        </p:spPr>
+      </p:pic>
+      <p:pic>
+        <p:nvPicPr>
+          <p:cNvPr id="10" name="Picture 9">
+            <a:extLst>
+              <a:ext uri="{FF2B5EF4-FFF2-40B4-BE49-F238E27FC236}">
+                <a16:creationId xmlns:a16="http://schemas.microsoft.com/office/drawing/2014/main" id="{DC76B15E-E541-E67B-3201-D74761C8B0B9}"/>
+              </a:ext>
+            </a:extLst>
+          </p:cNvPr>
+          <p:cNvPicPr>
+            <a:picLocks noChangeAspect="1"/>
+          </p:cNvPicPr>
+          <p:nvPr/>
+        </p:nvPicPr>
+        <p:blipFill>
+          <a:blip r:embed="rId5"/>
+          <a:stretch>
+            <a:fillRect/>
+          </a:stretch>
+        </p:blipFill>
+        <p:spPr>
+          <a:xfrm>
+            <a:off x="4244768" y="2017193"/>
+            <a:ext cx="7772400" cy="382987"/>
+          </a:xfrm>
+          <a:prstGeom prst="rect">
+            <a:avLst/>
+          </a:prstGeom>
+        </p:spPr>
+      </p:pic>
+      <p:pic>
+        <p:nvPicPr>
+          <p:cNvPr id="11" name="Picture 10">
+            <a:extLst>
+              <a:ext uri="{FF2B5EF4-FFF2-40B4-BE49-F238E27FC236}">
+                <a16:creationId xmlns:a16="http://schemas.microsoft.com/office/drawing/2014/main" id="{1E0887DF-92D8-BCBE-104F-0FF6894E45EA}"/>
+              </a:ext>
+            </a:extLst>
+          </p:cNvPr>
+          <p:cNvPicPr>
+            <a:picLocks noChangeAspect="1"/>
+          </p:cNvPicPr>
+          <p:nvPr/>
+        </p:nvPicPr>
+        <p:blipFill>
+          <a:blip r:embed="rId6"/>
+          <a:stretch>
+            <a:fillRect/>
+          </a:stretch>
+        </p:blipFill>
+        <p:spPr>
+          <a:xfrm>
+            <a:off x="4244768" y="2494076"/>
+            <a:ext cx="1917700" cy="533400"/>
+          </a:xfrm>
+          <a:prstGeom prst="rect">
+            <a:avLst/>
+          </a:prstGeom>
+        </p:spPr>
+      </p:pic>
+      <p:pic>
+        <p:nvPicPr>
+          <p:cNvPr id="12" name="Picture 11">
+            <a:extLst>
+              <a:ext uri="{FF2B5EF4-FFF2-40B4-BE49-F238E27FC236}">
+                <a16:creationId xmlns:a16="http://schemas.microsoft.com/office/drawing/2014/main" id="{A483AC15-F8E9-851E-29AE-5A8889831DC1}"/>
+              </a:ext>
+            </a:extLst>
+          </p:cNvPr>
+          <p:cNvPicPr>
+            <a:picLocks noChangeAspect="1"/>
+          </p:cNvPicPr>
+          <p:nvPr/>
+        </p:nvPicPr>
+        <p:blipFill>
+          <a:blip r:embed="rId7"/>
+          <a:stretch>
+            <a:fillRect/>
+          </a:stretch>
+        </p:blipFill>
+        <p:spPr>
+          <a:xfrm>
+            <a:off x="4244768" y="3121372"/>
+            <a:ext cx="2501900" cy="800100"/>
+          </a:xfrm>
+          <a:prstGeom prst="rect">
+            <a:avLst/>
+          </a:prstGeom>
+        </p:spPr>
+      </p:pic>
+      <p:pic>
+        <p:nvPicPr>
+          <p:cNvPr id="13" name="Picture 12">
+            <a:extLst>
+              <a:ext uri="{FF2B5EF4-FFF2-40B4-BE49-F238E27FC236}">
+                <a16:creationId xmlns:a16="http://schemas.microsoft.com/office/drawing/2014/main" id="{3598E7ED-B347-0033-29C1-A518472CB09F}"/>
+              </a:ext>
+            </a:extLst>
+          </p:cNvPr>
+          <p:cNvPicPr>
+            <a:picLocks noChangeAspect="1"/>
+          </p:cNvPicPr>
+          <p:nvPr/>
+        </p:nvPicPr>
+        <p:blipFill>
+          <a:blip r:embed="rId8"/>
+          <a:stretch>
+            <a:fillRect/>
+          </a:stretch>
+        </p:blipFill>
+        <p:spPr>
+          <a:xfrm>
+            <a:off x="4244768" y="4015368"/>
+            <a:ext cx="5346700" cy="1181100"/>
+          </a:xfrm>
+          <a:prstGeom prst="rect">
+            <a:avLst/>
+          </a:prstGeom>
+        </p:spPr>
+      </p:pic>
+      <p:sp>
+        <p:nvSpPr>
+          <p:cNvPr id="15" name="TextBox 14">
+            <a:extLst>
+              <a:ext uri="{FF2B5EF4-FFF2-40B4-BE49-F238E27FC236}">
+                <a16:creationId xmlns:a16="http://schemas.microsoft.com/office/drawing/2014/main" id="{A5836B8A-BB8C-0BE1-B04B-B8D05D903C00}"/>
+              </a:ext>
+            </a:extLst>
+          </p:cNvPr>
+          <p:cNvSpPr txBox="1"/>
+          <p:nvPr/>
+        </p:nvSpPr>
+        <p:spPr>
+          <a:xfrm>
+            <a:off x="7409768" y="1647861"/>
+            <a:ext cx="1754841" cy="369332"/>
+          </a:xfrm>
+          <a:prstGeom prst="rect">
+            <a:avLst/>
+          </a:prstGeom>
+          <a:noFill/>
+        </p:spPr>
+        <p:txBody>
+          <a:bodyPr wrap="square" rtlCol="0">
+            <a:spAutoFit/>
+          </a:bodyPr>
+          <a:lstStyle/>
+          <a:p>
+            <a:r>
+              <a:rPr lang="en-US" dirty="0"/>
+              <a:t>Factor</a:t>
+            </a:r>
+          </a:p>
+        </p:txBody>
+      </p:sp>
+      <p:sp>
+        <p:nvSpPr>
+          <p:cNvPr id="16" name="TextBox 15">
+            <a:extLst>
+              <a:ext uri="{FF2B5EF4-FFF2-40B4-BE49-F238E27FC236}">
+                <a16:creationId xmlns:a16="http://schemas.microsoft.com/office/drawing/2014/main" id="{70433D43-0DEA-90AD-3304-3C37D72EC5D3}"/>
+              </a:ext>
+            </a:extLst>
+          </p:cNvPr>
+          <p:cNvSpPr txBox="1"/>
+          <p:nvPr/>
+        </p:nvSpPr>
+        <p:spPr>
+          <a:xfrm>
+            <a:off x="2218702" y="422691"/>
+            <a:ext cx="1532964" cy="369332"/>
+          </a:xfrm>
+          <a:prstGeom prst="rect">
+            <a:avLst/>
+          </a:prstGeom>
+          <a:noFill/>
+        </p:spPr>
+        <p:txBody>
+          <a:bodyPr wrap="square" rtlCol="0">
+            <a:spAutoFit/>
+          </a:bodyPr>
+          <a:lstStyle/>
+          <a:p>
+            <a:r>
+              <a:rPr lang="en-US" dirty="0"/>
+              <a:t>Character</a:t>
+            </a:r>
+          </a:p>
+        </p:txBody>
+      </p:sp>
     </p:spTree>
     <p:extLst>
       <p:ext uri="{BB962C8B-B14F-4D97-AF65-F5344CB8AC3E}">
-        <p14:creationId xmlns:p14="http://schemas.microsoft.com/office/powerpoint/2010/main" val="2654115242"/>
+        <p14:creationId xmlns:p14="http://schemas.microsoft.com/office/powerpoint/2010/main" val="2172485284"/>
       </p:ext>
     </p:extLst>
   </p:cSld>
@@ -8838,7 +9069,7 @@
           <p:cNvPr id="2" name="TextBox 1">
             <a:extLst>
               <a:ext uri="{FF2B5EF4-FFF2-40B4-BE49-F238E27FC236}">
-                <a16:creationId xmlns:a16="http://schemas.microsoft.com/office/drawing/2014/main" id="{81D8D68E-84EE-0BEE-4DD3-1300BD1905CF}"/>
+                <a16:creationId xmlns:a16="http://schemas.microsoft.com/office/drawing/2014/main" id="{D791C6AE-1BC4-B1E9-A3D8-86782E25B660}"/>
               </a:ext>
             </a:extLst>
           </p:cNvPr>
@@ -8847,8 +9078,8 @@
         </p:nvSpPr>
         <p:spPr>
           <a:xfrm>
-            <a:off x="4356847" y="248770"/>
-            <a:ext cx="4504765" cy="369332"/>
+            <a:off x="4696304" y="198968"/>
+            <a:ext cx="6908800" cy="369332"/>
           </a:xfrm>
           <a:prstGeom prst="rect">
             <a:avLst/>
@@ -8863,17 +9094,17 @@
           <a:p>
             <a:r>
               <a:rPr lang="en-US" dirty="0"/>
-              <a:t>As long as that make sense</a:t>
+              <a:t>Characters vs Factors</a:t>
             </a:r>
           </a:p>
         </p:txBody>
       </p:sp>
       <p:pic>
         <p:nvPicPr>
-          <p:cNvPr id="3" name="Picture 2">
-            <a:extLst>
-              <a:ext uri="{FF2B5EF4-FFF2-40B4-BE49-F238E27FC236}">
-                <a16:creationId xmlns:a16="http://schemas.microsoft.com/office/drawing/2014/main" id="{2B076658-5273-7C19-41EB-404AAB01700C}"/>
+          <p:cNvPr id="7" name="Picture 6">
+            <a:extLst>
+              <a:ext uri="{FF2B5EF4-FFF2-40B4-BE49-F238E27FC236}">
+                <a16:creationId xmlns:a16="http://schemas.microsoft.com/office/drawing/2014/main" id="{5A122CF8-55EE-2648-D5D7-50DD741A3A59}"/>
               </a:ext>
             </a:extLst>
           </p:cNvPr>
@@ -8890,59 +9121,200 @@
         </p:blipFill>
         <p:spPr>
           <a:xfrm>
-            <a:off x="2870200" y="1727200"/>
-            <a:ext cx="6451600" cy="3403600"/>
+            <a:off x="593062" y="2017193"/>
+            <a:ext cx="2006600" cy="444500"/>
           </a:xfrm>
           <a:prstGeom prst="rect">
             <a:avLst/>
           </a:prstGeom>
         </p:spPr>
       </p:pic>
-      <p:cxnSp>
-        <p:nvCxnSpPr>
-          <p:cNvPr id="5" name="Straight Arrow Connector 4">
-            <a:extLst>
-              <a:ext uri="{FF2B5EF4-FFF2-40B4-BE49-F238E27FC236}">
-                <a16:creationId xmlns:a16="http://schemas.microsoft.com/office/drawing/2014/main" id="{DACB697D-95F0-BFF2-6351-72F6A44F2B0E}"/>
-              </a:ext>
-            </a:extLst>
-          </p:cNvPr>
-          <p:cNvCxnSpPr/>
-          <p:nvPr/>
-        </p:nvCxnSpPr>
-        <p:spPr>
-          <a:xfrm flipH="1">
-            <a:off x="9076765" y="2454088"/>
-            <a:ext cx="1351429" cy="773206"/>
-          </a:xfrm>
-          <a:prstGeom prst="straightConnector1">
-            <a:avLst/>
-          </a:prstGeom>
-          <a:ln w="28575">
-            <a:tailEnd type="triangle"/>
-          </a:ln>
-        </p:spPr>
-        <p:style>
-          <a:lnRef idx="1">
-            <a:schemeClr val="accent1"/>
-          </a:lnRef>
-          <a:fillRef idx="0">
-            <a:schemeClr val="accent1"/>
-          </a:fillRef>
-          <a:effectRef idx="0">
-            <a:schemeClr val="accent1"/>
-          </a:effectRef>
-          <a:fontRef idx="minor">
-            <a:schemeClr val="tx1"/>
-          </a:fontRef>
-        </p:style>
-      </p:cxnSp>
-      <p:sp>
-        <p:nvSpPr>
-          <p:cNvPr id="6" name="TextBox 5">
-            <a:extLst>
-              <a:ext uri="{FF2B5EF4-FFF2-40B4-BE49-F238E27FC236}">
-                <a16:creationId xmlns:a16="http://schemas.microsoft.com/office/drawing/2014/main" id="{A509C352-54C4-07C6-1E55-AF5160929DFE}"/>
+      <p:pic>
+        <p:nvPicPr>
+          <p:cNvPr id="8" name="Picture 7">
+            <a:extLst>
+              <a:ext uri="{FF2B5EF4-FFF2-40B4-BE49-F238E27FC236}">
+                <a16:creationId xmlns:a16="http://schemas.microsoft.com/office/drawing/2014/main" id="{21F0FD66-6D1E-70B0-81FD-426B8F308423}"/>
+              </a:ext>
+            </a:extLst>
+          </p:cNvPr>
+          <p:cNvPicPr>
+            <a:picLocks noChangeAspect="1"/>
+          </p:cNvPicPr>
+          <p:nvPr/>
+        </p:nvPicPr>
+        <p:blipFill>
+          <a:blip r:embed="rId3"/>
+          <a:stretch>
+            <a:fillRect/>
+          </a:stretch>
+        </p:blipFill>
+        <p:spPr>
+          <a:xfrm>
+            <a:off x="540434" y="792023"/>
+            <a:ext cx="4889500" cy="330200"/>
+          </a:xfrm>
+          <a:prstGeom prst="rect">
+            <a:avLst/>
+          </a:prstGeom>
+        </p:spPr>
+      </p:pic>
+      <p:pic>
+        <p:nvPicPr>
+          <p:cNvPr id="9" name="Picture 8">
+            <a:extLst>
+              <a:ext uri="{FF2B5EF4-FFF2-40B4-BE49-F238E27FC236}">
+                <a16:creationId xmlns:a16="http://schemas.microsoft.com/office/drawing/2014/main" id="{130D36F0-A21F-E967-53D9-B55D91048E7C}"/>
+              </a:ext>
+            </a:extLst>
+          </p:cNvPr>
+          <p:cNvPicPr>
+            <a:picLocks noChangeAspect="1"/>
+          </p:cNvPicPr>
+          <p:nvPr/>
+        </p:nvPicPr>
+        <p:blipFill>
+          <a:blip r:embed="rId4"/>
+          <a:stretch>
+            <a:fillRect/>
+          </a:stretch>
+        </p:blipFill>
+        <p:spPr>
+          <a:xfrm>
+            <a:off x="540434" y="1209662"/>
+            <a:ext cx="4241800" cy="508000"/>
+          </a:xfrm>
+          <a:prstGeom prst="rect">
+            <a:avLst/>
+          </a:prstGeom>
+        </p:spPr>
+      </p:pic>
+      <p:pic>
+        <p:nvPicPr>
+          <p:cNvPr id="10" name="Picture 9">
+            <a:extLst>
+              <a:ext uri="{FF2B5EF4-FFF2-40B4-BE49-F238E27FC236}">
+                <a16:creationId xmlns:a16="http://schemas.microsoft.com/office/drawing/2014/main" id="{DC76B15E-E541-E67B-3201-D74761C8B0B9}"/>
+              </a:ext>
+            </a:extLst>
+          </p:cNvPr>
+          <p:cNvPicPr>
+            <a:picLocks noChangeAspect="1"/>
+          </p:cNvPicPr>
+          <p:nvPr/>
+        </p:nvPicPr>
+        <p:blipFill>
+          <a:blip r:embed="rId5"/>
+          <a:stretch>
+            <a:fillRect/>
+          </a:stretch>
+        </p:blipFill>
+        <p:spPr>
+          <a:xfrm>
+            <a:off x="4244768" y="2017193"/>
+            <a:ext cx="7772400" cy="382987"/>
+          </a:xfrm>
+          <a:prstGeom prst="rect">
+            <a:avLst/>
+          </a:prstGeom>
+        </p:spPr>
+      </p:pic>
+      <p:pic>
+        <p:nvPicPr>
+          <p:cNvPr id="11" name="Picture 10">
+            <a:extLst>
+              <a:ext uri="{FF2B5EF4-FFF2-40B4-BE49-F238E27FC236}">
+                <a16:creationId xmlns:a16="http://schemas.microsoft.com/office/drawing/2014/main" id="{1E0887DF-92D8-BCBE-104F-0FF6894E45EA}"/>
+              </a:ext>
+            </a:extLst>
+          </p:cNvPr>
+          <p:cNvPicPr>
+            <a:picLocks noChangeAspect="1"/>
+          </p:cNvPicPr>
+          <p:nvPr/>
+        </p:nvPicPr>
+        <p:blipFill>
+          <a:blip r:embed="rId6"/>
+          <a:stretch>
+            <a:fillRect/>
+          </a:stretch>
+        </p:blipFill>
+        <p:spPr>
+          <a:xfrm>
+            <a:off x="4244768" y="2494076"/>
+            <a:ext cx="1917700" cy="533400"/>
+          </a:xfrm>
+          <a:prstGeom prst="rect">
+            <a:avLst/>
+          </a:prstGeom>
+        </p:spPr>
+      </p:pic>
+      <p:pic>
+        <p:nvPicPr>
+          <p:cNvPr id="12" name="Picture 11">
+            <a:extLst>
+              <a:ext uri="{FF2B5EF4-FFF2-40B4-BE49-F238E27FC236}">
+                <a16:creationId xmlns:a16="http://schemas.microsoft.com/office/drawing/2014/main" id="{A483AC15-F8E9-851E-29AE-5A8889831DC1}"/>
+              </a:ext>
+            </a:extLst>
+          </p:cNvPr>
+          <p:cNvPicPr>
+            <a:picLocks noChangeAspect="1"/>
+          </p:cNvPicPr>
+          <p:nvPr/>
+        </p:nvPicPr>
+        <p:blipFill>
+          <a:blip r:embed="rId7"/>
+          <a:stretch>
+            <a:fillRect/>
+          </a:stretch>
+        </p:blipFill>
+        <p:spPr>
+          <a:xfrm>
+            <a:off x="4244768" y="3121372"/>
+            <a:ext cx="2501900" cy="800100"/>
+          </a:xfrm>
+          <a:prstGeom prst="rect">
+            <a:avLst/>
+          </a:prstGeom>
+        </p:spPr>
+      </p:pic>
+      <p:pic>
+        <p:nvPicPr>
+          <p:cNvPr id="13" name="Picture 12">
+            <a:extLst>
+              <a:ext uri="{FF2B5EF4-FFF2-40B4-BE49-F238E27FC236}">
+                <a16:creationId xmlns:a16="http://schemas.microsoft.com/office/drawing/2014/main" id="{3598E7ED-B347-0033-29C1-A518472CB09F}"/>
+              </a:ext>
+            </a:extLst>
+          </p:cNvPr>
+          <p:cNvPicPr>
+            <a:picLocks noChangeAspect="1"/>
+          </p:cNvPicPr>
+          <p:nvPr/>
+        </p:nvPicPr>
+        <p:blipFill>
+          <a:blip r:embed="rId8"/>
+          <a:stretch>
+            <a:fillRect/>
+          </a:stretch>
+        </p:blipFill>
+        <p:spPr>
+          <a:xfrm>
+            <a:off x="4244768" y="4015368"/>
+            <a:ext cx="5346700" cy="1181100"/>
+          </a:xfrm>
+          <a:prstGeom prst="rect">
+            <a:avLst/>
+          </a:prstGeom>
+        </p:spPr>
+      </p:pic>
+      <p:sp>
+        <p:nvSpPr>
+          <p:cNvPr id="14" name="TextBox 13">
+            <a:extLst>
+              <a:ext uri="{FF2B5EF4-FFF2-40B4-BE49-F238E27FC236}">
+                <a16:creationId xmlns:a16="http://schemas.microsoft.com/office/drawing/2014/main" id="{324BE73B-816F-9E18-728B-C2CD118CAB28}"/>
               </a:ext>
             </a:extLst>
           </p:cNvPr>
@@ -8951,8 +9323,8 @@
         </p:nvSpPr>
         <p:spPr>
           <a:xfrm>
-            <a:off x="10428194" y="1710391"/>
-            <a:ext cx="1667435" cy="2031325"/>
+            <a:off x="223666" y="2980023"/>
+            <a:ext cx="2927396" cy="3416320"/>
           </a:xfrm>
           <a:prstGeom prst="rect">
             <a:avLst/>
@@ -8967,7 +9339,125 @@
           <a:p>
             <a:r>
               <a:rPr lang="en-US" dirty="0"/>
-              <a:t>Now species has been replaced by an integer representing the group (1,2,3)</a:t>
+              <a:t>Key Points</a:t>
+            </a:r>
+          </a:p>
+          <a:p>
+            <a:pPr marL="285750" indent="-285750">
+              <a:buFont typeface="Arial" panose="020B0604020202020204" pitchFamily="34" charset="0"/>
+              <a:buChar char="•"/>
+            </a:pPr>
+            <a:r>
+              <a:rPr lang="en-US" dirty="0"/>
+              <a:t>Characters are less picky and behave as you’d expect</a:t>
+            </a:r>
+          </a:p>
+          <a:p>
+            <a:pPr marL="285750" indent="-285750">
+              <a:buFont typeface="Arial" panose="020B0604020202020204" pitchFamily="34" charset="0"/>
+              <a:buChar char="•"/>
+            </a:pPr>
+            <a:r>
+              <a:rPr lang="en-US" dirty="0"/>
+              <a:t>Factors have predetermined levels </a:t>
+            </a:r>
+          </a:p>
+          <a:p>
+            <a:pPr marL="285750" indent="-285750">
+              <a:buFont typeface="Arial" panose="020B0604020202020204" pitchFamily="34" charset="0"/>
+              <a:buChar char="•"/>
+            </a:pPr>
+            <a:r>
+              <a:rPr lang="en-US" dirty="0"/>
+              <a:t>Factors have an order with a base</a:t>
+            </a:r>
+          </a:p>
+          <a:p>
+            <a:pPr marL="285750" indent="-285750">
+              <a:buFont typeface="Arial" panose="020B0604020202020204" pitchFamily="34" charset="0"/>
+              <a:buChar char="•"/>
+            </a:pPr>
+            <a:r>
+              <a:rPr lang="en-US" dirty="0"/>
+              <a:t>Base R will read in all strings as factors (</a:t>
+            </a:r>
+            <a:r>
+              <a:rPr lang="en-US" dirty="0" err="1"/>
+              <a:t>read.csv</a:t>
+            </a:r>
+            <a:r>
+              <a:rPr lang="en-US" dirty="0"/>
+              <a:t>) – but this can be turned off globally</a:t>
+            </a:r>
+          </a:p>
+        </p:txBody>
+      </p:sp>
+      <p:sp>
+        <p:nvSpPr>
+          <p:cNvPr id="3" name="TextBox 2">
+            <a:extLst>
+              <a:ext uri="{FF2B5EF4-FFF2-40B4-BE49-F238E27FC236}">
+                <a16:creationId xmlns:a16="http://schemas.microsoft.com/office/drawing/2014/main" id="{43FA81D7-8DF9-59C7-ADAC-3D4D4FFACB2E}"/>
+              </a:ext>
+            </a:extLst>
+          </p:cNvPr>
+          <p:cNvSpPr txBox="1"/>
+          <p:nvPr/>
+        </p:nvSpPr>
+        <p:spPr>
+          <a:xfrm>
+            <a:off x="7409768" y="1647861"/>
+            <a:ext cx="1754841" cy="369332"/>
+          </a:xfrm>
+          <a:prstGeom prst="rect">
+            <a:avLst/>
+          </a:prstGeom>
+          <a:noFill/>
+        </p:spPr>
+        <p:txBody>
+          <a:bodyPr wrap="square" rtlCol="0">
+            <a:spAutoFit/>
+          </a:bodyPr>
+          <a:lstStyle/>
+          <a:p>
+            <a:r>
+              <a:rPr lang="en-US" dirty="0"/>
+              <a:t>Factor</a:t>
+            </a:r>
+          </a:p>
+        </p:txBody>
+      </p:sp>
+      <p:sp>
+        <p:nvSpPr>
+          <p:cNvPr id="4" name="TextBox 3">
+            <a:extLst>
+              <a:ext uri="{FF2B5EF4-FFF2-40B4-BE49-F238E27FC236}">
+                <a16:creationId xmlns:a16="http://schemas.microsoft.com/office/drawing/2014/main" id="{F171264E-4FBC-5267-3DB2-AC65EC259D7C}"/>
+              </a:ext>
+            </a:extLst>
+          </p:cNvPr>
+          <p:cNvSpPr txBox="1"/>
+          <p:nvPr/>
+        </p:nvSpPr>
+        <p:spPr>
+          <a:xfrm>
+            <a:off x="2218702" y="422691"/>
+            <a:ext cx="1532964" cy="369332"/>
+          </a:xfrm>
+          <a:prstGeom prst="rect">
+            <a:avLst/>
+          </a:prstGeom>
+          <a:noFill/>
+        </p:spPr>
+        <p:txBody>
+          <a:bodyPr wrap="square" rtlCol="0">
+            <a:spAutoFit/>
+          </a:bodyPr>
+          <a:lstStyle/>
+          <a:p>
+            <a:r>
+              <a:rPr lang="en-US" dirty="0"/>
+              <a:t>Character</a:t>
             </a:r>
           </a:p>
         </p:txBody>
@@ -8975,7 +9465,7 @@
     </p:spTree>
     <p:extLst>
       <p:ext uri="{BB962C8B-B14F-4D97-AF65-F5344CB8AC3E}">
-        <p14:creationId xmlns:p14="http://schemas.microsoft.com/office/powerpoint/2010/main" val="1792948456"/>
+        <p14:creationId xmlns:p14="http://schemas.microsoft.com/office/powerpoint/2010/main" val="2915126508"/>
       </p:ext>
     </p:extLst>
   </p:cSld>
